--- a/presentation/presentation.pptx
+++ b/presentation/presentation.pptx
@@ -10,15 +10,15 @@
   <p:sldIdLst>
     <p:sldId id="256" r:id="rId2"/>
     <p:sldId id="268" r:id="rId3"/>
-    <p:sldId id="259" r:id="rId4"/>
+    <p:sldId id="280" r:id="rId4"/>
     <p:sldId id="270" r:id="rId5"/>
     <p:sldId id="271" r:id="rId6"/>
     <p:sldId id="272" r:id="rId7"/>
     <p:sldId id="273" r:id="rId8"/>
-    <p:sldId id="277" r:id="rId9"/>
+    <p:sldId id="279" r:id="rId9"/>
     <p:sldId id="274" r:id="rId10"/>
     <p:sldId id="263" r:id="rId11"/>
-    <p:sldId id="267" r:id="rId12"/>
+    <p:sldId id="278" r:id="rId12"/>
   </p:sldIdLst>
   <p:sldSz cx="18288000" cy="10287000"/>
   <p:notesSz cx="6858000" cy="9144000"/>
@@ -31,38 +31,34 @@
       <p:boldItalic r:id="rId17"/>
     </p:embeddedFont>
     <p:embeddedFont>
-      <p:font typeface="Nunito Sans" panose="020B0604020202020204" charset="0"/>
+      <p:font typeface="Nunito Sans Heavy" panose="020B0604020202020204" charset="0"/>
       <p:regular r:id="rId18"/>
     </p:embeddedFont>
     <p:embeddedFont>
-      <p:font typeface="Nunito Sans Heavy" panose="020B0604020202020204" charset="0"/>
+      <p:font typeface="Nunito Sans Semi-Bold" panose="020B0604020202020204" charset="0"/>
       <p:regular r:id="rId19"/>
     </p:embeddedFont>
     <p:embeddedFont>
-      <p:font typeface="Nunito Sans Semi-Bold" panose="020B0604020202020204" charset="0"/>
+      <p:font typeface="Roboto" panose="02000000000000000000" pitchFamily="2" charset="0"/>
       <p:regular r:id="rId20"/>
-    </p:embeddedFont>
-    <p:embeddedFont>
-      <p:font typeface="Roboto" panose="02000000000000000000" pitchFamily="2" charset="0"/>
-      <p:regular r:id="rId21"/>
-      <p:bold r:id="rId22"/>
-      <p:italic r:id="rId23"/>
-      <p:boldItalic r:id="rId24"/>
+      <p:bold r:id="rId21"/>
+      <p:italic r:id="rId22"/>
+      <p:boldItalic r:id="rId23"/>
     </p:embeddedFont>
     <p:embeddedFont>
       <p:font typeface="Roboto Light" panose="02000000000000000000" pitchFamily="2" charset="0"/>
-      <p:regular r:id="rId25"/>
-      <p:italic r:id="rId26"/>
+      <p:regular r:id="rId24"/>
+      <p:italic r:id="rId25"/>
     </p:embeddedFont>
     <p:embeddedFont>
       <p:font typeface="Roboto Medium" panose="02000000000000000000" pitchFamily="2" charset="0"/>
-      <p:regular r:id="rId27"/>
-      <p:italic r:id="rId28"/>
+      <p:regular r:id="rId26"/>
+      <p:italic r:id="rId27"/>
     </p:embeddedFont>
     <p:embeddedFont>
       <p:font typeface="Roboto Thin" panose="02000000000000000000" pitchFamily="2" charset="0"/>
-      <p:regular r:id="rId29"/>
-      <p:italic r:id="rId30"/>
+      <p:regular r:id="rId28"/>
+      <p:italic r:id="rId29"/>
     </p:embeddedFont>
   </p:embeddedFontLst>
   <p:defaultTextStyle>
@@ -202,127 +198,18 @@
         <c:grouping val="clustered"/>
         <c:varyColors val="0"/>
         <c:ser>
-          <c:idx val="0"/>
-          <c:order val="0"/>
-          <c:tx>
-            <c:v>mnesia</c:v>
-          </c:tx>
-          <c:spPr>
-            <a:solidFill>
-              <a:schemeClr val="accent2"/>
-            </a:solidFill>
-            <a:ln>
-              <a:noFill/>
-            </a:ln>
-            <a:effectLst/>
-          </c:spPr>
-          <c:invertIfNegative val="0"/>
-          <c:cat>
-            <c:strRef>
-              <c:f>Munka1!$T$19:$T$31</c:f>
-              <c:strCache>
-                <c:ptCount val="13"/>
-                <c:pt idx="0">
-                  <c:v>L1</c:v>
-                </c:pt>
-                <c:pt idx="1">
-                  <c:v>L2</c:v>
-                </c:pt>
-                <c:pt idx="2">
-                  <c:v>L3</c:v>
-                </c:pt>
-                <c:pt idx="3">
-                  <c:v>L4</c:v>
-                </c:pt>
-                <c:pt idx="4">
-                  <c:v>L5</c:v>
-                </c:pt>
-                <c:pt idx="5">
-                  <c:v>L6</c:v>
-                </c:pt>
-                <c:pt idx="6">
-                  <c:v>L7</c:v>
-                </c:pt>
-                <c:pt idx="7">
-                  <c:v>L8</c:v>
-                </c:pt>
-                <c:pt idx="8">
-                  <c:v>L9</c:v>
-                </c:pt>
-                <c:pt idx="9">
-                  <c:v>L10</c:v>
-                </c:pt>
-                <c:pt idx="10">
-                  <c:v>L11</c:v>
-                </c:pt>
-                <c:pt idx="11">
-                  <c:v>L12</c:v>
-                </c:pt>
-                <c:pt idx="12">
-                  <c:v>L13</c:v>
-                </c:pt>
-              </c:strCache>
-            </c:strRef>
-          </c:cat>
-          <c:val>
-            <c:numRef>
-              <c:f>Munka1!$U$19:$U$31</c:f>
-              <c:numCache>
-                <c:formatCode>0.00%</c:formatCode>
-                <c:ptCount val="13"/>
-                <c:pt idx="0">
-                  <c:v>1</c:v>
-                </c:pt>
-                <c:pt idx="1">
-                  <c:v>1</c:v>
-                </c:pt>
-                <c:pt idx="2">
-                  <c:v>1</c:v>
-                </c:pt>
-                <c:pt idx="3">
-                  <c:v>1</c:v>
-                </c:pt>
-                <c:pt idx="4">
-                  <c:v>1</c:v>
-                </c:pt>
-                <c:pt idx="5">
-                  <c:v>1</c:v>
-                </c:pt>
-                <c:pt idx="6">
-                  <c:v>1</c:v>
-                </c:pt>
-                <c:pt idx="7">
-                  <c:v>1</c:v>
-                </c:pt>
-                <c:pt idx="8">
-                  <c:v>1</c:v>
-                </c:pt>
-                <c:pt idx="9">
-                  <c:v>1</c:v>
-                </c:pt>
-                <c:pt idx="10">
-                  <c:v>1</c:v>
-                </c:pt>
-                <c:pt idx="11">
-                  <c:v>1</c:v>
-                </c:pt>
-                <c:pt idx="12">
-                  <c:v>1</c:v>
-                </c:pt>
-              </c:numCache>
-            </c:numRef>
-          </c:val>
-          <c:extLst>
-            <c:ext xmlns:c16="http://schemas.microsoft.com/office/drawing/2014/chart" uri="{C3380CC4-5D6E-409C-BE32-E72D297353CC}">
-              <c16:uniqueId val="{00000000-4358-4661-89E3-9164C20C77A9}"/>
-            </c:ext>
-          </c:extLst>
-        </c:ser>
-        <c:ser>
           <c:idx val="3"/>
           <c:order val="1"/>
           <c:tx>
-            <c:v>map</c:v>
+            <c:strRef>
+              <c:f>Munka1!$X$18</c:f>
+              <c:strCache>
+                <c:ptCount val="1"/>
+                <c:pt idx="0">
+                  <c:v>Map</c:v>
+                </c:pt>
+              </c:strCache>
+            </c:strRef>
           </c:tx>
           <c:spPr>
             <a:solidFill>
@@ -340,43 +227,43 @@
               <c:strCache>
                 <c:ptCount val="13"/>
                 <c:pt idx="0">
-                  <c:v>L1</c:v>
+                  <c:v>S1</c:v>
                 </c:pt>
                 <c:pt idx="1">
-                  <c:v>L2</c:v>
+                  <c:v>S2</c:v>
                 </c:pt>
                 <c:pt idx="2">
-                  <c:v>L3</c:v>
+                  <c:v>S3</c:v>
                 </c:pt>
                 <c:pt idx="3">
-                  <c:v>L4</c:v>
+                  <c:v>S4</c:v>
                 </c:pt>
                 <c:pt idx="4">
-                  <c:v>L5</c:v>
+                  <c:v>S5</c:v>
                 </c:pt>
                 <c:pt idx="5">
-                  <c:v>L6</c:v>
+                  <c:v>S6</c:v>
                 </c:pt>
                 <c:pt idx="6">
-                  <c:v>L7</c:v>
+                  <c:v>S7</c:v>
                 </c:pt>
                 <c:pt idx="7">
-                  <c:v>L8</c:v>
+                  <c:v>S8</c:v>
                 </c:pt>
                 <c:pt idx="8">
-                  <c:v>L9</c:v>
+                  <c:v>S9</c:v>
                 </c:pt>
                 <c:pt idx="9">
-                  <c:v>L10</c:v>
+                  <c:v>S10</c:v>
                 </c:pt>
                 <c:pt idx="10">
-                  <c:v>L11</c:v>
+                  <c:v>S11</c:v>
                 </c:pt>
                 <c:pt idx="11">
-                  <c:v>L12</c:v>
+                  <c:v>S12</c:v>
                 </c:pt>
                 <c:pt idx="12">
-                  <c:v>L13</c:v>
+                  <c:v>S13</c:v>
                 </c:pt>
               </c:strCache>
             </c:strRef>
@@ -431,7 +318,7 @@
           </c:val>
           <c:extLst>
             <c:ext xmlns:c16="http://schemas.microsoft.com/office/drawing/2014/chart" uri="{C3380CC4-5D6E-409C-BE32-E72D297353CC}">
-              <c16:uniqueId val="{00000001-4358-4661-89E3-9164C20C77A9}"/>
+              <c16:uniqueId val="{00000000-71BF-480B-8790-26A25412796A}"/>
             </c:ext>
           </c:extLst>
         </c:ser>
@@ -439,7 +326,15 @@
           <c:idx val="2"/>
           <c:order val="2"/>
           <c:tx>
-            <c:v>kyoto</c:v>
+            <c:strRef>
+              <c:f>Munka1!$W$18</c:f>
+              <c:strCache>
+                <c:ptCount val="1"/>
+                <c:pt idx="0">
+                  <c:v>Kyoto</c:v>
+                </c:pt>
+              </c:strCache>
+            </c:strRef>
           </c:tx>
           <c:spPr>
             <a:solidFill>
@@ -457,43 +352,43 @@
               <c:strCache>
                 <c:ptCount val="13"/>
                 <c:pt idx="0">
-                  <c:v>L1</c:v>
+                  <c:v>S1</c:v>
                 </c:pt>
                 <c:pt idx="1">
-                  <c:v>L2</c:v>
+                  <c:v>S2</c:v>
                 </c:pt>
                 <c:pt idx="2">
-                  <c:v>L3</c:v>
+                  <c:v>S3</c:v>
                 </c:pt>
                 <c:pt idx="3">
-                  <c:v>L4</c:v>
+                  <c:v>S4</c:v>
                 </c:pt>
                 <c:pt idx="4">
-                  <c:v>L5</c:v>
+                  <c:v>S5</c:v>
                 </c:pt>
                 <c:pt idx="5">
-                  <c:v>L6</c:v>
+                  <c:v>S6</c:v>
                 </c:pt>
                 <c:pt idx="6">
-                  <c:v>L7</c:v>
+                  <c:v>S7</c:v>
                 </c:pt>
                 <c:pt idx="7">
-                  <c:v>L8</c:v>
+                  <c:v>S8</c:v>
                 </c:pt>
                 <c:pt idx="8">
-                  <c:v>L9</c:v>
+                  <c:v>S9</c:v>
                 </c:pt>
                 <c:pt idx="9">
-                  <c:v>L10</c:v>
+                  <c:v>S10</c:v>
                 </c:pt>
                 <c:pt idx="10">
-                  <c:v>L11</c:v>
+                  <c:v>S11</c:v>
                 </c:pt>
                 <c:pt idx="11">
-                  <c:v>L12</c:v>
+                  <c:v>S12</c:v>
                 </c:pt>
                 <c:pt idx="12">
-                  <c:v>L13</c:v>
+                  <c:v>S13</c:v>
                 </c:pt>
               </c:strCache>
             </c:strRef>
@@ -548,7 +443,7 @@
           </c:val>
           <c:extLst>
             <c:ext xmlns:c16="http://schemas.microsoft.com/office/drawing/2014/chart" uri="{C3380CC4-5D6E-409C-BE32-E72D297353CC}">
-              <c16:uniqueId val="{00000002-4358-4661-89E3-9164C20C77A9}"/>
+              <c16:uniqueId val="{00000001-71BF-480B-8790-26A25412796A}"/>
             </c:ext>
           </c:extLst>
         </c:ser>
@@ -556,7 +451,15 @@
           <c:idx val="1"/>
           <c:order val="3"/>
           <c:tx>
-            <c:v>nif</c:v>
+            <c:strRef>
+              <c:f>Munka1!$V$18</c:f>
+              <c:strCache>
+                <c:ptCount val="1"/>
+                <c:pt idx="0">
+                  <c:v>NIF</c:v>
+                </c:pt>
+              </c:strCache>
+            </c:strRef>
           </c:tx>
           <c:spPr>
             <a:solidFill>
@@ -574,43 +477,43 @@
               <c:strCache>
                 <c:ptCount val="13"/>
                 <c:pt idx="0">
-                  <c:v>L1</c:v>
+                  <c:v>S1</c:v>
                 </c:pt>
                 <c:pt idx="1">
-                  <c:v>L2</c:v>
+                  <c:v>S2</c:v>
                 </c:pt>
                 <c:pt idx="2">
-                  <c:v>L3</c:v>
+                  <c:v>S3</c:v>
                 </c:pt>
                 <c:pt idx="3">
-                  <c:v>L4</c:v>
+                  <c:v>S4</c:v>
                 </c:pt>
                 <c:pt idx="4">
-                  <c:v>L5</c:v>
+                  <c:v>S5</c:v>
                 </c:pt>
                 <c:pt idx="5">
-                  <c:v>L6</c:v>
+                  <c:v>S6</c:v>
                 </c:pt>
                 <c:pt idx="6">
-                  <c:v>L7</c:v>
+                  <c:v>S7</c:v>
                 </c:pt>
                 <c:pt idx="7">
-                  <c:v>L8</c:v>
+                  <c:v>S8</c:v>
                 </c:pt>
                 <c:pt idx="8">
-                  <c:v>L9</c:v>
+                  <c:v>S9</c:v>
                 </c:pt>
                 <c:pt idx="9">
-                  <c:v>L10</c:v>
+                  <c:v>S10</c:v>
                 </c:pt>
                 <c:pt idx="10">
-                  <c:v>L11</c:v>
+                  <c:v>S11</c:v>
                 </c:pt>
                 <c:pt idx="11">
-                  <c:v>L12</c:v>
+                  <c:v>S12</c:v>
                 </c:pt>
                 <c:pt idx="12">
-                  <c:v>L13</c:v>
+                  <c:v>S13</c:v>
                 </c:pt>
               </c:strCache>
             </c:strRef>
@@ -665,7 +568,7 @@
           </c:val>
           <c:extLst>
             <c:ext xmlns:c16="http://schemas.microsoft.com/office/drawing/2014/chart" uri="{C3380CC4-5D6E-409C-BE32-E72D297353CC}">
-              <c16:uniqueId val="{00000003-4358-4661-89E3-9164C20C77A9}"/>
+              <c16:uniqueId val="{00000002-71BF-480B-8790-26A25412796A}"/>
             </c:ext>
           </c:extLst>
         </c:ser>
@@ -679,11 +582,165 @@
         </c:dLbls>
         <c:gapWidth val="219"/>
         <c:overlap val="-27"/>
-        <c:axId val="199818688"/>
-        <c:axId val="245329088"/>
+        <c:axId val="468459600"/>
+        <c:axId val="574993824"/>
       </c:barChart>
+      <c:lineChart>
+        <c:grouping val="standard"/>
+        <c:varyColors val="0"/>
+        <c:ser>
+          <c:idx val="0"/>
+          <c:order val="0"/>
+          <c:tx>
+            <c:strRef>
+              <c:f>Munka1!$U$18</c:f>
+              <c:strCache>
+                <c:ptCount val="1"/>
+                <c:pt idx="0">
+                  <c:v>Mnesia</c:v>
+                </c:pt>
+              </c:strCache>
+            </c:strRef>
+          </c:tx>
+          <c:spPr>
+            <a:ln w="28575" cap="rnd">
+              <a:solidFill>
+                <a:srgbClr val="EE0000"/>
+              </a:solidFill>
+              <a:round/>
+            </a:ln>
+            <a:effectLst/>
+          </c:spPr>
+          <c:marker>
+            <c:symbol val="circle"/>
+            <c:size val="5"/>
+            <c:spPr>
+              <a:solidFill>
+                <a:srgbClr val="EE0000"/>
+              </a:solidFill>
+              <a:ln w="9525">
+                <a:noFill/>
+              </a:ln>
+              <a:effectLst/>
+            </c:spPr>
+          </c:marker>
+          <c:cat>
+            <c:strRef>
+              <c:f>Munka1!$T$19:$T$31</c:f>
+              <c:strCache>
+                <c:ptCount val="13"/>
+                <c:pt idx="0">
+                  <c:v>S1</c:v>
+                </c:pt>
+                <c:pt idx="1">
+                  <c:v>S2</c:v>
+                </c:pt>
+                <c:pt idx="2">
+                  <c:v>S3</c:v>
+                </c:pt>
+                <c:pt idx="3">
+                  <c:v>S4</c:v>
+                </c:pt>
+                <c:pt idx="4">
+                  <c:v>S5</c:v>
+                </c:pt>
+                <c:pt idx="5">
+                  <c:v>S6</c:v>
+                </c:pt>
+                <c:pt idx="6">
+                  <c:v>S7</c:v>
+                </c:pt>
+                <c:pt idx="7">
+                  <c:v>S8</c:v>
+                </c:pt>
+                <c:pt idx="8">
+                  <c:v>S9</c:v>
+                </c:pt>
+                <c:pt idx="9">
+                  <c:v>S10</c:v>
+                </c:pt>
+                <c:pt idx="10">
+                  <c:v>S11</c:v>
+                </c:pt>
+                <c:pt idx="11">
+                  <c:v>S12</c:v>
+                </c:pt>
+                <c:pt idx="12">
+                  <c:v>S13</c:v>
+                </c:pt>
+              </c:strCache>
+            </c:strRef>
+          </c:cat>
+          <c:val>
+            <c:numRef>
+              <c:f>Munka1!$U$19:$U$31</c:f>
+              <c:numCache>
+                <c:formatCode>0.00%</c:formatCode>
+                <c:ptCount val="13"/>
+                <c:pt idx="0">
+                  <c:v>1</c:v>
+                </c:pt>
+                <c:pt idx="1">
+                  <c:v>1</c:v>
+                </c:pt>
+                <c:pt idx="2">
+                  <c:v>1</c:v>
+                </c:pt>
+                <c:pt idx="3">
+                  <c:v>1</c:v>
+                </c:pt>
+                <c:pt idx="4">
+                  <c:v>1</c:v>
+                </c:pt>
+                <c:pt idx="5">
+                  <c:v>1</c:v>
+                </c:pt>
+                <c:pt idx="6">
+                  <c:v>1</c:v>
+                </c:pt>
+                <c:pt idx="7">
+                  <c:v>1</c:v>
+                </c:pt>
+                <c:pt idx="8">
+                  <c:v>1</c:v>
+                </c:pt>
+                <c:pt idx="9">
+                  <c:v>1</c:v>
+                </c:pt>
+                <c:pt idx="10">
+                  <c:v>1</c:v>
+                </c:pt>
+                <c:pt idx="11">
+                  <c:v>1</c:v>
+                </c:pt>
+                <c:pt idx="12">
+                  <c:v>1</c:v>
+                </c:pt>
+              </c:numCache>
+            </c:numRef>
+          </c:val>
+          <c:smooth val="0"/>
+          <c:extLst>
+            <c:ext xmlns:c16="http://schemas.microsoft.com/office/drawing/2014/chart" uri="{C3380CC4-5D6E-409C-BE32-E72D297353CC}">
+              <c16:uniqueId val="{00000003-71BF-480B-8790-26A25412796A}"/>
+            </c:ext>
+          </c:extLst>
+        </c:ser>
+        <c:dLbls>
+          <c:showLegendKey val="0"/>
+          <c:showVal val="0"/>
+          <c:showCatName val="0"/>
+          <c:showSerName val="0"/>
+          <c:showPercent val="0"/>
+          <c:showBubbleSize val="0"/>
+        </c:dLbls>
+        <c:marker val="1"/>
+        <c:smooth val="0"/>
+        <c:axId val="468459600"/>
+        <c:axId val="574993824"/>
+      </c:lineChart>
       <c:catAx>
-        <c:axId val="199818688"/>
+        <c:axId val="468459600"/>
         <c:scaling>
           <c:orientation val="minMax"/>
         </c:scaling>
@@ -711,22 +768,22 @@
           <a:lstStyle/>
           <a:p>
             <a:pPr>
-              <a:defRPr sz="1400" b="0" i="0" u="none" strike="noStrike" kern="1200" baseline="0">
+              <a:defRPr sz="1200" b="0" i="0" u="none" strike="noStrike" kern="1200" baseline="0">
                 <a:solidFill>
                   <a:schemeClr val="tx1">
                     <a:lumMod val="65000"/>
                     <a:lumOff val="35000"/>
                   </a:schemeClr>
                 </a:solidFill>
-                <a:latin typeface="Roboto" panose="02000000000000000000" pitchFamily="2" charset="0"/>
-                <a:ea typeface="Roboto" panose="02000000000000000000" pitchFamily="2" charset="0"/>
+                <a:latin typeface="Roboto Light" panose="02000000000000000000" pitchFamily="2" charset="0"/>
+                <a:ea typeface="Roboto Light" panose="02000000000000000000" pitchFamily="2" charset="0"/>
                 <a:cs typeface="+mn-cs"/>
               </a:defRPr>
             </a:pPr>
             <a:endParaRPr lang="hu-HU"/>
           </a:p>
         </c:txPr>
-        <c:crossAx val="245329088"/>
+        <c:crossAx val="574993824"/>
         <c:crosses val="autoZero"/>
         <c:auto val="1"/>
         <c:lblAlgn val="ctr"/>
@@ -734,7 +791,7 @@
         <c:noMultiLvlLbl val="0"/>
       </c:catAx>
       <c:valAx>
-        <c:axId val="245329088"/>
+        <c:axId val="574993824"/>
         <c:scaling>
           <c:orientation val="minMax"/>
           <c:max val="1.8"/>
@@ -771,22 +828,22 @@
           <a:lstStyle/>
           <a:p>
             <a:pPr>
-              <a:defRPr sz="1000" b="0" i="0" u="none" strike="noStrike" kern="1200" baseline="0">
+              <a:defRPr sz="1200" b="0" i="0" u="none" strike="noStrike" kern="1200" baseline="0">
                 <a:solidFill>
                   <a:schemeClr val="tx1">
                     <a:lumMod val="65000"/>
                     <a:lumOff val="35000"/>
                   </a:schemeClr>
                 </a:solidFill>
-                <a:latin typeface="Roboto" panose="02000000000000000000" pitchFamily="2" charset="0"/>
-                <a:ea typeface="Roboto" panose="02000000000000000000" pitchFamily="2" charset="0"/>
+                <a:latin typeface="Roboto Light" panose="02000000000000000000" pitchFamily="2" charset="0"/>
+                <a:ea typeface="Roboto Light" panose="02000000000000000000" pitchFamily="2" charset="0"/>
                 <a:cs typeface="+mn-cs"/>
               </a:defRPr>
             </a:pPr>
             <a:endParaRPr lang="hu-HU"/>
           </a:p>
         </c:txPr>
-        <c:crossAx val="199818688"/>
+        <c:crossAx val="468459600"/>
         <c:crosses val="autoZero"/>
         <c:crossBetween val="between"/>
       </c:valAx>
@@ -815,15 +872,15 @@
         <a:lstStyle/>
         <a:p>
           <a:pPr>
-            <a:defRPr sz="900" b="0" i="0" u="none" strike="noStrike" kern="1200" baseline="0">
+            <a:defRPr sz="1800" b="0" i="0" u="none" strike="noStrike" kern="1200" baseline="0">
               <a:solidFill>
                 <a:schemeClr val="tx1">
                   <a:lumMod val="65000"/>
                   <a:lumOff val="35000"/>
                 </a:schemeClr>
               </a:solidFill>
-              <a:latin typeface="+mn-lt"/>
-              <a:ea typeface="+mn-ea"/>
+              <a:latin typeface="Roboto Light" panose="02000000000000000000" pitchFamily="2" charset="0"/>
+              <a:ea typeface="Roboto Light" panose="02000000000000000000" pitchFamily="2" charset="0"/>
               <a:cs typeface="+mn-cs"/>
             </a:defRPr>
           </a:pPr>
@@ -847,7 +904,10 @@
     <a:lstStyle/>
     <a:p>
       <a:pPr>
-        <a:defRPr/>
+        <a:defRPr sz="1200">
+          <a:latin typeface="Roboto Light" panose="02000000000000000000" pitchFamily="2" charset="0"/>
+          <a:ea typeface="Roboto Light" panose="02000000000000000000" pitchFamily="2" charset="0"/>
+        </a:defRPr>
       </a:pPr>
       <a:endParaRPr lang="hu-HU"/>
     </a:p>
@@ -881,22 +941,22 @@
         <c:grouping val="clustered"/>
         <c:varyColors val="0"/>
         <c:ser>
-          <c:idx val="0"/>
-          <c:order val="0"/>
+          <c:idx val="3"/>
+          <c:order val="1"/>
           <c:tx>
             <c:strRef>
-              <c:f>Munka1!$AA$18</c:f>
+              <c:f>Munka1!$X$18</c:f>
               <c:strCache>
                 <c:ptCount val="1"/>
                 <c:pt idx="0">
-                  <c:v>Mnesia</c:v>
+                  <c:v>Map</c:v>
                 </c:pt>
               </c:strCache>
             </c:strRef>
           </c:tx>
           <c:spPr>
             <a:solidFill>
-              <a:schemeClr val="accent2"/>
+              <a:schemeClr val="accent1"/>
             </a:solidFill>
             <a:ln>
               <a:noFill/>
@@ -953,386 +1013,6 @@
           </c:cat>
           <c:val>
             <c:numRef>
-              <c:f>Munka1!$AA$19:$AA$31</c:f>
-              <c:numCache>
-                <c:formatCode>0.00%</c:formatCode>
-                <c:ptCount val="13"/>
-                <c:pt idx="0">
-                  <c:v>1</c:v>
-                </c:pt>
-                <c:pt idx="1">
-                  <c:v>1</c:v>
-                </c:pt>
-                <c:pt idx="2">
-                  <c:v>1</c:v>
-                </c:pt>
-                <c:pt idx="3">
-                  <c:v>1</c:v>
-                </c:pt>
-                <c:pt idx="4">
-                  <c:v>1</c:v>
-                </c:pt>
-                <c:pt idx="5">
-                  <c:v>1</c:v>
-                </c:pt>
-                <c:pt idx="6">
-                  <c:v>1</c:v>
-                </c:pt>
-                <c:pt idx="7">
-                  <c:v>1</c:v>
-                </c:pt>
-                <c:pt idx="8">
-                  <c:v>1</c:v>
-                </c:pt>
-                <c:pt idx="9">
-                  <c:v>1</c:v>
-                </c:pt>
-                <c:pt idx="10">
-                  <c:v>1</c:v>
-                </c:pt>
-                <c:pt idx="11">
-                  <c:v>1</c:v>
-                </c:pt>
-                <c:pt idx="12">
-                  <c:v>1</c:v>
-                </c:pt>
-              </c:numCache>
-            </c:numRef>
-          </c:val>
-          <c:extLst>
-            <c:ext xmlns:c16="http://schemas.microsoft.com/office/drawing/2014/chart" uri="{C3380CC4-5D6E-409C-BE32-E72D297353CC}">
-              <c16:uniqueId val="{00000000-FDAD-4EB5-A406-C7180DCB905D}"/>
-            </c:ext>
-          </c:extLst>
-        </c:ser>
-        <c:ser>
-          <c:idx val="3"/>
-          <c:order val="1"/>
-          <c:tx>
-            <c:strRef>
-              <c:f>Munka1!$AD$18</c:f>
-              <c:strCache>
-                <c:ptCount val="1"/>
-                <c:pt idx="0">
-                  <c:v>Map</c:v>
-                </c:pt>
-              </c:strCache>
-            </c:strRef>
-          </c:tx>
-          <c:spPr>
-            <a:solidFill>
-              <a:schemeClr val="accent1"/>
-            </a:solidFill>
-            <a:ln>
-              <a:noFill/>
-            </a:ln>
-            <a:effectLst/>
-          </c:spPr>
-          <c:invertIfNegative val="0"/>
-          <c:dLbls>
-            <c:dLbl>
-              <c:idx val="0"/>
-              <c:delete val="1"/>
-              <c:extLst>
-                <c:ext xmlns:c15="http://schemas.microsoft.com/office/drawing/2012/chart" uri="{CE6537A1-D6FC-4f65-9D91-7224C49458BB}"/>
-                <c:ext xmlns:c16="http://schemas.microsoft.com/office/drawing/2014/chart" uri="{C3380CC4-5D6E-409C-BE32-E72D297353CC}">
-                  <c16:uniqueId val="{00000001-FDAD-4EB5-A406-C7180DCB905D}"/>
-                </c:ext>
-              </c:extLst>
-            </c:dLbl>
-            <c:dLbl>
-              <c:idx val="1"/>
-              <c:layout>
-                <c:manualLayout>
-                  <c:x val="7.1473699128502335E-2"/>
-                  <c:y val="-0.25909822832553747"/>
-                </c:manualLayout>
-              </c:layout>
-              <c:tx>
-                <c:rich>
-                  <a:bodyPr/>
-                  <a:lstStyle/>
-                  <a:p>
-                    <a:r>
-                      <a:rPr lang="en-US" dirty="0"/>
-                      <a:t>291%</a:t>
-                    </a:r>
-                  </a:p>
-                </c:rich>
-              </c:tx>
-              <c:showLegendKey val="0"/>
-              <c:showVal val="1"/>
-              <c:showCatName val="0"/>
-              <c:showSerName val="0"/>
-              <c:showPercent val="0"/>
-              <c:showBubbleSize val="0"/>
-              <c:extLst>
-                <c:ext xmlns:c15="http://schemas.microsoft.com/office/drawing/2012/chart" uri="{CE6537A1-D6FC-4f65-9D91-7224C49458BB}">
-                  <c15:layout>
-                    <c:manualLayout>
-                      <c:w val="4.6485871800313244E-2"/>
-                      <c:h val="2.535959045425093E-2"/>
-                    </c:manualLayout>
-                  </c15:layout>
-                </c:ext>
-                <c:ext xmlns:c16="http://schemas.microsoft.com/office/drawing/2014/chart" uri="{C3380CC4-5D6E-409C-BE32-E72D297353CC}">
-                  <c16:uniqueId val="{00000002-FDAD-4EB5-A406-C7180DCB905D}"/>
-                </c:ext>
-              </c:extLst>
-            </c:dLbl>
-            <c:dLbl>
-              <c:idx val="2"/>
-              <c:layout>
-                <c:manualLayout>
-                  <c:x val="4.4667783361250699E-3"/>
-                  <c:y val="0.42306019365092973"/>
-                </c:manualLayout>
-              </c:layout>
-              <c:showLegendKey val="0"/>
-              <c:showVal val="1"/>
-              <c:showCatName val="0"/>
-              <c:showSerName val="0"/>
-              <c:showPercent val="0"/>
-              <c:showBubbleSize val="0"/>
-              <c:extLst>
-                <c:ext xmlns:c15="http://schemas.microsoft.com/office/drawing/2012/chart" uri="{CE6537A1-D6FC-4f65-9D91-7224C49458BB}"/>
-                <c:ext xmlns:c16="http://schemas.microsoft.com/office/drawing/2014/chart" uri="{C3380CC4-5D6E-409C-BE32-E72D297353CC}">
-                  <c16:uniqueId val="{00000003-FDAD-4EB5-A406-C7180DCB905D}"/>
-                </c:ext>
-              </c:extLst>
-            </c:dLbl>
-            <c:dLbl>
-              <c:idx val="3"/>
-              <c:delete val="1"/>
-              <c:extLst>
-                <c:ext xmlns:c15="http://schemas.microsoft.com/office/drawing/2012/chart" uri="{CE6537A1-D6FC-4f65-9D91-7224C49458BB}"/>
-                <c:ext xmlns:c16="http://schemas.microsoft.com/office/drawing/2014/chart" uri="{C3380CC4-5D6E-409C-BE32-E72D297353CC}">
-                  <c16:uniqueId val="{00000004-FDAD-4EB5-A406-C7180DCB905D}"/>
-                </c:ext>
-              </c:extLst>
-            </c:dLbl>
-            <c:dLbl>
-              <c:idx val="4"/>
-              <c:layout>
-                <c:manualLayout>
-                  <c:x val="7.0783813105549348E-2"/>
-                  <c:y val="-0.35586261155496696"/>
-                </c:manualLayout>
-              </c:layout>
-              <c:tx>
-                <c:rich>
-                  <a:bodyPr/>
-                  <a:lstStyle/>
-                  <a:p>
-                    <a:r>
-                      <a:rPr lang="en-US" dirty="0"/>
-                      <a:t>240%</a:t>
-                    </a:r>
-                  </a:p>
-                </c:rich>
-              </c:tx>
-              <c:showLegendKey val="0"/>
-              <c:showVal val="1"/>
-              <c:showCatName val="0"/>
-              <c:showSerName val="0"/>
-              <c:showPercent val="0"/>
-              <c:showBubbleSize val="0"/>
-              <c:extLst>
-                <c:ext xmlns:c15="http://schemas.microsoft.com/office/drawing/2012/chart" uri="{CE6537A1-D6FC-4f65-9D91-7224C49458BB}">
-                  <c15:layout>
-                    <c:manualLayout>
-                      <c:w val="4.6485871800313244E-2"/>
-                      <c:h val="2.535959045425093E-2"/>
-                    </c:manualLayout>
-                  </c15:layout>
-                </c:ext>
-                <c:ext xmlns:c16="http://schemas.microsoft.com/office/drawing/2014/chart" uri="{C3380CC4-5D6E-409C-BE32-E72D297353CC}">
-                  <c16:uniqueId val="{00000005-FDAD-4EB5-A406-C7180DCB905D}"/>
-                </c:ext>
-              </c:extLst>
-            </c:dLbl>
-            <c:dLbl>
-              <c:idx val="5"/>
-              <c:layout>
-                <c:manualLayout>
-                  <c:x val="-2.2333891680625349E-3"/>
-                  <c:y val="0.27741652042683912"/>
-                </c:manualLayout>
-              </c:layout>
-              <c:showLegendKey val="0"/>
-              <c:showVal val="1"/>
-              <c:showCatName val="0"/>
-              <c:showSerName val="0"/>
-              <c:showPercent val="0"/>
-              <c:showBubbleSize val="0"/>
-              <c:extLst>
-                <c:ext xmlns:c15="http://schemas.microsoft.com/office/drawing/2012/chart" uri="{CE6537A1-D6FC-4f65-9D91-7224C49458BB}"/>
-                <c:ext xmlns:c16="http://schemas.microsoft.com/office/drawing/2014/chart" uri="{C3380CC4-5D6E-409C-BE32-E72D297353CC}">
-                  <c16:uniqueId val="{00000006-FDAD-4EB5-A406-C7180DCB905D}"/>
-                </c:ext>
-              </c:extLst>
-            </c:dLbl>
-            <c:dLbl>
-              <c:idx val="6"/>
-              <c:delete val="1"/>
-              <c:extLst>
-                <c:ext xmlns:c15="http://schemas.microsoft.com/office/drawing/2012/chart" uri="{CE6537A1-D6FC-4f65-9D91-7224C49458BB}"/>
-                <c:ext xmlns:c16="http://schemas.microsoft.com/office/drawing/2014/chart" uri="{C3380CC4-5D6E-409C-BE32-E72D297353CC}">
-                  <c16:uniqueId val="{00000007-FDAD-4EB5-A406-C7180DCB905D}"/>
-                </c:ext>
-              </c:extLst>
-            </c:dLbl>
-            <c:dLbl>
-              <c:idx val="7"/>
-              <c:delete val="1"/>
-              <c:extLst>
-                <c:ext xmlns:c15="http://schemas.microsoft.com/office/drawing/2012/chart" uri="{CE6537A1-D6FC-4f65-9D91-7224C49458BB}"/>
-                <c:ext xmlns:c16="http://schemas.microsoft.com/office/drawing/2014/chart" uri="{C3380CC4-5D6E-409C-BE32-E72D297353CC}">
-                  <c16:uniqueId val="{00000008-FDAD-4EB5-A406-C7180DCB905D}"/>
-                </c:ext>
-              </c:extLst>
-            </c:dLbl>
-            <c:dLbl>
-              <c:idx val="8"/>
-              <c:delete val="1"/>
-              <c:extLst>
-                <c:ext xmlns:c15="http://schemas.microsoft.com/office/drawing/2012/chart" uri="{CE6537A1-D6FC-4f65-9D91-7224C49458BB}"/>
-                <c:ext xmlns:c16="http://schemas.microsoft.com/office/drawing/2014/chart" uri="{C3380CC4-5D6E-409C-BE32-E72D297353CC}">
-                  <c16:uniqueId val="{00000009-FDAD-4EB5-A406-C7180DCB905D}"/>
-                </c:ext>
-              </c:extLst>
-            </c:dLbl>
-            <c:dLbl>
-              <c:idx val="9"/>
-              <c:delete val="1"/>
-              <c:extLst>
-                <c:ext xmlns:c15="http://schemas.microsoft.com/office/drawing/2012/chart" uri="{CE6537A1-D6FC-4f65-9D91-7224C49458BB}"/>
-                <c:ext xmlns:c16="http://schemas.microsoft.com/office/drawing/2014/chart" uri="{C3380CC4-5D6E-409C-BE32-E72D297353CC}">
-                  <c16:uniqueId val="{0000000A-FDAD-4EB5-A406-C7180DCB905D}"/>
-                </c:ext>
-              </c:extLst>
-            </c:dLbl>
-            <c:dLbl>
-              <c:idx val="10"/>
-              <c:delete val="1"/>
-              <c:extLst>
-                <c:ext xmlns:c15="http://schemas.microsoft.com/office/drawing/2012/chart" uri="{CE6537A1-D6FC-4f65-9D91-7224C49458BB}"/>
-                <c:ext xmlns:c16="http://schemas.microsoft.com/office/drawing/2014/chart" uri="{C3380CC4-5D6E-409C-BE32-E72D297353CC}">
-                  <c16:uniqueId val="{0000000B-FDAD-4EB5-A406-C7180DCB905D}"/>
-                </c:ext>
-              </c:extLst>
-            </c:dLbl>
-            <c:dLbl>
-              <c:idx val="11"/>
-              <c:delete val="1"/>
-              <c:extLst>
-                <c:ext xmlns:c15="http://schemas.microsoft.com/office/drawing/2012/chart" uri="{CE6537A1-D6FC-4f65-9D91-7224C49458BB}"/>
-                <c:ext xmlns:c16="http://schemas.microsoft.com/office/drawing/2014/chart" uri="{C3380CC4-5D6E-409C-BE32-E72D297353CC}">
-                  <c16:uniqueId val="{0000000C-FDAD-4EB5-A406-C7180DCB905D}"/>
-                </c:ext>
-              </c:extLst>
-            </c:dLbl>
-            <c:dLbl>
-              <c:idx val="12"/>
-              <c:delete val="1"/>
-              <c:extLst>
-                <c:ext xmlns:c15="http://schemas.microsoft.com/office/drawing/2012/chart" uri="{CE6537A1-D6FC-4f65-9D91-7224C49458BB}"/>
-                <c:ext xmlns:c16="http://schemas.microsoft.com/office/drawing/2014/chart" uri="{C3380CC4-5D6E-409C-BE32-E72D297353CC}">
-                  <c16:uniqueId val="{0000000D-FDAD-4EB5-A406-C7180DCB905D}"/>
-                </c:ext>
-              </c:extLst>
-            </c:dLbl>
-            <c:spPr>
-              <a:noFill/>
-              <a:ln>
-                <a:noFill/>
-              </a:ln>
-              <a:effectLst/>
-            </c:spPr>
-            <c:txPr>
-              <a:bodyPr rot="0" spcFirstLastPara="1" vertOverflow="ellipsis" vert="horz" wrap="square" lIns="38100" tIns="19050" rIns="38100" bIns="19050" anchor="ctr" anchorCtr="1">
-                <a:spAutoFit/>
-              </a:bodyPr>
-              <a:lstStyle/>
-              <a:p>
-                <a:pPr>
-                  <a:defRPr sz="900" b="0" i="0" u="none" strike="noStrike" kern="1200" baseline="0">
-                    <a:solidFill>
-                      <a:schemeClr val="tx1">
-                        <a:lumMod val="75000"/>
-                        <a:lumOff val="25000"/>
-                      </a:schemeClr>
-                    </a:solidFill>
-                    <a:latin typeface="+mn-lt"/>
-                    <a:ea typeface="+mn-ea"/>
-                    <a:cs typeface="+mn-cs"/>
-                  </a:defRPr>
-                </a:pPr>
-                <a:endParaRPr lang="hu-HU"/>
-              </a:p>
-            </c:txPr>
-            <c:showLegendKey val="0"/>
-            <c:showVal val="1"/>
-            <c:showCatName val="0"/>
-            <c:showSerName val="0"/>
-            <c:showPercent val="0"/>
-            <c:showBubbleSize val="0"/>
-            <c:showLeaderLines val="0"/>
-            <c:extLst>
-              <c:ext xmlns:c15="http://schemas.microsoft.com/office/drawing/2012/chart" uri="{CE6537A1-D6FC-4f65-9D91-7224C49458BB}">
-                <c15:showLeaderLines val="0"/>
-              </c:ext>
-            </c:extLst>
-          </c:dLbls>
-          <c:cat>
-            <c:strRef>
-              <c:f>Munka1!$Z$19:$Z$31</c:f>
-              <c:strCache>
-                <c:ptCount val="13"/>
-                <c:pt idx="0">
-                  <c:v>L1</c:v>
-                </c:pt>
-                <c:pt idx="1">
-                  <c:v>L2</c:v>
-                </c:pt>
-                <c:pt idx="2">
-                  <c:v>L3</c:v>
-                </c:pt>
-                <c:pt idx="3">
-                  <c:v>L4</c:v>
-                </c:pt>
-                <c:pt idx="4">
-                  <c:v>L5</c:v>
-                </c:pt>
-                <c:pt idx="5">
-                  <c:v>L6</c:v>
-                </c:pt>
-                <c:pt idx="6">
-                  <c:v>L7</c:v>
-                </c:pt>
-                <c:pt idx="7">
-                  <c:v>L8</c:v>
-                </c:pt>
-                <c:pt idx="8">
-                  <c:v>L9</c:v>
-                </c:pt>
-                <c:pt idx="9">
-                  <c:v>L10</c:v>
-                </c:pt>
-                <c:pt idx="10">
-                  <c:v>L11</c:v>
-                </c:pt>
-                <c:pt idx="11">
-                  <c:v>L12</c:v>
-                </c:pt>
-                <c:pt idx="12">
-                  <c:v>L13</c:v>
-                </c:pt>
-              </c:strCache>
-            </c:strRef>
-          </c:cat>
-          <c:val>
-            <c:numRef>
               <c:f>Munka1!$AD$19:$AD$31</c:f>
               <c:numCache>
                 <c:formatCode>0.00%</c:formatCode>
@@ -1381,7 +1061,7 @@
           </c:val>
           <c:extLst>
             <c:ext xmlns:c16="http://schemas.microsoft.com/office/drawing/2014/chart" uri="{C3380CC4-5D6E-409C-BE32-E72D297353CC}">
-              <c16:uniqueId val="{0000000E-FDAD-4EB5-A406-C7180DCB905D}"/>
+              <c16:uniqueId val="{00000000-7015-4D01-A2C8-03E3911B4B35}"/>
             </c:ext>
           </c:extLst>
         </c:ser>
@@ -1390,7 +1070,7 @@
           <c:order val="2"/>
           <c:tx>
             <c:strRef>
-              <c:f>Munka1!$AC$18</c:f>
+              <c:f>Munka1!$W$18</c:f>
               <c:strCache>
                 <c:ptCount val="1"/>
                 <c:pt idx="0">
@@ -1506,7 +1186,7 @@
           </c:val>
           <c:extLst>
             <c:ext xmlns:c16="http://schemas.microsoft.com/office/drawing/2014/chart" uri="{C3380CC4-5D6E-409C-BE32-E72D297353CC}">
-              <c16:uniqueId val="{0000000F-FDAD-4EB5-A406-C7180DCB905D}"/>
+              <c16:uniqueId val="{00000001-7015-4D01-A2C8-03E3911B4B35}"/>
             </c:ext>
           </c:extLst>
         </c:ser>
@@ -1515,7 +1195,7 @@
           <c:order val="3"/>
           <c:tx>
             <c:strRef>
-              <c:f>Munka1!$AB$18</c:f>
+              <c:f>Munka1!$V$18</c:f>
               <c:strCache>
                 <c:ptCount val="1"/>
                 <c:pt idx="0">
@@ -1631,7 +1311,7 @@
           </c:val>
           <c:extLst>
             <c:ext xmlns:c16="http://schemas.microsoft.com/office/drawing/2014/chart" uri="{C3380CC4-5D6E-409C-BE32-E72D297353CC}">
-              <c16:uniqueId val="{00000010-FDAD-4EB5-A406-C7180DCB905D}"/>
+              <c16:uniqueId val="{00000002-7015-4D01-A2C8-03E3911B4B35}"/>
             </c:ext>
           </c:extLst>
         </c:ser>
@@ -1645,11 +1325,165 @@
         </c:dLbls>
         <c:gapWidth val="219"/>
         <c:overlap val="-27"/>
-        <c:axId val="188618976"/>
-        <c:axId val="343830272"/>
+        <c:axId val="468459600"/>
+        <c:axId val="574993824"/>
       </c:barChart>
+      <c:lineChart>
+        <c:grouping val="standard"/>
+        <c:varyColors val="0"/>
+        <c:ser>
+          <c:idx val="0"/>
+          <c:order val="0"/>
+          <c:tx>
+            <c:strRef>
+              <c:f>Munka1!$U$18</c:f>
+              <c:strCache>
+                <c:ptCount val="1"/>
+                <c:pt idx="0">
+                  <c:v>Mnesia</c:v>
+                </c:pt>
+              </c:strCache>
+            </c:strRef>
+          </c:tx>
+          <c:spPr>
+            <a:ln w="28575" cap="rnd">
+              <a:solidFill>
+                <a:srgbClr val="EE0000"/>
+              </a:solidFill>
+              <a:round/>
+            </a:ln>
+            <a:effectLst/>
+          </c:spPr>
+          <c:marker>
+            <c:symbol val="circle"/>
+            <c:size val="5"/>
+            <c:spPr>
+              <a:solidFill>
+                <a:srgbClr val="EE0000"/>
+              </a:solidFill>
+              <a:ln w="9525">
+                <a:noFill/>
+              </a:ln>
+              <a:effectLst/>
+            </c:spPr>
+          </c:marker>
+          <c:cat>
+            <c:strRef>
+              <c:f>Munka1!$Z$19:$Z$31</c:f>
+              <c:strCache>
+                <c:ptCount val="13"/>
+                <c:pt idx="0">
+                  <c:v>L1</c:v>
+                </c:pt>
+                <c:pt idx="1">
+                  <c:v>L2</c:v>
+                </c:pt>
+                <c:pt idx="2">
+                  <c:v>L3</c:v>
+                </c:pt>
+                <c:pt idx="3">
+                  <c:v>L4</c:v>
+                </c:pt>
+                <c:pt idx="4">
+                  <c:v>L5</c:v>
+                </c:pt>
+                <c:pt idx="5">
+                  <c:v>L6</c:v>
+                </c:pt>
+                <c:pt idx="6">
+                  <c:v>L7</c:v>
+                </c:pt>
+                <c:pt idx="7">
+                  <c:v>L8</c:v>
+                </c:pt>
+                <c:pt idx="8">
+                  <c:v>L9</c:v>
+                </c:pt>
+                <c:pt idx="9">
+                  <c:v>L10</c:v>
+                </c:pt>
+                <c:pt idx="10">
+                  <c:v>L11</c:v>
+                </c:pt>
+                <c:pt idx="11">
+                  <c:v>L12</c:v>
+                </c:pt>
+                <c:pt idx="12">
+                  <c:v>L13</c:v>
+                </c:pt>
+              </c:strCache>
+            </c:strRef>
+          </c:cat>
+          <c:val>
+            <c:numRef>
+              <c:f>Munka1!$U$19:$U$31</c:f>
+              <c:numCache>
+                <c:formatCode>0.00%</c:formatCode>
+                <c:ptCount val="13"/>
+                <c:pt idx="0">
+                  <c:v>1</c:v>
+                </c:pt>
+                <c:pt idx="1">
+                  <c:v>1</c:v>
+                </c:pt>
+                <c:pt idx="2">
+                  <c:v>1</c:v>
+                </c:pt>
+                <c:pt idx="3">
+                  <c:v>1</c:v>
+                </c:pt>
+                <c:pt idx="4">
+                  <c:v>1</c:v>
+                </c:pt>
+                <c:pt idx="5">
+                  <c:v>1</c:v>
+                </c:pt>
+                <c:pt idx="6">
+                  <c:v>1</c:v>
+                </c:pt>
+                <c:pt idx="7">
+                  <c:v>1</c:v>
+                </c:pt>
+                <c:pt idx="8">
+                  <c:v>1</c:v>
+                </c:pt>
+                <c:pt idx="9">
+                  <c:v>1</c:v>
+                </c:pt>
+                <c:pt idx="10">
+                  <c:v>1</c:v>
+                </c:pt>
+                <c:pt idx="11">
+                  <c:v>1</c:v>
+                </c:pt>
+                <c:pt idx="12">
+                  <c:v>1</c:v>
+                </c:pt>
+              </c:numCache>
+            </c:numRef>
+          </c:val>
+          <c:smooth val="0"/>
+          <c:extLst>
+            <c:ext xmlns:c16="http://schemas.microsoft.com/office/drawing/2014/chart" uri="{C3380CC4-5D6E-409C-BE32-E72D297353CC}">
+              <c16:uniqueId val="{00000003-7015-4D01-A2C8-03E3911B4B35}"/>
+            </c:ext>
+          </c:extLst>
+        </c:ser>
+        <c:dLbls>
+          <c:showLegendKey val="0"/>
+          <c:showVal val="0"/>
+          <c:showCatName val="0"/>
+          <c:showSerName val="0"/>
+          <c:showPercent val="0"/>
+          <c:showBubbleSize val="0"/>
+        </c:dLbls>
+        <c:marker val="1"/>
+        <c:smooth val="0"/>
+        <c:axId val="468459600"/>
+        <c:axId val="574993824"/>
+      </c:lineChart>
       <c:catAx>
-        <c:axId val="188618976"/>
+        <c:axId val="468459600"/>
         <c:scaling>
           <c:orientation val="minMax"/>
         </c:scaling>
@@ -1677,22 +1511,22 @@
           <a:lstStyle/>
           <a:p>
             <a:pPr>
-              <a:defRPr sz="1100" b="0" i="0" u="none" strike="noStrike" kern="1200" baseline="0">
+              <a:defRPr sz="1200" b="0" i="0" u="none" strike="noStrike" kern="1200" baseline="0">
                 <a:solidFill>
                   <a:schemeClr val="tx1">
                     <a:lumMod val="65000"/>
                     <a:lumOff val="35000"/>
                   </a:schemeClr>
                 </a:solidFill>
-                <a:latin typeface="Roboto" panose="02000000000000000000" pitchFamily="2" charset="0"/>
-                <a:ea typeface="Roboto" panose="02000000000000000000" pitchFamily="2" charset="0"/>
+                <a:latin typeface="Roboto Light" panose="02000000000000000000" pitchFamily="2" charset="0"/>
+                <a:ea typeface="Roboto Light" panose="02000000000000000000" pitchFamily="2" charset="0"/>
                 <a:cs typeface="+mn-cs"/>
               </a:defRPr>
             </a:pPr>
             <a:endParaRPr lang="hu-HU"/>
           </a:p>
         </c:txPr>
-        <c:crossAx val="343830272"/>
+        <c:crossAx val="574993824"/>
         <c:crosses val="autoZero"/>
         <c:auto val="1"/>
         <c:lblAlgn val="ctr"/>
@@ -1700,10 +1534,10 @@
         <c:noMultiLvlLbl val="0"/>
       </c:catAx>
       <c:valAx>
-        <c:axId val="343830272"/>
+        <c:axId val="574993824"/>
         <c:scaling>
           <c:orientation val="minMax"/>
-          <c:max val="1.6"/>
+          <c:max val="1.8"/>
         </c:scaling>
         <c:delete val="0"/>
         <c:axPos val="l"/>
@@ -1737,27 +1571,29 @@
           <a:lstStyle/>
           <a:p>
             <a:pPr>
-              <a:defRPr sz="1100" b="0" i="0" u="none" strike="noStrike" kern="1200" baseline="0">
+              <a:defRPr sz="1200" b="0" i="0" u="none" strike="noStrike" kern="1200" baseline="0">
                 <a:solidFill>
                   <a:schemeClr val="tx1">
                     <a:lumMod val="65000"/>
                     <a:lumOff val="35000"/>
                   </a:schemeClr>
                 </a:solidFill>
-                <a:latin typeface="Roboto" panose="02000000000000000000" pitchFamily="2" charset="0"/>
-                <a:ea typeface="Roboto" panose="02000000000000000000" pitchFamily="2" charset="0"/>
+                <a:latin typeface="Roboto Light" panose="02000000000000000000" pitchFamily="2" charset="0"/>
+                <a:ea typeface="Roboto Light" panose="02000000000000000000" pitchFamily="2" charset="0"/>
                 <a:cs typeface="+mn-cs"/>
               </a:defRPr>
             </a:pPr>
             <a:endParaRPr lang="hu-HU"/>
           </a:p>
         </c:txPr>
-        <c:crossAx val="188618976"/>
+        <c:crossAx val="468459600"/>
         <c:crosses val="autoZero"/>
         <c:crossBetween val="between"/>
       </c:valAx>
       <c:spPr>
-        <a:noFill/>
+        <a:solidFill>
+          <a:sysClr val="window" lastClr="FFFFFF"/>
+        </a:solidFill>
         <a:ln>
           <a:noFill/>
         </a:ln>
@@ -1766,29 +1602,6 @@
     </c:plotArea>
     <c:legend>
       <c:legendPos val="b"/>
-      <c:legendEntry>
-        <c:idx val="0"/>
-        <c:txPr>
-          <a:bodyPr rot="0" spcFirstLastPara="1" vertOverflow="ellipsis" vert="horz" wrap="square" anchor="ctr" anchorCtr="1"/>
-          <a:lstStyle/>
-          <a:p>
-            <a:pPr>
-              <a:defRPr sz="1600" b="0" i="0" u="none" strike="noStrike" kern="1200" baseline="0">
-                <a:solidFill>
-                  <a:schemeClr val="tx1">
-                    <a:lumMod val="65000"/>
-                    <a:lumOff val="35000"/>
-                  </a:schemeClr>
-                </a:solidFill>
-                <a:latin typeface="Roboto" panose="02000000000000000000" pitchFamily="2" charset="0"/>
-                <a:ea typeface="Roboto" panose="02000000000000000000" pitchFamily="2" charset="0"/>
-                <a:cs typeface="+mn-cs"/>
-              </a:defRPr>
-            </a:pPr>
-            <a:endParaRPr lang="hu-HU"/>
-          </a:p>
-        </c:txPr>
-      </c:legendEntry>
       <c:overlay val="0"/>
       <c:spPr>
         <a:noFill/>
@@ -1802,15 +1615,15 @@
         <a:lstStyle/>
         <a:p>
           <a:pPr>
-            <a:defRPr sz="1600" b="0" i="0" u="none" strike="noStrike" kern="1200" baseline="0">
+            <a:defRPr sz="1800" b="0" i="0" u="none" strike="noStrike" kern="1200" baseline="0">
               <a:solidFill>
                 <a:schemeClr val="tx1">
                   <a:lumMod val="65000"/>
                   <a:lumOff val="35000"/>
                 </a:schemeClr>
               </a:solidFill>
-              <a:latin typeface="Roboto" panose="02000000000000000000" pitchFamily="2" charset="0"/>
-              <a:ea typeface="Roboto" panose="02000000000000000000" pitchFamily="2" charset="0"/>
+              <a:latin typeface="Roboto Light" panose="02000000000000000000" pitchFamily="2" charset="0"/>
+              <a:ea typeface="Roboto Light" panose="02000000000000000000" pitchFamily="2" charset="0"/>
               <a:cs typeface="+mn-cs"/>
             </a:defRPr>
           </a:pPr>
@@ -1834,7 +1647,10 @@
     <a:lstStyle/>
     <a:p>
       <a:pPr>
-        <a:defRPr/>
+        <a:defRPr sz="1200">
+          <a:latin typeface="Roboto Light" panose="02000000000000000000" pitchFamily="2" charset="0"/>
+          <a:ea typeface="Roboto Light" panose="02000000000000000000" pitchFamily="2" charset="0"/>
+        </a:defRPr>
       </a:pPr>
       <a:endParaRPr lang="hu-HU"/>
     </a:p>
@@ -1842,6 +1658,7 @@
   <c:externalData r:id="rId4">
     <c:autoUpdate val="0"/>
   </c:externalData>
+  <c:userShapes r:id="rId5"/>
 </c:chartSpace>
 </file>
 
@@ -2931,6 +2748,107 @@
 </cs:chartStyle>
 </file>
 
+<file path=ppt/drawings/drawing1.xml><?xml version="1.0" encoding="utf-8"?>
+<c:userShapes xmlns:c="http://schemas.openxmlformats.org/drawingml/2006/chart">
+  <cdr:relSizeAnchor xmlns:cdr="http://schemas.openxmlformats.org/drawingml/2006/chartDrawing">
+    <cdr:from>
+      <cdr:x>0.20101</cdr:x>
+      <cdr:y>0.03251</cdr:y>
+    </cdr:from>
+    <cdr:to>
+      <cdr:x>0.25849</cdr:x>
+      <cdr:y>0.05203</cdr:y>
+    </cdr:to>
+    <cdr:pic>
+      <cdr:nvPicPr>
+        <cdr:cNvPr id="2" name="Ábra 12" descr="Villámcsapás">
+          <a:extLst xmlns:a="http://schemas.openxmlformats.org/drawingml/2006/main">
+            <a:ext uri="{FF2B5EF4-FFF2-40B4-BE49-F238E27FC236}">
+              <a16:creationId xmlns:a16="http://schemas.microsoft.com/office/drawing/2014/main" id="{6B81C94A-70D5-401F-9E07-A87C16C444CB}"/>
+            </a:ext>
+          </a:extLst>
+        </cdr:cNvPr>
+        <cdr:cNvPicPr>
+          <a:picLocks xmlns:a="http://schemas.openxmlformats.org/drawingml/2006/main" noChangeAspect="1"/>
+        </cdr:cNvPicPr>
+      </cdr:nvPicPr>
+      <cdr:blipFill>
+        <a:blip xmlns:a="http://schemas.openxmlformats.org/drawingml/2006/main" xmlns:r="http://schemas.openxmlformats.org/officeDocument/2006/relationships" r:embed="rId1">
+          <a:extLst>
+            <a:ext uri="{28A0092B-C50C-407E-A947-70E740481C1C}">
+              <a14:useLocalDpi xmlns:a14="http://schemas.microsoft.com/office/drawing/2010/main" val="0"/>
+            </a:ext>
+            <a:ext uri="{96DAC541-7B7A-43D3-8B79-37D633B846F1}">
+              <asvg:svgBlip xmlns:asvg="http://schemas.microsoft.com/office/drawing/2016/SVG/main" r:embed="rId2"/>
+            </a:ext>
+          </a:extLst>
+        </a:blip>
+        <a:stretch xmlns:a="http://schemas.openxmlformats.org/drawingml/2006/main">
+          <a:fillRect/>
+        </a:stretch>
+      </cdr:blipFill>
+      <cdr:spPr>
+        <a:xfrm xmlns:a="http://schemas.openxmlformats.org/drawingml/2006/main" rot="3893942">
+          <a:off x="1823100" y="54517"/>
+          <a:ext cx="134349" cy="472929"/>
+        </a:xfrm>
+        <a:prstGeom xmlns:a="http://schemas.openxmlformats.org/drawingml/2006/main" prst="rect">
+          <a:avLst/>
+        </a:prstGeom>
+      </cdr:spPr>
+    </cdr:pic>
+  </cdr:relSizeAnchor>
+  <cdr:relSizeAnchor xmlns:cdr="http://schemas.openxmlformats.org/drawingml/2006/chartDrawing">
+    <cdr:from>
+      <cdr:x>0.41174</cdr:x>
+      <cdr:y>0.03834</cdr:y>
+    </cdr:from>
+    <cdr:to>
+      <cdr:x>0.46959</cdr:x>
+      <cdr:y>0.05786</cdr:y>
+    </cdr:to>
+    <cdr:pic>
+      <cdr:nvPicPr>
+        <cdr:cNvPr id="3" name="Ábra 12" descr="Villámcsapás">
+          <a:extLst xmlns:a="http://schemas.openxmlformats.org/drawingml/2006/main">
+            <a:ext uri="{FF2B5EF4-FFF2-40B4-BE49-F238E27FC236}">
+              <a16:creationId xmlns:a16="http://schemas.microsoft.com/office/drawing/2014/main" id="{B387863C-CD0C-4167-BB12-3A24FFBFFB5F}"/>
+            </a:ext>
+          </a:extLst>
+        </cdr:cNvPr>
+        <cdr:cNvPicPr>
+          <a:picLocks xmlns:a="http://schemas.openxmlformats.org/drawingml/2006/main" noChangeAspect="1"/>
+        </cdr:cNvPicPr>
+      </cdr:nvPicPr>
+      <cdr:blipFill>
+        <a:blip xmlns:a="http://schemas.openxmlformats.org/drawingml/2006/main" xmlns:r="http://schemas.openxmlformats.org/officeDocument/2006/relationships" r:embed="rId1">
+          <a:extLst>
+            <a:ext uri="{28A0092B-C50C-407E-A947-70E740481C1C}">
+              <a14:useLocalDpi xmlns:a14="http://schemas.microsoft.com/office/drawing/2010/main" val="0"/>
+            </a:ext>
+            <a:ext uri="{96DAC541-7B7A-43D3-8B79-37D633B846F1}">
+              <asvg:svgBlip xmlns:asvg="http://schemas.microsoft.com/office/drawing/2016/SVG/main" r:embed="rId3"/>
+            </a:ext>
+          </a:extLst>
+        </a:blip>
+        <a:stretch xmlns:a="http://schemas.openxmlformats.org/drawingml/2006/main">
+          <a:fillRect/>
+        </a:stretch>
+      </cdr:blipFill>
+      <cdr:spPr>
+        <a:xfrm xmlns:a="http://schemas.openxmlformats.org/drawingml/2006/main" rot="3893942">
+          <a:off x="3558392" y="93077"/>
+          <a:ext cx="134349" cy="475979"/>
+        </a:xfrm>
+        <a:prstGeom xmlns:a="http://schemas.openxmlformats.org/drawingml/2006/main" prst="rect">
+          <a:avLst/>
+        </a:prstGeom>
+      </cdr:spPr>
+    </cdr:pic>
+  </cdr:relSizeAnchor>
+</c:userShapes>
+</file>
+
 <file path=ppt/notesMasters/notesMaster1.xml><?xml version="1.0" encoding="utf-8"?>
 <p:notesMaster xmlns:a="http://schemas.openxmlformats.org/drawingml/2006/main" xmlns:r="http://schemas.openxmlformats.org/officeDocument/2006/relationships" xmlns:p="http://schemas.openxmlformats.org/presentationml/2006/main">
   <p:cSld>
@@ -3013,7 +2931,7 @@
           <a:p>
             <a:fld id="{9828C356-0324-4B04-925A-4E4B5C1E930C}" type="datetimeFigureOut">
               <a:rPr lang="hu-HU" smtClean="0"/>
-              <a:t>2024. 06. 15.</a:t>
+              <a:t>2024. 06. 18.</a:t>
             </a:fld>
             <a:endParaRPr lang="hu-HU"/>
           </a:p>
@@ -3364,6 +3282,90 @@
 </p:notes>
 </file>
 
+<file path=ppt/notesSlides/notesSlide2.xml><?xml version="1.0" encoding="utf-8"?>
+<p:notes xmlns:a="http://schemas.openxmlformats.org/drawingml/2006/main" xmlns:r="http://schemas.openxmlformats.org/officeDocument/2006/relationships" xmlns:p="http://schemas.openxmlformats.org/presentationml/2006/main">
+  <p:cSld>
+    <p:spTree>
+      <p:nvGrpSpPr>
+        <p:cNvPr id="1" name=""/>
+        <p:cNvGrpSpPr/>
+        <p:nvPr/>
+      </p:nvGrpSpPr>
+      <p:grpSpPr>
+        <a:xfrm>
+          <a:off x="0" y="0"/>
+          <a:ext cx="0" cy="0"/>
+          <a:chOff x="0" y="0"/>
+          <a:chExt cx="0" cy="0"/>
+        </a:xfrm>
+      </p:grpSpPr>
+      <p:sp>
+        <p:nvSpPr>
+          <p:cNvPr id="2" name="Diakép helye 1"/>
+          <p:cNvSpPr>
+            <a:spLocks noGrp="1" noRot="1" noChangeAspect="1"/>
+          </p:cNvSpPr>
+          <p:nvPr>
+            <p:ph type="sldImg"/>
+          </p:nvPr>
+        </p:nvSpPr>
+        <p:spPr/>
+      </p:sp>
+      <p:sp>
+        <p:nvSpPr>
+          <p:cNvPr id="3" name="Jegyzetek helye 2"/>
+          <p:cNvSpPr>
+            <a:spLocks noGrp="1"/>
+          </p:cNvSpPr>
+          <p:nvPr>
+            <p:ph type="body" idx="1"/>
+          </p:nvPr>
+        </p:nvSpPr>
+        <p:spPr/>
+        <p:txBody>
+          <a:bodyPr/>
+          <a:lstStyle/>
+          <a:p>
+            <a:endParaRPr lang="hu-HU" dirty="0"/>
+          </a:p>
+        </p:txBody>
+      </p:sp>
+      <p:sp>
+        <p:nvSpPr>
+          <p:cNvPr id="4" name="Dia számának helye 3"/>
+          <p:cNvSpPr>
+            <a:spLocks noGrp="1"/>
+          </p:cNvSpPr>
+          <p:nvPr>
+            <p:ph type="sldNum" sz="quarter" idx="5"/>
+          </p:nvPr>
+        </p:nvSpPr>
+        <p:spPr/>
+        <p:txBody>
+          <a:bodyPr/>
+          <a:lstStyle/>
+          <a:p>
+            <a:fld id="{AAFE12A5-599A-43DF-9C28-A989FC92BB17}" type="slidenum">
+              <a:rPr lang="hu-HU" smtClean="0"/>
+              <a:t>11</a:t>
+            </a:fld>
+            <a:endParaRPr lang="hu-HU"/>
+          </a:p>
+        </p:txBody>
+      </p:sp>
+    </p:spTree>
+    <p:extLst>
+      <p:ext uri="{BB962C8B-B14F-4D97-AF65-F5344CB8AC3E}">
+        <p14:creationId xmlns:p14="http://schemas.microsoft.com/office/powerpoint/2010/main" val="2505391875"/>
+      </p:ext>
+    </p:extLst>
+  </p:cSld>
+  <p:clrMapOvr>
+    <a:masterClrMapping/>
+  </p:clrMapOvr>
+</p:notes>
+</file>
+
 <file path=ppt/slideLayouts/slideLayout1.xml><?xml version="1.0" encoding="utf-8"?>
 <p:sldLayout xmlns:a="http://schemas.openxmlformats.org/drawingml/2006/main" xmlns:r="http://schemas.openxmlformats.org/officeDocument/2006/relationships" xmlns:p="http://schemas.openxmlformats.org/presentationml/2006/main" type="title" preserve="1">
   <p:cSld name="Title Slide">
@@ -3544,7 +3546,7 @@
             <a:fld id="{1D8BD707-D9CF-40AE-B4C6-C98DA3205C09}" type="datetimeFigureOut">
               <a:rPr lang="en-US" smtClean="0"/>
               <a:pPr/>
-              <a:t>2024-06-15</a:t>
+              <a:t>2024-06-18</a:t>
             </a:fld>
             <a:endParaRPr lang="en-US"/>
           </a:p>
@@ -3709,7 +3711,7 @@
             <a:fld id="{1D8BD707-D9CF-40AE-B4C6-C98DA3205C09}" type="datetimeFigureOut">
               <a:rPr lang="en-US" smtClean="0"/>
               <a:pPr/>
-              <a:t>2024-06-15</a:t>
+              <a:t>2024-06-18</a:t>
             </a:fld>
             <a:endParaRPr lang="en-US"/>
           </a:p>
@@ -3884,7 +3886,7 @@
             <a:fld id="{1D8BD707-D9CF-40AE-B4C6-C98DA3205C09}" type="datetimeFigureOut">
               <a:rPr lang="en-US" smtClean="0"/>
               <a:pPr/>
-              <a:t>2024-06-15</a:t>
+              <a:t>2024-06-18</a:t>
             </a:fld>
             <a:endParaRPr lang="en-US"/>
           </a:p>
@@ -4049,7 +4051,7 @@
             <a:fld id="{1D8BD707-D9CF-40AE-B4C6-C98DA3205C09}" type="datetimeFigureOut">
               <a:rPr lang="en-US" smtClean="0"/>
               <a:pPr/>
-              <a:t>2024-06-15</a:t>
+              <a:t>2024-06-18</a:t>
             </a:fld>
             <a:endParaRPr lang="en-US"/>
           </a:p>
@@ -4291,7 +4293,7 @@
             <a:fld id="{1D8BD707-D9CF-40AE-B4C6-C98DA3205C09}" type="datetimeFigureOut">
               <a:rPr lang="en-US" smtClean="0"/>
               <a:pPr/>
-              <a:t>2024-06-15</a:t>
+              <a:t>2024-06-18</a:t>
             </a:fld>
             <a:endParaRPr lang="en-US"/>
           </a:p>
@@ -4573,7 +4575,7 @@
             <a:fld id="{1D8BD707-D9CF-40AE-B4C6-C98DA3205C09}" type="datetimeFigureOut">
               <a:rPr lang="en-US" smtClean="0"/>
               <a:pPr/>
-              <a:t>2024-06-15</a:t>
+              <a:t>2024-06-18</a:t>
             </a:fld>
             <a:endParaRPr lang="en-US"/>
           </a:p>
@@ -4989,7 +4991,7 @@
             <a:fld id="{1D8BD707-D9CF-40AE-B4C6-C98DA3205C09}" type="datetimeFigureOut">
               <a:rPr lang="en-US" smtClean="0"/>
               <a:pPr/>
-              <a:t>2024-06-15</a:t>
+              <a:t>2024-06-18</a:t>
             </a:fld>
             <a:endParaRPr lang="en-US"/>
           </a:p>
@@ -5103,7 +5105,7 @@
             <a:fld id="{1D8BD707-D9CF-40AE-B4C6-C98DA3205C09}" type="datetimeFigureOut">
               <a:rPr lang="en-US" smtClean="0"/>
               <a:pPr/>
-              <a:t>2024-06-15</a:t>
+              <a:t>2024-06-18</a:t>
             </a:fld>
             <a:endParaRPr lang="en-US"/>
           </a:p>
@@ -5195,7 +5197,7 @@
             <a:fld id="{1D8BD707-D9CF-40AE-B4C6-C98DA3205C09}" type="datetimeFigureOut">
               <a:rPr lang="en-US" smtClean="0"/>
               <a:pPr/>
-              <a:t>2024-06-15</a:t>
+              <a:t>2024-06-18</a:t>
             </a:fld>
             <a:endParaRPr lang="en-US"/>
           </a:p>
@@ -5467,7 +5469,7 @@
             <a:fld id="{1D8BD707-D9CF-40AE-B4C6-C98DA3205C09}" type="datetimeFigureOut">
               <a:rPr lang="en-US" smtClean="0"/>
               <a:pPr/>
-              <a:t>2024-06-15</a:t>
+              <a:t>2024-06-18</a:t>
             </a:fld>
             <a:endParaRPr lang="en-US"/>
           </a:p>
@@ -5716,7 +5718,7 @@
             <a:fld id="{1D8BD707-D9CF-40AE-B4C6-C98DA3205C09}" type="datetimeFigureOut">
               <a:rPr lang="en-US" smtClean="0"/>
               <a:pPr/>
-              <a:t>2024-06-15</a:t>
+              <a:t>2024-06-18</a:t>
             </a:fld>
             <a:endParaRPr lang="en-US"/>
           </a:p>
@@ -5924,7 +5926,7 @@
             <a:fld id="{1D8BD707-D9CF-40AE-B4C6-C98DA3205C09}" type="datetimeFigureOut">
               <a:rPr lang="en-US" smtClean="0"/>
               <a:pPr/>
-              <a:t>2024-06-15</a:t>
+              <a:t>2024-06-18</a:t>
             </a:fld>
             <a:endParaRPr lang="en-US"/>
           </a:p>
@@ -7633,23 +7635,8 @@
                 </a:solidFill>
                 <a:latin typeface="Nunito Sans Heavy"/>
               </a:rPr>
-              <a:t>0</a:t>
-            </a:r>
-            <a:r>
-              <a:rPr lang="hu-HU" sz="8000" dirty="0">
-                <a:solidFill>
-                  <a:srgbClr val="FFFFFF"/>
-                </a:solidFill>
-                <a:latin typeface="Nunito Sans Heavy"/>
-              </a:rPr>
-              <a:t>8</a:t>
-            </a:r>
-            <a:endParaRPr lang="en-US" sz="8000" dirty="0">
-              <a:solidFill>
-                <a:srgbClr val="FFFFFF"/>
-              </a:solidFill>
-              <a:latin typeface="Nunito Sans Heavy"/>
-            </a:endParaRPr>
+              <a:t>9</a:t>
+            </a:r>
           </a:p>
         </p:txBody>
       </p:sp>
@@ -8217,7 +8204,7 @@
         </p:nvGrpSpPr>
         <p:grpSpPr>
           <a:xfrm>
-            <a:off x="0" y="-987551"/>
+            <a:off x="11324" y="-987552"/>
             <a:ext cx="18288000" cy="12262103"/>
             <a:chOff x="0" y="0"/>
             <a:chExt cx="24384000" cy="16349470"/>
@@ -8262,11 +8249,11 @@
               </a:pathLst>
             </a:custGeom>
             <a:blipFill>
-              <a:blip r:embed="rId2">
+              <a:blip r:embed="rId3">
                 <a:alphaModFix amt="50000"/>
                 <a:extLst>
                   <a:ext uri="{96DAC541-7B7A-43D3-8B79-37D633B846F1}">
-                    <asvg:svgBlip xmlns:asvg="http://schemas.microsoft.com/office/drawing/2016/SVG/main" r:embed="rId3"/>
+                    <asvg:svgBlip xmlns:asvg="http://schemas.microsoft.com/office/drawing/2016/SVG/main" r:embed="rId4"/>
                   </a:ext>
                 </a:extLst>
               </a:blip>
@@ -8315,11 +8302,11 @@
               </a:pathLst>
             </a:custGeom>
             <a:blipFill>
-              <a:blip r:embed="rId2">
+              <a:blip r:embed="rId3">
                 <a:alphaModFix amt="50000"/>
                 <a:extLst>
                   <a:ext uri="{96DAC541-7B7A-43D3-8B79-37D633B846F1}">
-                    <asvg:svgBlip xmlns:asvg="http://schemas.microsoft.com/office/drawing/2016/SVG/main" r:embed="rId3"/>
+                    <asvg:svgBlip xmlns:asvg="http://schemas.microsoft.com/office/drawing/2016/SVG/main" r:embed="rId4"/>
                   </a:ext>
                 </a:extLst>
               </a:blip>
@@ -8368,11 +8355,11 @@
               </a:pathLst>
             </a:custGeom>
             <a:blipFill>
-              <a:blip r:embed="rId2">
+              <a:blip r:embed="rId3">
                 <a:alphaModFix amt="50000"/>
                 <a:extLst>
                   <a:ext uri="{96DAC541-7B7A-43D3-8B79-37D633B846F1}">
-                    <asvg:svgBlip xmlns:asvg="http://schemas.microsoft.com/office/drawing/2016/SVG/main" r:embed="rId3"/>
+                    <asvg:svgBlip xmlns:asvg="http://schemas.microsoft.com/office/drawing/2016/SVG/main" r:embed="rId4"/>
                   </a:ext>
                 </a:extLst>
               </a:blip>
@@ -8421,11 +8408,11 @@
               </a:pathLst>
             </a:custGeom>
             <a:blipFill>
-              <a:blip r:embed="rId2">
+              <a:blip r:embed="rId3">
                 <a:alphaModFix amt="50000"/>
                 <a:extLst>
                   <a:ext uri="{96DAC541-7B7A-43D3-8B79-37D633B846F1}">
-                    <asvg:svgBlip xmlns:asvg="http://schemas.microsoft.com/office/drawing/2016/SVG/main" r:embed="rId3"/>
+                    <asvg:svgBlip xmlns:asvg="http://schemas.microsoft.com/office/drawing/2016/SVG/main" r:embed="rId4"/>
                   </a:ext>
                 </a:extLst>
               </a:blip>
@@ -8474,11 +8461,11 @@
               </a:pathLst>
             </a:custGeom>
             <a:blipFill>
-              <a:blip r:embed="rId2">
+              <a:blip r:embed="rId3">
                 <a:alphaModFix amt="50000"/>
                 <a:extLst>
                   <a:ext uri="{96DAC541-7B7A-43D3-8B79-37D633B846F1}">
-                    <asvg:svgBlip xmlns:asvg="http://schemas.microsoft.com/office/drawing/2016/SVG/main" r:embed="rId3"/>
+                    <asvg:svgBlip xmlns:asvg="http://schemas.microsoft.com/office/drawing/2016/SVG/main" r:embed="rId4"/>
                   </a:ext>
                 </a:extLst>
               </a:blip>
@@ -8527,11 +8514,11 @@
               </a:pathLst>
             </a:custGeom>
             <a:blipFill>
-              <a:blip r:embed="rId2">
+              <a:blip r:embed="rId3">
                 <a:alphaModFix amt="50000"/>
                 <a:extLst>
                   <a:ext uri="{96DAC541-7B7A-43D3-8B79-37D633B846F1}">
-                    <asvg:svgBlip xmlns:asvg="http://schemas.microsoft.com/office/drawing/2016/SVG/main" r:embed="rId3"/>
+                    <asvg:svgBlip xmlns:asvg="http://schemas.microsoft.com/office/drawing/2016/SVG/main" r:embed="rId4"/>
                   </a:ext>
                 </a:extLst>
               </a:blip>
@@ -8544,90 +8531,65 @@
       </p:grpSp>
       <p:sp>
         <p:nvSpPr>
-          <p:cNvPr id="9" name="Freeform 9"/>
-          <p:cNvSpPr/>
-          <p:nvPr/>
-        </p:nvSpPr>
-        <p:spPr>
-          <a:xfrm>
-            <a:off x="8764060" y="2072577"/>
-            <a:ext cx="1779577" cy="1161174"/>
-          </a:xfrm>
-          <a:custGeom>
-            <a:avLst/>
-            <a:gdLst/>
-            <a:ahLst/>
-            <a:cxnLst/>
-            <a:rect l="l" t="t" r="r" b="b"/>
-            <a:pathLst>
-              <a:path w="1779577" h="1161174">
-                <a:moveTo>
-                  <a:pt x="0" y="0"/>
-                </a:moveTo>
-                <a:lnTo>
-                  <a:pt x="1779577" y="0"/>
-                </a:lnTo>
-                <a:lnTo>
-                  <a:pt x="1779577" y="1161174"/>
-                </a:lnTo>
-                <a:lnTo>
-                  <a:pt x="0" y="1161174"/>
-                </a:lnTo>
-                <a:lnTo>
-                  <a:pt x="0" y="0"/>
-                </a:lnTo>
-                <a:close/>
-              </a:path>
-            </a:pathLst>
-          </a:custGeom>
-          <a:blipFill>
-            <a:blip r:embed="rId4">
-              <a:extLst>
-                <a:ext uri="{96DAC541-7B7A-43D3-8B79-37D633B846F1}">
-                  <asvg:svgBlip xmlns:asvg="http://schemas.microsoft.com/office/drawing/2016/SVG/main" r:embed="rId5"/>
-                </a:ext>
-              </a:extLst>
-            </a:blip>
-            <a:stretch>
-              <a:fillRect/>
-            </a:stretch>
-          </a:blipFill>
-        </p:spPr>
-      </p:sp>
-      <p:sp>
-        <p:nvSpPr>
           <p:cNvPr id="10" name="TextBox 10"/>
           <p:cNvSpPr txBox="1"/>
           <p:nvPr/>
         </p:nvSpPr>
         <p:spPr>
           <a:xfrm>
-            <a:off x="2586980" y="3954463"/>
-            <a:ext cx="13114040" cy="2139949"/>
+            <a:off x="2978172" y="5169006"/>
+            <a:ext cx="12331656" cy="1354217"/>
           </a:xfrm>
           <a:prstGeom prst="rect">
             <a:avLst/>
           </a:prstGeom>
         </p:spPr>
         <p:txBody>
-          <a:bodyPr lIns="0" tIns="0" rIns="0" bIns="0" rtlCol="0" anchor="t">
+          <a:bodyPr wrap="square" lIns="0" tIns="0" rIns="0" bIns="0" rtlCol="0" anchor="t">
             <a:spAutoFit/>
           </a:bodyPr>
           <a:lstStyle/>
           <a:p>
-            <a:pPr algn="ctr">
-              <a:lnSpc>
-                <a:spcPts val="17500"/>
-              </a:lnSpc>
-            </a:pPr>
-            <a:r>
-              <a:rPr lang="en-US" sz="12500">
+            <a:pPr algn="ctr"/>
+            <a:r>
+              <a:rPr lang="en-US" sz="8800" dirty="0" err="1">
                 <a:solidFill>
                   <a:srgbClr val="004AAD"/>
                 </a:solidFill>
-                <a:latin typeface="Nunito Sans Heavy"/>
+                <a:latin typeface="Roboto" panose="02000000000000000000" pitchFamily="2" charset="0"/>
+                <a:ea typeface="Roboto" panose="02000000000000000000" pitchFamily="2" charset="0"/>
               </a:rPr>
-              <a:t>Thank You</a:t>
+              <a:t>Köszönöm</a:t>
+            </a:r>
+            <a:r>
+              <a:rPr lang="en-US" sz="8800" dirty="0">
+                <a:solidFill>
+                  <a:srgbClr val="004AAD"/>
+                </a:solidFill>
+                <a:latin typeface="Roboto" panose="02000000000000000000" pitchFamily="2" charset="0"/>
+                <a:ea typeface="Roboto" panose="02000000000000000000" pitchFamily="2" charset="0"/>
+              </a:rPr>
+              <a:t> a </a:t>
+            </a:r>
+            <a:r>
+              <a:rPr lang="en-US" sz="8800" dirty="0" err="1">
+                <a:solidFill>
+                  <a:srgbClr val="004AAD"/>
+                </a:solidFill>
+                <a:latin typeface="Roboto" panose="02000000000000000000" pitchFamily="2" charset="0"/>
+                <a:ea typeface="Roboto" panose="02000000000000000000" pitchFamily="2" charset="0"/>
+              </a:rPr>
+              <a:t>figyelmet</a:t>
+            </a:r>
+            <a:r>
+              <a:rPr lang="en-US" sz="8800" dirty="0">
+                <a:solidFill>
+                  <a:srgbClr val="004AAD"/>
+                </a:solidFill>
+                <a:latin typeface="Roboto" panose="02000000000000000000" pitchFamily="2" charset="0"/>
+                <a:ea typeface="Roboto" panose="02000000000000000000" pitchFamily="2" charset="0"/>
+              </a:rPr>
+              <a:t>!</a:t>
             </a:r>
           </a:p>
         </p:txBody>
@@ -8671,10 +8633,10 @@
             </a:pathLst>
           </a:custGeom>
           <a:blipFill>
-            <a:blip r:embed="rId6">
+            <a:blip r:embed="rId5">
               <a:extLst>
                 <a:ext uri="{96DAC541-7B7A-43D3-8B79-37D633B846F1}">
-                  <asvg:svgBlip xmlns:asvg="http://schemas.microsoft.com/office/drawing/2016/SVG/main" r:embed="rId7"/>
+                  <asvg:svgBlip xmlns:asvg="http://schemas.microsoft.com/office/drawing/2016/SVG/main" r:embed="rId6"/>
                 </a:ext>
               </a:extLst>
             </a:blip>
@@ -8686,59 +8648,21 @@
       </p:sp>
       <p:sp>
         <p:nvSpPr>
-          <p:cNvPr id="12" name="TextBox 12"/>
+          <p:cNvPr id="13" name="TextBox 13"/>
           <p:cNvSpPr txBox="1"/>
           <p:nvPr/>
         </p:nvSpPr>
         <p:spPr>
           <a:xfrm>
-            <a:off x="4082669" y="6008687"/>
-            <a:ext cx="10122662" cy="771525"/>
+            <a:off x="5821796" y="3306601"/>
+            <a:ext cx="6611280" cy="359073"/>
           </a:xfrm>
           <a:prstGeom prst="rect">
             <a:avLst/>
           </a:prstGeom>
         </p:spPr>
         <p:txBody>
-          <a:bodyPr lIns="0" tIns="0" rIns="0" bIns="0" rtlCol="0" anchor="t">
-            <a:spAutoFit/>
-          </a:bodyPr>
-          <a:lstStyle/>
-          <a:p>
-            <a:pPr algn="ctr">
-              <a:lnSpc>
-                <a:spcPts val="6299"/>
-              </a:lnSpc>
-            </a:pPr>
-            <a:r>
-              <a:rPr lang="en-US" sz="4500">
-                <a:solidFill>
-                  <a:srgbClr val="000000"/>
-                </a:solidFill>
-                <a:latin typeface="Nunito Sans"/>
-              </a:rPr>
-              <a:t>www.reallygreatsite.com</a:t>
-            </a:r>
-          </a:p>
-        </p:txBody>
-      </p:sp>
-      <p:sp>
-        <p:nvSpPr>
-          <p:cNvPr id="13" name="TextBox 13"/>
-          <p:cNvSpPr txBox="1"/>
-          <p:nvPr/>
-        </p:nvSpPr>
-        <p:spPr>
-          <a:xfrm>
-            <a:off x="8520117" y="3450685"/>
-            <a:ext cx="2267463" cy="339725"/>
-          </a:xfrm>
-          <a:prstGeom prst="rect">
-            <a:avLst/>
-          </a:prstGeom>
-        </p:spPr>
-        <p:txBody>
-          <a:bodyPr lIns="0" tIns="0" rIns="0" bIns="0" rtlCol="0" anchor="t">
+          <a:bodyPr wrap="square" lIns="0" tIns="0" rIns="0" bIns="0" rtlCol="0" anchor="t">
             <a:spAutoFit/>
           </a:bodyPr>
           <a:lstStyle/>
@@ -8748,15 +8672,10 @@
                 <a:spcPts val="2800"/>
               </a:lnSpc>
             </a:pPr>
-            <a:r>
-              <a:rPr lang="en-US" sz="2000">
-                <a:solidFill>
-                  <a:srgbClr val="004AAD"/>
-                </a:solidFill>
-                <a:latin typeface="Nunito Sans"/>
-              </a:rPr>
-              <a:t>Fauget University</a:t>
-            </a:r>
+            <a:endParaRPr lang="en-US" sz="2400" dirty="0">
+              <a:latin typeface="Roboto" panose="02000000000000000000" pitchFamily="2" charset="0"/>
+              <a:ea typeface="Roboto" panose="02000000000000000000" pitchFamily="2" charset="0"/>
+            </a:endParaRPr>
           </a:p>
         </p:txBody>
       </p:sp>
@@ -8799,10 +8718,10 @@
             </a:pathLst>
           </a:custGeom>
           <a:blipFill>
-            <a:blip r:embed="rId6">
+            <a:blip r:embed="rId5">
               <a:extLst>
                 <a:ext uri="{96DAC541-7B7A-43D3-8B79-37D633B846F1}">
-                  <asvg:svgBlip xmlns:asvg="http://schemas.microsoft.com/office/drawing/2016/SVG/main" r:embed="rId7"/>
+                  <asvg:svgBlip xmlns:asvg="http://schemas.microsoft.com/office/drawing/2016/SVG/main" r:embed="rId6"/>
                 </a:ext>
               </a:extLst>
             </a:blip>
@@ -8812,7 +8731,140 @@
           </a:blipFill>
         </p:spPr>
       </p:sp>
+      <p:pic>
+        <p:nvPicPr>
+          <p:cNvPr id="16" name="Kép 15">
+            <a:extLst>
+              <a:ext uri="{FF2B5EF4-FFF2-40B4-BE49-F238E27FC236}">
+                <a16:creationId xmlns:a16="http://schemas.microsoft.com/office/drawing/2014/main" id="{E846528F-1288-4ACE-9C77-5A3E490194D3}"/>
+              </a:ext>
+            </a:extLst>
+          </p:cNvPr>
+          <p:cNvPicPr>
+            <a:picLocks noChangeAspect="1"/>
+          </p:cNvPicPr>
+          <p:nvPr/>
+        </p:nvPicPr>
+        <p:blipFill>
+          <a:blip r:embed="rId7">
+            <a:extLst>
+              <a:ext uri="{28A0092B-C50C-407E-A947-70E740481C1C}">
+                <a14:useLocalDpi xmlns:a14="http://schemas.microsoft.com/office/drawing/2010/main" val="0"/>
+              </a:ext>
+            </a:extLst>
+          </a:blip>
+          <a:stretch>
+            <a:fillRect/>
+          </a:stretch>
+        </p:blipFill>
+        <p:spPr>
+          <a:xfrm>
+            <a:off x="7490215" y="658593"/>
+            <a:ext cx="3022222" cy="3022222"/>
+          </a:xfrm>
+          <a:prstGeom prst="rect">
+            <a:avLst/>
+          </a:prstGeom>
+        </p:spPr>
+      </p:pic>
+      <p:sp>
+        <p:nvSpPr>
+          <p:cNvPr id="15" name="TextBox 12">
+            <a:extLst>
+              <a:ext uri="{FF2B5EF4-FFF2-40B4-BE49-F238E27FC236}">
+                <a16:creationId xmlns:a16="http://schemas.microsoft.com/office/drawing/2014/main" id="{E4A7D0E4-D79C-4A79-A106-843336FEADF3}"/>
+              </a:ext>
+            </a:extLst>
+          </p:cNvPr>
+          <p:cNvSpPr txBox="1"/>
+          <p:nvPr/>
+        </p:nvSpPr>
+        <p:spPr>
+          <a:xfrm>
+            <a:off x="5690024" y="3486137"/>
+            <a:ext cx="6611280" cy="708527"/>
+          </a:xfrm>
+          <a:prstGeom prst="rect">
+            <a:avLst/>
+          </a:prstGeom>
+        </p:spPr>
+        <p:txBody>
+          <a:bodyPr wrap="square" lIns="0" tIns="0" rIns="0" bIns="0" rtlCol="0" anchor="t">
+            <a:spAutoFit/>
+          </a:bodyPr>
+          <a:lstStyle/>
+          <a:p>
+            <a:pPr algn="ctr">
+              <a:lnSpc>
+                <a:spcPts val="6299"/>
+              </a:lnSpc>
+            </a:pPr>
+            <a:r>
+              <a:rPr lang="en-US" sz="2800" dirty="0" err="1">
+                <a:solidFill>
+                  <a:srgbClr val="000000"/>
+                </a:solidFill>
+                <a:latin typeface="Roboto Thin" panose="02000000000000000000" pitchFamily="2" charset="0"/>
+                <a:ea typeface="Roboto Thin" panose="02000000000000000000" pitchFamily="2" charset="0"/>
+              </a:rPr>
+              <a:t>Eötvös</a:t>
+            </a:r>
+            <a:r>
+              <a:rPr lang="en-US" sz="2800" dirty="0">
+                <a:solidFill>
+                  <a:srgbClr val="000000"/>
+                </a:solidFill>
+                <a:latin typeface="Roboto Thin" panose="02000000000000000000" pitchFamily="2" charset="0"/>
+                <a:ea typeface="Roboto Thin" panose="02000000000000000000" pitchFamily="2" charset="0"/>
+              </a:rPr>
+              <a:t> </a:t>
+            </a:r>
+            <a:r>
+              <a:rPr lang="en-US" sz="2800" dirty="0" err="1">
+                <a:solidFill>
+                  <a:srgbClr val="000000"/>
+                </a:solidFill>
+                <a:latin typeface="Roboto Thin" panose="02000000000000000000" pitchFamily="2" charset="0"/>
+                <a:ea typeface="Roboto Thin" panose="02000000000000000000" pitchFamily="2" charset="0"/>
+              </a:rPr>
+              <a:t>Loránd</a:t>
+            </a:r>
+            <a:r>
+              <a:rPr lang="en-US" sz="2800" dirty="0">
+                <a:solidFill>
+                  <a:srgbClr val="000000"/>
+                </a:solidFill>
+                <a:latin typeface="Roboto Thin" panose="02000000000000000000" pitchFamily="2" charset="0"/>
+                <a:ea typeface="Roboto Thin" panose="02000000000000000000" pitchFamily="2" charset="0"/>
+              </a:rPr>
+              <a:t> </a:t>
+            </a:r>
+            <a:r>
+              <a:rPr lang="en-US" sz="2800" dirty="0" err="1">
+                <a:solidFill>
+                  <a:srgbClr val="000000"/>
+                </a:solidFill>
+                <a:latin typeface="Roboto Thin" panose="02000000000000000000" pitchFamily="2" charset="0"/>
+                <a:ea typeface="Roboto Thin" panose="02000000000000000000" pitchFamily="2" charset="0"/>
+              </a:rPr>
+              <a:t>Tudományegyetem</a:t>
+            </a:r>
+            <a:endParaRPr lang="en-US" sz="2800" dirty="0">
+              <a:solidFill>
+                <a:srgbClr val="000000"/>
+              </a:solidFill>
+              <a:latin typeface="Roboto Thin" panose="02000000000000000000" pitchFamily="2" charset="0"/>
+              <a:ea typeface="Roboto Thin" panose="02000000000000000000" pitchFamily="2" charset="0"/>
+            </a:endParaRPr>
+          </a:p>
+        </p:txBody>
+      </p:sp>
     </p:spTree>
+    <p:extLst>
+      <p:ext uri="{BB962C8B-B14F-4D97-AF65-F5344CB8AC3E}">
+        <p14:creationId xmlns:p14="http://schemas.microsoft.com/office/powerpoint/2010/main" val="939180365"/>
+      </p:ext>
+    </p:extLst>
   </p:cSld>
   <p:clrMapOvr>
     <a:masterClrMapping/>
@@ -9296,13 +9348,13 @@
               </a:lnSpc>
             </a:pPr>
             <a:r>
-              <a:rPr lang="en-US" sz="8000">
+              <a:rPr lang="en-US" sz="8000" dirty="0">
                 <a:solidFill>
                   <a:srgbClr val="FFFFFF"/>
                 </a:solidFill>
                 <a:latin typeface="Nunito Sans Heavy"/>
               </a:rPr>
-              <a:t>01</a:t>
+              <a:t>1</a:t>
             </a:r>
           </a:p>
         </p:txBody>
@@ -9463,8 +9515,8 @@
               <a:lnSpc>
                 <a:spcPts val="5599"/>
               </a:lnSpc>
-              <a:buFont typeface="Arial" panose="020B0604020202020204" pitchFamily="34" charset="0"/>
-              <a:buChar char="•"/>
+              <a:buFontTx/>
+              <a:buChar char="→"/>
             </a:pPr>
             <a:r>
               <a:rPr lang="en-US" sz="3999" dirty="0">
@@ -9482,8 +9534,8 @@
               <a:lnSpc>
                 <a:spcPts val="5599"/>
               </a:lnSpc>
-              <a:buFont typeface="Arial" panose="020B0604020202020204" pitchFamily="34" charset="0"/>
-              <a:buChar char="•"/>
+              <a:buFontTx/>
+              <a:buChar char="→"/>
             </a:pPr>
             <a:r>
               <a:rPr lang="en-US" sz="3999" dirty="0">
@@ -9501,8 +9553,8 @@
               <a:lnSpc>
                 <a:spcPts val="5599"/>
               </a:lnSpc>
-              <a:buFont typeface="Arial" panose="020B0604020202020204" pitchFamily="34" charset="0"/>
-              <a:buChar char="•"/>
+              <a:buFontTx/>
+              <a:buChar char="→"/>
             </a:pPr>
             <a:r>
               <a:rPr lang="en-US" sz="3999" dirty="0">
@@ -9517,8 +9569,8 @@
               <a:lnSpc>
                 <a:spcPts val="5599"/>
               </a:lnSpc>
-              <a:buFont typeface="Arial" panose="020B0604020202020204" pitchFamily="34" charset="0"/>
-              <a:buChar char="•"/>
+              <a:buFontTx/>
+              <a:buChar char="→"/>
             </a:pPr>
             <a:r>
               <a:rPr lang="en-US" sz="3999" dirty="0">
@@ -9533,8 +9585,8 @@
               <a:lnSpc>
                 <a:spcPts val="5599"/>
               </a:lnSpc>
-              <a:buFont typeface="Arial" panose="020B0604020202020204" pitchFamily="34" charset="0"/>
-              <a:buChar char="•"/>
+              <a:buFontTx/>
+              <a:buChar char="→"/>
             </a:pPr>
             <a:r>
               <a:rPr lang="en-US" sz="3999" dirty="0">
@@ -10169,7 +10221,7 @@
         </p:nvGrpSpPr>
         <p:grpSpPr>
           <a:xfrm>
-            <a:off x="6877450" y="4617719"/>
+            <a:off x="6512343" y="4642057"/>
             <a:ext cx="4541888" cy="1225297"/>
             <a:chOff x="7068684" y="4592450"/>
             <a:chExt cx="4541888" cy="1225297"/>
@@ -10322,442 +10374,6 @@
           </p:txBody>
         </p:sp>
       </p:grpSp>
-      <p:sp>
-        <p:nvSpPr>
-          <p:cNvPr id="18" name="TextBox 18"/>
-          <p:cNvSpPr txBox="1"/>
-          <p:nvPr/>
-        </p:nvSpPr>
-        <p:spPr>
-          <a:xfrm>
-            <a:off x="1156090" y="4117801"/>
-            <a:ext cx="5668803" cy="2114550"/>
-          </a:xfrm>
-          <a:prstGeom prst="rect">
-            <a:avLst/>
-          </a:prstGeom>
-        </p:spPr>
-        <p:txBody>
-          <a:bodyPr lIns="0" tIns="0" rIns="0" bIns="0" rtlCol="0" anchor="t">
-            <a:spAutoFit/>
-          </a:bodyPr>
-          <a:lstStyle/>
-          <a:p>
-            <a:pPr algn="r">
-              <a:lnSpc>
-                <a:spcPts val="4200"/>
-              </a:lnSpc>
-            </a:pPr>
-            <a:r>
-              <a:rPr lang="en-US" sz="3000" dirty="0">
-                <a:solidFill>
-                  <a:srgbClr val="000000"/>
-                </a:solidFill>
-                <a:latin typeface="Nunito Sans"/>
-              </a:rPr>
-              <a:t>Lorem ipsum dolor sit </a:t>
-            </a:r>
-            <a:r>
-              <a:rPr lang="en-US" sz="3000" dirty="0" err="1">
-                <a:solidFill>
-                  <a:srgbClr val="000000"/>
-                </a:solidFill>
-                <a:latin typeface="Nunito Sans"/>
-              </a:rPr>
-              <a:t>amet</a:t>
-            </a:r>
-            <a:r>
-              <a:rPr lang="en-US" sz="3000" dirty="0">
-                <a:solidFill>
-                  <a:srgbClr val="000000"/>
-                </a:solidFill>
-                <a:latin typeface="Nunito Sans"/>
-              </a:rPr>
-              <a:t>, </a:t>
-            </a:r>
-            <a:r>
-              <a:rPr lang="en-US" sz="3000" dirty="0" err="1">
-                <a:solidFill>
-                  <a:srgbClr val="000000"/>
-                </a:solidFill>
-                <a:latin typeface="Nunito Sans"/>
-              </a:rPr>
-              <a:t>consectetur</a:t>
-            </a:r>
-            <a:r>
-              <a:rPr lang="en-US" sz="3000" dirty="0">
-                <a:solidFill>
-                  <a:srgbClr val="000000"/>
-                </a:solidFill>
-                <a:latin typeface="Nunito Sans"/>
-              </a:rPr>
-              <a:t> </a:t>
-            </a:r>
-            <a:r>
-              <a:rPr lang="en-US" sz="3000" dirty="0" err="1">
-                <a:solidFill>
-                  <a:srgbClr val="000000"/>
-                </a:solidFill>
-                <a:latin typeface="Nunito Sans"/>
-              </a:rPr>
-              <a:t>adipiscing</a:t>
-            </a:r>
-            <a:r>
-              <a:rPr lang="en-US" sz="3000" dirty="0">
-                <a:solidFill>
-                  <a:srgbClr val="000000"/>
-                </a:solidFill>
-                <a:latin typeface="Nunito Sans"/>
-              </a:rPr>
-              <a:t> </a:t>
-            </a:r>
-            <a:r>
-              <a:rPr lang="en-US" sz="3000" dirty="0" err="1">
-                <a:solidFill>
-                  <a:srgbClr val="000000"/>
-                </a:solidFill>
-                <a:latin typeface="Nunito Sans"/>
-              </a:rPr>
-              <a:t>elit</a:t>
-            </a:r>
-            <a:r>
-              <a:rPr lang="en-US" sz="3000" dirty="0">
-                <a:solidFill>
-                  <a:srgbClr val="000000"/>
-                </a:solidFill>
-                <a:latin typeface="Nunito Sans"/>
-              </a:rPr>
-              <a:t>, sed do </a:t>
-            </a:r>
-            <a:r>
-              <a:rPr lang="en-US" sz="3000" dirty="0" err="1">
-                <a:solidFill>
-                  <a:srgbClr val="000000"/>
-                </a:solidFill>
-                <a:latin typeface="Nunito Sans"/>
-              </a:rPr>
-              <a:t>eiusmod</a:t>
-            </a:r>
-            <a:r>
-              <a:rPr lang="en-US" sz="3000" dirty="0">
-                <a:solidFill>
-                  <a:srgbClr val="000000"/>
-                </a:solidFill>
-                <a:latin typeface="Nunito Sans"/>
-              </a:rPr>
-              <a:t> </a:t>
-            </a:r>
-            <a:r>
-              <a:rPr lang="en-US" sz="3000" dirty="0" err="1">
-                <a:solidFill>
-                  <a:srgbClr val="000000"/>
-                </a:solidFill>
-                <a:latin typeface="Nunito Sans"/>
-              </a:rPr>
-              <a:t>tempor</a:t>
-            </a:r>
-            <a:r>
-              <a:rPr lang="en-US" sz="3000" dirty="0">
-                <a:solidFill>
-                  <a:srgbClr val="000000"/>
-                </a:solidFill>
-                <a:latin typeface="Nunito Sans"/>
-              </a:rPr>
-              <a:t> </a:t>
-            </a:r>
-            <a:r>
-              <a:rPr lang="en-US" sz="3000" dirty="0" err="1">
-                <a:solidFill>
-                  <a:srgbClr val="000000"/>
-                </a:solidFill>
-                <a:latin typeface="Nunito Sans"/>
-              </a:rPr>
-              <a:t>incididunt</a:t>
-            </a:r>
-            <a:r>
-              <a:rPr lang="en-US" sz="3000" dirty="0">
-                <a:solidFill>
-                  <a:srgbClr val="000000"/>
-                </a:solidFill>
-                <a:latin typeface="Nunito Sans"/>
-              </a:rPr>
-              <a:t> </a:t>
-            </a:r>
-            <a:r>
-              <a:rPr lang="en-US" sz="3000" dirty="0" err="1">
-                <a:solidFill>
-                  <a:srgbClr val="000000"/>
-                </a:solidFill>
-                <a:latin typeface="Nunito Sans"/>
-              </a:rPr>
-              <a:t>ut</a:t>
-            </a:r>
-            <a:r>
-              <a:rPr lang="en-US" sz="3000" dirty="0">
-                <a:solidFill>
-                  <a:srgbClr val="000000"/>
-                </a:solidFill>
-                <a:latin typeface="Nunito Sans"/>
-              </a:rPr>
-              <a:t> </a:t>
-            </a:r>
-            <a:r>
-              <a:rPr lang="en-US" sz="3000" dirty="0" err="1">
-                <a:solidFill>
-                  <a:srgbClr val="000000"/>
-                </a:solidFill>
-                <a:latin typeface="Nunito Sans"/>
-              </a:rPr>
-              <a:t>labore</a:t>
-            </a:r>
-            <a:r>
-              <a:rPr lang="en-US" sz="3000" dirty="0">
-                <a:solidFill>
-                  <a:srgbClr val="000000"/>
-                </a:solidFill>
-                <a:latin typeface="Nunito Sans"/>
-              </a:rPr>
-              <a:t> et dolore magna </a:t>
-            </a:r>
-            <a:r>
-              <a:rPr lang="en-US" sz="3000" dirty="0" err="1">
-                <a:solidFill>
-                  <a:srgbClr val="000000"/>
-                </a:solidFill>
-                <a:latin typeface="Nunito Sans"/>
-              </a:rPr>
-              <a:t>aliqua</a:t>
-            </a:r>
-            <a:r>
-              <a:rPr lang="en-US" sz="3000" dirty="0">
-                <a:solidFill>
-                  <a:srgbClr val="000000"/>
-                </a:solidFill>
-                <a:latin typeface="Nunito Sans"/>
-              </a:rPr>
-              <a:t>.</a:t>
-            </a:r>
-          </a:p>
-        </p:txBody>
-      </p:sp>
-      <p:sp>
-        <p:nvSpPr>
-          <p:cNvPr id="19" name="TextBox 19"/>
-          <p:cNvSpPr txBox="1"/>
-          <p:nvPr/>
-        </p:nvSpPr>
-        <p:spPr>
-          <a:xfrm>
-            <a:off x="1156090" y="6454573"/>
-            <a:ext cx="5668803" cy="2114550"/>
-          </a:xfrm>
-          <a:prstGeom prst="rect">
-            <a:avLst/>
-          </a:prstGeom>
-        </p:spPr>
-        <p:txBody>
-          <a:bodyPr lIns="0" tIns="0" rIns="0" bIns="0" rtlCol="0" anchor="t">
-            <a:spAutoFit/>
-          </a:bodyPr>
-          <a:lstStyle/>
-          <a:p>
-            <a:pPr algn="r">
-              <a:lnSpc>
-                <a:spcPts val="4200"/>
-              </a:lnSpc>
-            </a:pPr>
-            <a:r>
-              <a:rPr lang="en-US" sz="3000" dirty="0">
-                <a:solidFill>
-                  <a:srgbClr val="000000"/>
-                </a:solidFill>
-                <a:latin typeface="Nunito Sans"/>
-              </a:rPr>
-              <a:t>Lorem ipsum dolor sit </a:t>
-            </a:r>
-            <a:r>
-              <a:rPr lang="en-US" sz="3000" dirty="0" err="1">
-                <a:solidFill>
-                  <a:srgbClr val="000000"/>
-                </a:solidFill>
-                <a:latin typeface="Nunito Sans"/>
-              </a:rPr>
-              <a:t>amet</a:t>
-            </a:r>
-            <a:r>
-              <a:rPr lang="en-US" sz="3000" dirty="0">
-                <a:solidFill>
-                  <a:srgbClr val="000000"/>
-                </a:solidFill>
-                <a:latin typeface="Nunito Sans"/>
-              </a:rPr>
-              <a:t>, </a:t>
-            </a:r>
-            <a:r>
-              <a:rPr lang="en-US" sz="3000" dirty="0" err="1">
-                <a:solidFill>
-                  <a:srgbClr val="000000"/>
-                </a:solidFill>
-                <a:latin typeface="Nunito Sans"/>
-              </a:rPr>
-              <a:t>consectetur</a:t>
-            </a:r>
-            <a:r>
-              <a:rPr lang="en-US" sz="3000" dirty="0">
-                <a:solidFill>
-                  <a:srgbClr val="000000"/>
-                </a:solidFill>
-                <a:latin typeface="Nunito Sans"/>
-              </a:rPr>
-              <a:t> </a:t>
-            </a:r>
-            <a:r>
-              <a:rPr lang="en-US" sz="3000" dirty="0" err="1">
-                <a:solidFill>
-                  <a:srgbClr val="000000"/>
-                </a:solidFill>
-                <a:latin typeface="Nunito Sans"/>
-              </a:rPr>
-              <a:t>adipiscing</a:t>
-            </a:r>
-            <a:r>
-              <a:rPr lang="en-US" sz="3000" dirty="0">
-                <a:solidFill>
-                  <a:srgbClr val="000000"/>
-                </a:solidFill>
-                <a:latin typeface="Nunito Sans"/>
-              </a:rPr>
-              <a:t> </a:t>
-            </a:r>
-            <a:r>
-              <a:rPr lang="en-US" sz="3000" dirty="0" err="1">
-                <a:solidFill>
-                  <a:srgbClr val="000000"/>
-                </a:solidFill>
-                <a:latin typeface="Nunito Sans"/>
-              </a:rPr>
-              <a:t>elit</a:t>
-            </a:r>
-            <a:r>
-              <a:rPr lang="en-US" sz="3000" dirty="0">
-                <a:solidFill>
-                  <a:srgbClr val="000000"/>
-                </a:solidFill>
-                <a:latin typeface="Nunito Sans"/>
-              </a:rPr>
-              <a:t>, sed do </a:t>
-            </a:r>
-            <a:r>
-              <a:rPr lang="en-US" sz="3000" dirty="0" err="1">
-                <a:solidFill>
-                  <a:srgbClr val="000000"/>
-                </a:solidFill>
-                <a:latin typeface="Nunito Sans"/>
-              </a:rPr>
-              <a:t>eiusmod</a:t>
-            </a:r>
-            <a:r>
-              <a:rPr lang="en-US" sz="3000" dirty="0">
-                <a:solidFill>
-                  <a:srgbClr val="000000"/>
-                </a:solidFill>
-                <a:latin typeface="Nunito Sans"/>
-              </a:rPr>
-              <a:t> </a:t>
-            </a:r>
-            <a:r>
-              <a:rPr lang="en-US" sz="3000" dirty="0" err="1">
-                <a:solidFill>
-                  <a:srgbClr val="000000"/>
-                </a:solidFill>
-                <a:latin typeface="Nunito Sans"/>
-              </a:rPr>
-              <a:t>tempor</a:t>
-            </a:r>
-            <a:r>
-              <a:rPr lang="en-US" sz="3000" dirty="0">
-                <a:solidFill>
-                  <a:srgbClr val="000000"/>
-                </a:solidFill>
-                <a:latin typeface="Nunito Sans"/>
-              </a:rPr>
-              <a:t> </a:t>
-            </a:r>
-            <a:r>
-              <a:rPr lang="en-US" sz="3000" dirty="0" err="1">
-                <a:solidFill>
-                  <a:srgbClr val="000000"/>
-                </a:solidFill>
-                <a:latin typeface="Nunito Sans"/>
-              </a:rPr>
-              <a:t>incididunt</a:t>
-            </a:r>
-            <a:r>
-              <a:rPr lang="en-US" sz="3000" dirty="0">
-                <a:solidFill>
-                  <a:srgbClr val="000000"/>
-                </a:solidFill>
-                <a:latin typeface="Nunito Sans"/>
-              </a:rPr>
-              <a:t> </a:t>
-            </a:r>
-            <a:r>
-              <a:rPr lang="en-US" sz="3000" dirty="0" err="1">
-                <a:solidFill>
-                  <a:srgbClr val="000000"/>
-                </a:solidFill>
-                <a:latin typeface="Nunito Sans"/>
-              </a:rPr>
-              <a:t>ut</a:t>
-            </a:r>
-            <a:r>
-              <a:rPr lang="en-US" sz="3000" dirty="0">
-                <a:solidFill>
-                  <a:srgbClr val="000000"/>
-                </a:solidFill>
-                <a:latin typeface="Nunito Sans"/>
-              </a:rPr>
-              <a:t> </a:t>
-            </a:r>
-            <a:r>
-              <a:rPr lang="en-US" sz="3000" dirty="0" err="1">
-                <a:solidFill>
-                  <a:srgbClr val="000000"/>
-                </a:solidFill>
-                <a:latin typeface="Nunito Sans"/>
-              </a:rPr>
-              <a:t>labore</a:t>
-            </a:r>
-            <a:r>
-              <a:rPr lang="en-US" sz="3000" dirty="0">
-                <a:solidFill>
-                  <a:srgbClr val="000000"/>
-                </a:solidFill>
-                <a:latin typeface="Nunito Sans"/>
-              </a:rPr>
-              <a:t> et dolore magna </a:t>
-            </a:r>
-            <a:r>
-              <a:rPr lang="en-US" sz="3000" dirty="0" err="1">
-                <a:solidFill>
-                  <a:srgbClr val="000000"/>
-                </a:solidFill>
-                <a:latin typeface="Nunito Sans"/>
-              </a:rPr>
-              <a:t>aliqua</a:t>
-            </a:r>
-            <a:r>
-              <a:rPr lang="en-US" sz="3000" dirty="0">
-                <a:solidFill>
-                  <a:srgbClr val="000000"/>
-                </a:solidFill>
-                <a:latin typeface="Nunito Sans"/>
-              </a:rPr>
-              <a:t>.</a:t>
-            </a:r>
-          </a:p>
-        </p:txBody>
-      </p:sp>
       <p:grpSp>
         <p:nvGrpSpPr>
           <p:cNvPr id="22" name="Group 22"/>
@@ -10890,7 +10506,7 @@
                 </a:solidFill>
                 <a:latin typeface="Nunito Sans Heavy"/>
               </a:rPr>
-              <a:t>02</a:t>
+              <a:t>2</a:t>
             </a:r>
           </a:p>
         </p:txBody>
@@ -10909,7 +10525,7 @@
         </p:nvGrpSpPr>
         <p:grpSpPr>
           <a:xfrm>
-            <a:off x="6174799" y="6227064"/>
+            <a:off x="5709816" y="6242470"/>
             <a:ext cx="4821677" cy="1225296"/>
             <a:chOff x="7058487" y="6367044"/>
             <a:chExt cx="4821677" cy="1225296"/>
@@ -11151,7 +10767,7 @@
         </p:blipFill>
         <p:spPr>
           <a:xfrm>
-            <a:off x="783482" y="3203900"/>
+            <a:off x="398682" y="3693683"/>
             <a:ext cx="6107035" cy="5844515"/>
           </a:xfrm>
           <a:prstGeom prst="rect">
@@ -11161,10 +10777,10 @@
       </p:pic>
       <p:pic>
         <p:nvPicPr>
-          <p:cNvPr id="36" name="Kép 35">
+          <p:cNvPr id="11" name="Kép 10">
             <a:extLst>
               <a:ext uri="{FF2B5EF4-FFF2-40B4-BE49-F238E27FC236}">
-                <a16:creationId xmlns:a16="http://schemas.microsoft.com/office/drawing/2014/main" id="{3B369E9E-1A69-4B77-A17D-BC55E7F7AF7A}"/>
+                <a16:creationId xmlns:a16="http://schemas.microsoft.com/office/drawing/2014/main" id="{679F1336-F519-4A47-84C1-F0EAB5DCE22D}"/>
               </a:ext>
             </a:extLst>
           </p:cNvPr>
@@ -11187,8 +10803,8 @@
         </p:blipFill>
         <p:spPr>
           <a:xfrm>
-            <a:off x="11337197" y="3205270"/>
-            <a:ext cx="6706122" cy="5718562"/>
+            <a:off x="10632477" y="2628901"/>
+            <a:ext cx="7344793" cy="6909298"/>
           </a:xfrm>
           <a:prstGeom prst="rect">
             <a:avLst/>
@@ -11685,7 +11301,7 @@
                 </a:solidFill>
                 <a:latin typeface="Nunito Sans Heavy"/>
               </a:rPr>
-              <a:t>03</a:t>
+              <a:t>3</a:t>
             </a:r>
           </a:p>
         </p:txBody>
@@ -11916,8 +11532,8 @@
               <a:lnSpc>
                 <a:spcPts val="5599"/>
               </a:lnSpc>
-              <a:buFont typeface="Arial" panose="020B0604020202020204" pitchFamily="34" charset="0"/>
-              <a:buChar char="•"/>
+              <a:buFontTx/>
+              <a:buChar char="→"/>
             </a:pPr>
             <a:r>
               <a:rPr lang="en-US" sz="3999" dirty="0">
@@ -11927,7 +11543,7 @@
                 <a:latin typeface="Roboto Light" panose="02000000000000000000" pitchFamily="2" charset="0"/>
                 <a:ea typeface="Roboto Light" panose="02000000000000000000" pitchFamily="2" charset="0"/>
               </a:rPr>
-              <a:t>1x1m </a:t>
+              <a:t>1x1 M</a:t>
             </a:r>
           </a:p>
           <a:p>
@@ -11935,8 +11551,8 @@
               <a:lnSpc>
                 <a:spcPts val="5599"/>
               </a:lnSpc>
-              <a:buFont typeface="Arial" panose="020B0604020202020204" pitchFamily="34" charset="0"/>
-              <a:buChar char="•"/>
+              <a:buFontTx/>
+              <a:buChar char="→"/>
             </a:pPr>
             <a:r>
               <a:rPr lang="en-US" sz="3999" dirty="0">
@@ -11946,7 +11562,7 @@
                 <a:latin typeface="Roboto Light" panose="02000000000000000000" pitchFamily="2" charset="0"/>
                 <a:ea typeface="Roboto Light" panose="02000000000000000000" pitchFamily="2" charset="0"/>
               </a:rPr>
-              <a:t>100x1m </a:t>
+              <a:t>100x1 M</a:t>
             </a:r>
           </a:p>
           <a:p>
@@ -11954,8 +11570,8 @@
               <a:lnSpc>
                 <a:spcPts val="5599"/>
               </a:lnSpc>
-              <a:buFont typeface="Arial" panose="020B0604020202020204" pitchFamily="34" charset="0"/>
-              <a:buChar char="•"/>
+              <a:buFontTx/>
+              <a:buChar char="→"/>
             </a:pPr>
             <a:r>
               <a:rPr lang="en-US" sz="3999" dirty="0">
@@ -11965,7 +11581,7 @@
                 <a:latin typeface="Roboto Light" panose="02000000000000000000" pitchFamily="2" charset="0"/>
                 <a:ea typeface="Roboto Light" panose="02000000000000000000" pitchFamily="2" charset="0"/>
               </a:rPr>
-              <a:t>100x10m</a:t>
+              <a:t>100x10 M</a:t>
             </a:r>
           </a:p>
         </p:txBody>
@@ -12034,7 +11650,7 @@
         </p:blipFill>
         <p:spPr>
           <a:xfrm>
-            <a:off x="8640245" y="6744844"/>
+            <a:off x="8595360" y="6744844"/>
             <a:ext cx="7840169" cy="2981741"/>
           </a:xfrm>
           <a:prstGeom prst="rect">
@@ -12265,6 +11881,276 @@
           </p:txBody>
         </p:sp>
       </p:grpSp>
+      <p:sp>
+        <p:nvSpPr>
+          <p:cNvPr id="15" name="Téglalap: lekerekített 14">
+            <a:extLst>
+              <a:ext uri="{FF2B5EF4-FFF2-40B4-BE49-F238E27FC236}">
+                <a16:creationId xmlns:a16="http://schemas.microsoft.com/office/drawing/2014/main" id="{5D82C162-E2ED-444E-88B6-95C07B9E85C5}"/>
+              </a:ext>
+            </a:extLst>
+          </p:cNvPr>
+          <p:cNvSpPr/>
+          <p:nvPr/>
+        </p:nvSpPr>
+        <p:spPr>
+          <a:xfrm>
+            <a:off x="11353800" y="4763316"/>
+            <a:ext cx="2057400" cy="405866"/>
+          </a:xfrm>
+          <a:prstGeom prst="roundRect">
+            <a:avLst/>
+          </a:prstGeom>
+          <a:noFill/>
+          <a:ln>
+            <a:solidFill>
+              <a:schemeClr val="accent3">
+                <a:lumMod val="75000"/>
+              </a:schemeClr>
+            </a:solidFill>
+          </a:ln>
+        </p:spPr>
+        <p:style>
+          <a:lnRef idx="2">
+            <a:schemeClr val="accent1">
+              <a:shade val="50000"/>
+            </a:schemeClr>
+          </a:lnRef>
+          <a:fillRef idx="1">
+            <a:schemeClr val="accent1"/>
+          </a:fillRef>
+          <a:effectRef idx="0">
+            <a:schemeClr val="accent1"/>
+          </a:effectRef>
+          <a:fontRef idx="minor">
+            <a:schemeClr val="lt1"/>
+          </a:fontRef>
+        </p:style>
+        <p:txBody>
+          <a:bodyPr rtlCol="0" anchor="ctr"/>
+          <a:lstStyle/>
+          <a:p>
+            <a:pPr algn="ctr"/>
+            <a:endParaRPr lang="hu-HU"/>
+          </a:p>
+        </p:txBody>
+      </p:sp>
+      <p:sp>
+        <p:nvSpPr>
+          <p:cNvPr id="23" name="Téglalap: lekerekített 22">
+            <a:extLst>
+              <a:ext uri="{FF2B5EF4-FFF2-40B4-BE49-F238E27FC236}">
+                <a16:creationId xmlns:a16="http://schemas.microsoft.com/office/drawing/2014/main" id="{02265922-0CA7-412B-8F78-ABBFCF444254}"/>
+              </a:ext>
+            </a:extLst>
+          </p:cNvPr>
+          <p:cNvSpPr/>
+          <p:nvPr/>
+        </p:nvSpPr>
+        <p:spPr>
+          <a:xfrm>
+            <a:off x="14196557" y="5169182"/>
+            <a:ext cx="1091780" cy="405866"/>
+          </a:xfrm>
+          <a:prstGeom prst="roundRect">
+            <a:avLst/>
+          </a:prstGeom>
+          <a:noFill/>
+          <a:ln>
+            <a:solidFill>
+              <a:schemeClr val="accent3">
+                <a:lumMod val="75000"/>
+              </a:schemeClr>
+            </a:solidFill>
+          </a:ln>
+        </p:spPr>
+        <p:style>
+          <a:lnRef idx="2">
+            <a:schemeClr val="accent1">
+              <a:shade val="50000"/>
+            </a:schemeClr>
+          </a:lnRef>
+          <a:fillRef idx="1">
+            <a:schemeClr val="accent1"/>
+          </a:fillRef>
+          <a:effectRef idx="0">
+            <a:schemeClr val="accent1"/>
+          </a:effectRef>
+          <a:fontRef idx="minor">
+            <a:schemeClr val="lt1"/>
+          </a:fontRef>
+        </p:style>
+        <p:txBody>
+          <a:bodyPr rtlCol="0" anchor="ctr"/>
+          <a:lstStyle/>
+          <a:p>
+            <a:pPr algn="ctr"/>
+            <a:endParaRPr lang="hu-HU"/>
+          </a:p>
+        </p:txBody>
+      </p:sp>
+      <p:sp>
+        <p:nvSpPr>
+          <p:cNvPr id="28" name="Téglalap: lekerekített 27">
+            <a:extLst>
+              <a:ext uri="{FF2B5EF4-FFF2-40B4-BE49-F238E27FC236}">
+                <a16:creationId xmlns:a16="http://schemas.microsoft.com/office/drawing/2014/main" id="{D081081F-202A-47B1-B80D-EE64E2885FC6}"/>
+              </a:ext>
+            </a:extLst>
+          </p:cNvPr>
+          <p:cNvSpPr/>
+          <p:nvPr/>
+        </p:nvSpPr>
+        <p:spPr>
+          <a:xfrm>
+            <a:off x="13310020" y="8439912"/>
+            <a:ext cx="1091780" cy="381000"/>
+          </a:xfrm>
+          <a:prstGeom prst="roundRect">
+            <a:avLst/>
+          </a:prstGeom>
+          <a:noFill/>
+          <a:ln>
+            <a:solidFill>
+              <a:schemeClr val="accent3">
+                <a:lumMod val="75000"/>
+              </a:schemeClr>
+            </a:solidFill>
+          </a:ln>
+        </p:spPr>
+        <p:style>
+          <a:lnRef idx="2">
+            <a:schemeClr val="accent1">
+              <a:shade val="50000"/>
+            </a:schemeClr>
+          </a:lnRef>
+          <a:fillRef idx="1">
+            <a:schemeClr val="accent1"/>
+          </a:fillRef>
+          <a:effectRef idx="0">
+            <a:schemeClr val="accent1"/>
+          </a:effectRef>
+          <a:fontRef idx="minor">
+            <a:schemeClr val="lt1"/>
+          </a:fontRef>
+        </p:style>
+        <p:txBody>
+          <a:bodyPr rtlCol="0" anchor="ctr"/>
+          <a:lstStyle/>
+          <a:p>
+            <a:pPr algn="ctr"/>
+            <a:endParaRPr lang="hu-HU"/>
+          </a:p>
+        </p:txBody>
+      </p:sp>
+      <p:sp>
+        <p:nvSpPr>
+          <p:cNvPr id="29" name="Téglalap: lekerekített 28">
+            <a:extLst>
+              <a:ext uri="{FF2B5EF4-FFF2-40B4-BE49-F238E27FC236}">
+                <a16:creationId xmlns:a16="http://schemas.microsoft.com/office/drawing/2014/main" id="{C6E74DC7-1728-4DEB-98E5-7073BAB94666}"/>
+              </a:ext>
+            </a:extLst>
+          </p:cNvPr>
+          <p:cNvSpPr/>
+          <p:nvPr/>
+        </p:nvSpPr>
+        <p:spPr>
+          <a:xfrm>
+            <a:off x="15227653" y="8439912"/>
+            <a:ext cx="1091780" cy="381000"/>
+          </a:xfrm>
+          <a:prstGeom prst="roundRect">
+            <a:avLst/>
+          </a:prstGeom>
+          <a:noFill/>
+          <a:ln>
+            <a:solidFill>
+              <a:schemeClr val="accent3">
+                <a:lumMod val="75000"/>
+              </a:schemeClr>
+            </a:solidFill>
+          </a:ln>
+        </p:spPr>
+        <p:style>
+          <a:lnRef idx="2">
+            <a:schemeClr val="accent1">
+              <a:shade val="50000"/>
+            </a:schemeClr>
+          </a:lnRef>
+          <a:fillRef idx="1">
+            <a:schemeClr val="accent1"/>
+          </a:fillRef>
+          <a:effectRef idx="0">
+            <a:schemeClr val="accent1"/>
+          </a:effectRef>
+          <a:fontRef idx="minor">
+            <a:schemeClr val="lt1"/>
+          </a:fontRef>
+        </p:style>
+        <p:txBody>
+          <a:bodyPr rtlCol="0" anchor="ctr"/>
+          <a:lstStyle/>
+          <a:p>
+            <a:pPr algn="ctr"/>
+            <a:endParaRPr lang="hu-HU"/>
+          </a:p>
+        </p:txBody>
+      </p:sp>
+      <p:sp>
+        <p:nvSpPr>
+          <p:cNvPr id="30" name="Téglalap: lekerekített 29">
+            <a:extLst>
+              <a:ext uri="{FF2B5EF4-FFF2-40B4-BE49-F238E27FC236}">
+                <a16:creationId xmlns:a16="http://schemas.microsoft.com/office/drawing/2014/main" id="{9331BAF6-3081-4AA3-9E8D-C9DF3FC5D2F1}"/>
+              </a:ext>
+            </a:extLst>
+          </p:cNvPr>
+          <p:cNvSpPr/>
+          <p:nvPr/>
+        </p:nvSpPr>
+        <p:spPr>
+          <a:xfrm>
+            <a:off x="16140777" y="4748160"/>
+            <a:ext cx="1091780" cy="405866"/>
+          </a:xfrm>
+          <a:prstGeom prst="roundRect">
+            <a:avLst/>
+          </a:prstGeom>
+          <a:noFill/>
+          <a:ln>
+            <a:solidFill>
+              <a:schemeClr val="accent3">
+                <a:lumMod val="75000"/>
+              </a:schemeClr>
+            </a:solidFill>
+          </a:ln>
+        </p:spPr>
+        <p:style>
+          <a:lnRef idx="2">
+            <a:schemeClr val="accent1">
+              <a:shade val="50000"/>
+            </a:schemeClr>
+          </a:lnRef>
+          <a:fillRef idx="1">
+            <a:schemeClr val="accent1"/>
+          </a:fillRef>
+          <a:effectRef idx="0">
+            <a:schemeClr val="accent1"/>
+          </a:effectRef>
+          <a:fontRef idx="minor">
+            <a:schemeClr val="lt1"/>
+          </a:fontRef>
+        </p:style>
+        <p:txBody>
+          <a:bodyPr rtlCol="0" anchor="ctr"/>
+          <a:lstStyle/>
+          <a:p>
+            <a:pPr algn="ctr"/>
+            <a:endParaRPr lang="hu-HU"/>
+          </a:p>
+        </p:txBody>
+      </p:sp>
     </p:spTree>
     <p:extLst>
       <p:ext uri="{BB962C8B-B14F-4D97-AF65-F5344CB8AC3E}">
@@ -12760,7 +12646,7 @@
                 </a:solidFill>
                 <a:latin typeface="Nunito Sans Heavy"/>
               </a:rPr>
-              <a:t>04</a:t>
+              <a:t>4</a:t>
             </a:r>
           </a:p>
         </p:txBody>
@@ -13225,6 +13111,114 @@
           </a:prstGeom>
         </p:spPr>
       </p:pic>
+      <p:sp>
+        <p:nvSpPr>
+          <p:cNvPr id="24" name="Téglalap: lekerekített 23">
+            <a:extLst>
+              <a:ext uri="{FF2B5EF4-FFF2-40B4-BE49-F238E27FC236}">
+                <a16:creationId xmlns:a16="http://schemas.microsoft.com/office/drawing/2014/main" id="{85473F81-BF54-4805-972B-95206AE07777}"/>
+              </a:ext>
+            </a:extLst>
+          </p:cNvPr>
+          <p:cNvSpPr/>
+          <p:nvPr/>
+        </p:nvSpPr>
+        <p:spPr>
+          <a:xfrm>
+            <a:off x="4876800" y="8933688"/>
+            <a:ext cx="1569720" cy="704088"/>
+          </a:xfrm>
+          <a:prstGeom prst="roundRect">
+            <a:avLst/>
+          </a:prstGeom>
+          <a:noFill/>
+          <a:ln>
+            <a:solidFill>
+              <a:schemeClr val="accent3">
+                <a:lumMod val="75000"/>
+              </a:schemeClr>
+            </a:solidFill>
+          </a:ln>
+        </p:spPr>
+        <p:style>
+          <a:lnRef idx="2">
+            <a:schemeClr val="accent1">
+              <a:shade val="50000"/>
+            </a:schemeClr>
+          </a:lnRef>
+          <a:fillRef idx="1">
+            <a:schemeClr val="accent1"/>
+          </a:fillRef>
+          <a:effectRef idx="0">
+            <a:schemeClr val="accent1"/>
+          </a:effectRef>
+          <a:fontRef idx="minor">
+            <a:schemeClr val="lt1"/>
+          </a:fontRef>
+        </p:style>
+        <p:txBody>
+          <a:bodyPr rtlCol="0" anchor="ctr"/>
+          <a:lstStyle/>
+          <a:p>
+            <a:pPr algn="ctr"/>
+            <a:endParaRPr lang="hu-HU"/>
+          </a:p>
+        </p:txBody>
+      </p:sp>
+      <p:sp>
+        <p:nvSpPr>
+          <p:cNvPr id="26" name="Téglalap: lekerekített 25">
+            <a:extLst>
+              <a:ext uri="{FF2B5EF4-FFF2-40B4-BE49-F238E27FC236}">
+                <a16:creationId xmlns:a16="http://schemas.microsoft.com/office/drawing/2014/main" id="{7A968E06-9ACF-44F9-8311-8389FEF6822E}"/>
+              </a:ext>
+            </a:extLst>
+          </p:cNvPr>
+          <p:cNvSpPr/>
+          <p:nvPr/>
+        </p:nvSpPr>
+        <p:spPr>
+          <a:xfrm>
+            <a:off x="8690787" y="8933688"/>
+            <a:ext cx="1569720" cy="704088"/>
+          </a:xfrm>
+          <a:prstGeom prst="roundRect">
+            <a:avLst/>
+          </a:prstGeom>
+          <a:noFill/>
+          <a:ln>
+            <a:solidFill>
+              <a:schemeClr val="accent3">
+                <a:lumMod val="75000"/>
+              </a:schemeClr>
+            </a:solidFill>
+          </a:ln>
+        </p:spPr>
+        <p:style>
+          <a:lnRef idx="2">
+            <a:schemeClr val="accent1">
+              <a:shade val="50000"/>
+            </a:schemeClr>
+          </a:lnRef>
+          <a:fillRef idx="1">
+            <a:schemeClr val="accent1"/>
+          </a:fillRef>
+          <a:effectRef idx="0">
+            <a:schemeClr val="accent1"/>
+          </a:effectRef>
+          <a:fontRef idx="minor">
+            <a:schemeClr val="lt1"/>
+          </a:fontRef>
+        </p:style>
+        <p:txBody>
+          <a:bodyPr rtlCol="0" anchor="ctr"/>
+          <a:lstStyle/>
+          <a:p>
+            <a:pPr algn="ctr"/>
+            <a:endParaRPr lang="hu-HU"/>
+          </a:p>
+        </p:txBody>
+      </p:sp>
       <p:pic>
         <p:nvPicPr>
           <p:cNvPr id="27" name="Kép 26">
@@ -13261,6 +13255,408 @@
           </a:prstGeom>
         </p:spPr>
       </p:pic>
+      <p:sp>
+        <p:nvSpPr>
+          <p:cNvPr id="18" name="Téglalap 17">
+            <a:extLst>
+              <a:ext uri="{FF2B5EF4-FFF2-40B4-BE49-F238E27FC236}">
+                <a16:creationId xmlns:a16="http://schemas.microsoft.com/office/drawing/2014/main" id="{989186E1-A903-4A0D-BAED-2E32989BEA61}"/>
+              </a:ext>
+            </a:extLst>
+          </p:cNvPr>
+          <p:cNvSpPr/>
+          <p:nvPr/>
+        </p:nvSpPr>
+        <p:spPr>
+          <a:xfrm>
+            <a:off x="926711" y="3543300"/>
+            <a:ext cx="597289" cy="2925382"/>
+          </a:xfrm>
+          <a:prstGeom prst="rect">
+            <a:avLst/>
+          </a:prstGeom>
+          <a:solidFill>
+            <a:schemeClr val="bg1"/>
+          </a:solidFill>
+          <a:ln>
+            <a:noFill/>
+          </a:ln>
+        </p:spPr>
+        <p:style>
+          <a:lnRef idx="2">
+            <a:schemeClr val="accent1">
+              <a:shade val="50000"/>
+            </a:schemeClr>
+          </a:lnRef>
+          <a:fillRef idx="1">
+            <a:schemeClr val="accent1"/>
+          </a:fillRef>
+          <a:effectRef idx="0">
+            <a:schemeClr val="accent1"/>
+          </a:effectRef>
+          <a:fontRef idx="minor">
+            <a:schemeClr val="lt1"/>
+          </a:fontRef>
+        </p:style>
+        <p:txBody>
+          <a:bodyPr rtlCol="0" anchor="ctr"/>
+          <a:lstStyle/>
+          <a:p>
+            <a:pPr algn="ctr"/>
+            <a:endParaRPr lang="hu-HU"/>
+          </a:p>
+        </p:txBody>
+      </p:sp>
+      <p:sp>
+        <p:nvSpPr>
+          <p:cNvPr id="13" name="Szövegdoboz 12">
+            <a:extLst>
+              <a:ext uri="{FF2B5EF4-FFF2-40B4-BE49-F238E27FC236}">
+                <a16:creationId xmlns:a16="http://schemas.microsoft.com/office/drawing/2014/main" id="{1897D77A-E2C8-4420-9219-2210AE82A4DE}"/>
+              </a:ext>
+            </a:extLst>
+          </p:cNvPr>
+          <p:cNvSpPr txBox="1"/>
+          <p:nvPr/>
+        </p:nvSpPr>
+        <p:spPr>
+          <a:xfrm>
+            <a:off x="1075789" y="5779593"/>
+            <a:ext cx="524503" cy="276999"/>
+          </a:xfrm>
+          <a:prstGeom prst="rect">
+            <a:avLst/>
+          </a:prstGeom>
+          <a:solidFill>
+            <a:schemeClr val="bg1"/>
+          </a:solidFill>
+        </p:spPr>
+        <p:txBody>
+          <a:bodyPr wrap="none" rtlCol="0">
+            <a:spAutoFit/>
+          </a:bodyPr>
+          <a:lstStyle/>
+          <a:p>
+            <a:pPr algn="r"/>
+            <a:r>
+              <a:rPr lang="en-US" sz="1200" dirty="0">
+                <a:latin typeface="Roboto Thin" panose="02000000000000000000" pitchFamily="2" charset="0"/>
+                <a:ea typeface="Roboto Thin" panose="02000000000000000000" pitchFamily="2" charset="0"/>
+              </a:rPr>
+              <a:t>2000</a:t>
+            </a:r>
+            <a:endParaRPr lang="hu-HU" sz="1200" dirty="0">
+              <a:latin typeface="Roboto Thin" panose="02000000000000000000" pitchFamily="2" charset="0"/>
+              <a:ea typeface="Roboto Thin" panose="02000000000000000000" pitchFamily="2" charset="0"/>
+            </a:endParaRPr>
+          </a:p>
+        </p:txBody>
+      </p:sp>
+      <p:sp>
+        <p:nvSpPr>
+          <p:cNvPr id="28" name="Szövegdoboz 27">
+            <a:extLst>
+              <a:ext uri="{FF2B5EF4-FFF2-40B4-BE49-F238E27FC236}">
+                <a16:creationId xmlns:a16="http://schemas.microsoft.com/office/drawing/2014/main" id="{1F765396-904A-4BD7-8FB9-593B08897FEF}"/>
+              </a:ext>
+            </a:extLst>
+          </p:cNvPr>
+          <p:cNvSpPr txBox="1"/>
+          <p:nvPr/>
+        </p:nvSpPr>
+        <p:spPr>
+          <a:xfrm>
+            <a:off x="930587" y="3500741"/>
+            <a:ext cx="673581" cy="307777"/>
+          </a:xfrm>
+          <a:prstGeom prst="rect">
+            <a:avLst/>
+          </a:prstGeom>
+          <a:solidFill>
+            <a:schemeClr val="bg1"/>
+          </a:solidFill>
+        </p:spPr>
+        <p:txBody>
+          <a:bodyPr wrap="none" rtlCol="0">
+            <a:spAutoFit/>
+          </a:bodyPr>
+          <a:lstStyle/>
+          <a:p>
+            <a:pPr algn="r"/>
+            <a:r>
+              <a:rPr lang="en-US" sz="1400" dirty="0">
+                <a:latin typeface="Roboto Thin" panose="02000000000000000000" pitchFamily="2" charset="0"/>
+                <a:ea typeface="Roboto Thin" panose="02000000000000000000" pitchFamily="2" charset="0"/>
+              </a:rPr>
+              <a:t>12000</a:t>
+            </a:r>
+          </a:p>
+        </p:txBody>
+      </p:sp>
+      <p:sp>
+        <p:nvSpPr>
+          <p:cNvPr id="29" name="Szövegdoboz 28">
+            <a:extLst>
+              <a:ext uri="{FF2B5EF4-FFF2-40B4-BE49-F238E27FC236}">
+                <a16:creationId xmlns:a16="http://schemas.microsoft.com/office/drawing/2014/main" id="{400054ED-B572-40DD-9D17-CD8154197E2A}"/>
+              </a:ext>
+            </a:extLst>
+          </p:cNvPr>
+          <p:cNvSpPr txBox="1"/>
+          <p:nvPr/>
+        </p:nvSpPr>
+        <p:spPr>
+          <a:xfrm>
+            <a:off x="926711" y="3975059"/>
+            <a:ext cx="673581" cy="307777"/>
+          </a:xfrm>
+          <a:prstGeom prst="rect">
+            <a:avLst/>
+          </a:prstGeom>
+          <a:solidFill>
+            <a:schemeClr val="bg1"/>
+          </a:solidFill>
+        </p:spPr>
+        <p:txBody>
+          <a:bodyPr wrap="none" rtlCol="0">
+            <a:spAutoFit/>
+          </a:bodyPr>
+          <a:lstStyle/>
+          <a:p>
+            <a:pPr algn="r"/>
+            <a:r>
+              <a:rPr lang="en-US" sz="1400" dirty="0">
+                <a:latin typeface="Roboto Thin" panose="02000000000000000000" pitchFamily="2" charset="0"/>
+                <a:ea typeface="Roboto Thin" panose="02000000000000000000" pitchFamily="2" charset="0"/>
+              </a:rPr>
+              <a:t>10000</a:t>
+            </a:r>
+          </a:p>
+        </p:txBody>
+      </p:sp>
+      <p:sp>
+        <p:nvSpPr>
+          <p:cNvPr id="30" name="Szövegdoboz 29">
+            <a:extLst>
+              <a:ext uri="{FF2B5EF4-FFF2-40B4-BE49-F238E27FC236}">
+                <a16:creationId xmlns:a16="http://schemas.microsoft.com/office/drawing/2014/main" id="{3C6D8E16-9FB5-49B5-A902-B1F963385192}"/>
+              </a:ext>
+            </a:extLst>
+          </p:cNvPr>
+          <p:cNvSpPr txBox="1"/>
+          <p:nvPr/>
+        </p:nvSpPr>
+        <p:spPr>
+          <a:xfrm>
+            <a:off x="1081111" y="5340789"/>
+            <a:ext cx="524503" cy="276999"/>
+          </a:xfrm>
+          <a:prstGeom prst="rect">
+            <a:avLst/>
+          </a:prstGeom>
+          <a:solidFill>
+            <a:schemeClr val="bg1"/>
+          </a:solidFill>
+        </p:spPr>
+        <p:txBody>
+          <a:bodyPr wrap="none" rtlCol="0">
+            <a:spAutoFit/>
+          </a:bodyPr>
+          <a:lstStyle/>
+          <a:p>
+            <a:pPr algn="r"/>
+            <a:r>
+              <a:rPr lang="en-US" sz="1200" dirty="0">
+                <a:latin typeface="Roboto Thin" panose="02000000000000000000" pitchFamily="2" charset="0"/>
+                <a:ea typeface="Roboto Thin" panose="02000000000000000000" pitchFamily="2" charset="0"/>
+              </a:rPr>
+              <a:t>4000</a:t>
+            </a:r>
+            <a:endParaRPr lang="hu-HU" sz="1200" dirty="0">
+              <a:latin typeface="Roboto Thin" panose="02000000000000000000" pitchFamily="2" charset="0"/>
+              <a:ea typeface="Roboto Thin" panose="02000000000000000000" pitchFamily="2" charset="0"/>
+            </a:endParaRPr>
+          </a:p>
+        </p:txBody>
+      </p:sp>
+      <p:sp>
+        <p:nvSpPr>
+          <p:cNvPr id="31" name="Szövegdoboz 30">
+            <a:extLst>
+              <a:ext uri="{FF2B5EF4-FFF2-40B4-BE49-F238E27FC236}">
+                <a16:creationId xmlns:a16="http://schemas.microsoft.com/office/drawing/2014/main" id="{CFE52BFA-AFF1-48C7-B792-B9645909333E}"/>
+              </a:ext>
+            </a:extLst>
+          </p:cNvPr>
+          <p:cNvSpPr txBox="1"/>
+          <p:nvPr/>
+        </p:nvSpPr>
+        <p:spPr>
+          <a:xfrm>
+            <a:off x="1067629" y="4901985"/>
+            <a:ext cx="524503" cy="276999"/>
+          </a:xfrm>
+          <a:prstGeom prst="rect">
+            <a:avLst/>
+          </a:prstGeom>
+          <a:solidFill>
+            <a:schemeClr val="bg1"/>
+          </a:solidFill>
+        </p:spPr>
+        <p:txBody>
+          <a:bodyPr wrap="none" rtlCol="0">
+            <a:spAutoFit/>
+          </a:bodyPr>
+          <a:lstStyle/>
+          <a:p>
+            <a:pPr algn="r"/>
+            <a:r>
+              <a:rPr lang="en-US" sz="1200" dirty="0">
+                <a:latin typeface="Roboto Thin" panose="02000000000000000000" pitchFamily="2" charset="0"/>
+                <a:ea typeface="Roboto Thin" panose="02000000000000000000" pitchFamily="2" charset="0"/>
+              </a:rPr>
+              <a:t>6000</a:t>
+            </a:r>
+            <a:endParaRPr lang="hu-HU" sz="1200" dirty="0">
+              <a:latin typeface="Roboto Thin" panose="02000000000000000000" pitchFamily="2" charset="0"/>
+              <a:ea typeface="Roboto Thin" panose="02000000000000000000" pitchFamily="2" charset="0"/>
+            </a:endParaRPr>
+          </a:p>
+        </p:txBody>
+      </p:sp>
+      <p:sp>
+        <p:nvSpPr>
+          <p:cNvPr id="32" name="Szövegdoboz 31">
+            <a:extLst>
+              <a:ext uri="{FF2B5EF4-FFF2-40B4-BE49-F238E27FC236}">
+                <a16:creationId xmlns:a16="http://schemas.microsoft.com/office/drawing/2014/main" id="{0C5B8B87-4A5A-4899-8715-D6CAFFE18E2C}"/>
+              </a:ext>
+            </a:extLst>
+          </p:cNvPr>
+          <p:cNvSpPr txBox="1"/>
+          <p:nvPr/>
+        </p:nvSpPr>
+        <p:spPr>
+          <a:xfrm>
+            <a:off x="1052083" y="4464409"/>
+            <a:ext cx="524503" cy="276999"/>
+          </a:xfrm>
+          <a:prstGeom prst="rect">
+            <a:avLst/>
+          </a:prstGeom>
+          <a:solidFill>
+            <a:schemeClr val="bg1"/>
+          </a:solidFill>
+        </p:spPr>
+        <p:txBody>
+          <a:bodyPr wrap="none" rtlCol="0">
+            <a:spAutoFit/>
+          </a:bodyPr>
+          <a:lstStyle/>
+          <a:p>
+            <a:pPr algn="r"/>
+            <a:r>
+              <a:rPr lang="en-US" sz="1200" dirty="0">
+                <a:latin typeface="Roboto Thin" panose="02000000000000000000" pitchFamily="2" charset="0"/>
+                <a:ea typeface="Roboto Thin" panose="02000000000000000000" pitchFamily="2" charset="0"/>
+              </a:rPr>
+              <a:t>8000</a:t>
+            </a:r>
+            <a:endParaRPr lang="hu-HU" sz="1200" dirty="0">
+              <a:latin typeface="Roboto Thin" panose="02000000000000000000" pitchFamily="2" charset="0"/>
+              <a:ea typeface="Roboto Thin" panose="02000000000000000000" pitchFamily="2" charset="0"/>
+            </a:endParaRPr>
+          </a:p>
+        </p:txBody>
+      </p:sp>
+      <p:sp>
+        <p:nvSpPr>
+          <p:cNvPr id="33" name="Szövegdoboz 32">
+            <a:extLst>
+              <a:ext uri="{FF2B5EF4-FFF2-40B4-BE49-F238E27FC236}">
+                <a16:creationId xmlns:a16="http://schemas.microsoft.com/office/drawing/2014/main" id="{0D8BB2B7-4572-4773-A115-6B60430C97D7}"/>
+              </a:ext>
+            </a:extLst>
+          </p:cNvPr>
+          <p:cNvSpPr txBox="1"/>
+          <p:nvPr/>
+        </p:nvSpPr>
+        <p:spPr>
+          <a:xfrm>
+            <a:off x="1330080" y="6191683"/>
+            <a:ext cx="269626" cy="276999"/>
+          </a:xfrm>
+          <a:prstGeom prst="rect">
+            <a:avLst/>
+          </a:prstGeom>
+          <a:solidFill>
+            <a:schemeClr val="bg1"/>
+          </a:solidFill>
+        </p:spPr>
+        <p:txBody>
+          <a:bodyPr wrap="none" rtlCol="0">
+            <a:spAutoFit/>
+          </a:bodyPr>
+          <a:lstStyle/>
+          <a:p>
+            <a:pPr algn="r"/>
+            <a:r>
+              <a:rPr lang="en-US" sz="1200" dirty="0">
+                <a:latin typeface="Roboto Thin" panose="02000000000000000000" pitchFamily="2" charset="0"/>
+                <a:ea typeface="Roboto Thin" panose="02000000000000000000" pitchFamily="2" charset="0"/>
+              </a:rPr>
+              <a:t>0</a:t>
+            </a:r>
+            <a:endParaRPr lang="hu-HU" sz="1200" dirty="0">
+              <a:latin typeface="Roboto Thin" panose="02000000000000000000" pitchFamily="2" charset="0"/>
+              <a:ea typeface="Roboto Thin" panose="02000000000000000000" pitchFamily="2" charset="0"/>
+            </a:endParaRPr>
+          </a:p>
+        </p:txBody>
+      </p:sp>
+      <p:sp>
+        <p:nvSpPr>
+          <p:cNvPr id="34" name="Szövegdoboz 33">
+            <a:extLst>
+              <a:ext uri="{FF2B5EF4-FFF2-40B4-BE49-F238E27FC236}">
+                <a16:creationId xmlns:a16="http://schemas.microsoft.com/office/drawing/2014/main" id="{4F1F5CC0-4C53-4E4A-870D-B369384CC39D}"/>
+              </a:ext>
+            </a:extLst>
+          </p:cNvPr>
+          <p:cNvSpPr txBox="1"/>
+          <p:nvPr/>
+        </p:nvSpPr>
+        <p:spPr>
+          <a:xfrm rot="16200000">
+            <a:off x="380582" y="4921179"/>
+            <a:ext cx="1066318" cy="338554"/>
+          </a:xfrm>
+          <a:prstGeom prst="rect">
+            <a:avLst/>
+          </a:prstGeom>
+          <a:noFill/>
+        </p:spPr>
+        <p:txBody>
+          <a:bodyPr wrap="none" rtlCol="0">
+            <a:spAutoFit/>
+          </a:bodyPr>
+          <a:lstStyle/>
+          <a:p>
+            <a:pPr algn="ctr"/>
+            <a:r>
+              <a:rPr lang="en-US" sz="1600" dirty="0">
+                <a:latin typeface="Roboto Thin" panose="02000000000000000000" pitchFamily="2" charset="0"/>
+                <a:ea typeface="Roboto Thin" panose="02000000000000000000" pitchFamily="2" charset="0"/>
+              </a:rPr>
+              <a:t>Megabyte</a:t>
+            </a:r>
+            <a:endParaRPr lang="hu-HU" sz="1600" dirty="0">
+              <a:latin typeface="Roboto Thin" panose="02000000000000000000" pitchFamily="2" charset="0"/>
+              <a:ea typeface="Roboto Thin" panose="02000000000000000000" pitchFamily="2" charset="0"/>
+            </a:endParaRPr>
+          </a:p>
+        </p:txBody>
+      </p:sp>
     </p:spTree>
     <p:extLst>
       <p:ext uri="{BB962C8B-B14F-4D97-AF65-F5344CB8AC3E}">
@@ -13750,15 +14146,6 @@
               </a:lnSpc>
             </a:pPr>
             <a:r>
-              <a:rPr lang="en-US" sz="8000" dirty="0">
-                <a:solidFill>
-                  <a:srgbClr val="FFFFFF"/>
-                </a:solidFill>
-                <a:latin typeface="Nunito Sans Heavy"/>
-              </a:rPr>
-              <a:t>0</a:t>
-            </a:r>
-            <a:r>
               <a:rPr lang="hu-HU" sz="8000" dirty="0">
                 <a:solidFill>
                   <a:srgbClr val="FFFFFF"/>
@@ -14029,8 +14416,8 @@
         </p:blipFill>
         <p:spPr>
           <a:xfrm>
-            <a:off x="1279960" y="5652449"/>
-            <a:ext cx="8564354" cy="3906154"/>
+            <a:off x="785595" y="5652448"/>
+            <a:ext cx="9058719" cy="4131631"/>
           </a:xfrm>
           <a:prstGeom prst="rect">
             <a:avLst/>
@@ -14074,13 +14461,19 @@
       </p:grpSpPr>
       <p:grpSp>
         <p:nvGrpSpPr>
-          <p:cNvPr id="2" name="Group 2"/>
+          <p:cNvPr id="26" name="Group 2">
+            <a:extLst>
+              <a:ext uri="{FF2B5EF4-FFF2-40B4-BE49-F238E27FC236}">
+                <a16:creationId xmlns:a16="http://schemas.microsoft.com/office/drawing/2014/main" id="{D9EF83F8-5B71-46E8-AFA1-D5A1570ABDA9}"/>
+              </a:ext>
+            </a:extLst>
+          </p:cNvPr>
           <p:cNvGrpSpPr/>
           <p:nvPr/>
         </p:nvGrpSpPr>
         <p:grpSpPr>
           <a:xfrm>
-            <a:off x="0" y="345146"/>
+            <a:off x="0" y="-987551"/>
             <a:ext cx="18288000" cy="12262103"/>
             <a:chOff x="0" y="0"/>
             <a:chExt cx="24384000" cy="16349470"/>
@@ -14088,7 +14481,13 @@
         </p:grpSpPr>
         <p:sp>
           <p:nvSpPr>
-            <p:cNvPr id="3" name="Freeform 3"/>
+            <p:cNvPr id="27" name="Freeform 3">
+              <a:extLst>
+                <a:ext uri="{FF2B5EF4-FFF2-40B4-BE49-F238E27FC236}">
+                  <a16:creationId xmlns:a16="http://schemas.microsoft.com/office/drawing/2014/main" id="{846D6998-8FF0-4AF9-8924-802ADA9A550F}"/>
+                </a:ext>
+              </a:extLst>
+            </p:cNvPr>
             <p:cNvSpPr/>
             <p:nvPr/>
           </p:nvSpPr>
@@ -14141,7 +14540,13 @@
         </p:sp>
         <p:sp>
           <p:nvSpPr>
-            <p:cNvPr id="4" name="Freeform 4"/>
+            <p:cNvPr id="28" name="Freeform 4">
+              <a:extLst>
+                <a:ext uri="{FF2B5EF4-FFF2-40B4-BE49-F238E27FC236}">
+                  <a16:creationId xmlns:a16="http://schemas.microsoft.com/office/drawing/2014/main" id="{8F7AA71D-19A5-4A83-8967-B82F196F4AD8}"/>
+                </a:ext>
+              </a:extLst>
+            </p:cNvPr>
             <p:cNvSpPr/>
             <p:nvPr/>
           </p:nvSpPr>
@@ -14194,7 +14599,13 @@
         </p:sp>
         <p:sp>
           <p:nvSpPr>
-            <p:cNvPr id="5" name="Freeform 5"/>
+            <p:cNvPr id="29" name="Freeform 5">
+              <a:extLst>
+                <a:ext uri="{FF2B5EF4-FFF2-40B4-BE49-F238E27FC236}">
+                  <a16:creationId xmlns:a16="http://schemas.microsoft.com/office/drawing/2014/main" id="{7DD88A6D-1394-4C72-B865-B020D23B0DC9}"/>
+                </a:ext>
+              </a:extLst>
+            </p:cNvPr>
             <p:cNvSpPr/>
             <p:nvPr/>
           </p:nvSpPr>
@@ -14247,7 +14658,13 @@
         </p:sp>
         <p:sp>
           <p:nvSpPr>
-            <p:cNvPr id="6" name="Freeform 6"/>
+            <p:cNvPr id="30" name="Freeform 6">
+              <a:extLst>
+                <a:ext uri="{FF2B5EF4-FFF2-40B4-BE49-F238E27FC236}">
+                  <a16:creationId xmlns:a16="http://schemas.microsoft.com/office/drawing/2014/main" id="{8824165E-C11C-4789-A64F-B3414D5146B4}"/>
+                </a:ext>
+              </a:extLst>
+            </p:cNvPr>
             <p:cNvSpPr/>
             <p:nvPr/>
           </p:nvSpPr>
@@ -14300,7 +14717,13 @@
         </p:sp>
         <p:sp>
           <p:nvSpPr>
-            <p:cNvPr id="7" name="Freeform 7"/>
+            <p:cNvPr id="31" name="Freeform 7">
+              <a:extLst>
+                <a:ext uri="{FF2B5EF4-FFF2-40B4-BE49-F238E27FC236}">
+                  <a16:creationId xmlns:a16="http://schemas.microsoft.com/office/drawing/2014/main" id="{B1AE0CEB-0ED6-461B-AFEC-6E928D39B09C}"/>
+                </a:ext>
+              </a:extLst>
+            </p:cNvPr>
             <p:cNvSpPr/>
             <p:nvPr/>
           </p:nvSpPr>
@@ -14353,7 +14776,13 @@
         </p:sp>
         <p:sp>
           <p:nvSpPr>
-            <p:cNvPr id="8" name="Freeform 8"/>
+            <p:cNvPr id="32" name="Freeform 8">
+              <a:extLst>
+                <a:ext uri="{FF2B5EF4-FFF2-40B4-BE49-F238E27FC236}">
+                  <a16:creationId xmlns:a16="http://schemas.microsoft.com/office/drawing/2014/main" id="{02AC49E8-AF04-4D9D-84DA-5A4BD52FED7C}"/>
+                </a:ext>
+              </a:extLst>
+            </p:cNvPr>
             <p:cNvSpPr/>
             <p:nvPr/>
           </p:nvSpPr>
@@ -14531,15 +14960,6 @@
               </a:lnSpc>
             </a:pPr>
             <a:r>
-              <a:rPr lang="en-US" sz="8000" dirty="0">
-                <a:solidFill>
-                  <a:srgbClr val="FFFFFF"/>
-                </a:solidFill>
-                <a:latin typeface="Nunito Sans Heavy"/>
-              </a:rPr>
-              <a:t>0</a:t>
-            </a:r>
-            <a:r>
               <a:rPr lang="hu-HU" sz="8000" dirty="0">
                 <a:solidFill>
                   <a:srgbClr val="FFFFFF"/>
@@ -14748,8 +15168,8 @@
         </p:nvSpPr>
         <p:spPr>
           <a:xfrm>
-            <a:off x="1381659" y="5426058"/>
-            <a:ext cx="7457542" cy="3539430"/>
+            <a:off x="1381658" y="5426058"/>
+            <a:ext cx="8768039" cy="3539430"/>
           </a:xfrm>
           <a:prstGeom prst="rect">
             <a:avLst/>
@@ -14820,8 +15240,8 @@
               <a:lnSpc>
                 <a:spcPts val="5599"/>
               </a:lnSpc>
-              <a:buFont typeface="Arial" panose="020B0604020202020204" pitchFamily="34" charset="0"/>
-              <a:buChar char="•"/>
+              <a:buFontTx/>
+              <a:buChar char="→"/>
             </a:pPr>
             <a:r>
               <a:rPr lang="pt-BR" sz="3999" dirty="0">
@@ -14854,6 +15274,36 @@
               <a:t>515 csúcs</a:t>
             </a:r>
             <a:r>
+              <a:rPr lang="en-US" sz="3999" dirty="0">
+                <a:solidFill>
+                  <a:srgbClr val="000000"/>
+                </a:solidFill>
+                <a:latin typeface="Roboto Light" panose="02000000000000000000" pitchFamily="2" charset="0"/>
+                <a:ea typeface="Roboto Light" panose="02000000000000000000" pitchFamily="2" charset="0"/>
+              </a:rPr>
+              <a:t> </a:t>
+            </a:r>
+            <a:r>
+              <a:rPr lang="en-US" sz="3999" dirty="0" err="1">
+                <a:solidFill>
+                  <a:srgbClr val="000000"/>
+                </a:solidFill>
+                <a:latin typeface="Roboto Light" panose="02000000000000000000" pitchFamily="2" charset="0"/>
+                <a:ea typeface="Roboto Light" panose="02000000000000000000" pitchFamily="2" charset="0"/>
+              </a:rPr>
+              <a:t>és</a:t>
+            </a:r>
+            <a:r>
+              <a:rPr lang="pt-BR" sz="3999" dirty="0">
+                <a:solidFill>
+                  <a:srgbClr val="000000"/>
+                </a:solidFill>
+                <a:latin typeface="Roboto Light" panose="02000000000000000000" pitchFamily="2" charset="0"/>
+                <a:ea typeface="Roboto Light" panose="02000000000000000000" pitchFamily="2" charset="0"/>
+              </a:rPr>
+              <a:t> 890</a:t>
+            </a:r>
+            <a:r>
               <a:rPr lang="hu-HU" sz="3999" dirty="0">
                 <a:solidFill>
                   <a:srgbClr val="000000"/>
@@ -14871,26 +15321,6 @@
                 <a:latin typeface="Roboto Light" panose="02000000000000000000" pitchFamily="2" charset="0"/>
                 <a:ea typeface="Roboto Light" panose="02000000000000000000" pitchFamily="2" charset="0"/>
               </a:rPr>
-              <a:t> 890</a:t>
-            </a:r>
-            <a:r>
-              <a:rPr lang="hu-HU" sz="3999" dirty="0">
-                <a:solidFill>
-                  <a:srgbClr val="000000"/>
-                </a:solidFill>
-                <a:latin typeface="Roboto Light" panose="02000000000000000000" pitchFamily="2" charset="0"/>
-                <a:ea typeface="Roboto Light" panose="02000000000000000000" pitchFamily="2" charset="0"/>
-              </a:rPr>
-              <a:t>,</a:t>
-            </a:r>
-            <a:r>
-              <a:rPr lang="pt-BR" sz="3999" dirty="0">
-                <a:solidFill>
-                  <a:srgbClr val="000000"/>
-                </a:solidFill>
-                <a:latin typeface="Roboto Light" panose="02000000000000000000" pitchFamily="2" charset="0"/>
-                <a:ea typeface="Roboto Light" panose="02000000000000000000" pitchFamily="2" charset="0"/>
-              </a:rPr>
               <a:t>089 é</a:t>
             </a:r>
             <a:r>
@@ -14903,14 +15333,21 @@
               </a:rPr>
               <a:t>l</a:t>
             </a:r>
+            <a:endParaRPr lang="en-US" sz="3999" dirty="0">
+              <a:solidFill>
+                <a:srgbClr val="000000"/>
+              </a:solidFill>
+              <a:latin typeface="Roboto Light" panose="02000000000000000000" pitchFamily="2" charset="0"/>
+              <a:ea typeface="Roboto Light" panose="02000000000000000000" pitchFamily="2" charset="0"/>
+            </a:endParaRPr>
           </a:p>
           <a:p>
             <a:pPr marL="1028700" lvl="1" indent="-571500">
               <a:lnSpc>
                 <a:spcPts val="5599"/>
               </a:lnSpc>
-              <a:buFont typeface="Arial" panose="020B0604020202020204" pitchFamily="34" charset="0"/>
-              <a:buChar char="•"/>
+              <a:buFontTx/>
+              <a:buChar char="→"/>
             </a:pPr>
             <a:r>
               <a:rPr lang="hu-HU" sz="3999" dirty="0">
@@ -14933,14 +15370,24 @@
               <a:t>57,163 csúcs</a:t>
             </a:r>
             <a:r>
-              <a:rPr lang="hu-HU" sz="3999" dirty="0">
+              <a:rPr lang="en-US" sz="3999" dirty="0">
                 <a:solidFill>
                   <a:srgbClr val="000000"/>
                 </a:solidFill>
                 <a:latin typeface="Roboto Light" panose="02000000000000000000" pitchFamily="2" charset="0"/>
                 <a:ea typeface="Roboto Light" panose="02000000000000000000" pitchFamily="2" charset="0"/>
               </a:rPr>
-              <a:t>,</a:t>
+              <a:t> </a:t>
+            </a:r>
+            <a:r>
+              <a:rPr lang="en-US" sz="3999" dirty="0" err="1">
+                <a:solidFill>
+                  <a:srgbClr val="000000"/>
+                </a:solidFill>
+                <a:latin typeface="Roboto Light" panose="02000000000000000000" pitchFamily="2" charset="0"/>
+                <a:ea typeface="Roboto Light" panose="02000000000000000000" pitchFamily="2" charset="0"/>
+              </a:rPr>
+              <a:t>és</a:t>
             </a:r>
             <a:r>
               <a:rPr lang="es-ES" sz="3999" dirty="0">
@@ -14959,6 +15406,60 @@
               <a:latin typeface="Roboto Light" panose="02000000000000000000" pitchFamily="2" charset="0"/>
               <a:ea typeface="Roboto Light" panose="02000000000000000000" pitchFamily="2" charset="0"/>
             </a:endParaRPr>
+          </a:p>
+        </p:txBody>
+      </p:sp>
+      <p:sp>
+        <p:nvSpPr>
+          <p:cNvPr id="18" name="Téglalap: lekerekített 17">
+            <a:extLst>
+              <a:ext uri="{FF2B5EF4-FFF2-40B4-BE49-F238E27FC236}">
+                <a16:creationId xmlns:a16="http://schemas.microsoft.com/office/drawing/2014/main" id="{74E6F5E2-F06C-470B-BF16-7C37F391EF6B}"/>
+              </a:ext>
+            </a:extLst>
+          </p:cNvPr>
+          <p:cNvSpPr/>
+          <p:nvPr/>
+        </p:nvSpPr>
+        <p:spPr>
+          <a:xfrm>
+            <a:off x="16230600" y="5753100"/>
+            <a:ext cx="1171350" cy="483352"/>
+          </a:xfrm>
+          <a:prstGeom prst="roundRect">
+            <a:avLst/>
+          </a:prstGeom>
+          <a:noFill/>
+          <a:ln>
+            <a:solidFill>
+              <a:schemeClr val="accent3">
+                <a:lumMod val="75000"/>
+              </a:schemeClr>
+            </a:solidFill>
+          </a:ln>
+        </p:spPr>
+        <p:style>
+          <a:lnRef idx="2">
+            <a:schemeClr val="accent1">
+              <a:shade val="50000"/>
+            </a:schemeClr>
+          </a:lnRef>
+          <a:fillRef idx="1">
+            <a:schemeClr val="accent1"/>
+          </a:fillRef>
+          <a:effectRef idx="0">
+            <a:schemeClr val="accent1"/>
+          </a:effectRef>
+          <a:fontRef idx="minor">
+            <a:schemeClr val="lt1"/>
+          </a:fontRef>
+        </p:style>
+        <p:txBody>
+          <a:bodyPr rtlCol="0" anchor="ctr"/>
+          <a:lstStyle/>
+          <a:p>
+            <a:pPr algn="ctr"/>
+            <a:endParaRPr lang="hu-HU"/>
           </a:p>
         </p:txBody>
       </p:sp>
@@ -15457,23 +15958,8 @@
                 </a:solidFill>
                 <a:latin typeface="Nunito Sans Heavy"/>
               </a:rPr>
-              <a:t>0</a:t>
-            </a:r>
-            <a:r>
-              <a:rPr lang="hu-HU" sz="8000" dirty="0">
-                <a:solidFill>
-                  <a:srgbClr val="FFFFFF"/>
-                </a:solidFill>
-                <a:latin typeface="Nunito Sans Heavy"/>
-              </a:rPr>
-              <a:t>6</a:t>
-            </a:r>
-            <a:endParaRPr lang="en-US" sz="8000" dirty="0">
-              <a:solidFill>
-                <a:srgbClr val="FFFFFF"/>
-              </a:solidFill>
-              <a:latin typeface="Nunito Sans Heavy"/>
-            </a:endParaRPr>
+              <a:t>7</a:t>
+            </a:r>
           </a:p>
         </p:txBody>
       </p:sp>
@@ -15543,66 +16029,6 @@
           </a:p>
         </p:txBody>
       </p:sp>
-      <p:graphicFrame>
-        <p:nvGraphicFramePr>
-          <p:cNvPr id="19" name="Diagram 18">
-            <a:extLst>
-              <a:ext uri="{FF2B5EF4-FFF2-40B4-BE49-F238E27FC236}">
-                <a16:creationId xmlns:a16="http://schemas.microsoft.com/office/drawing/2014/main" id="{05832C45-FB0F-4D19-8BF5-E84D1C72B00E}"/>
-              </a:ext>
-            </a:extLst>
-          </p:cNvPr>
-          <p:cNvGraphicFramePr>
-            <a:graphicFrameLocks/>
-          </p:cNvGraphicFramePr>
-          <p:nvPr>
-            <p:extLst>
-              <p:ext uri="{D42A27DB-BD31-4B8C-83A1-F6EECF244321}">
-                <p14:modId xmlns:p14="http://schemas.microsoft.com/office/powerpoint/2010/main" val="2720177785"/>
-              </p:ext>
-            </p:extLst>
-          </p:nvPr>
-        </p:nvGraphicFramePr>
-        <p:xfrm>
-          <a:off x="914399" y="2967589"/>
-          <a:ext cx="8534401" cy="6671711"/>
-        </p:xfrm>
-        <a:graphic>
-          <a:graphicData uri="http://schemas.openxmlformats.org/drawingml/2006/chart">
-            <c:chart xmlns:c="http://schemas.openxmlformats.org/drawingml/2006/chart" xmlns:r="http://schemas.openxmlformats.org/officeDocument/2006/relationships" r:id="rId4"/>
-          </a:graphicData>
-        </a:graphic>
-      </p:graphicFrame>
-      <p:graphicFrame>
-        <p:nvGraphicFramePr>
-          <p:cNvPr id="18" name="Diagram 17">
-            <a:extLst>
-              <a:ext uri="{FF2B5EF4-FFF2-40B4-BE49-F238E27FC236}">
-                <a16:creationId xmlns:a16="http://schemas.microsoft.com/office/drawing/2014/main" id="{CAB5FE94-AC4C-49CC-812C-F1EFD1608548}"/>
-              </a:ext>
-            </a:extLst>
-          </p:cNvPr>
-          <p:cNvGraphicFramePr>
-            <a:graphicFrameLocks/>
-          </p:cNvGraphicFramePr>
-          <p:nvPr>
-            <p:extLst>
-              <p:ext uri="{D42A27DB-BD31-4B8C-83A1-F6EECF244321}">
-                <p14:modId xmlns:p14="http://schemas.microsoft.com/office/powerpoint/2010/main" val="2696626364"/>
-              </p:ext>
-            </p:extLst>
-          </p:nvPr>
-        </p:nvGraphicFramePr>
-        <p:xfrm>
-          <a:off x="9527154" y="2933700"/>
-          <a:ext cx="8227446" cy="6705599"/>
-        </p:xfrm>
-        <a:graphic>
-          <a:graphicData uri="http://schemas.openxmlformats.org/drawingml/2006/chart">
-            <c:chart xmlns:c="http://schemas.openxmlformats.org/drawingml/2006/chart" xmlns:r="http://schemas.openxmlformats.org/officeDocument/2006/relationships" r:id="rId5"/>
-          </a:graphicData>
-        </a:graphic>
-      </p:graphicFrame>
       <p:sp>
         <p:nvSpPr>
           <p:cNvPr id="15" name="Szövegdoboz 14">
@@ -15753,10 +16179,140 @@
           </a:p>
         </p:txBody>
       </p:sp>
+      <p:graphicFrame>
+        <p:nvGraphicFramePr>
+          <p:cNvPr id="21" name="Diagram 20">
+            <a:extLst>
+              <a:ext uri="{FF2B5EF4-FFF2-40B4-BE49-F238E27FC236}">
+                <a16:creationId xmlns:a16="http://schemas.microsoft.com/office/drawing/2014/main" id="{7B34D913-EA12-4F1B-9C3D-DE82C5E2A2D8}"/>
+              </a:ext>
+            </a:extLst>
+          </p:cNvPr>
+          <p:cNvGraphicFramePr>
+            <a:graphicFrameLocks/>
+          </p:cNvGraphicFramePr>
+          <p:nvPr/>
+        </p:nvGraphicFramePr>
+        <p:xfrm>
+          <a:off x="482319" y="3147808"/>
+          <a:ext cx="8227446" cy="6883404"/>
+        </p:xfrm>
+        <a:graphic>
+          <a:graphicData uri="http://schemas.openxmlformats.org/drawingml/2006/chart">
+            <c:chart xmlns:c="http://schemas.openxmlformats.org/drawingml/2006/chart" xmlns:r="http://schemas.openxmlformats.org/officeDocument/2006/relationships" r:id="rId4"/>
+          </a:graphicData>
+        </a:graphic>
+      </p:graphicFrame>
+      <p:graphicFrame>
+        <p:nvGraphicFramePr>
+          <p:cNvPr id="22" name="Diagram 21">
+            <a:extLst>
+              <a:ext uri="{FF2B5EF4-FFF2-40B4-BE49-F238E27FC236}">
+                <a16:creationId xmlns:a16="http://schemas.microsoft.com/office/drawing/2014/main" id="{361B6CDD-DC82-4176-9E32-F2F4AB37C15C}"/>
+              </a:ext>
+            </a:extLst>
+          </p:cNvPr>
+          <p:cNvGraphicFramePr>
+            <a:graphicFrameLocks/>
+          </p:cNvGraphicFramePr>
+          <p:nvPr>
+            <p:extLst>
+              <p:ext uri="{D42A27DB-BD31-4B8C-83A1-F6EECF244321}">
+                <p14:modId xmlns:p14="http://schemas.microsoft.com/office/powerpoint/2010/main" val="2392701262"/>
+              </p:ext>
+            </p:extLst>
+          </p:nvPr>
+        </p:nvGraphicFramePr>
+        <p:xfrm>
+          <a:off x="9578237" y="3147808"/>
+          <a:ext cx="8227446" cy="6883404"/>
+        </p:xfrm>
+        <a:graphic>
+          <a:graphicData uri="http://schemas.openxmlformats.org/drawingml/2006/chart">
+            <c:chart xmlns:c="http://schemas.openxmlformats.org/drawingml/2006/chart" xmlns:r="http://schemas.openxmlformats.org/officeDocument/2006/relationships" r:id="rId5"/>
+          </a:graphicData>
+        </a:graphic>
+      </p:graphicFrame>
+      <p:sp>
+        <p:nvSpPr>
+          <p:cNvPr id="14" name="Szövegdoboz 13">
+            <a:extLst>
+              <a:ext uri="{FF2B5EF4-FFF2-40B4-BE49-F238E27FC236}">
+                <a16:creationId xmlns:a16="http://schemas.microsoft.com/office/drawing/2014/main" id="{95D9D29B-75F2-432A-A5B7-B549D57EB016}"/>
+              </a:ext>
+            </a:extLst>
+          </p:cNvPr>
+          <p:cNvSpPr txBox="1"/>
+          <p:nvPr/>
+        </p:nvSpPr>
+        <p:spPr>
+          <a:xfrm>
+            <a:off x="11174430" y="2978531"/>
+            <a:ext cx="678391" cy="338554"/>
+          </a:xfrm>
+          <a:prstGeom prst="rect">
+            <a:avLst/>
+          </a:prstGeom>
+          <a:noFill/>
+        </p:spPr>
+        <p:txBody>
+          <a:bodyPr wrap="none" rtlCol="0">
+            <a:spAutoFit/>
+          </a:bodyPr>
+          <a:lstStyle/>
+          <a:p>
+            <a:r>
+              <a:rPr lang="en-US" sz="1600" dirty="0">
+                <a:latin typeface="Roboto Light" panose="02000000000000000000" pitchFamily="2" charset="0"/>
+                <a:ea typeface="Roboto Light" panose="02000000000000000000" pitchFamily="2" charset="0"/>
+              </a:rPr>
+              <a:t>291%</a:t>
+            </a:r>
+          </a:p>
+        </p:txBody>
+      </p:sp>
+      <p:sp>
+        <p:nvSpPr>
+          <p:cNvPr id="23" name="Szövegdoboz 22">
+            <a:extLst>
+              <a:ext uri="{FF2B5EF4-FFF2-40B4-BE49-F238E27FC236}">
+                <a16:creationId xmlns:a16="http://schemas.microsoft.com/office/drawing/2014/main" id="{B2E433BC-BE4B-41DE-B2E2-8B58A3C4A15B}"/>
+              </a:ext>
+            </a:extLst>
+          </p:cNvPr>
+          <p:cNvSpPr txBox="1"/>
+          <p:nvPr/>
+        </p:nvSpPr>
+        <p:spPr>
+          <a:xfrm>
+            <a:off x="12884194" y="2978531"/>
+            <a:ext cx="678391" cy="338554"/>
+          </a:xfrm>
+          <a:prstGeom prst="rect">
+            <a:avLst/>
+          </a:prstGeom>
+          <a:noFill/>
+        </p:spPr>
+        <p:txBody>
+          <a:bodyPr wrap="none" rtlCol="0">
+            <a:spAutoFit/>
+          </a:bodyPr>
+          <a:lstStyle/>
+          <a:p>
+            <a:r>
+              <a:rPr lang="en-US" sz="1600" dirty="0">
+                <a:latin typeface="Roboto Light" panose="02000000000000000000" pitchFamily="2" charset="0"/>
+                <a:ea typeface="Roboto Light" panose="02000000000000000000" pitchFamily="2" charset="0"/>
+              </a:rPr>
+              <a:t>240%</a:t>
+            </a:r>
+          </a:p>
+        </p:txBody>
+      </p:sp>
     </p:spTree>
     <p:extLst>
       <p:ext uri="{BB962C8B-B14F-4D97-AF65-F5344CB8AC3E}">
-        <p14:creationId xmlns:p14="http://schemas.microsoft.com/office/powerpoint/2010/main" val="3973949442"/>
+        <p14:creationId xmlns:p14="http://schemas.microsoft.com/office/powerpoint/2010/main" val="360428399"/>
       </p:ext>
     </p:extLst>
   </p:cSld>
@@ -16248,23 +16804,8 @@
                 </a:solidFill>
                 <a:latin typeface="Nunito Sans Heavy"/>
               </a:rPr>
-              <a:t>0</a:t>
-            </a:r>
-            <a:r>
-              <a:rPr lang="hu-HU" sz="8000" dirty="0">
-                <a:solidFill>
-                  <a:srgbClr val="FFFFFF"/>
-                </a:solidFill>
-                <a:latin typeface="Nunito Sans Heavy"/>
-              </a:rPr>
-              <a:t>7</a:t>
-            </a:r>
-            <a:endParaRPr lang="en-US" sz="8000" dirty="0">
-              <a:solidFill>
-                <a:srgbClr val="FFFFFF"/>
-              </a:solidFill>
-              <a:latin typeface="Nunito Sans Heavy"/>
-            </a:endParaRPr>
+              <a:t>8</a:t>
+            </a:r>
           </a:p>
         </p:txBody>
       </p:sp>
@@ -16409,6 +16950,16 @@
               </a:rPr>
               <a:t>Mnesia</a:t>
             </a:r>
+            <a:r>
+              <a:rPr lang="en-US" sz="3999" dirty="0">
+                <a:solidFill>
+                  <a:srgbClr val="000000"/>
+                </a:solidFill>
+                <a:latin typeface="Roboto Light" panose="02000000000000000000" pitchFamily="2" charset="0"/>
+                <a:ea typeface="Roboto Light" panose="02000000000000000000" pitchFamily="2" charset="0"/>
+              </a:rPr>
+              <a:t> DB</a:t>
+            </a:r>
             <a:endParaRPr lang="hu-HU" sz="3999" dirty="0">
               <a:solidFill>
                 <a:srgbClr val="000000"/>
@@ -16435,6 +16986,23 @@
               </a:rPr>
               <a:t>Map</a:t>
             </a:r>
+            <a:r>
+              <a:rPr lang="en-US" sz="3999" dirty="0">
+                <a:solidFill>
+                  <a:srgbClr val="000000"/>
+                </a:solidFill>
+                <a:latin typeface="Roboto Light" panose="02000000000000000000" pitchFamily="2" charset="0"/>
+                <a:ea typeface="Roboto Light" panose="02000000000000000000" pitchFamily="2" charset="0"/>
+              </a:rPr>
+              <a:t> DB</a:t>
+            </a:r>
+            <a:endParaRPr lang="hu-HU" sz="3999" dirty="0">
+              <a:solidFill>
+                <a:srgbClr val="000000"/>
+              </a:solidFill>
+              <a:latin typeface="Roboto Light" panose="02000000000000000000" pitchFamily="2" charset="0"/>
+              <a:ea typeface="Roboto Light" panose="02000000000000000000" pitchFamily="2" charset="0"/>
+            </a:endParaRPr>
           </a:p>
           <a:p>
             <a:pPr marL="1028700" lvl="1" indent="-571500">

--- a/presentation/presentation.pptx
+++ b/presentation/presentation.pptx
@@ -5,7 +5,7 @@
     <p:sldMasterId id="2147483648" r:id="rId1"/>
   </p:sldMasterIdLst>
   <p:notesMasterIdLst>
-    <p:notesMasterId r:id="rId13"/>
+    <p:notesMasterId r:id="rId14"/>
   </p:notesMasterIdLst>
   <p:sldIdLst>
     <p:sldId id="256" r:id="rId2"/>
@@ -14,51 +14,52 @@
     <p:sldId id="270" r:id="rId5"/>
     <p:sldId id="271" r:id="rId6"/>
     <p:sldId id="272" r:id="rId7"/>
-    <p:sldId id="273" r:id="rId8"/>
-    <p:sldId id="279" r:id="rId9"/>
-    <p:sldId id="274" r:id="rId10"/>
-    <p:sldId id="263" r:id="rId11"/>
-    <p:sldId id="278" r:id="rId12"/>
+    <p:sldId id="281" r:id="rId8"/>
+    <p:sldId id="273" r:id="rId9"/>
+    <p:sldId id="279" r:id="rId10"/>
+    <p:sldId id="274" r:id="rId11"/>
+    <p:sldId id="263" r:id="rId12"/>
+    <p:sldId id="278" r:id="rId13"/>
   </p:sldIdLst>
   <p:sldSz cx="18288000" cy="10287000"/>
   <p:notesSz cx="6858000" cy="9144000"/>
   <p:embeddedFontLst>
     <p:embeddedFont>
       <p:font typeface="Calibri" panose="020F0502020204030204" pitchFamily="34" charset="0"/>
-      <p:regular r:id="rId14"/>
-      <p:bold r:id="rId15"/>
-      <p:italic r:id="rId16"/>
-      <p:boldItalic r:id="rId17"/>
+      <p:regular r:id="rId15"/>
+      <p:bold r:id="rId16"/>
+      <p:italic r:id="rId17"/>
+      <p:boldItalic r:id="rId18"/>
     </p:embeddedFont>
     <p:embeddedFont>
       <p:font typeface="Nunito Sans Heavy" panose="020B0604020202020204" charset="0"/>
-      <p:regular r:id="rId18"/>
+      <p:regular r:id="rId19"/>
     </p:embeddedFont>
     <p:embeddedFont>
       <p:font typeface="Nunito Sans Semi-Bold" panose="020B0604020202020204" charset="0"/>
-      <p:regular r:id="rId19"/>
+      <p:regular r:id="rId20"/>
     </p:embeddedFont>
     <p:embeddedFont>
       <p:font typeface="Roboto" panose="02000000000000000000" pitchFamily="2" charset="0"/>
-      <p:regular r:id="rId20"/>
-      <p:bold r:id="rId21"/>
-      <p:italic r:id="rId22"/>
-      <p:boldItalic r:id="rId23"/>
+      <p:regular r:id="rId21"/>
+      <p:bold r:id="rId22"/>
+      <p:italic r:id="rId23"/>
+      <p:boldItalic r:id="rId24"/>
     </p:embeddedFont>
     <p:embeddedFont>
       <p:font typeface="Roboto Light" panose="02000000000000000000" pitchFamily="2" charset="0"/>
-      <p:regular r:id="rId24"/>
-      <p:italic r:id="rId25"/>
+      <p:regular r:id="rId25"/>
+      <p:italic r:id="rId26"/>
     </p:embeddedFont>
     <p:embeddedFont>
       <p:font typeface="Roboto Medium" panose="02000000000000000000" pitchFamily="2" charset="0"/>
-      <p:regular r:id="rId26"/>
-      <p:italic r:id="rId27"/>
+      <p:regular r:id="rId27"/>
+      <p:italic r:id="rId28"/>
     </p:embeddedFont>
     <p:embeddedFont>
       <p:font typeface="Roboto Thin" panose="02000000000000000000" pitchFamily="2" charset="0"/>
-      <p:regular r:id="rId28"/>
-      <p:italic r:id="rId29"/>
+      <p:regular r:id="rId29"/>
+      <p:italic r:id="rId30"/>
     </p:embeddedFont>
   </p:embeddedFontLst>
   <p:defaultTextStyle>
@@ -3347,7 +3348,7 @@
           <a:p>
             <a:fld id="{AAFE12A5-599A-43DF-9C28-A989FC92BB17}" type="slidenum">
               <a:rPr lang="hu-HU" smtClean="0"/>
-              <a:t>11</a:t>
+              <a:t>12</a:t>
             </a:fld>
             <a:endParaRPr lang="hu-HU"/>
           </a:p>
@@ -7108,6 +7109,809 @@
         </p:nvGrpSpPr>
         <p:grpSpPr>
           <a:xfrm>
+            <a:off x="-152400" y="-987552"/>
+            <a:ext cx="18288000" cy="12262103"/>
+            <a:chOff x="0" y="0"/>
+            <a:chExt cx="24384000" cy="16349470"/>
+          </a:xfrm>
+        </p:grpSpPr>
+        <p:sp>
+          <p:nvSpPr>
+            <p:cNvPr id="3" name="Freeform 3"/>
+            <p:cNvSpPr/>
+            <p:nvPr/>
+          </p:nvSpPr>
+          <p:spPr>
+            <a:xfrm>
+              <a:off x="0" y="0"/>
+              <a:ext cx="8198458" cy="8198458"/>
+            </a:xfrm>
+            <a:custGeom>
+              <a:avLst/>
+              <a:gdLst/>
+              <a:ahLst/>
+              <a:cxnLst/>
+              <a:rect l="l" t="t" r="r" b="b"/>
+              <a:pathLst>
+                <a:path w="8198458" h="8198458">
+                  <a:moveTo>
+                    <a:pt x="0" y="0"/>
+                  </a:moveTo>
+                  <a:lnTo>
+                    <a:pt x="8198458" y="0"/>
+                  </a:lnTo>
+                  <a:lnTo>
+                    <a:pt x="8198458" y="8198458"/>
+                  </a:lnTo>
+                  <a:lnTo>
+                    <a:pt x="0" y="8198458"/>
+                  </a:lnTo>
+                  <a:lnTo>
+                    <a:pt x="0" y="0"/>
+                  </a:lnTo>
+                  <a:close/>
+                </a:path>
+              </a:pathLst>
+            </a:custGeom>
+            <a:blipFill>
+              <a:blip r:embed="rId2">
+                <a:alphaModFix amt="50000"/>
+                <a:extLst>
+                  <a:ext uri="{96DAC541-7B7A-43D3-8B79-37D633B846F1}">
+                    <asvg:svgBlip xmlns:asvg="http://schemas.microsoft.com/office/drawing/2016/SVG/main" r:embed="rId3"/>
+                  </a:ext>
+                </a:extLst>
+              </a:blip>
+              <a:stretch>
+                <a:fillRect/>
+              </a:stretch>
+            </a:blipFill>
+          </p:spPr>
+        </p:sp>
+        <p:sp>
+          <p:nvSpPr>
+            <p:cNvPr id="4" name="Freeform 4"/>
+            <p:cNvSpPr/>
+            <p:nvPr/>
+          </p:nvSpPr>
+          <p:spPr>
+            <a:xfrm>
+              <a:off x="0" y="8103568"/>
+              <a:ext cx="8198458" cy="8198458"/>
+            </a:xfrm>
+            <a:custGeom>
+              <a:avLst/>
+              <a:gdLst/>
+              <a:ahLst/>
+              <a:cxnLst/>
+              <a:rect l="l" t="t" r="r" b="b"/>
+              <a:pathLst>
+                <a:path w="8198458" h="8198458">
+                  <a:moveTo>
+                    <a:pt x="0" y="0"/>
+                  </a:moveTo>
+                  <a:lnTo>
+                    <a:pt x="8198458" y="0"/>
+                  </a:lnTo>
+                  <a:lnTo>
+                    <a:pt x="8198458" y="8198458"/>
+                  </a:lnTo>
+                  <a:lnTo>
+                    <a:pt x="0" y="8198458"/>
+                  </a:lnTo>
+                  <a:lnTo>
+                    <a:pt x="0" y="0"/>
+                  </a:lnTo>
+                  <a:close/>
+                </a:path>
+              </a:pathLst>
+            </a:custGeom>
+            <a:blipFill>
+              <a:blip r:embed="rId2">
+                <a:alphaModFix amt="50000"/>
+                <a:extLst>
+                  <a:ext uri="{96DAC541-7B7A-43D3-8B79-37D633B846F1}">
+                    <asvg:svgBlip xmlns:asvg="http://schemas.microsoft.com/office/drawing/2016/SVG/main" r:embed="rId3"/>
+                  </a:ext>
+                </a:extLst>
+              </a:blip>
+              <a:stretch>
+                <a:fillRect/>
+              </a:stretch>
+            </a:blipFill>
+          </p:spPr>
+        </p:sp>
+        <p:sp>
+          <p:nvSpPr>
+            <p:cNvPr id="5" name="Freeform 5"/>
+            <p:cNvSpPr/>
+            <p:nvPr/>
+          </p:nvSpPr>
+          <p:spPr>
+            <a:xfrm>
+              <a:off x="8107869" y="0"/>
+              <a:ext cx="8198458" cy="8198458"/>
+            </a:xfrm>
+            <a:custGeom>
+              <a:avLst/>
+              <a:gdLst/>
+              <a:ahLst/>
+              <a:cxnLst/>
+              <a:rect l="l" t="t" r="r" b="b"/>
+              <a:pathLst>
+                <a:path w="8198458" h="8198458">
+                  <a:moveTo>
+                    <a:pt x="0" y="0"/>
+                  </a:moveTo>
+                  <a:lnTo>
+                    <a:pt x="8198458" y="0"/>
+                  </a:lnTo>
+                  <a:lnTo>
+                    <a:pt x="8198458" y="8198458"/>
+                  </a:lnTo>
+                  <a:lnTo>
+                    <a:pt x="0" y="8198458"/>
+                  </a:lnTo>
+                  <a:lnTo>
+                    <a:pt x="0" y="0"/>
+                  </a:lnTo>
+                  <a:close/>
+                </a:path>
+              </a:pathLst>
+            </a:custGeom>
+            <a:blipFill>
+              <a:blip r:embed="rId2">
+                <a:alphaModFix amt="50000"/>
+                <a:extLst>
+                  <a:ext uri="{96DAC541-7B7A-43D3-8B79-37D633B846F1}">
+                    <asvg:svgBlip xmlns:asvg="http://schemas.microsoft.com/office/drawing/2016/SVG/main" r:embed="rId3"/>
+                  </a:ext>
+                </a:extLst>
+              </a:blip>
+              <a:stretch>
+                <a:fillRect/>
+              </a:stretch>
+            </a:blipFill>
+          </p:spPr>
+        </p:sp>
+        <p:sp>
+          <p:nvSpPr>
+            <p:cNvPr id="6" name="Freeform 6"/>
+            <p:cNvSpPr/>
+            <p:nvPr/>
+          </p:nvSpPr>
+          <p:spPr>
+            <a:xfrm>
+              <a:off x="8107869" y="8103568"/>
+              <a:ext cx="8198458" cy="8198458"/>
+            </a:xfrm>
+            <a:custGeom>
+              <a:avLst/>
+              <a:gdLst/>
+              <a:ahLst/>
+              <a:cxnLst/>
+              <a:rect l="l" t="t" r="r" b="b"/>
+              <a:pathLst>
+                <a:path w="8198458" h="8198458">
+                  <a:moveTo>
+                    <a:pt x="0" y="0"/>
+                  </a:moveTo>
+                  <a:lnTo>
+                    <a:pt x="8198458" y="0"/>
+                  </a:lnTo>
+                  <a:lnTo>
+                    <a:pt x="8198458" y="8198458"/>
+                  </a:lnTo>
+                  <a:lnTo>
+                    <a:pt x="0" y="8198458"/>
+                  </a:lnTo>
+                  <a:lnTo>
+                    <a:pt x="0" y="0"/>
+                  </a:lnTo>
+                  <a:close/>
+                </a:path>
+              </a:pathLst>
+            </a:custGeom>
+            <a:blipFill>
+              <a:blip r:embed="rId2">
+                <a:alphaModFix amt="50000"/>
+                <a:extLst>
+                  <a:ext uri="{96DAC541-7B7A-43D3-8B79-37D633B846F1}">
+                    <asvg:svgBlip xmlns:asvg="http://schemas.microsoft.com/office/drawing/2016/SVG/main" r:embed="rId3"/>
+                  </a:ext>
+                </a:extLst>
+              </a:blip>
+              <a:stretch>
+                <a:fillRect/>
+              </a:stretch>
+            </a:blipFill>
+          </p:spPr>
+        </p:sp>
+        <p:sp>
+          <p:nvSpPr>
+            <p:cNvPr id="7" name="Freeform 7"/>
+            <p:cNvSpPr/>
+            <p:nvPr/>
+          </p:nvSpPr>
+          <p:spPr>
+            <a:xfrm>
+              <a:off x="16185542" y="47445"/>
+              <a:ext cx="8198458" cy="8198458"/>
+            </a:xfrm>
+            <a:custGeom>
+              <a:avLst/>
+              <a:gdLst/>
+              <a:ahLst/>
+              <a:cxnLst/>
+              <a:rect l="l" t="t" r="r" b="b"/>
+              <a:pathLst>
+                <a:path w="8198458" h="8198458">
+                  <a:moveTo>
+                    <a:pt x="0" y="0"/>
+                  </a:moveTo>
+                  <a:lnTo>
+                    <a:pt x="8198458" y="0"/>
+                  </a:lnTo>
+                  <a:lnTo>
+                    <a:pt x="8198458" y="8198457"/>
+                  </a:lnTo>
+                  <a:lnTo>
+                    <a:pt x="0" y="8198457"/>
+                  </a:lnTo>
+                  <a:lnTo>
+                    <a:pt x="0" y="0"/>
+                  </a:lnTo>
+                  <a:close/>
+                </a:path>
+              </a:pathLst>
+            </a:custGeom>
+            <a:blipFill>
+              <a:blip r:embed="rId2">
+                <a:alphaModFix amt="50000"/>
+                <a:extLst>
+                  <a:ext uri="{96DAC541-7B7A-43D3-8B79-37D633B846F1}">
+                    <asvg:svgBlip xmlns:asvg="http://schemas.microsoft.com/office/drawing/2016/SVG/main" r:embed="rId3"/>
+                  </a:ext>
+                </a:extLst>
+              </a:blip>
+              <a:stretch>
+                <a:fillRect/>
+              </a:stretch>
+            </a:blipFill>
+          </p:spPr>
+        </p:sp>
+        <p:sp>
+          <p:nvSpPr>
+            <p:cNvPr id="8" name="Freeform 8"/>
+            <p:cNvSpPr/>
+            <p:nvPr/>
+          </p:nvSpPr>
+          <p:spPr>
+            <a:xfrm>
+              <a:off x="16185542" y="8151013"/>
+              <a:ext cx="8198458" cy="8198458"/>
+            </a:xfrm>
+            <a:custGeom>
+              <a:avLst/>
+              <a:gdLst/>
+              <a:ahLst/>
+              <a:cxnLst/>
+              <a:rect l="l" t="t" r="r" b="b"/>
+              <a:pathLst>
+                <a:path w="8198458" h="8198458">
+                  <a:moveTo>
+                    <a:pt x="0" y="0"/>
+                  </a:moveTo>
+                  <a:lnTo>
+                    <a:pt x="8198458" y="0"/>
+                  </a:lnTo>
+                  <a:lnTo>
+                    <a:pt x="8198458" y="8198457"/>
+                  </a:lnTo>
+                  <a:lnTo>
+                    <a:pt x="0" y="8198457"/>
+                  </a:lnTo>
+                  <a:lnTo>
+                    <a:pt x="0" y="0"/>
+                  </a:lnTo>
+                  <a:close/>
+                </a:path>
+              </a:pathLst>
+            </a:custGeom>
+            <a:blipFill>
+              <a:blip r:embed="rId2">
+                <a:alphaModFix amt="50000"/>
+                <a:extLst>
+                  <a:ext uri="{96DAC541-7B7A-43D3-8B79-37D633B846F1}">
+                    <asvg:svgBlip xmlns:asvg="http://schemas.microsoft.com/office/drawing/2016/SVG/main" r:embed="rId3"/>
+                  </a:ext>
+                </a:extLst>
+              </a:blip>
+              <a:stretch>
+                <a:fillRect/>
+              </a:stretch>
+            </a:blipFill>
+          </p:spPr>
+        </p:sp>
+      </p:grpSp>
+      <p:grpSp>
+        <p:nvGrpSpPr>
+          <p:cNvPr id="9" name="Group 9"/>
+          <p:cNvGrpSpPr/>
+          <p:nvPr/>
+        </p:nvGrpSpPr>
+        <p:grpSpPr>
+          <a:xfrm>
+            <a:off x="-2038330" y="-2073710"/>
+            <a:ext cx="5041299" cy="5041299"/>
+            <a:chOff x="0" y="0"/>
+            <a:chExt cx="812800" cy="812800"/>
+          </a:xfrm>
+        </p:grpSpPr>
+        <p:sp>
+          <p:nvSpPr>
+            <p:cNvPr id="10" name="Freeform 10"/>
+            <p:cNvSpPr/>
+            <p:nvPr/>
+          </p:nvSpPr>
+          <p:spPr>
+            <a:xfrm>
+              <a:off x="0" y="0"/>
+              <a:ext cx="812800" cy="812800"/>
+            </a:xfrm>
+            <a:custGeom>
+              <a:avLst/>
+              <a:gdLst/>
+              <a:ahLst/>
+              <a:cxnLst/>
+              <a:rect l="l" t="t" r="r" b="b"/>
+              <a:pathLst>
+                <a:path w="812800" h="812800">
+                  <a:moveTo>
+                    <a:pt x="406400" y="0"/>
+                  </a:moveTo>
+                  <a:cubicBezTo>
+                    <a:pt x="181951" y="0"/>
+                    <a:pt x="0" y="181951"/>
+                    <a:pt x="0" y="406400"/>
+                  </a:cubicBezTo>
+                  <a:cubicBezTo>
+                    <a:pt x="0" y="630849"/>
+                    <a:pt x="181951" y="812800"/>
+                    <a:pt x="406400" y="812800"/>
+                  </a:cubicBezTo>
+                  <a:cubicBezTo>
+                    <a:pt x="630849" y="812800"/>
+                    <a:pt x="812800" y="630849"/>
+                    <a:pt x="812800" y="406400"/>
+                  </a:cubicBezTo>
+                  <a:cubicBezTo>
+                    <a:pt x="812800" y="181951"/>
+                    <a:pt x="630849" y="0"/>
+                    <a:pt x="406400" y="0"/>
+                  </a:cubicBezTo>
+                  <a:close/>
+                </a:path>
+              </a:pathLst>
+            </a:custGeom>
+            <a:solidFill>
+              <a:srgbClr val="004AAD"/>
+            </a:solidFill>
+            <a:ln cap="sq">
+              <a:noFill/>
+              <a:prstDash val="solid"/>
+              <a:miter/>
+            </a:ln>
+          </p:spPr>
+        </p:sp>
+        <p:sp>
+          <p:nvSpPr>
+            <p:cNvPr id="11" name="TextBox 11"/>
+            <p:cNvSpPr txBox="1"/>
+            <p:nvPr/>
+          </p:nvSpPr>
+          <p:spPr>
+            <a:xfrm>
+              <a:off x="76200" y="38100"/>
+              <a:ext cx="660400" cy="698500"/>
+            </a:xfrm>
+            <a:prstGeom prst="rect">
+              <a:avLst/>
+            </a:prstGeom>
+          </p:spPr>
+          <p:txBody>
+            <a:bodyPr lIns="50800" tIns="50800" rIns="50800" bIns="50800" rtlCol="0" anchor="ctr"/>
+            <a:lstStyle/>
+            <a:p>
+              <a:pPr algn="ctr">
+                <a:lnSpc>
+                  <a:spcPts val="2800"/>
+                </a:lnSpc>
+              </a:pPr>
+              <a:endParaRPr/>
+            </a:p>
+          </p:txBody>
+        </p:sp>
+      </p:grpSp>
+      <p:sp>
+        <p:nvSpPr>
+          <p:cNvPr id="12" name="TextBox 12"/>
+          <p:cNvSpPr txBox="1"/>
+          <p:nvPr/>
+        </p:nvSpPr>
+        <p:spPr>
+          <a:xfrm>
+            <a:off x="411934" y="502681"/>
+            <a:ext cx="1939447" cy="1377949"/>
+          </a:xfrm>
+          <a:prstGeom prst="rect">
+            <a:avLst/>
+          </a:prstGeom>
+        </p:spPr>
+        <p:txBody>
+          <a:bodyPr lIns="0" tIns="0" rIns="0" bIns="0" rtlCol="0" anchor="t">
+            <a:spAutoFit/>
+          </a:bodyPr>
+          <a:lstStyle/>
+          <a:p>
+            <a:pPr algn="ctr">
+              <a:lnSpc>
+                <a:spcPts val="11200"/>
+              </a:lnSpc>
+            </a:pPr>
+            <a:r>
+              <a:rPr lang="en-US" sz="8000" dirty="0">
+                <a:solidFill>
+                  <a:srgbClr val="FFFFFF"/>
+                </a:solidFill>
+                <a:latin typeface="Nunito Sans Heavy"/>
+              </a:rPr>
+              <a:t>9</a:t>
+            </a:r>
+          </a:p>
+        </p:txBody>
+      </p:sp>
+      <p:sp>
+        <p:nvSpPr>
+          <p:cNvPr id="13" name="TextBox 13"/>
+          <p:cNvSpPr txBox="1"/>
+          <p:nvPr/>
+        </p:nvSpPr>
+        <p:spPr>
+          <a:xfrm>
+            <a:off x="2329129" y="502681"/>
+            <a:ext cx="13629742" cy="1333635"/>
+          </a:xfrm>
+          <a:prstGeom prst="rect">
+            <a:avLst/>
+          </a:prstGeom>
+        </p:spPr>
+        <p:txBody>
+          <a:bodyPr wrap="square" lIns="0" tIns="0" rIns="0" bIns="0" rtlCol="0" anchor="t">
+            <a:spAutoFit/>
+          </a:bodyPr>
+          <a:lstStyle/>
+          <a:p>
+            <a:pPr algn="ctr">
+              <a:lnSpc>
+                <a:spcPts val="11200"/>
+              </a:lnSpc>
+            </a:pPr>
+            <a:r>
+              <a:rPr lang="en-US" sz="8000" dirty="0" err="1">
+                <a:solidFill>
+                  <a:srgbClr val="004AAD"/>
+                </a:solidFill>
+                <a:latin typeface="Roboto Medium" panose="02000000000000000000" pitchFamily="2" charset="0"/>
+                <a:ea typeface="Roboto Medium" panose="02000000000000000000" pitchFamily="2" charset="0"/>
+              </a:rPr>
+              <a:t>Helyesség</a:t>
+            </a:r>
+            <a:r>
+              <a:rPr lang="en-US" sz="8000" dirty="0">
+                <a:solidFill>
+                  <a:srgbClr val="004AAD"/>
+                </a:solidFill>
+                <a:latin typeface="Roboto Medium" panose="02000000000000000000" pitchFamily="2" charset="0"/>
+                <a:ea typeface="Roboto Medium" panose="02000000000000000000" pitchFamily="2" charset="0"/>
+              </a:rPr>
+              <a:t> </a:t>
+            </a:r>
+            <a:r>
+              <a:rPr lang="en-US" sz="8000" dirty="0" err="1">
+                <a:solidFill>
+                  <a:srgbClr val="004AAD"/>
+                </a:solidFill>
+                <a:latin typeface="Roboto Medium" panose="02000000000000000000" pitchFamily="2" charset="0"/>
+                <a:ea typeface="Roboto Medium" panose="02000000000000000000" pitchFamily="2" charset="0"/>
+              </a:rPr>
+              <a:t>vizsgálata</a:t>
+            </a:r>
+            <a:endParaRPr lang="en-US" sz="8000" dirty="0">
+              <a:solidFill>
+                <a:srgbClr val="004AAD"/>
+              </a:solidFill>
+              <a:latin typeface="Roboto Medium" panose="02000000000000000000" pitchFamily="2" charset="0"/>
+              <a:ea typeface="Roboto Medium" panose="02000000000000000000" pitchFamily="2" charset="0"/>
+            </a:endParaRPr>
+          </a:p>
+        </p:txBody>
+      </p:sp>
+      <p:sp>
+        <p:nvSpPr>
+          <p:cNvPr id="14" name="TextBox 14"/>
+          <p:cNvSpPr txBox="1"/>
+          <p:nvPr/>
+        </p:nvSpPr>
+        <p:spPr>
+          <a:xfrm>
+            <a:off x="1381659" y="3974086"/>
+            <a:ext cx="7076542" cy="2821285"/>
+          </a:xfrm>
+          <a:prstGeom prst="rect">
+            <a:avLst/>
+          </a:prstGeom>
+        </p:spPr>
+        <p:txBody>
+          <a:bodyPr wrap="square" lIns="0" tIns="0" rIns="0" bIns="0" rtlCol="0" anchor="t">
+            <a:spAutoFit/>
+          </a:bodyPr>
+          <a:lstStyle/>
+          <a:p>
+            <a:pPr>
+              <a:lnSpc>
+                <a:spcPts val="5599"/>
+              </a:lnSpc>
+            </a:pPr>
+            <a:r>
+              <a:rPr lang="hu-HU" sz="3999" dirty="0">
+                <a:solidFill>
+                  <a:srgbClr val="000000"/>
+                </a:solidFill>
+                <a:latin typeface="Roboto Light" panose="02000000000000000000" pitchFamily="2" charset="0"/>
+                <a:ea typeface="Roboto Light" panose="02000000000000000000" pitchFamily="2" charset="0"/>
+              </a:rPr>
+              <a:t>3 db </a:t>
+            </a:r>
+            <a:r>
+              <a:rPr lang="en-US" sz="3999" dirty="0" err="1">
+                <a:solidFill>
+                  <a:srgbClr val="000000"/>
+                </a:solidFill>
+                <a:latin typeface="Roboto Light" panose="02000000000000000000" pitchFamily="2" charset="0"/>
+                <a:ea typeface="Roboto Light" panose="02000000000000000000" pitchFamily="2" charset="0"/>
+              </a:rPr>
+              <a:t>RefactorErl</a:t>
+            </a:r>
+            <a:r>
+              <a:rPr lang="hu-HU" sz="3999" dirty="0">
+                <a:solidFill>
+                  <a:srgbClr val="000000"/>
+                </a:solidFill>
+                <a:latin typeface="Roboto Light" panose="02000000000000000000" pitchFamily="2" charset="0"/>
+                <a:ea typeface="Roboto Light" panose="02000000000000000000" pitchFamily="2" charset="0"/>
+              </a:rPr>
+              <a:t> példány:</a:t>
+            </a:r>
+          </a:p>
+          <a:p>
+            <a:pPr marL="1028700" lvl="1" indent="-571500">
+              <a:lnSpc>
+                <a:spcPts val="5599"/>
+              </a:lnSpc>
+              <a:buFont typeface="Arial" panose="020B0604020202020204" pitchFamily="34" charset="0"/>
+              <a:buChar char="•"/>
+            </a:pPr>
+            <a:r>
+              <a:rPr lang="hu-HU" sz="3999" dirty="0" err="1">
+                <a:solidFill>
+                  <a:srgbClr val="000000"/>
+                </a:solidFill>
+                <a:latin typeface="Roboto Light" panose="02000000000000000000" pitchFamily="2" charset="0"/>
+                <a:ea typeface="Roboto Light" panose="02000000000000000000" pitchFamily="2" charset="0"/>
+              </a:rPr>
+              <a:t>Mnesia</a:t>
+            </a:r>
+            <a:r>
+              <a:rPr lang="en-US" sz="3999" dirty="0">
+                <a:solidFill>
+                  <a:srgbClr val="000000"/>
+                </a:solidFill>
+                <a:latin typeface="Roboto Light" panose="02000000000000000000" pitchFamily="2" charset="0"/>
+                <a:ea typeface="Roboto Light" panose="02000000000000000000" pitchFamily="2" charset="0"/>
+              </a:rPr>
+              <a:t> DB</a:t>
+            </a:r>
+            <a:endParaRPr lang="hu-HU" sz="3999" dirty="0">
+              <a:solidFill>
+                <a:srgbClr val="000000"/>
+              </a:solidFill>
+              <a:latin typeface="Roboto Light" panose="02000000000000000000" pitchFamily="2" charset="0"/>
+              <a:ea typeface="Roboto Light" panose="02000000000000000000" pitchFamily="2" charset="0"/>
+            </a:endParaRPr>
+          </a:p>
+          <a:p>
+            <a:pPr marL="1028700" lvl="1" indent="-571500">
+              <a:lnSpc>
+                <a:spcPts val="5599"/>
+              </a:lnSpc>
+              <a:buFont typeface="Arial" panose="020B0604020202020204" pitchFamily="34" charset="0"/>
+              <a:buChar char="•"/>
+            </a:pPr>
+            <a:r>
+              <a:rPr lang="hu-HU" sz="3999" dirty="0">
+                <a:solidFill>
+                  <a:srgbClr val="000000"/>
+                </a:solidFill>
+                <a:latin typeface="Roboto Light" panose="02000000000000000000" pitchFamily="2" charset="0"/>
+                <a:ea typeface="Roboto Light" panose="02000000000000000000" pitchFamily="2" charset="0"/>
+              </a:rPr>
+              <a:t>Map</a:t>
+            </a:r>
+            <a:r>
+              <a:rPr lang="en-US" sz="3999" dirty="0">
+                <a:solidFill>
+                  <a:srgbClr val="000000"/>
+                </a:solidFill>
+                <a:latin typeface="Roboto Light" panose="02000000000000000000" pitchFamily="2" charset="0"/>
+                <a:ea typeface="Roboto Light" panose="02000000000000000000" pitchFamily="2" charset="0"/>
+              </a:rPr>
+              <a:t> DB</a:t>
+            </a:r>
+            <a:endParaRPr lang="hu-HU" sz="3999" dirty="0">
+              <a:solidFill>
+                <a:srgbClr val="000000"/>
+              </a:solidFill>
+              <a:latin typeface="Roboto Light" panose="02000000000000000000" pitchFamily="2" charset="0"/>
+              <a:ea typeface="Roboto Light" panose="02000000000000000000" pitchFamily="2" charset="0"/>
+            </a:endParaRPr>
+          </a:p>
+          <a:p>
+            <a:pPr marL="1028700" lvl="1" indent="-571500">
+              <a:lnSpc>
+                <a:spcPts val="5599"/>
+              </a:lnSpc>
+              <a:buFont typeface="Arial" panose="020B0604020202020204" pitchFamily="34" charset="0"/>
+              <a:buChar char="•"/>
+            </a:pPr>
+            <a:r>
+              <a:rPr lang="hu-HU" sz="3999" dirty="0">
+                <a:solidFill>
+                  <a:srgbClr val="000000"/>
+                </a:solidFill>
+                <a:latin typeface="Roboto Light" panose="02000000000000000000" pitchFamily="2" charset="0"/>
+                <a:ea typeface="Roboto Light" panose="02000000000000000000" pitchFamily="2" charset="0"/>
+              </a:rPr>
+              <a:t>Teszt</a:t>
+            </a:r>
+            <a:endParaRPr lang="en-US" sz="3999" dirty="0">
+              <a:solidFill>
+                <a:srgbClr val="000000"/>
+              </a:solidFill>
+              <a:latin typeface="Roboto Light" panose="02000000000000000000" pitchFamily="2" charset="0"/>
+              <a:ea typeface="Roboto Light" panose="02000000000000000000" pitchFamily="2" charset="0"/>
+            </a:endParaRPr>
+          </a:p>
+        </p:txBody>
+      </p:sp>
+      <p:pic>
+        <p:nvPicPr>
+          <p:cNvPr id="16" name="Kép 15">
+            <a:extLst>
+              <a:ext uri="{FF2B5EF4-FFF2-40B4-BE49-F238E27FC236}">
+                <a16:creationId xmlns:a16="http://schemas.microsoft.com/office/drawing/2014/main" id="{81937759-E602-41F4-A80A-14CFCD5AB0EE}"/>
+              </a:ext>
+            </a:extLst>
+          </p:cNvPr>
+          <p:cNvPicPr>
+            <a:picLocks noChangeAspect="1"/>
+          </p:cNvPicPr>
+          <p:nvPr/>
+        </p:nvPicPr>
+        <p:blipFill>
+          <a:blip r:embed="rId4">
+            <a:extLst>
+              <a:ext uri="{28A0092B-C50C-407E-A947-70E740481C1C}">
+                <a14:useLocalDpi xmlns:a14="http://schemas.microsoft.com/office/drawing/2010/main" val="0"/>
+              </a:ext>
+            </a:extLst>
+          </a:blip>
+          <a:stretch>
+            <a:fillRect/>
+          </a:stretch>
+        </p:blipFill>
+        <p:spPr>
+          <a:xfrm>
+            <a:off x="8775638" y="2688091"/>
+            <a:ext cx="8130703" cy="6148844"/>
+          </a:xfrm>
+          <a:prstGeom prst="rect">
+            <a:avLst/>
+          </a:prstGeom>
+        </p:spPr>
+      </p:pic>
+      <p:sp>
+        <p:nvSpPr>
+          <p:cNvPr id="15" name="Szövegdoboz 14">
+            <a:extLst>
+              <a:ext uri="{FF2B5EF4-FFF2-40B4-BE49-F238E27FC236}">
+                <a16:creationId xmlns:a16="http://schemas.microsoft.com/office/drawing/2014/main" id="{01F98474-DDC4-4692-B4B1-A9178FF94A59}"/>
+              </a:ext>
+            </a:extLst>
+          </p:cNvPr>
+          <p:cNvSpPr txBox="1"/>
+          <p:nvPr/>
+        </p:nvSpPr>
+        <p:spPr>
+          <a:xfrm>
+            <a:off x="3834269" y="6599868"/>
+            <a:ext cx="990600" cy="369332"/>
+          </a:xfrm>
+          <a:prstGeom prst="rect">
+            <a:avLst/>
+          </a:prstGeom>
+          <a:noFill/>
+        </p:spPr>
+        <p:txBody>
+          <a:bodyPr wrap="square" rtlCol="0">
+            <a:spAutoFit/>
+          </a:bodyPr>
+          <a:lstStyle/>
+          <a:p>
+            <a:pPr marL="285750" indent="-285750">
+              <a:buClr>
+                <a:srgbClr val="00B050"/>
+              </a:buClr>
+              <a:buSzPct val="400000"/>
+              <a:buFont typeface="Wingdings" panose="05000000000000000000" pitchFamily="2" charset="2"/>
+              <a:buChar char="ü"/>
+            </a:pPr>
+            <a:r>
+              <a:rPr lang="en-US" dirty="0"/>
+              <a:t> </a:t>
+            </a:r>
+            <a:endParaRPr lang="hu-HU" dirty="0"/>
+          </a:p>
+        </p:txBody>
+      </p:sp>
+    </p:spTree>
+    <p:extLst>
+      <p:ext uri="{BB962C8B-B14F-4D97-AF65-F5344CB8AC3E}">
+        <p14:creationId xmlns:p14="http://schemas.microsoft.com/office/powerpoint/2010/main" val="1666384148"/>
+      </p:ext>
+    </p:extLst>
+  </p:cSld>
+  <p:clrMapOvr>
+    <a:masterClrMapping/>
+  </p:clrMapOvr>
+</p:sld>
+</file>
+
+<file path=ppt/slides/slide11.xml><?xml version="1.0" encoding="utf-8"?>
+<p:sld xmlns:a="http://schemas.openxmlformats.org/drawingml/2006/main" xmlns:r="http://schemas.openxmlformats.org/officeDocument/2006/relationships" xmlns:p="http://schemas.openxmlformats.org/presentationml/2006/main">
+  <p:cSld>
+    <p:spTree>
+      <p:nvGrpSpPr>
+        <p:cNvPr id="1" name=""/>
+        <p:cNvGrpSpPr/>
+        <p:nvPr/>
+      </p:nvGrpSpPr>
+      <p:grpSpPr>
+        <a:xfrm>
+          <a:off x="0" y="0"/>
+          <a:ext cx="0" cy="0"/>
+          <a:chOff x="0" y="0"/>
+          <a:chExt cx="0" cy="0"/>
+        </a:xfrm>
+      </p:grpSpPr>
+      <p:grpSp>
+        <p:nvGrpSpPr>
+          <p:cNvPr id="2" name="Group 2"/>
+          <p:cNvGrpSpPr/>
+          <p:nvPr/>
+        </p:nvGrpSpPr>
+        <p:grpSpPr>
+          <a:xfrm>
             <a:off x="0" y="-987551"/>
             <a:ext cx="18288000" cy="12262103"/>
             <a:chOff x="0" y="0"/>
@@ -7635,7 +8439,7 @@
                 </a:solidFill>
                 <a:latin typeface="Nunito Sans Heavy"/>
               </a:rPr>
-              <a:t>9</a:t>
+              <a:t>10</a:t>
             </a:r>
           </a:p>
         </p:txBody>
@@ -8179,7 +8983,7 @@
 </p:sld>
 </file>
 
-<file path=ppt/slides/slide11.xml><?xml version="1.0" encoding="utf-8"?>
+<file path=ppt/slides/slide12.xml><?xml version="1.0" encoding="utf-8"?>
 <p:sld xmlns:a="http://schemas.openxmlformats.org/drawingml/2006/main" xmlns:r="http://schemas.openxmlformats.org/officeDocument/2006/relationships" xmlns:p="http://schemas.openxmlformats.org/presentationml/2006/main">
   <p:cSld>
     <p:spTree>
@@ -14239,119 +15043,6 @@
           </a:p>
         </p:txBody>
       </p:sp>
-      <p:sp>
-        <p:nvSpPr>
-          <p:cNvPr id="14" name="TextBox 14"/>
-          <p:cNvSpPr txBox="1"/>
-          <p:nvPr/>
-        </p:nvSpPr>
-        <p:spPr>
-          <a:xfrm>
-            <a:off x="1381658" y="3203900"/>
-            <a:ext cx="8448142" cy="2103140"/>
-          </a:xfrm>
-          <a:prstGeom prst="rect">
-            <a:avLst/>
-          </a:prstGeom>
-        </p:spPr>
-        <p:txBody>
-          <a:bodyPr wrap="square" lIns="0" tIns="0" rIns="0" bIns="0" rtlCol="0" anchor="t">
-            <a:spAutoFit/>
-          </a:bodyPr>
-          <a:lstStyle/>
-          <a:p>
-            <a:pPr marL="571500" indent="-571500">
-              <a:lnSpc>
-                <a:spcPts val="5599"/>
-              </a:lnSpc>
-              <a:buFont typeface="Arial" panose="020B0604020202020204" pitchFamily="34" charset="0"/>
-              <a:buChar char="•"/>
-            </a:pPr>
-            <a:r>
-              <a:rPr lang="hu-HU" sz="3999" dirty="0">
-                <a:solidFill>
-                  <a:srgbClr val="000000"/>
-                </a:solidFill>
-                <a:latin typeface="Roboto Light" panose="02000000000000000000" pitchFamily="2" charset="0"/>
-                <a:ea typeface="Roboto Light" panose="02000000000000000000" pitchFamily="2" charset="0"/>
-              </a:rPr>
-              <a:t>rétegmodell</a:t>
-            </a:r>
-            <a:endParaRPr lang="en-US" sz="3999" dirty="0">
-              <a:solidFill>
-                <a:srgbClr val="000000"/>
-              </a:solidFill>
-              <a:latin typeface="Roboto Light" panose="02000000000000000000" pitchFamily="2" charset="0"/>
-              <a:ea typeface="Roboto Light" panose="02000000000000000000" pitchFamily="2" charset="0"/>
-            </a:endParaRPr>
-          </a:p>
-          <a:p>
-            <a:pPr marL="571500" indent="-571500">
-              <a:lnSpc>
-                <a:spcPts val="5599"/>
-              </a:lnSpc>
-              <a:buFont typeface="Arial" panose="020B0604020202020204" pitchFamily="34" charset="0"/>
-              <a:buChar char="•"/>
-            </a:pPr>
-            <a:r>
-              <a:rPr lang="hu-HU" sz="3999" dirty="0" err="1">
-                <a:solidFill>
-                  <a:srgbClr val="000000"/>
-                </a:solidFill>
-                <a:latin typeface="Roboto Light" panose="02000000000000000000" pitchFamily="2" charset="0"/>
-                <a:ea typeface="Roboto Light" panose="02000000000000000000" pitchFamily="2" charset="0"/>
-              </a:rPr>
-              <a:t>refcore_gendb</a:t>
-            </a:r>
-            <a:r>
-              <a:rPr lang="hu-HU" sz="3999" dirty="0">
-                <a:solidFill>
-                  <a:srgbClr val="000000"/>
-                </a:solidFill>
-                <a:latin typeface="Roboto Light" panose="02000000000000000000" pitchFamily="2" charset="0"/>
-                <a:ea typeface="Roboto Light" panose="02000000000000000000" pitchFamily="2" charset="0"/>
-              </a:rPr>
-              <a:t> viselkedés</a:t>
-            </a:r>
-          </a:p>
-          <a:p>
-            <a:pPr marL="571500" indent="-571500">
-              <a:lnSpc>
-                <a:spcPts val="5599"/>
-              </a:lnSpc>
-              <a:buFont typeface="Arial" panose="020B0604020202020204" pitchFamily="34" charset="0"/>
-              <a:buChar char="•"/>
-            </a:pPr>
-            <a:r>
-              <a:rPr lang="hu-HU" sz="3999" dirty="0" err="1">
-                <a:solidFill>
-                  <a:srgbClr val="000000"/>
-                </a:solidFill>
-                <a:latin typeface="Roboto Light" panose="02000000000000000000" pitchFamily="2" charset="0"/>
-                <a:ea typeface="Roboto Light" panose="02000000000000000000" pitchFamily="2" charset="0"/>
-              </a:rPr>
-              <a:t>path</a:t>
-            </a:r>
-            <a:r>
-              <a:rPr lang="hu-HU" sz="3999" dirty="0">
-                <a:solidFill>
-                  <a:srgbClr val="000000"/>
-                </a:solidFill>
-                <a:latin typeface="Roboto Light" panose="02000000000000000000" pitchFamily="2" charset="0"/>
-                <a:ea typeface="Roboto Light" panose="02000000000000000000" pitchFamily="2" charset="0"/>
-              </a:rPr>
-              <a:t> lekérdezések</a:t>
-            </a:r>
-            <a:endParaRPr lang="en-US" sz="3999" dirty="0">
-              <a:solidFill>
-                <a:srgbClr val="000000"/>
-              </a:solidFill>
-              <a:latin typeface="Roboto Light" panose="02000000000000000000" pitchFamily="2" charset="0"/>
-              <a:ea typeface="Roboto Light" panose="02000000000000000000" pitchFamily="2" charset="0"/>
-            </a:endParaRPr>
-          </a:p>
-        </p:txBody>
-      </p:sp>
       <p:pic>
         <p:nvPicPr>
           <p:cNvPr id="16" name="Kép 15">
@@ -14380,7 +15071,7 @@
         </p:blipFill>
         <p:spPr>
           <a:xfrm>
-            <a:off x="10515600" y="2247900"/>
+            <a:off x="9601200" y="2282207"/>
             <a:ext cx="6812663" cy="7335373"/>
           </a:xfrm>
           <a:prstGeom prst="rect">
@@ -14390,10 +15081,10 @@
       </p:pic>
       <p:pic>
         <p:nvPicPr>
-          <p:cNvPr id="18" name="Kép 17">
+          <p:cNvPr id="17" name="Kép 16">
             <a:extLst>
               <a:ext uri="{FF2B5EF4-FFF2-40B4-BE49-F238E27FC236}">
-                <a16:creationId xmlns:a16="http://schemas.microsoft.com/office/drawing/2014/main" id="{69B38DE2-8A4F-459A-BB48-DBB7B4046595}"/>
+                <a16:creationId xmlns:a16="http://schemas.microsoft.com/office/drawing/2014/main" id="{F133C671-A52A-4FD3-A918-BF3C53DB6B26}"/>
               </a:ext>
             </a:extLst>
           </p:cNvPr>
@@ -14416,19 +15107,126 @@
         </p:blipFill>
         <p:spPr>
           <a:xfrm>
-            <a:off x="785595" y="5652448"/>
-            <a:ext cx="9058719" cy="4131631"/>
+            <a:off x="2922239" y="4160786"/>
+            <a:ext cx="4802375" cy="5623294"/>
           </a:xfrm>
           <a:prstGeom prst="rect">
             <a:avLst/>
           </a:prstGeom>
-          <a:ln w="12700">
-            <a:solidFill>
-              <a:schemeClr val="tx1"/>
-            </a:solidFill>
+          <a:ln>
+            <a:noFill/>
           </a:ln>
         </p:spPr>
       </p:pic>
+      <p:sp>
+        <p:nvSpPr>
+          <p:cNvPr id="19" name="TextBox 14">
+            <a:extLst>
+              <a:ext uri="{FF2B5EF4-FFF2-40B4-BE49-F238E27FC236}">
+                <a16:creationId xmlns:a16="http://schemas.microsoft.com/office/drawing/2014/main" id="{D5396E2B-269B-4113-A8A2-2081F0E40424}"/>
+              </a:ext>
+            </a:extLst>
+          </p:cNvPr>
+          <p:cNvSpPr txBox="1"/>
+          <p:nvPr/>
+        </p:nvSpPr>
+        <p:spPr>
+          <a:xfrm>
+            <a:off x="2935656" y="1880630"/>
+            <a:ext cx="6371851" cy="2103140"/>
+          </a:xfrm>
+          <a:prstGeom prst="rect">
+            <a:avLst/>
+          </a:prstGeom>
+        </p:spPr>
+        <p:txBody>
+          <a:bodyPr wrap="square" lIns="0" tIns="0" rIns="0" bIns="0" rtlCol="0" anchor="t">
+            <a:spAutoFit/>
+          </a:bodyPr>
+          <a:lstStyle/>
+          <a:p>
+            <a:pPr marL="571500" indent="-571500">
+              <a:lnSpc>
+                <a:spcPts val="5599"/>
+              </a:lnSpc>
+              <a:buFont typeface="Arial" panose="020B0604020202020204" pitchFamily="34" charset="0"/>
+              <a:buChar char="•"/>
+            </a:pPr>
+            <a:r>
+              <a:rPr lang="en-US" sz="3999" dirty="0" err="1">
+                <a:solidFill>
+                  <a:srgbClr val="000000"/>
+                </a:solidFill>
+                <a:latin typeface="Roboto Light" panose="02000000000000000000" pitchFamily="2" charset="0"/>
+                <a:ea typeface="Roboto Light" panose="02000000000000000000" pitchFamily="2" charset="0"/>
+              </a:rPr>
+              <a:t>adatmodell</a:t>
+            </a:r>
+            <a:endParaRPr lang="en-US" sz="3999" dirty="0">
+              <a:solidFill>
+                <a:srgbClr val="000000"/>
+              </a:solidFill>
+              <a:latin typeface="Roboto Light" panose="02000000000000000000" pitchFamily="2" charset="0"/>
+              <a:ea typeface="Roboto Light" panose="02000000000000000000" pitchFamily="2" charset="0"/>
+            </a:endParaRPr>
+          </a:p>
+          <a:p>
+            <a:pPr marL="571500" indent="-571500">
+              <a:lnSpc>
+                <a:spcPts val="5599"/>
+              </a:lnSpc>
+              <a:buFont typeface="Arial" panose="020B0604020202020204" pitchFamily="34" charset="0"/>
+              <a:buChar char="•"/>
+            </a:pPr>
+            <a:r>
+              <a:rPr lang="hu-HU" sz="3999" dirty="0">
+                <a:solidFill>
+                  <a:srgbClr val="000000"/>
+                </a:solidFill>
+                <a:latin typeface="Roboto Light" panose="02000000000000000000" pitchFamily="2" charset="0"/>
+                <a:ea typeface="Roboto Light" panose="02000000000000000000" pitchFamily="2" charset="0"/>
+              </a:rPr>
+              <a:t>rétegmodell</a:t>
+            </a:r>
+            <a:endParaRPr lang="en-US" sz="3999" dirty="0">
+              <a:solidFill>
+                <a:srgbClr val="000000"/>
+              </a:solidFill>
+              <a:latin typeface="Roboto Light" panose="02000000000000000000" pitchFamily="2" charset="0"/>
+              <a:ea typeface="Roboto Light" panose="02000000000000000000" pitchFamily="2" charset="0"/>
+            </a:endParaRPr>
+          </a:p>
+          <a:p>
+            <a:pPr marL="571500" indent="-571500">
+              <a:lnSpc>
+                <a:spcPts val="5599"/>
+              </a:lnSpc>
+              <a:buFont typeface="Arial" panose="020B0604020202020204" pitchFamily="34" charset="0"/>
+              <a:buChar char="•"/>
+            </a:pPr>
+            <a:r>
+              <a:rPr lang="hu-HU" sz="3999" dirty="0" err="1">
+                <a:solidFill>
+                  <a:srgbClr val="000000"/>
+                </a:solidFill>
+                <a:latin typeface="Roboto Light" panose="02000000000000000000" pitchFamily="2" charset="0"/>
+                <a:ea typeface="Roboto Light" panose="02000000000000000000" pitchFamily="2" charset="0"/>
+              </a:rPr>
+              <a:t>refcore_gendb</a:t>
+            </a:r>
+            <a:r>
+              <a:rPr lang="hu-HU" sz="3999" dirty="0">
+                <a:solidFill>
+                  <a:srgbClr val="000000"/>
+                </a:solidFill>
+                <a:latin typeface="Roboto Light" panose="02000000000000000000" pitchFamily="2" charset="0"/>
+                <a:ea typeface="Roboto Light" panose="02000000000000000000" pitchFamily="2" charset="0"/>
+              </a:rPr>
+              <a:t> viselkedés</a:t>
+            </a:r>
+          </a:p>
+        </p:txBody>
+      </p:sp>
     </p:spTree>
     <p:extLst>
       <p:ext uri="{BB962C8B-B14F-4D97-AF65-F5344CB8AC3E}">
@@ -14461,13 +15259,7 @@
       </p:grpSpPr>
       <p:grpSp>
         <p:nvGrpSpPr>
-          <p:cNvPr id="26" name="Group 2">
-            <a:extLst>
-              <a:ext uri="{FF2B5EF4-FFF2-40B4-BE49-F238E27FC236}">
-                <a16:creationId xmlns:a16="http://schemas.microsoft.com/office/drawing/2014/main" id="{D9EF83F8-5B71-46E8-AFA1-D5A1570ABDA9}"/>
-              </a:ext>
-            </a:extLst>
-          </p:cNvPr>
+          <p:cNvPr id="2" name="Group 2"/>
           <p:cNvGrpSpPr/>
           <p:nvPr/>
         </p:nvGrpSpPr>
@@ -14481,13 +15273,7 @@
         </p:grpSpPr>
         <p:sp>
           <p:nvSpPr>
-            <p:cNvPr id="27" name="Freeform 3">
-              <a:extLst>
-                <a:ext uri="{FF2B5EF4-FFF2-40B4-BE49-F238E27FC236}">
-                  <a16:creationId xmlns:a16="http://schemas.microsoft.com/office/drawing/2014/main" id="{846D6998-8FF0-4AF9-8924-802ADA9A550F}"/>
-                </a:ext>
-              </a:extLst>
-            </p:cNvPr>
+            <p:cNvPr id="3" name="Freeform 3"/>
             <p:cNvSpPr/>
             <p:nvPr/>
           </p:nvSpPr>
@@ -14540,13 +15326,7 @@
         </p:sp>
         <p:sp>
           <p:nvSpPr>
-            <p:cNvPr id="28" name="Freeform 4">
-              <a:extLst>
-                <a:ext uri="{FF2B5EF4-FFF2-40B4-BE49-F238E27FC236}">
-                  <a16:creationId xmlns:a16="http://schemas.microsoft.com/office/drawing/2014/main" id="{8F7AA71D-19A5-4A83-8967-B82F196F4AD8}"/>
-                </a:ext>
-              </a:extLst>
-            </p:cNvPr>
+            <p:cNvPr id="4" name="Freeform 4"/>
             <p:cNvSpPr/>
             <p:nvPr/>
           </p:nvSpPr>
@@ -14599,13 +15379,7 @@
         </p:sp>
         <p:sp>
           <p:nvSpPr>
-            <p:cNvPr id="29" name="Freeform 5">
-              <a:extLst>
-                <a:ext uri="{FF2B5EF4-FFF2-40B4-BE49-F238E27FC236}">
-                  <a16:creationId xmlns:a16="http://schemas.microsoft.com/office/drawing/2014/main" id="{7DD88A6D-1394-4C72-B865-B020D23B0DC9}"/>
-                </a:ext>
-              </a:extLst>
-            </p:cNvPr>
+            <p:cNvPr id="5" name="Freeform 5"/>
             <p:cNvSpPr/>
             <p:nvPr/>
           </p:nvSpPr>
@@ -14658,13 +15432,7 @@
         </p:sp>
         <p:sp>
           <p:nvSpPr>
-            <p:cNvPr id="30" name="Freeform 6">
-              <a:extLst>
-                <a:ext uri="{FF2B5EF4-FFF2-40B4-BE49-F238E27FC236}">
-                  <a16:creationId xmlns:a16="http://schemas.microsoft.com/office/drawing/2014/main" id="{8824165E-C11C-4789-A64F-B3414D5146B4}"/>
-                </a:ext>
-              </a:extLst>
-            </p:cNvPr>
+            <p:cNvPr id="6" name="Freeform 6"/>
             <p:cNvSpPr/>
             <p:nvPr/>
           </p:nvSpPr>
@@ -14717,13 +15485,7 @@
         </p:sp>
         <p:sp>
           <p:nvSpPr>
-            <p:cNvPr id="31" name="Freeform 7">
-              <a:extLst>
-                <a:ext uri="{FF2B5EF4-FFF2-40B4-BE49-F238E27FC236}">
-                  <a16:creationId xmlns:a16="http://schemas.microsoft.com/office/drawing/2014/main" id="{B1AE0CEB-0ED6-461B-AFEC-6E928D39B09C}"/>
-                </a:ext>
-              </a:extLst>
-            </p:cNvPr>
+            <p:cNvPr id="7" name="Freeform 7"/>
             <p:cNvSpPr/>
             <p:nvPr/>
           </p:nvSpPr>
@@ -14776,13 +15538,7 @@
         </p:sp>
         <p:sp>
           <p:nvSpPr>
-            <p:cNvPr id="32" name="Freeform 8">
-              <a:extLst>
-                <a:ext uri="{FF2B5EF4-FFF2-40B4-BE49-F238E27FC236}">
-                  <a16:creationId xmlns:a16="http://schemas.microsoft.com/office/drawing/2014/main" id="{02AC49E8-AF04-4D9D-84DA-5A4BD52FED7C}"/>
-                </a:ext>
-              </a:extLst>
-            </p:cNvPr>
+            <p:cNvPr id="8" name="Freeform 8"/>
             <p:cNvSpPr/>
             <p:nvPr/>
           </p:nvSpPr>
@@ -14960,7 +15716,7 @@
               </a:lnSpc>
             </a:pPr>
             <a:r>
-              <a:rPr lang="hu-HU" sz="8000" dirty="0">
+              <a:rPr lang="en-US" sz="8000" dirty="0">
                 <a:solidFill>
                   <a:srgbClr val="FFFFFF"/>
                 </a:solidFill>
@@ -14968,12 +15724,6 @@
               </a:rPr>
               <a:t>6</a:t>
             </a:r>
-            <a:endParaRPr lang="en-US" sz="8000" dirty="0">
-              <a:solidFill>
-                <a:srgbClr val="FFFFFF"/>
-              </a:solidFill>
-              <a:latin typeface="Nunito Sans Heavy"/>
-            </a:endParaRPr>
           </a:p>
         </p:txBody>
       </p:sp>
@@ -14985,8 +15735,8 @@
         </p:nvSpPr>
         <p:spPr>
           <a:xfrm>
-            <a:off x="2329129" y="502681"/>
-            <a:ext cx="13629742" cy="1333635"/>
+            <a:off x="3057877" y="502920"/>
+            <a:ext cx="12172245" cy="1333635"/>
           </a:xfrm>
           <a:prstGeom prst="rect">
             <a:avLst/>
@@ -15004,6 +15754,16 @@
               </a:lnSpc>
             </a:pPr>
             <a:r>
+              <a:rPr lang="en-US" sz="8000" dirty="0">
+                <a:solidFill>
+                  <a:srgbClr val="004AAD"/>
+                </a:solidFill>
+                <a:latin typeface="Roboto Medium" panose="02000000000000000000" pitchFamily="2" charset="0"/>
+                <a:ea typeface="Roboto Medium" panose="02000000000000000000" pitchFamily="2" charset="0"/>
+              </a:rPr>
+              <a:t>Map </a:t>
+            </a:r>
+            <a:r>
               <a:rPr lang="en-US" sz="8000" dirty="0" err="1">
                 <a:solidFill>
                   <a:srgbClr val="004AAD"/>
@@ -15011,7 +15771,7 @@
                 <a:latin typeface="Roboto Medium" panose="02000000000000000000" pitchFamily="2" charset="0"/>
                 <a:ea typeface="Roboto Medium" panose="02000000000000000000" pitchFamily="2" charset="0"/>
               </a:rPr>
-              <a:t>Eredmények</a:t>
+              <a:t>alapú</a:t>
             </a:r>
             <a:r>
               <a:rPr lang="en-US" sz="8000" dirty="0">
@@ -15031,7 +15791,7 @@
                 <a:latin typeface="Roboto Medium" panose="02000000000000000000" pitchFamily="2" charset="0"/>
                 <a:ea typeface="Roboto Medium" panose="02000000000000000000" pitchFamily="2" charset="0"/>
               </a:rPr>
-              <a:t>kiértékelése</a:t>
+              <a:t>adatréteg</a:t>
             </a:r>
             <a:endParaRPr lang="en-US" sz="8000" dirty="0">
               <a:solidFill>
@@ -15051,8 +15811,8 @@
         </p:nvSpPr>
         <p:spPr>
           <a:xfrm>
-            <a:off x="1381659" y="2911985"/>
-            <a:ext cx="5400142" cy="2103140"/>
+            <a:off x="4919928" y="2404188"/>
+            <a:ext cx="8448142" cy="666849"/>
           </a:xfrm>
           <a:prstGeom prst="rect">
             <a:avLst/>
@@ -15064,30 +15824,21 @@
           </a:bodyPr>
           <a:lstStyle/>
           <a:p>
-            <a:pPr>
+            <a:pPr algn="ctr">
               <a:lnSpc>
                 <a:spcPts val="5599"/>
               </a:lnSpc>
             </a:pPr>
             <a:r>
-              <a:rPr lang="hu-HU" sz="3999" dirty="0">
+              <a:rPr lang="en-US" sz="3999" dirty="0">
                 <a:solidFill>
                   <a:srgbClr val="000000"/>
                 </a:solidFill>
-                <a:latin typeface="Roboto Medium" panose="02000000000000000000" pitchFamily="2" charset="0"/>
-                <a:ea typeface="Roboto Medium" panose="02000000000000000000" pitchFamily="2" charset="0"/>
+                <a:latin typeface="Roboto Light" panose="02000000000000000000" pitchFamily="2" charset="0"/>
+                <a:ea typeface="Roboto Light" panose="02000000000000000000" pitchFamily="2" charset="0"/>
               </a:rPr>
-              <a:t>Adatbetöltés</a:t>
-            </a:r>
-          </a:p>
-          <a:p>
-            <a:pPr marL="571500" indent="-571500">
-              <a:lnSpc>
-                <a:spcPts val="5599"/>
-              </a:lnSpc>
-              <a:buFont typeface="Arial" panose="020B0604020202020204" pitchFamily="34" charset="0"/>
-              <a:buChar char="•"/>
-            </a:pPr>
+              <a:t>P</a:t>
+            </a:r>
             <a:r>
               <a:rPr lang="hu-HU" sz="3999" dirty="0" err="1">
                 <a:solidFill>
@@ -15096,7 +15847,7 @@
                 <a:latin typeface="Roboto Light" panose="02000000000000000000" pitchFamily="2" charset="0"/>
                 <a:ea typeface="Roboto Light" panose="02000000000000000000" pitchFamily="2" charset="0"/>
               </a:rPr>
-              <a:t>Mnesia</a:t>
+              <a:t>ath</a:t>
             </a:r>
             <a:r>
               <a:rPr lang="hu-HU" sz="3999" dirty="0">
@@ -15106,7 +15857,7 @@
                 <a:latin typeface="Roboto Light" panose="02000000000000000000" pitchFamily="2" charset="0"/>
                 <a:ea typeface="Roboto Light" panose="02000000000000000000" pitchFamily="2" charset="0"/>
               </a:rPr>
-              <a:t> alkalmazás kódbázisa</a:t>
+              <a:t> lekérdezések</a:t>
             </a:r>
             <a:endParaRPr lang="en-US" sz="3999" dirty="0">
               <a:solidFill>
@@ -15120,10 +15871,10 @@
       </p:sp>
       <p:pic>
         <p:nvPicPr>
-          <p:cNvPr id="16" name="Kép 15">
+          <p:cNvPr id="18" name="Kép 17">
             <a:extLst>
               <a:ext uri="{FF2B5EF4-FFF2-40B4-BE49-F238E27FC236}">
-                <a16:creationId xmlns:a16="http://schemas.microsoft.com/office/drawing/2014/main" id="{574D51B3-7E01-4373-8090-7CFCAA649F9E}"/>
+                <a16:creationId xmlns:a16="http://schemas.microsoft.com/office/drawing/2014/main" id="{69B38DE2-8A4F-459A-BB48-DBB7B4046595}"/>
               </a:ext>
             </a:extLst>
           </p:cNvPr>
@@ -15133,7 +15884,7 @@
           <p:nvPr/>
         </p:nvPicPr>
         <p:blipFill>
-          <a:blip r:embed="rId4">
+          <a:blip r:embed="rId4" cstate="print">
             <a:extLst>
               <a:ext uri="{28A0092B-C50C-407E-A947-70E740481C1C}">
                 <a14:useLocalDpi xmlns:a14="http://schemas.microsoft.com/office/drawing/2010/main" val="0"/>
@@ -15146,327 +15897,23 @@
         </p:blipFill>
         <p:spPr>
           <a:xfrm>
-            <a:off x="6736506" y="2561000"/>
-            <a:ext cx="10805301" cy="3915198"/>
+            <a:off x="3074422" y="3638669"/>
+            <a:ext cx="12698978" cy="5791933"/>
           </a:xfrm>
           <a:prstGeom prst="rect">
             <a:avLst/>
           </a:prstGeom>
-        </p:spPr>
-      </p:pic>
-      <p:sp>
-        <p:nvSpPr>
-          <p:cNvPr id="17" name="TextBox 14">
-            <a:extLst>
-              <a:ext uri="{FF2B5EF4-FFF2-40B4-BE49-F238E27FC236}">
-                <a16:creationId xmlns:a16="http://schemas.microsoft.com/office/drawing/2014/main" id="{C56D059F-E9E8-4D4B-9EDF-7624E83BC3A1}"/>
-              </a:ext>
-            </a:extLst>
-          </p:cNvPr>
-          <p:cNvSpPr txBox="1"/>
-          <p:nvPr/>
-        </p:nvSpPr>
-        <p:spPr>
-          <a:xfrm>
-            <a:off x="1381658" y="5426058"/>
-            <a:ext cx="8768039" cy="3539430"/>
-          </a:xfrm>
-          <a:prstGeom prst="rect">
-            <a:avLst/>
-          </a:prstGeom>
-        </p:spPr>
-        <p:txBody>
-          <a:bodyPr wrap="square" lIns="0" tIns="0" rIns="0" bIns="0" rtlCol="0" anchor="t">
-            <a:spAutoFit/>
-          </a:bodyPr>
-          <a:lstStyle/>
-          <a:p>
-            <a:pPr>
-              <a:lnSpc>
-                <a:spcPts val="5599"/>
-              </a:lnSpc>
-            </a:pPr>
-            <a:r>
-              <a:rPr lang="hu-HU" sz="3999" dirty="0">
-                <a:solidFill>
-                  <a:srgbClr val="000000"/>
-                </a:solidFill>
-                <a:latin typeface="Roboto Medium" panose="02000000000000000000" pitchFamily="2" charset="0"/>
-                <a:ea typeface="Roboto Medium" panose="02000000000000000000" pitchFamily="2" charset="0"/>
-              </a:rPr>
-              <a:t>Lekérdezések</a:t>
-            </a:r>
-          </a:p>
-          <a:p>
-            <a:pPr marL="571500" indent="-571500">
-              <a:lnSpc>
-                <a:spcPts val="5599"/>
-              </a:lnSpc>
-              <a:buFont typeface="Arial" panose="020B0604020202020204" pitchFamily="34" charset="0"/>
-              <a:buChar char="•"/>
-            </a:pPr>
-            <a:r>
-              <a:rPr lang="hu-HU" sz="3999" dirty="0">
-                <a:solidFill>
-                  <a:srgbClr val="000000"/>
-                </a:solidFill>
-                <a:latin typeface="Roboto Light" panose="02000000000000000000" pitchFamily="2" charset="0"/>
-                <a:ea typeface="Roboto Light" panose="02000000000000000000" pitchFamily="2" charset="0"/>
-              </a:rPr>
-              <a:t>13 db lekérdezés</a:t>
-            </a:r>
-          </a:p>
-          <a:p>
-            <a:pPr marL="571500" indent="-571500">
-              <a:lnSpc>
-                <a:spcPts val="5599"/>
-              </a:lnSpc>
-              <a:buFont typeface="Arial" panose="020B0604020202020204" pitchFamily="34" charset="0"/>
-              <a:buChar char="•"/>
-            </a:pPr>
-            <a:r>
-              <a:rPr lang="hu-HU" sz="3999" dirty="0">
-                <a:solidFill>
-                  <a:srgbClr val="000000"/>
-                </a:solidFill>
-                <a:latin typeface="Roboto Light" panose="02000000000000000000" pitchFamily="2" charset="0"/>
-                <a:ea typeface="Roboto Light" panose="02000000000000000000" pitchFamily="2" charset="0"/>
-              </a:rPr>
-              <a:t>2 adatbázison:</a:t>
-            </a:r>
-          </a:p>
-          <a:p>
-            <a:pPr marL="1028700" lvl="1" indent="-571500">
-              <a:lnSpc>
-                <a:spcPts val="5599"/>
-              </a:lnSpc>
-              <a:buFontTx/>
-              <a:buChar char="→"/>
-            </a:pPr>
-            <a:r>
-              <a:rPr lang="pt-BR" sz="3999" dirty="0">
-                <a:solidFill>
-                  <a:srgbClr val="000000"/>
-                </a:solidFill>
-                <a:latin typeface="Roboto Light" panose="02000000000000000000" pitchFamily="2" charset="0"/>
-                <a:ea typeface="Roboto Light" panose="02000000000000000000" pitchFamily="2" charset="0"/>
-              </a:rPr>
-              <a:t>94</a:t>
-            </a:r>
-            <a:r>
-              <a:rPr lang="hu-HU" sz="3999" dirty="0">
-                <a:solidFill>
-                  <a:srgbClr val="000000"/>
-                </a:solidFill>
-                <a:latin typeface="Roboto Light" panose="02000000000000000000" pitchFamily="2" charset="0"/>
-                <a:ea typeface="Roboto Light" panose="02000000000000000000" pitchFamily="2" charset="0"/>
-              </a:rPr>
-              <a:t>,</a:t>
-            </a:r>
-            <a:r>
-              <a:rPr lang="pt-BR" sz="3999" dirty="0">
-                <a:solidFill>
-                  <a:srgbClr val="000000"/>
-                </a:solidFill>
-                <a:latin typeface="Roboto Light" panose="02000000000000000000" pitchFamily="2" charset="0"/>
-                <a:ea typeface="Roboto Light" panose="02000000000000000000" pitchFamily="2" charset="0"/>
-              </a:rPr>
-              <a:t>515 csúcs</a:t>
-            </a:r>
-            <a:r>
-              <a:rPr lang="en-US" sz="3999" dirty="0">
-                <a:solidFill>
-                  <a:srgbClr val="000000"/>
-                </a:solidFill>
-                <a:latin typeface="Roboto Light" panose="02000000000000000000" pitchFamily="2" charset="0"/>
-                <a:ea typeface="Roboto Light" panose="02000000000000000000" pitchFamily="2" charset="0"/>
-              </a:rPr>
-              <a:t> </a:t>
-            </a:r>
-            <a:r>
-              <a:rPr lang="en-US" sz="3999" dirty="0" err="1">
-                <a:solidFill>
-                  <a:srgbClr val="000000"/>
-                </a:solidFill>
-                <a:latin typeface="Roboto Light" panose="02000000000000000000" pitchFamily="2" charset="0"/>
-                <a:ea typeface="Roboto Light" panose="02000000000000000000" pitchFamily="2" charset="0"/>
-              </a:rPr>
-              <a:t>és</a:t>
-            </a:r>
-            <a:r>
-              <a:rPr lang="pt-BR" sz="3999" dirty="0">
-                <a:solidFill>
-                  <a:srgbClr val="000000"/>
-                </a:solidFill>
-                <a:latin typeface="Roboto Light" panose="02000000000000000000" pitchFamily="2" charset="0"/>
-                <a:ea typeface="Roboto Light" panose="02000000000000000000" pitchFamily="2" charset="0"/>
-              </a:rPr>
-              <a:t> 890</a:t>
-            </a:r>
-            <a:r>
-              <a:rPr lang="hu-HU" sz="3999" dirty="0">
-                <a:solidFill>
-                  <a:srgbClr val="000000"/>
-                </a:solidFill>
-                <a:latin typeface="Roboto Light" panose="02000000000000000000" pitchFamily="2" charset="0"/>
-                <a:ea typeface="Roboto Light" panose="02000000000000000000" pitchFamily="2" charset="0"/>
-              </a:rPr>
-              <a:t>,</a:t>
-            </a:r>
-            <a:r>
-              <a:rPr lang="pt-BR" sz="3999" dirty="0">
-                <a:solidFill>
-                  <a:srgbClr val="000000"/>
-                </a:solidFill>
-                <a:latin typeface="Roboto Light" panose="02000000000000000000" pitchFamily="2" charset="0"/>
-                <a:ea typeface="Roboto Light" panose="02000000000000000000" pitchFamily="2" charset="0"/>
-              </a:rPr>
-              <a:t>089 é</a:t>
-            </a:r>
-            <a:r>
-              <a:rPr lang="hu-HU" sz="3999" dirty="0">
-                <a:solidFill>
-                  <a:srgbClr val="000000"/>
-                </a:solidFill>
-                <a:latin typeface="Roboto Light" panose="02000000000000000000" pitchFamily="2" charset="0"/>
-                <a:ea typeface="Roboto Light" panose="02000000000000000000" pitchFamily="2" charset="0"/>
-              </a:rPr>
-              <a:t>l</a:t>
-            </a:r>
-            <a:endParaRPr lang="en-US" sz="3999" dirty="0">
-              <a:solidFill>
-                <a:srgbClr val="000000"/>
-              </a:solidFill>
-              <a:latin typeface="Roboto Light" panose="02000000000000000000" pitchFamily="2" charset="0"/>
-              <a:ea typeface="Roboto Light" panose="02000000000000000000" pitchFamily="2" charset="0"/>
-            </a:endParaRPr>
-          </a:p>
-          <a:p>
-            <a:pPr marL="1028700" lvl="1" indent="-571500">
-              <a:lnSpc>
-                <a:spcPts val="5599"/>
-              </a:lnSpc>
-              <a:buFontTx/>
-              <a:buChar char="→"/>
-            </a:pPr>
-            <a:r>
-              <a:rPr lang="hu-HU" sz="3999" dirty="0">
-                <a:solidFill>
-                  <a:srgbClr val="000000"/>
-                </a:solidFill>
-                <a:latin typeface="Roboto Light" panose="02000000000000000000" pitchFamily="2" charset="0"/>
-                <a:ea typeface="Roboto Light" panose="02000000000000000000" pitchFamily="2" charset="0"/>
-              </a:rPr>
-              <a:t>9</a:t>
-            </a:r>
-            <a:r>
-              <a:rPr lang="es-ES" sz="3999" dirty="0">
-                <a:solidFill>
-                  <a:srgbClr val="000000"/>
-                </a:solidFill>
-                <a:latin typeface="Roboto Light" panose="02000000000000000000" pitchFamily="2" charset="0"/>
-                <a:ea typeface="Roboto Light" panose="02000000000000000000" pitchFamily="2" charset="0"/>
-              </a:rPr>
-              <a:t>57,163 csúcs</a:t>
-            </a:r>
-            <a:r>
-              <a:rPr lang="en-US" sz="3999" dirty="0">
-                <a:solidFill>
-                  <a:srgbClr val="000000"/>
-                </a:solidFill>
-                <a:latin typeface="Roboto Light" panose="02000000000000000000" pitchFamily="2" charset="0"/>
-                <a:ea typeface="Roboto Light" panose="02000000000000000000" pitchFamily="2" charset="0"/>
-              </a:rPr>
-              <a:t> </a:t>
-            </a:r>
-            <a:r>
-              <a:rPr lang="en-US" sz="3999" dirty="0" err="1">
-                <a:solidFill>
-                  <a:srgbClr val="000000"/>
-                </a:solidFill>
-                <a:latin typeface="Roboto Light" panose="02000000000000000000" pitchFamily="2" charset="0"/>
-                <a:ea typeface="Roboto Light" panose="02000000000000000000" pitchFamily="2" charset="0"/>
-              </a:rPr>
-              <a:t>és</a:t>
-            </a:r>
-            <a:r>
-              <a:rPr lang="es-ES" sz="3999" dirty="0">
-                <a:solidFill>
-                  <a:srgbClr val="000000"/>
-                </a:solidFill>
-                <a:latin typeface="Roboto Light" panose="02000000000000000000" pitchFamily="2" charset="0"/>
-                <a:ea typeface="Roboto Light" panose="02000000000000000000" pitchFamily="2" charset="0"/>
-              </a:rPr>
-              <a:t> 2,110,396 él</a:t>
-            </a:r>
-            <a:endParaRPr lang="en-US" sz="3999" dirty="0">
-              <a:solidFill>
-                <a:srgbClr val="000000"/>
-              </a:solidFill>
-              <a:latin typeface="Roboto Light" panose="02000000000000000000" pitchFamily="2" charset="0"/>
-              <a:ea typeface="Roboto Light" panose="02000000000000000000" pitchFamily="2" charset="0"/>
-            </a:endParaRPr>
-          </a:p>
-        </p:txBody>
-      </p:sp>
-      <p:sp>
-        <p:nvSpPr>
-          <p:cNvPr id="18" name="Téglalap: lekerekített 17">
-            <a:extLst>
-              <a:ext uri="{FF2B5EF4-FFF2-40B4-BE49-F238E27FC236}">
-                <a16:creationId xmlns:a16="http://schemas.microsoft.com/office/drawing/2014/main" id="{74E6F5E2-F06C-470B-BF16-7C37F391EF6B}"/>
-              </a:ext>
-            </a:extLst>
-          </p:cNvPr>
-          <p:cNvSpPr/>
-          <p:nvPr/>
-        </p:nvSpPr>
-        <p:spPr>
-          <a:xfrm>
-            <a:off x="16230600" y="5753100"/>
-            <a:ext cx="1171350" cy="483352"/>
-          </a:xfrm>
-          <a:prstGeom prst="roundRect">
-            <a:avLst/>
-          </a:prstGeom>
-          <a:noFill/>
-          <a:ln>
+          <a:ln w="12700">
             <a:solidFill>
-              <a:schemeClr val="accent3">
-                <a:lumMod val="75000"/>
-              </a:schemeClr>
+              <a:schemeClr val="tx1"/>
             </a:solidFill>
           </a:ln>
         </p:spPr>
-        <p:style>
-          <a:lnRef idx="2">
-            <a:schemeClr val="accent1">
-              <a:shade val="50000"/>
-            </a:schemeClr>
-          </a:lnRef>
-          <a:fillRef idx="1">
-            <a:schemeClr val="accent1"/>
-          </a:fillRef>
-          <a:effectRef idx="0">
-            <a:schemeClr val="accent1"/>
-          </a:effectRef>
-          <a:fontRef idx="minor">
-            <a:schemeClr val="lt1"/>
-          </a:fontRef>
-        </p:style>
-        <p:txBody>
-          <a:bodyPr rtlCol="0" anchor="ctr"/>
-          <a:lstStyle/>
-          <a:p>
-            <a:pPr algn="ctr"/>
-            <a:endParaRPr lang="hu-HU"/>
-          </a:p>
-        </p:txBody>
-      </p:sp>
+      </p:pic>
     </p:spTree>
     <p:extLst>
       <p:ext uri="{BB962C8B-B14F-4D97-AF65-F5344CB8AC3E}">
-        <p14:creationId xmlns:p14="http://schemas.microsoft.com/office/powerpoint/2010/main" val="1069095919"/>
+        <p14:creationId xmlns:p14="http://schemas.microsoft.com/office/powerpoint/2010/main" val="994883213"/>
       </p:ext>
     </p:extLst>
   </p:cSld>
@@ -15495,13 +15942,19 @@
       </p:grpSpPr>
       <p:grpSp>
         <p:nvGrpSpPr>
-          <p:cNvPr id="2" name="Group 2"/>
+          <p:cNvPr id="26" name="Group 2">
+            <a:extLst>
+              <a:ext uri="{FF2B5EF4-FFF2-40B4-BE49-F238E27FC236}">
+                <a16:creationId xmlns:a16="http://schemas.microsoft.com/office/drawing/2014/main" id="{D9EF83F8-5B71-46E8-AFA1-D5A1570ABDA9}"/>
+              </a:ext>
+            </a:extLst>
+          </p:cNvPr>
           <p:cNvGrpSpPr/>
           <p:nvPr/>
         </p:nvGrpSpPr>
         <p:grpSpPr>
           <a:xfrm>
-            <a:off x="-18143" y="328784"/>
+            <a:off x="0" y="-987551"/>
             <a:ext cx="18288000" cy="12262103"/>
             <a:chOff x="0" y="0"/>
             <a:chExt cx="24384000" cy="16349470"/>
@@ -15509,7 +15962,13 @@
         </p:grpSpPr>
         <p:sp>
           <p:nvSpPr>
-            <p:cNvPr id="3" name="Freeform 3"/>
+            <p:cNvPr id="27" name="Freeform 3">
+              <a:extLst>
+                <a:ext uri="{FF2B5EF4-FFF2-40B4-BE49-F238E27FC236}">
+                  <a16:creationId xmlns:a16="http://schemas.microsoft.com/office/drawing/2014/main" id="{846D6998-8FF0-4AF9-8924-802ADA9A550F}"/>
+                </a:ext>
+              </a:extLst>
+            </p:cNvPr>
             <p:cNvSpPr/>
             <p:nvPr/>
           </p:nvSpPr>
@@ -15562,7 +16021,13 @@
         </p:sp>
         <p:sp>
           <p:nvSpPr>
-            <p:cNvPr id="4" name="Freeform 4"/>
+            <p:cNvPr id="28" name="Freeform 4">
+              <a:extLst>
+                <a:ext uri="{FF2B5EF4-FFF2-40B4-BE49-F238E27FC236}">
+                  <a16:creationId xmlns:a16="http://schemas.microsoft.com/office/drawing/2014/main" id="{8F7AA71D-19A5-4A83-8967-B82F196F4AD8}"/>
+                </a:ext>
+              </a:extLst>
+            </p:cNvPr>
             <p:cNvSpPr/>
             <p:nvPr/>
           </p:nvSpPr>
@@ -15615,7 +16080,13 @@
         </p:sp>
         <p:sp>
           <p:nvSpPr>
-            <p:cNvPr id="5" name="Freeform 5"/>
+            <p:cNvPr id="29" name="Freeform 5">
+              <a:extLst>
+                <a:ext uri="{FF2B5EF4-FFF2-40B4-BE49-F238E27FC236}">
+                  <a16:creationId xmlns:a16="http://schemas.microsoft.com/office/drawing/2014/main" id="{7DD88A6D-1394-4C72-B865-B020D23B0DC9}"/>
+                </a:ext>
+              </a:extLst>
+            </p:cNvPr>
             <p:cNvSpPr/>
             <p:nvPr/>
           </p:nvSpPr>
@@ -15668,7 +16139,13 @@
         </p:sp>
         <p:sp>
           <p:nvSpPr>
-            <p:cNvPr id="6" name="Freeform 6"/>
+            <p:cNvPr id="30" name="Freeform 6">
+              <a:extLst>
+                <a:ext uri="{FF2B5EF4-FFF2-40B4-BE49-F238E27FC236}">
+                  <a16:creationId xmlns:a16="http://schemas.microsoft.com/office/drawing/2014/main" id="{8824165E-C11C-4789-A64F-B3414D5146B4}"/>
+                </a:ext>
+              </a:extLst>
+            </p:cNvPr>
             <p:cNvSpPr/>
             <p:nvPr/>
           </p:nvSpPr>
@@ -15721,7 +16198,13 @@
         </p:sp>
         <p:sp>
           <p:nvSpPr>
-            <p:cNvPr id="7" name="Freeform 7"/>
+            <p:cNvPr id="31" name="Freeform 7">
+              <a:extLst>
+                <a:ext uri="{FF2B5EF4-FFF2-40B4-BE49-F238E27FC236}">
+                  <a16:creationId xmlns:a16="http://schemas.microsoft.com/office/drawing/2014/main" id="{B1AE0CEB-0ED6-461B-AFEC-6E928D39B09C}"/>
+                </a:ext>
+              </a:extLst>
+            </p:cNvPr>
             <p:cNvSpPr/>
             <p:nvPr/>
           </p:nvSpPr>
@@ -15774,7 +16257,13 @@
         </p:sp>
         <p:sp>
           <p:nvSpPr>
-            <p:cNvPr id="8" name="Freeform 8"/>
+            <p:cNvPr id="32" name="Freeform 8">
+              <a:extLst>
+                <a:ext uri="{FF2B5EF4-FFF2-40B4-BE49-F238E27FC236}">
+                  <a16:creationId xmlns:a16="http://schemas.microsoft.com/office/drawing/2014/main" id="{02AC49E8-AF04-4D9D-84DA-5A4BD52FED7C}"/>
+                </a:ext>
+              </a:extLst>
+            </p:cNvPr>
             <p:cNvSpPr/>
             <p:nvPr/>
           </p:nvSpPr>
@@ -16031,10 +16520,121 @@
       </p:sp>
       <p:sp>
         <p:nvSpPr>
-          <p:cNvPr id="15" name="Szövegdoboz 14">
+          <p:cNvPr id="14" name="TextBox 14"/>
+          <p:cNvSpPr txBox="1"/>
+          <p:nvPr/>
+        </p:nvSpPr>
+        <p:spPr>
+          <a:xfrm>
+            <a:off x="1381659" y="2911985"/>
+            <a:ext cx="5400142" cy="2103140"/>
+          </a:xfrm>
+          <a:prstGeom prst="rect">
+            <a:avLst/>
+          </a:prstGeom>
+        </p:spPr>
+        <p:txBody>
+          <a:bodyPr wrap="square" lIns="0" tIns="0" rIns="0" bIns="0" rtlCol="0" anchor="t">
+            <a:spAutoFit/>
+          </a:bodyPr>
+          <a:lstStyle/>
+          <a:p>
+            <a:pPr>
+              <a:lnSpc>
+                <a:spcPts val="5599"/>
+              </a:lnSpc>
+            </a:pPr>
+            <a:r>
+              <a:rPr lang="hu-HU" sz="3999" dirty="0">
+                <a:solidFill>
+                  <a:srgbClr val="000000"/>
+                </a:solidFill>
+                <a:latin typeface="Roboto Medium" panose="02000000000000000000" pitchFamily="2" charset="0"/>
+                <a:ea typeface="Roboto Medium" panose="02000000000000000000" pitchFamily="2" charset="0"/>
+              </a:rPr>
+              <a:t>Adatbetöltés</a:t>
+            </a:r>
+          </a:p>
+          <a:p>
+            <a:pPr marL="571500" indent="-571500">
+              <a:lnSpc>
+                <a:spcPts val="5599"/>
+              </a:lnSpc>
+              <a:buFont typeface="Arial" panose="020B0604020202020204" pitchFamily="34" charset="0"/>
+              <a:buChar char="•"/>
+            </a:pPr>
+            <a:r>
+              <a:rPr lang="hu-HU" sz="3999" dirty="0" err="1">
+                <a:solidFill>
+                  <a:srgbClr val="000000"/>
+                </a:solidFill>
+                <a:latin typeface="Roboto Light" panose="02000000000000000000" pitchFamily="2" charset="0"/>
+                <a:ea typeface="Roboto Light" panose="02000000000000000000" pitchFamily="2" charset="0"/>
+              </a:rPr>
+              <a:t>Mnesia</a:t>
+            </a:r>
+            <a:r>
+              <a:rPr lang="hu-HU" sz="3999" dirty="0">
+                <a:solidFill>
+                  <a:srgbClr val="000000"/>
+                </a:solidFill>
+                <a:latin typeface="Roboto Light" panose="02000000000000000000" pitchFamily="2" charset="0"/>
+                <a:ea typeface="Roboto Light" panose="02000000000000000000" pitchFamily="2" charset="0"/>
+              </a:rPr>
+              <a:t> alkalmazás kódbázisa</a:t>
+            </a:r>
+            <a:endParaRPr lang="en-US" sz="3999" dirty="0">
+              <a:solidFill>
+                <a:srgbClr val="000000"/>
+              </a:solidFill>
+              <a:latin typeface="Roboto Light" panose="02000000000000000000" pitchFamily="2" charset="0"/>
+              <a:ea typeface="Roboto Light" panose="02000000000000000000" pitchFamily="2" charset="0"/>
+            </a:endParaRPr>
+          </a:p>
+        </p:txBody>
+      </p:sp>
+      <p:pic>
+        <p:nvPicPr>
+          <p:cNvPr id="16" name="Kép 15">
             <a:extLst>
               <a:ext uri="{FF2B5EF4-FFF2-40B4-BE49-F238E27FC236}">
-                <a16:creationId xmlns:a16="http://schemas.microsoft.com/office/drawing/2014/main" id="{4EDCD450-E991-4880-AE61-B3FB156CC9C4}"/>
+                <a16:creationId xmlns:a16="http://schemas.microsoft.com/office/drawing/2014/main" id="{574D51B3-7E01-4373-8090-7CFCAA649F9E}"/>
+              </a:ext>
+            </a:extLst>
+          </p:cNvPr>
+          <p:cNvPicPr>
+            <a:picLocks noChangeAspect="1"/>
+          </p:cNvPicPr>
+          <p:nvPr/>
+        </p:nvPicPr>
+        <p:blipFill>
+          <a:blip r:embed="rId4">
+            <a:extLst>
+              <a:ext uri="{28A0092B-C50C-407E-A947-70E740481C1C}">
+                <a14:useLocalDpi xmlns:a14="http://schemas.microsoft.com/office/drawing/2010/main" val="0"/>
+              </a:ext>
+            </a:extLst>
+          </a:blip>
+          <a:stretch>
+            <a:fillRect/>
+          </a:stretch>
+        </p:blipFill>
+        <p:spPr>
+          <a:xfrm>
+            <a:off x="6736506" y="2561000"/>
+            <a:ext cx="10805301" cy="3915198"/>
+          </a:xfrm>
+          <a:prstGeom prst="rect">
+            <a:avLst/>
+          </a:prstGeom>
+        </p:spPr>
+      </p:pic>
+      <p:sp>
+        <p:nvSpPr>
+          <p:cNvPr id="17" name="TextBox 14">
+            <a:extLst>
+              <a:ext uri="{FF2B5EF4-FFF2-40B4-BE49-F238E27FC236}">
+                <a16:creationId xmlns:a16="http://schemas.microsoft.com/office/drawing/2014/main" id="{C56D059F-E9E8-4D4B-9EDF-7624E83BC3A1}"/>
               </a:ext>
             </a:extLst>
           </p:cNvPr>
@@ -16043,276 +16643,305 @@
         </p:nvSpPr>
         <p:spPr>
           <a:xfrm>
-            <a:off x="3180577" y="2048009"/>
-            <a:ext cx="4237057" cy="707886"/>
+            <a:off x="1381658" y="5426058"/>
+            <a:ext cx="8768039" cy="3539430"/>
           </a:xfrm>
           <a:prstGeom prst="rect">
             <a:avLst/>
           </a:prstGeom>
-          <a:noFill/>
         </p:spPr>
         <p:txBody>
-          <a:bodyPr wrap="none" rtlCol="0">
+          <a:bodyPr wrap="square" lIns="0" tIns="0" rIns="0" bIns="0" rtlCol="0" anchor="t">
             <a:spAutoFit/>
           </a:bodyPr>
           <a:lstStyle/>
           <a:p>
-            <a:r>
-              <a:rPr lang="hu-HU" sz="4000" dirty="0">
+            <a:pPr>
+              <a:lnSpc>
+                <a:spcPts val="5599"/>
+              </a:lnSpc>
+            </a:pPr>
+            <a:r>
+              <a:rPr lang="hu-HU" sz="3999" dirty="0">
+                <a:solidFill>
+                  <a:srgbClr val="000000"/>
+                </a:solidFill>
+                <a:latin typeface="Roboto Medium" panose="02000000000000000000" pitchFamily="2" charset="0"/>
+                <a:ea typeface="Roboto Medium" panose="02000000000000000000" pitchFamily="2" charset="0"/>
+              </a:rPr>
+              <a:t>Lekérdezések</a:t>
+            </a:r>
+          </a:p>
+          <a:p>
+            <a:pPr marL="571500" indent="-571500">
+              <a:lnSpc>
+                <a:spcPts val="5599"/>
+              </a:lnSpc>
+              <a:buFont typeface="Arial" panose="020B0604020202020204" pitchFamily="34" charset="0"/>
+              <a:buChar char="•"/>
+            </a:pPr>
+            <a:r>
+              <a:rPr lang="hu-HU" sz="3999" dirty="0">
                 <a:solidFill>
                   <a:srgbClr val="000000"/>
                 </a:solidFill>
                 <a:latin typeface="Roboto Light" panose="02000000000000000000" pitchFamily="2" charset="0"/>
                 <a:ea typeface="Roboto Light" panose="02000000000000000000" pitchFamily="2" charset="0"/>
               </a:rPr>
-              <a:t>Adatbázis</a:t>
-            </a:r>
-            <a:r>
-              <a:rPr lang="hu-HU" sz="3600" dirty="0">
+              <a:t>13 db lekérdezés</a:t>
+            </a:r>
+          </a:p>
+          <a:p>
+            <a:pPr marL="571500" indent="-571500">
+              <a:lnSpc>
+                <a:spcPts val="5599"/>
+              </a:lnSpc>
+              <a:buFont typeface="Arial" panose="020B0604020202020204" pitchFamily="34" charset="0"/>
+              <a:buChar char="•"/>
+            </a:pPr>
+            <a:r>
+              <a:rPr lang="hu-HU" sz="3999" dirty="0">
                 <a:solidFill>
                   <a:srgbClr val="000000"/>
                 </a:solidFill>
                 <a:latin typeface="Roboto Light" panose="02000000000000000000" pitchFamily="2" charset="0"/>
                 <a:ea typeface="Roboto Light" panose="02000000000000000000" pitchFamily="2" charset="0"/>
               </a:rPr>
-              <a:t>: </a:t>
-            </a:r>
-            <a:r>
-              <a:rPr lang="hu-HU" sz="3600" dirty="0" err="1">
+              <a:t>2 adatbázison:</a:t>
+            </a:r>
+          </a:p>
+          <a:p>
+            <a:pPr marL="1028700" lvl="1" indent="-571500">
+              <a:lnSpc>
+                <a:spcPts val="5599"/>
+              </a:lnSpc>
+              <a:buFontTx/>
+              <a:buChar char="→"/>
+            </a:pPr>
+            <a:r>
+              <a:rPr lang="pt-BR" sz="3999" dirty="0">
                 <a:solidFill>
                   <a:srgbClr val="000000"/>
                 </a:solidFill>
                 <a:latin typeface="Roboto Light" panose="02000000000000000000" pitchFamily="2" charset="0"/>
                 <a:ea typeface="Roboto Light" panose="02000000000000000000" pitchFamily="2" charset="0"/>
               </a:rPr>
-              <a:t>Mnesia</a:t>
-            </a:r>
-            <a:endParaRPr lang="hu-HU" sz="3600" dirty="0">
-              <a:latin typeface="Roboto Light" panose="02000000000000000000" pitchFamily="2" charset="0"/>
-              <a:ea typeface="Roboto Light" panose="02000000000000000000" pitchFamily="2" charset="0"/>
-            </a:endParaRPr>
-          </a:p>
-        </p:txBody>
-      </p:sp>
-      <p:sp>
-        <p:nvSpPr>
-          <p:cNvPr id="20" name="Szövegdoboz 19">
-            <a:extLst>
-              <a:ext uri="{FF2B5EF4-FFF2-40B4-BE49-F238E27FC236}">
-                <a16:creationId xmlns:a16="http://schemas.microsoft.com/office/drawing/2014/main" id="{FA4EC41A-FD5B-4F99-978F-1F70684E880F}"/>
-              </a:ext>
-            </a:extLst>
-          </p:cNvPr>
-          <p:cNvSpPr txBox="1"/>
-          <p:nvPr/>
-        </p:nvSpPr>
-        <p:spPr>
-          <a:xfrm>
-            <a:off x="10770032" y="2048009"/>
-            <a:ext cx="6388287" cy="707886"/>
-          </a:xfrm>
-          <a:prstGeom prst="rect">
-            <a:avLst/>
-          </a:prstGeom>
-          <a:noFill/>
-        </p:spPr>
-        <p:txBody>
-          <a:bodyPr wrap="none" rtlCol="0">
-            <a:spAutoFit/>
-          </a:bodyPr>
-          <a:lstStyle/>
-          <a:p>
-            <a:r>
-              <a:rPr lang="hu-HU" sz="4000" dirty="0">
+              <a:t>94</a:t>
+            </a:r>
+            <a:r>
+              <a:rPr lang="hu-HU" sz="3999" dirty="0">
                 <a:solidFill>
                   <a:srgbClr val="000000"/>
                 </a:solidFill>
                 <a:latin typeface="Roboto Light" panose="02000000000000000000" pitchFamily="2" charset="0"/>
                 <a:ea typeface="Roboto Light" panose="02000000000000000000" pitchFamily="2" charset="0"/>
               </a:rPr>
-              <a:t>Adatbázis</a:t>
-            </a:r>
-            <a:r>
-              <a:rPr lang="hu-HU" sz="3600" dirty="0">
+              <a:t>,</a:t>
+            </a:r>
+            <a:r>
+              <a:rPr lang="pt-BR" sz="3999" dirty="0">
                 <a:solidFill>
                   <a:srgbClr val="000000"/>
                 </a:solidFill>
                 <a:latin typeface="Roboto Light" panose="02000000000000000000" pitchFamily="2" charset="0"/>
                 <a:ea typeface="Roboto Light" panose="02000000000000000000" pitchFamily="2" charset="0"/>
               </a:rPr>
-              <a:t>: </a:t>
-            </a:r>
-            <a:r>
-              <a:rPr lang="hu-HU" sz="3600" dirty="0" err="1">
+              <a:t>515 csúcs</a:t>
+            </a:r>
+            <a:r>
+              <a:rPr lang="en-US" sz="3999" dirty="0">
                 <a:solidFill>
                   <a:srgbClr val="000000"/>
                 </a:solidFill>
                 <a:latin typeface="Roboto Light" panose="02000000000000000000" pitchFamily="2" charset="0"/>
                 <a:ea typeface="Roboto Light" panose="02000000000000000000" pitchFamily="2" charset="0"/>
               </a:rPr>
-              <a:t>Mnesia</a:t>
-            </a:r>
-            <a:r>
-              <a:rPr lang="hu-HU" sz="3600" dirty="0">
+              <a:t> </a:t>
+            </a:r>
+            <a:r>
+              <a:rPr lang="en-US" sz="3999" dirty="0" err="1">
                 <a:solidFill>
                   <a:srgbClr val="000000"/>
                 </a:solidFill>
                 <a:latin typeface="Roboto Light" panose="02000000000000000000" pitchFamily="2" charset="0"/>
                 <a:ea typeface="Roboto Light" panose="02000000000000000000" pitchFamily="2" charset="0"/>
               </a:rPr>
-              <a:t>, SSH, </a:t>
-            </a:r>
-            <a:r>
-              <a:rPr lang="hu-HU" sz="3600" dirty="0" err="1">
+              <a:t>és</a:t>
+            </a:r>
+            <a:r>
+              <a:rPr lang="pt-BR" sz="3999" dirty="0">
                 <a:solidFill>
                   <a:srgbClr val="000000"/>
                 </a:solidFill>
                 <a:latin typeface="Roboto Light" panose="02000000000000000000" pitchFamily="2" charset="0"/>
                 <a:ea typeface="Roboto Light" panose="02000000000000000000" pitchFamily="2" charset="0"/>
               </a:rPr>
-              <a:t>Edoc</a:t>
-            </a:r>
-            <a:endParaRPr lang="hu-HU" sz="3600" dirty="0">
+              <a:t> 890</a:t>
+            </a:r>
+            <a:r>
+              <a:rPr lang="hu-HU" sz="3999" dirty="0">
+                <a:solidFill>
+                  <a:srgbClr val="000000"/>
+                </a:solidFill>
+                <a:latin typeface="Roboto Light" panose="02000000000000000000" pitchFamily="2" charset="0"/>
+                <a:ea typeface="Roboto Light" panose="02000000000000000000" pitchFamily="2" charset="0"/>
+              </a:rPr>
+              <a:t>,</a:t>
+            </a:r>
+            <a:r>
+              <a:rPr lang="pt-BR" sz="3999" dirty="0">
+                <a:solidFill>
+                  <a:srgbClr val="000000"/>
+                </a:solidFill>
+                <a:latin typeface="Roboto Light" panose="02000000000000000000" pitchFamily="2" charset="0"/>
+                <a:ea typeface="Roboto Light" panose="02000000000000000000" pitchFamily="2" charset="0"/>
+              </a:rPr>
+              <a:t>089 é</a:t>
+            </a:r>
+            <a:r>
+              <a:rPr lang="hu-HU" sz="3999" dirty="0">
+                <a:solidFill>
+                  <a:srgbClr val="000000"/>
+                </a:solidFill>
+                <a:latin typeface="Roboto Light" panose="02000000000000000000" pitchFamily="2" charset="0"/>
+                <a:ea typeface="Roboto Light" panose="02000000000000000000" pitchFamily="2" charset="0"/>
+              </a:rPr>
+              <a:t>l</a:t>
+            </a:r>
+            <a:endParaRPr lang="en-US" sz="3999" dirty="0">
+              <a:solidFill>
+                <a:srgbClr val="000000"/>
+              </a:solidFill>
               <a:latin typeface="Roboto Light" panose="02000000000000000000" pitchFamily="2" charset="0"/>
               <a:ea typeface="Roboto Light" panose="02000000000000000000" pitchFamily="2" charset="0"/>
             </a:endParaRPr>
           </a:p>
+          <a:p>
+            <a:pPr marL="1028700" lvl="1" indent="-571500">
+              <a:lnSpc>
+                <a:spcPts val="5599"/>
+              </a:lnSpc>
+              <a:buFontTx/>
+              <a:buChar char="→"/>
+            </a:pPr>
+            <a:r>
+              <a:rPr lang="hu-HU" sz="3999" dirty="0">
+                <a:solidFill>
+                  <a:srgbClr val="000000"/>
+                </a:solidFill>
+                <a:latin typeface="Roboto Light" panose="02000000000000000000" pitchFamily="2" charset="0"/>
+                <a:ea typeface="Roboto Light" panose="02000000000000000000" pitchFamily="2" charset="0"/>
+              </a:rPr>
+              <a:t>9</a:t>
+            </a:r>
+            <a:r>
+              <a:rPr lang="es-ES" sz="3999" dirty="0">
+                <a:solidFill>
+                  <a:srgbClr val="000000"/>
+                </a:solidFill>
+                <a:latin typeface="Roboto Light" panose="02000000000000000000" pitchFamily="2" charset="0"/>
+                <a:ea typeface="Roboto Light" panose="02000000000000000000" pitchFamily="2" charset="0"/>
+              </a:rPr>
+              <a:t>57,163 csúcs</a:t>
+            </a:r>
+            <a:r>
+              <a:rPr lang="en-US" sz="3999" dirty="0">
+                <a:solidFill>
+                  <a:srgbClr val="000000"/>
+                </a:solidFill>
+                <a:latin typeface="Roboto Light" panose="02000000000000000000" pitchFamily="2" charset="0"/>
+                <a:ea typeface="Roboto Light" panose="02000000000000000000" pitchFamily="2" charset="0"/>
+              </a:rPr>
+              <a:t> </a:t>
+            </a:r>
+            <a:r>
+              <a:rPr lang="en-US" sz="3999" dirty="0" err="1">
+                <a:solidFill>
+                  <a:srgbClr val="000000"/>
+                </a:solidFill>
+                <a:latin typeface="Roboto Light" panose="02000000000000000000" pitchFamily="2" charset="0"/>
+                <a:ea typeface="Roboto Light" panose="02000000000000000000" pitchFamily="2" charset="0"/>
+              </a:rPr>
+              <a:t>és</a:t>
+            </a:r>
+            <a:r>
+              <a:rPr lang="es-ES" sz="3999" dirty="0">
+                <a:solidFill>
+                  <a:srgbClr val="000000"/>
+                </a:solidFill>
+                <a:latin typeface="Roboto Light" panose="02000000000000000000" pitchFamily="2" charset="0"/>
+                <a:ea typeface="Roboto Light" panose="02000000000000000000" pitchFamily="2" charset="0"/>
+              </a:rPr>
+              <a:t> 2,110,396 él</a:t>
+            </a:r>
+            <a:endParaRPr lang="en-US" sz="3999" dirty="0">
+              <a:solidFill>
+                <a:srgbClr val="000000"/>
+              </a:solidFill>
+              <a:latin typeface="Roboto Light" panose="02000000000000000000" pitchFamily="2" charset="0"/>
+              <a:ea typeface="Roboto Light" panose="02000000000000000000" pitchFamily="2" charset="0"/>
+            </a:endParaRPr>
+          </a:p>
         </p:txBody>
       </p:sp>
-      <p:graphicFrame>
-        <p:nvGraphicFramePr>
-          <p:cNvPr id="21" name="Diagram 20">
+      <p:sp>
+        <p:nvSpPr>
+          <p:cNvPr id="18" name="Téglalap: lekerekített 17">
             <a:extLst>
               <a:ext uri="{FF2B5EF4-FFF2-40B4-BE49-F238E27FC236}">
-                <a16:creationId xmlns:a16="http://schemas.microsoft.com/office/drawing/2014/main" id="{7B34D913-EA12-4F1B-9C3D-DE82C5E2A2D8}"/>
+                <a16:creationId xmlns:a16="http://schemas.microsoft.com/office/drawing/2014/main" id="{74E6F5E2-F06C-470B-BF16-7C37F391EF6B}"/>
               </a:ext>
             </a:extLst>
           </p:cNvPr>
-          <p:cNvGraphicFramePr>
-            <a:graphicFrameLocks/>
-          </p:cNvGraphicFramePr>
-          <p:nvPr/>
-        </p:nvGraphicFramePr>
-        <p:xfrm>
-          <a:off x="482319" y="3147808"/>
-          <a:ext cx="8227446" cy="6883404"/>
-        </p:xfrm>
-        <a:graphic>
-          <a:graphicData uri="http://schemas.openxmlformats.org/drawingml/2006/chart">
-            <c:chart xmlns:c="http://schemas.openxmlformats.org/drawingml/2006/chart" xmlns:r="http://schemas.openxmlformats.org/officeDocument/2006/relationships" r:id="rId4"/>
-          </a:graphicData>
-        </a:graphic>
-      </p:graphicFrame>
-      <p:graphicFrame>
-        <p:nvGraphicFramePr>
-          <p:cNvPr id="22" name="Diagram 21">
-            <a:extLst>
-              <a:ext uri="{FF2B5EF4-FFF2-40B4-BE49-F238E27FC236}">
-                <a16:creationId xmlns:a16="http://schemas.microsoft.com/office/drawing/2014/main" id="{361B6CDD-DC82-4176-9E32-F2F4AB37C15C}"/>
-              </a:ext>
-            </a:extLst>
-          </p:cNvPr>
-          <p:cNvGraphicFramePr>
-            <a:graphicFrameLocks/>
-          </p:cNvGraphicFramePr>
-          <p:nvPr>
-            <p:extLst>
-              <p:ext uri="{D42A27DB-BD31-4B8C-83A1-F6EECF244321}">
-                <p14:modId xmlns:p14="http://schemas.microsoft.com/office/powerpoint/2010/main" val="2392701262"/>
-              </p:ext>
-            </p:extLst>
-          </p:nvPr>
-        </p:nvGraphicFramePr>
-        <p:xfrm>
-          <a:off x="9578237" y="3147808"/>
-          <a:ext cx="8227446" cy="6883404"/>
-        </p:xfrm>
-        <a:graphic>
-          <a:graphicData uri="http://schemas.openxmlformats.org/drawingml/2006/chart">
-            <c:chart xmlns:c="http://schemas.openxmlformats.org/drawingml/2006/chart" xmlns:r="http://schemas.openxmlformats.org/officeDocument/2006/relationships" r:id="rId5"/>
-          </a:graphicData>
-        </a:graphic>
-      </p:graphicFrame>
-      <p:sp>
-        <p:nvSpPr>
-          <p:cNvPr id="14" name="Szövegdoboz 13">
-            <a:extLst>
-              <a:ext uri="{FF2B5EF4-FFF2-40B4-BE49-F238E27FC236}">
-                <a16:creationId xmlns:a16="http://schemas.microsoft.com/office/drawing/2014/main" id="{95D9D29B-75F2-432A-A5B7-B549D57EB016}"/>
-              </a:ext>
-            </a:extLst>
-          </p:cNvPr>
-          <p:cNvSpPr txBox="1"/>
+          <p:cNvSpPr/>
           <p:nvPr/>
         </p:nvSpPr>
         <p:spPr>
           <a:xfrm>
-            <a:off x="11174430" y="2978531"/>
-            <a:ext cx="678391" cy="338554"/>
+            <a:off x="16230600" y="5753100"/>
+            <a:ext cx="1171350" cy="483352"/>
           </a:xfrm>
-          <a:prstGeom prst="rect">
+          <a:prstGeom prst="roundRect">
             <a:avLst/>
           </a:prstGeom>
           <a:noFill/>
+          <a:ln>
+            <a:solidFill>
+              <a:schemeClr val="accent3">
+                <a:lumMod val="75000"/>
+              </a:schemeClr>
+            </a:solidFill>
+          </a:ln>
         </p:spPr>
+        <p:style>
+          <a:lnRef idx="2">
+            <a:schemeClr val="accent1">
+              <a:shade val="50000"/>
+            </a:schemeClr>
+          </a:lnRef>
+          <a:fillRef idx="1">
+            <a:schemeClr val="accent1"/>
+          </a:fillRef>
+          <a:effectRef idx="0">
+            <a:schemeClr val="accent1"/>
+          </a:effectRef>
+          <a:fontRef idx="minor">
+            <a:schemeClr val="lt1"/>
+          </a:fontRef>
+        </p:style>
         <p:txBody>
-          <a:bodyPr wrap="none" rtlCol="0">
-            <a:spAutoFit/>
-          </a:bodyPr>
+          <a:bodyPr rtlCol="0" anchor="ctr"/>
           <a:lstStyle/>
           <a:p>
-            <a:r>
-              <a:rPr lang="en-US" sz="1600" dirty="0">
-                <a:latin typeface="Roboto Light" panose="02000000000000000000" pitchFamily="2" charset="0"/>
-                <a:ea typeface="Roboto Light" panose="02000000000000000000" pitchFamily="2" charset="0"/>
-              </a:rPr>
-              <a:t>291%</a:t>
-            </a:r>
-          </a:p>
-        </p:txBody>
-      </p:sp>
-      <p:sp>
-        <p:nvSpPr>
-          <p:cNvPr id="23" name="Szövegdoboz 22">
-            <a:extLst>
-              <a:ext uri="{FF2B5EF4-FFF2-40B4-BE49-F238E27FC236}">
-                <a16:creationId xmlns:a16="http://schemas.microsoft.com/office/drawing/2014/main" id="{B2E433BC-BE4B-41DE-B2E2-8B58A3C4A15B}"/>
-              </a:ext>
-            </a:extLst>
-          </p:cNvPr>
-          <p:cNvSpPr txBox="1"/>
-          <p:nvPr/>
-        </p:nvSpPr>
-        <p:spPr>
-          <a:xfrm>
-            <a:off x="12884194" y="2978531"/>
-            <a:ext cx="678391" cy="338554"/>
-          </a:xfrm>
-          <a:prstGeom prst="rect">
-            <a:avLst/>
-          </a:prstGeom>
-          <a:noFill/>
-        </p:spPr>
-        <p:txBody>
-          <a:bodyPr wrap="none" rtlCol="0">
-            <a:spAutoFit/>
-          </a:bodyPr>
-          <a:lstStyle/>
-          <a:p>
-            <a:r>
-              <a:rPr lang="en-US" sz="1600" dirty="0">
-                <a:latin typeface="Roboto Light" panose="02000000000000000000" pitchFamily="2" charset="0"/>
-                <a:ea typeface="Roboto Light" panose="02000000000000000000" pitchFamily="2" charset="0"/>
-              </a:rPr>
-              <a:t>240%</a:t>
-            </a:r>
+            <a:pPr algn="ctr"/>
+            <a:endParaRPr lang="hu-HU"/>
           </a:p>
         </p:txBody>
       </p:sp>
     </p:spTree>
     <p:extLst>
       <p:ext uri="{BB962C8B-B14F-4D97-AF65-F5344CB8AC3E}">
-        <p14:creationId xmlns:p14="http://schemas.microsoft.com/office/powerpoint/2010/main" val="360428399"/>
+        <p14:creationId xmlns:p14="http://schemas.microsoft.com/office/powerpoint/2010/main" val="1069095919"/>
       </p:ext>
     </p:extLst>
   </p:cSld>
@@ -16347,7 +16976,7 @@
         </p:nvGrpSpPr>
         <p:grpSpPr>
           <a:xfrm>
-            <a:off x="-152400" y="-987552"/>
+            <a:off x="-18143" y="328784"/>
             <a:ext cx="18288000" cy="12262103"/>
             <a:chOff x="0" y="0"/>
             <a:chExt cx="24384000" cy="16349470"/>
@@ -16843,7 +17472,7 @@
                 <a:latin typeface="Roboto Medium" panose="02000000000000000000" pitchFamily="2" charset="0"/>
                 <a:ea typeface="Roboto Medium" panose="02000000000000000000" pitchFamily="2" charset="0"/>
               </a:rPr>
-              <a:t>Helyesség</a:t>
+              <a:t>Eredmények</a:t>
             </a:r>
             <a:r>
               <a:rPr lang="en-US" sz="8000" dirty="0">
@@ -16863,7 +17492,7 @@
                 <a:latin typeface="Roboto Medium" panose="02000000000000000000" pitchFamily="2" charset="0"/>
                 <a:ea typeface="Roboto Medium" panose="02000000000000000000" pitchFamily="2" charset="0"/>
               </a:rPr>
-              <a:t>vizsgálata</a:t>
+              <a:t>kiértékelése</a:t>
             </a:r>
             <a:endParaRPr lang="en-US" sz="8000" dirty="0">
               <a:solidFill>
@@ -16877,203 +17506,10 @@
       </p:sp>
       <p:sp>
         <p:nvSpPr>
-          <p:cNvPr id="14" name="TextBox 14"/>
-          <p:cNvSpPr txBox="1"/>
-          <p:nvPr/>
-        </p:nvSpPr>
-        <p:spPr>
-          <a:xfrm>
-            <a:off x="1381659" y="3974086"/>
-            <a:ext cx="7076542" cy="2821285"/>
-          </a:xfrm>
-          <a:prstGeom prst="rect">
-            <a:avLst/>
-          </a:prstGeom>
-        </p:spPr>
-        <p:txBody>
-          <a:bodyPr wrap="square" lIns="0" tIns="0" rIns="0" bIns="0" rtlCol="0" anchor="t">
-            <a:spAutoFit/>
-          </a:bodyPr>
-          <a:lstStyle/>
-          <a:p>
-            <a:pPr>
-              <a:lnSpc>
-                <a:spcPts val="5599"/>
-              </a:lnSpc>
-            </a:pPr>
-            <a:r>
-              <a:rPr lang="hu-HU" sz="3999" dirty="0">
-                <a:solidFill>
-                  <a:srgbClr val="000000"/>
-                </a:solidFill>
-                <a:latin typeface="Roboto Light" panose="02000000000000000000" pitchFamily="2" charset="0"/>
-                <a:ea typeface="Roboto Light" panose="02000000000000000000" pitchFamily="2" charset="0"/>
-              </a:rPr>
-              <a:t>3 db </a:t>
-            </a:r>
-            <a:r>
-              <a:rPr lang="en-US" sz="3999" dirty="0" err="1">
-                <a:solidFill>
-                  <a:srgbClr val="000000"/>
-                </a:solidFill>
-                <a:latin typeface="Roboto Light" panose="02000000000000000000" pitchFamily="2" charset="0"/>
-                <a:ea typeface="Roboto Light" panose="02000000000000000000" pitchFamily="2" charset="0"/>
-              </a:rPr>
-              <a:t>RefactorErl</a:t>
-            </a:r>
-            <a:r>
-              <a:rPr lang="hu-HU" sz="3999" dirty="0">
-                <a:solidFill>
-                  <a:srgbClr val="000000"/>
-                </a:solidFill>
-                <a:latin typeface="Roboto Light" panose="02000000000000000000" pitchFamily="2" charset="0"/>
-                <a:ea typeface="Roboto Light" panose="02000000000000000000" pitchFamily="2" charset="0"/>
-              </a:rPr>
-              <a:t> példány:</a:t>
-            </a:r>
-          </a:p>
-          <a:p>
-            <a:pPr marL="1028700" lvl="1" indent="-571500">
-              <a:lnSpc>
-                <a:spcPts val="5599"/>
-              </a:lnSpc>
-              <a:buFont typeface="Arial" panose="020B0604020202020204" pitchFamily="34" charset="0"/>
-              <a:buChar char="•"/>
-            </a:pPr>
-            <a:r>
-              <a:rPr lang="hu-HU" sz="3999" dirty="0" err="1">
-                <a:solidFill>
-                  <a:srgbClr val="000000"/>
-                </a:solidFill>
-                <a:latin typeface="Roboto Light" panose="02000000000000000000" pitchFamily="2" charset="0"/>
-                <a:ea typeface="Roboto Light" panose="02000000000000000000" pitchFamily="2" charset="0"/>
-              </a:rPr>
-              <a:t>Mnesia</a:t>
-            </a:r>
-            <a:r>
-              <a:rPr lang="en-US" sz="3999" dirty="0">
-                <a:solidFill>
-                  <a:srgbClr val="000000"/>
-                </a:solidFill>
-                <a:latin typeface="Roboto Light" panose="02000000000000000000" pitchFamily="2" charset="0"/>
-                <a:ea typeface="Roboto Light" panose="02000000000000000000" pitchFamily="2" charset="0"/>
-              </a:rPr>
-              <a:t> DB</a:t>
-            </a:r>
-            <a:endParaRPr lang="hu-HU" sz="3999" dirty="0">
-              <a:solidFill>
-                <a:srgbClr val="000000"/>
-              </a:solidFill>
-              <a:latin typeface="Roboto Light" panose="02000000000000000000" pitchFamily="2" charset="0"/>
-              <a:ea typeface="Roboto Light" panose="02000000000000000000" pitchFamily="2" charset="0"/>
-            </a:endParaRPr>
-          </a:p>
-          <a:p>
-            <a:pPr marL="1028700" lvl="1" indent="-571500">
-              <a:lnSpc>
-                <a:spcPts val="5599"/>
-              </a:lnSpc>
-              <a:buFont typeface="Arial" panose="020B0604020202020204" pitchFamily="34" charset="0"/>
-              <a:buChar char="•"/>
-            </a:pPr>
-            <a:r>
-              <a:rPr lang="hu-HU" sz="3999" dirty="0">
-                <a:solidFill>
-                  <a:srgbClr val="000000"/>
-                </a:solidFill>
-                <a:latin typeface="Roboto Light" panose="02000000000000000000" pitchFamily="2" charset="0"/>
-                <a:ea typeface="Roboto Light" panose="02000000000000000000" pitchFamily="2" charset="0"/>
-              </a:rPr>
-              <a:t>Map</a:t>
-            </a:r>
-            <a:r>
-              <a:rPr lang="en-US" sz="3999" dirty="0">
-                <a:solidFill>
-                  <a:srgbClr val="000000"/>
-                </a:solidFill>
-                <a:latin typeface="Roboto Light" panose="02000000000000000000" pitchFamily="2" charset="0"/>
-                <a:ea typeface="Roboto Light" panose="02000000000000000000" pitchFamily="2" charset="0"/>
-              </a:rPr>
-              <a:t> DB</a:t>
-            </a:r>
-            <a:endParaRPr lang="hu-HU" sz="3999" dirty="0">
-              <a:solidFill>
-                <a:srgbClr val="000000"/>
-              </a:solidFill>
-              <a:latin typeface="Roboto Light" panose="02000000000000000000" pitchFamily="2" charset="0"/>
-              <a:ea typeface="Roboto Light" panose="02000000000000000000" pitchFamily="2" charset="0"/>
-            </a:endParaRPr>
-          </a:p>
-          <a:p>
-            <a:pPr marL="1028700" lvl="1" indent="-571500">
-              <a:lnSpc>
-                <a:spcPts val="5599"/>
-              </a:lnSpc>
-              <a:buFont typeface="Arial" panose="020B0604020202020204" pitchFamily="34" charset="0"/>
-              <a:buChar char="•"/>
-            </a:pPr>
-            <a:r>
-              <a:rPr lang="hu-HU" sz="3999" dirty="0">
-                <a:solidFill>
-                  <a:srgbClr val="000000"/>
-                </a:solidFill>
-                <a:latin typeface="Roboto Light" panose="02000000000000000000" pitchFamily="2" charset="0"/>
-                <a:ea typeface="Roboto Light" panose="02000000000000000000" pitchFamily="2" charset="0"/>
-              </a:rPr>
-              <a:t>Teszt</a:t>
-            </a:r>
-            <a:endParaRPr lang="en-US" sz="3999" dirty="0">
-              <a:solidFill>
-                <a:srgbClr val="000000"/>
-              </a:solidFill>
-              <a:latin typeface="Roboto Light" panose="02000000000000000000" pitchFamily="2" charset="0"/>
-              <a:ea typeface="Roboto Light" panose="02000000000000000000" pitchFamily="2" charset="0"/>
-            </a:endParaRPr>
-          </a:p>
-        </p:txBody>
-      </p:sp>
-      <p:pic>
-        <p:nvPicPr>
-          <p:cNvPr id="16" name="Kép 15">
-            <a:extLst>
-              <a:ext uri="{FF2B5EF4-FFF2-40B4-BE49-F238E27FC236}">
-                <a16:creationId xmlns:a16="http://schemas.microsoft.com/office/drawing/2014/main" id="{81937759-E602-41F4-A80A-14CFCD5AB0EE}"/>
-              </a:ext>
-            </a:extLst>
-          </p:cNvPr>
-          <p:cNvPicPr>
-            <a:picLocks noChangeAspect="1"/>
-          </p:cNvPicPr>
-          <p:nvPr/>
-        </p:nvPicPr>
-        <p:blipFill>
-          <a:blip r:embed="rId4">
-            <a:extLst>
-              <a:ext uri="{28A0092B-C50C-407E-A947-70E740481C1C}">
-                <a14:useLocalDpi xmlns:a14="http://schemas.microsoft.com/office/drawing/2010/main" val="0"/>
-              </a:ext>
-            </a:extLst>
-          </a:blip>
-          <a:stretch>
-            <a:fillRect/>
-          </a:stretch>
-        </p:blipFill>
-        <p:spPr>
-          <a:xfrm>
-            <a:off x="8775638" y="2688091"/>
-            <a:ext cx="8130703" cy="6148844"/>
-          </a:xfrm>
-          <a:prstGeom prst="rect">
-            <a:avLst/>
-          </a:prstGeom>
-        </p:spPr>
-      </p:pic>
-      <p:sp>
-        <p:nvSpPr>
           <p:cNvPr id="15" name="Szövegdoboz 14">
             <a:extLst>
               <a:ext uri="{FF2B5EF4-FFF2-40B4-BE49-F238E27FC236}">
-                <a16:creationId xmlns:a16="http://schemas.microsoft.com/office/drawing/2014/main" id="{01F98474-DDC4-4692-B4B1-A9178FF94A59}"/>
+                <a16:creationId xmlns:a16="http://schemas.microsoft.com/office/drawing/2014/main" id="{4EDCD450-E991-4880-AE61-B3FB156CC9C4}"/>
               </a:ext>
             </a:extLst>
           </p:cNvPr>
@@ -17082,8 +17518,8 @@
         </p:nvSpPr>
         <p:spPr>
           <a:xfrm>
-            <a:off x="3834269" y="6599868"/>
-            <a:ext cx="990600" cy="369332"/>
+            <a:off x="3180577" y="2048009"/>
+            <a:ext cx="4237057" cy="707886"/>
           </a:xfrm>
           <a:prstGeom prst="rect">
             <a:avLst/>
@@ -17091,31 +17527,267 @@
           <a:noFill/>
         </p:spPr>
         <p:txBody>
-          <a:bodyPr wrap="square" rtlCol="0">
+          <a:bodyPr wrap="none" rtlCol="0">
             <a:spAutoFit/>
           </a:bodyPr>
           <a:lstStyle/>
           <a:p>
-            <a:pPr marL="285750" indent="-285750">
-              <a:buClr>
-                <a:srgbClr val="00B050"/>
-              </a:buClr>
-              <a:buSzPct val="400000"/>
-              <a:buFont typeface="Wingdings" panose="05000000000000000000" pitchFamily="2" charset="2"/>
-              <a:buChar char="ü"/>
-            </a:pPr>
-            <a:r>
-              <a:rPr lang="en-US" dirty="0"/>
-              <a:t> </a:t>
-            </a:r>
-            <a:endParaRPr lang="hu-HU" dirty="0"/>
+            <a:r>
+              <a:rPr lang="hu-HU" sz="4000" dirty="0">
+                <a:solidFill>
+                  <a:srgbClr val="000000"/>
+                </a:solidFill>
+                <a:latin typeface="Roboto Light" panose="02000000000000000000" pitchFamily="2" charset="0"/>
+                <a:ea typeface="Roboto Light" panose="02000000000000000000" pitchFamily="2" charset="0"/>
+              </a:rPr>
+              <a:t>Adatbázis</a:t>
+            </a:r>
+            <a:r>
+              <a:rPr lang="hu-HU" sz="3600" dirty="0">
+                <a:solidFill>
+                  <a:srgbClr val="000000"/>
+                </a:solidFill>
+                <a:latin typeface="Roboto Light" panose="02000000000000000000" pitchFamily="2" charset="0"/>
+                <a:ea typeface="Roboto Light" panose="02000000000000000000" pitchFamily="2" charset="0"/>
+              </a:rPr>
+              <a:t>: </a:t>
+            </a:r>
+            <a:r>
+              <a:rPr lang="hu-HU" sz="3600" dirty="0" err="1">
+                <a:solidFill>
+                  <a:srgbClr val="000000"/>
+                </a:solidFill>
+                <a:latin typeface="Roboto Light" panose="02000000000000000000" pitchFamily="2" charset="0"/>
+                <a:ea typeface="Roboto Light" panose="02000000000000000000" pitchFamily="2" charset="0"/>
+              </a:rPr>
+              <a:t>Mnesia</a:t>
+            </a:r>
+            <a:endParaRPr lang="hu-HU" sz="3600" dirty="0">
+              <a:latin typeface="Roboto Light" panose="02000000000000000000" pitchFamily="2" charset="0"/>
+              <a:ea typeface="Roboto Light" panose="02000000000000000000" pitchFamily="2" charset="0"/>
+            </a:endParaRPr>
+          </a:p>
+        </p:txBody>
+      </p:sp>
+      <p:sp>
+        <p:nvSpPr>
+          <p:cNvPr id="20" name="Szövegdoboz 19">
+            <a:extLst>
+              <a:ext uri="{FF2B5EF4-FFF2-40B4-BE49-F238E27FC236}">
+                <a16:creationId xmlns:a16="http://schemas.microsoft.com/office/drawing/2014/main" id="{FA4EC41A-FD5B-4F99-978F-1F70684E880F}"/>
+              </a:ext>
+            </a:extLst>
+          </p:cNvPr>
+          <p:cNvSpPr txBox="1"/>
+          <p:nvPr/>
+        </p:nvSpPr>
+        <p:spPr>
+          <a:xfrm>
+            <a:off x="10770032" y="2048009"/>
+            <a:ext cx="6388287" cy="707886"/>
+          </a:xfrm>
+          <a:prstGeom prst="rect">
+            <a:avLst/>
+          </a:prstGeom>
+          <a:noFill/>
+        </p:spPr>
+        <p:txBody>
+          <a:bodyPr wrap="none" rtlCol="0">
+            <a:spAutoFit/>
+          </a:bodyPr>
+          <a:lstStyle/>
+          <a:p>
+            <a:r>
+              <a:rPr lang="hu-HU" sz="4000" dirty="0">
+                <a:solidFill>
+                  <a:srgbClr val="000000"/>
+                </a:solidFill>
+                <a:latin typeface="Roboto Light" panose="02000000000000000000" pitchFamily="2" charset="0"/>
+                <a:ea typeface="Roboto Light" panose="02000000000000000000" pitchFamily="2" charset="0"/>
+              </a:rPr>
+              <a:t>Adatbázis</a:t>
+            </a:r>
+            <a:r>
+              <a:rPr lang="hu-HU" sz="3600" dirty="0">
+                <a:solidFill>
+                  <a:srgbClr val="000000"/>
+                </a:solidFill>
+                <a:latin typeface="Roboto Light" panose="02000000000000000000" pitchFamily="2" charset="0"/>
+                <a:ea typeface="Roboto Light" panose="02000000000000000000" pitchFamily="2" charset="0"/>
+              </a:rPr>
+              <a:t>: </a:t>
+            </a:r>
+            <a:r>
+              <a:rPr lang="hu-HU" sz="3600" dirty="0" err="1">
+                <a:solidFill>
+                  <a:srgbClr val="000000"/>
+                </a:solidFill>
+                <a:latin typeface="Roboto Light" panose="02000000000000000000" pitchFamily="2" charset="0"/>
+                <a:ea typeface="Roboto Light" panose="02000000000000000000" pitchFamily="2" charset="0"/>
+              </a:rPr>
+              <a:t>Mnesia</a:t>
+            </a:r>
+            <a:r>
+              <a:rPr lang="hu-HU" sz="3600" dirty="0">
+                <a:solidFill>
+                  <a:srgbClr val="000000"/>
+                </a:solidFill>
+                <a:latin typeface="Roboto Light" panose="02000000000000000000" pitchFamily="2" charset="0"/>
+                <a:ea typeface="Roboto Light" panose="02000000000000000000" pitchFamily="2" charset="0"/>
+              </a:rPr>
+              <a:t>, SSH, </a:t>
+            </a:r>
+            <a:r>
+              <a:rPr lang="hu-HU" sz="3600" dirty="0" err="1">
+                <a:solidFill>
+                  <a:srgbClr val="000000"/>
+                </a:solidFill>
+                <a:latin typeface="Roboto Light" panose="02000000000000000000" pitchFamily="2" charset="0"/>
+                <a:ea typeface="Roboto Light" panose="02000000000000000000" pitchFamily="2" charset="0"/>
+              </a:rPr>
+              <a:t>Edoc</a:t>
+            </a:r>
+            <a:endParaRPr lang="hu-HU" sz="3600" dirty="0">
+              <a:latin typeface="Roboto Light" panose="02000000000000000000" pitchFamily="2" charset="0"/>
+              <a:ea typeface="Roboto Light" panose="02000000000000000000" pitchFamily="2" charset="0"/>
+            </a:endParaRPr>
+          </a:p>
+        </p:txBody>
+      </p:sp>
+      <p:graphicFrame>
+        <p:nvGraphicFramePr>
+          <p:cNvPr id="21" name="Diagram 20">
+            <a:extLst>
+              <a:ext uri="{FF2B5EF4-FFF2-40B4-BE49-F238E27FC236}">
+                <a16:creationId xmlns:a16="http://schemas.microsoft.com/office/drawing/2014/main" id="{7B34D913-EA12-4F1B-9C3D-DE82C5E2A2D8}"/>
+              </a:ext>
+            </a:extLst>
+          </p:cNvPr>
+          <p:cNvGraphicFramePr>
+            <a:graphicFrameLocks/>
+          </p:cNvGraphicFramePr>
+          <p:nvPr/>
+        </p:nvGraphicFramePr>
+        <p:xfrm>
+          <a:off x="482319" y="3147808"/>
+          <a:ext cx="8227446" cy="6883404"/>
+        </p:xfrm>
+        <a:graphic>
+          <a:graphicData uri="http://schemas.openxmlformats.org/drawingml/2006/chart">
+            <c:chart xmlns:c="http://schemas.openxmlformats.org/drawingml/2006/chart" xmlns:r="http://schemas.openxmlformats.org/officeDocument/2006/relationships" r:id="rId4"/>
+          </a:graphicData>
+        </a:graphic>
+      </p:graphicFrame>
+      <p:graphicFrame>
+        <p:nvGraphicFramePr>
+          <p:cNvPr id="22" name="Diagram 21">
+            <a:extLst>
+              <a:ext uri="{FF2B5EF4-FFF2-40B4-BE49-F238E27FC236}">
+                <a16:creationId xmlns:a16="http://schemas.microsoft.com/office/drawing/2014/main" id="{361B6CDD-DC82-4176-9E32-F2F4AB37C15C}"/>
+              </a:ext>
+            </a:extLst>
+          </p:cNvPr>
+          <p:cNvGraphicFramePr>
+            <a:graphicFrameLocks/>
+          </p:cNvGraphicFramePr>
+          <p:nvPr>
+            <p:extLst>
+              <p:ext uri="{D42A27DB-BD31-4B8C-83A1-F6EECF244321}">
+                <p14:modId xmlns:p14="http://schemas.microsoft.com/office/powerpoint/2010/main" val="2392701262"/>
+              </p:ext>
+            </p:extLst>
+          </p:nvPr>
+        </p:nvGraphicFramePr>
+        <p:xfrm>
+          <a:off x="9578237" y="3147808"/>
+          <a:ext cx="8227446" cy="6883404"/>
+        </p:xfrm>
+        <a:graphic>
+          <a:graphicData uri="http://schemas.openxmlformats.org/drawingml/2006/chart">
+            <c:chart xmlns:c="http://schemas.openxmlformats.org/drawingml/2006/chart" xmlns:r="http://schemas.openxmlformats.org/officeDocument/2006/relationships" r:id="rId5"/>
+          </a:graphicData>
+        </a:graphic>
+      </p:graphicFrame>
+      <p:sp>
+        <p:nvSpPr>
+          <p:cNvPr id="14" name="Szövegdoboz 13">
+            <a:extLst>
+              <a:ext uri="{FF2B5EF4-FFF2-40B4-BE49-F238E27FC236}">
+                <a16:creationId xmlns:a16="http://schemas.microsoft.com/office/drawing/2014/main" id="{95D9D29B-75F2-432A-A5B7-B549D57EB016}"/>
+              </a:ext>
+            </a:extLst>
+          </p:cNvPr>
+          <p:cNvSpPr txBox="1"/>
+          <p:nvPr/>
+        </p:nvSpPr>
+        <p:spPr>
+          <a:xfrm>
+            <a:off x="11174430" y="2978531"/>
+            <a:ext cx="678391" cy="338554"/>
+          </a:xfrm>
+          <a:prstGeom prst="rect">
+            <a:avLst/>
+          </a:prstGeom>
+          <a:noFill/>
+        </p:spPr>
+        <p:txBody>
+          <a:bodyPr wrap="none" rtlCol="0">
+            <a:spAutoFit/>
+          </a:bodyPr>
+          <a:lstStyle/>
+          <a:p>
+            <a:r>
+              <a:rPr lang="en-US" sz="1600" dirty="0">
+                <a:latin typeface="Roboto Light" panose="02000000000000000000" pitchFamily="2" charset="0"/>
+                <a:ea typeface="Roboto Light" panose="02000000000000000000" pitchFamily="2" charset="0"/>
+              </a:rPr>
+              <a:t>291%</a:t>
+            </a:r>
+          </a:p>
+        </p:txBody>
+      </p:sp>
+      <p:sp>
+        <p:nvSpPr>
+          <p:cNvPr id="23" name="Szövegdoboz 22">
+            <a:extLst>
+              <a:ext uri="{FF2B5EF4-FFF2-40B4-BE49-F238E27FC236}">
+                <a16:creationId xmlns:a16="http://schemas.microsoft.com/office/drawing/2014/main" id="{B2E433BC-BE4B-41DE-B2E2-8B58A3C4A15B}"/>
+              </a:ext>
+            </a:extLst>
+          </p:cNvPr>
+          <p:cNvSpPr txBox="1"/>
+          <p:nvPr/>
+        </p:nvSpPr>
+        <p:spPr>
+          <a:xfrm>
+            <a:off x="12884194" y="2978531"/>
+            <a:ext cx="678391" cy="338554"/>
+          </a:xfrm>
+          <a:prstGeom prst="rect">
+            <a:avLst/>
+          </a:prstGeom>
+          <a:noFill/>
+        </p:spPr>
+        <p:txBody>
+          <a:bodyPr wrap="none" rtlCol="0">
+            <a:spAutoFit/>
+          </a:bodyPr>
+          <a:lstStyle/>
+          <a:p>
+            <a:r>
+              <a:rPr lang="en-US" sz="1600" dirty="0">
+                <a:latin typeface="Roboto Light" panose="02000000000000000000" pitchFamily="2" charset="0"/>
+                <a:ea typeface="Roboto Light" panose="02000000000000000000" pitchFamily="2" charset="0"/>
+              </a:rPr>
+              <a:t>240%</a:t>
+            </a:r>
           </a:p>
         </p:txBody>
       </p:sp>
     </p:spTree>
     <p:extLst>
       <p:ext uri="{BB962C8B-B14F-4D97-AF65-F5344CB8AC3E}">
-        <p14:creationId xmlns:p14="http://schemas.microsoft.com/office/powerpoint/2010/main" val="1666384148"/>
+        <p14:creationId xmlns:p14="http://schemas.microsoft.com/office/powerpoint/2010/main" val="360428399"/>
       </p:ext>
     </p:extLst>
   </p:cSld>

--- a/presentation/presentation.pptx
+++ b/presentation/presentation.pptx
@@ -2932,7 +2932,7 @@
           <a:p>
             <a:fld id="{9828C356-0324-4B04-925A-4E4B5C1E930C}" type="datetimeFigureOut">
               <a:rPr lang="hu-HU" smtClean="0"/>
-              <a:t>2024. 06. 18.</a:t>
+              <a:t>2024. 06. 19.</a:t>
             </a:fld>
             <a:endParaRPr lang="hu-HU"/>
           </a:p>
@@ -3547,7 +3547,7 @@
             <a:fld id="{1D8BD707-D9CF-40AE-B4C6-C98DA3205C09}" type="datetimeFigureOut">
               <a:rPr lang="en-US" smtClean="0"/>
               <a:pPr/>
-              <a:t>2024-06-18</a:t>
+              <a:t>2024-06-19</a:t>
             </a:fld>
             <a:endParaRPr lang="en-US"/>
           </a:p>
@@ -3712,7 +3712,7 @@
             <a:fld id="{1D8BD707-D9CF-40AE-B4C6-C98DA3205C09}" type="datetimeFigureOut">
               <a:rPr lang="en-US" smtClean="0"/>
               <a:pPr/>
-              <a:t>2024-06-18</a:t>
+              <a:t>2024-06-19</a:t>
             </a:fld>
             <a:endParaRPr lang="en-US"/>
           </a:p>
@@ -3887,7 +3887,7 @@
             <a:fld id="{1D8BD707-D9CF-40AE-B4C6-C98DA3205C09}" type="datetimeFigureOut">
               <a:rPr lang="en-US" smtClean="0"/>
               <a:pPr/>
-              <a:t>2024-06-18</a:t>
+              <a:t>2024-06-19</a:t>
             </a:fld>
             <a:endParaRPr lang="en-US"/>
           </a:p>
@@ -4052,7 +4052,7 @@
             <a:fld id="{1D8BD707-D9CF-40AE-B4C6-C98DA3205C09}" type="datetimeFigureOut">
               <a:rPr lang="en-US" smtClean="0"/>
               <a:pPr/>
-              <a:t>2024-06-18</a:t>
+              <a:t>2024-06-19</a:t>
             </a:fld>
             <a:endParaRPr lang="en-US"/>
           </a:p>
@@ -4294,7 +4294,7 @@
             <a:fld id="{1D8BD707-D9CF-40AE-B4C6-C98DA3205C09}" type="datetimeFigureOut">
               <a:rPr lang="en-US" smtClean="0"/>
               <a:pPr/>
-              <a:t>2024-06-18</a:t>
+              <a:t>2024-06-19</a:t>
             </a:fld>
             <a:endParaRPr lang="en-US"/>
           </a:p>
@@ -4576,7 +4576,7 @@
             <a:fld id="{1D8BD707-D9CF-40AE-B4C6-C98DA3205C09}" type="datetimeFigureOut">
               <a:rPr lang="en-US" smtClean="0"/>
               <a:pPr/>
-              <a:t>2024-06-18</a:t>
+              <a:t>2024-06-19</a:t>
             </a:fld>
             <a:endParaRPr lang="en-US"/>
           </a:p>
@@ -4992,7 +4992,7 @@
             <a:fld id="{1D8BD707-D9CF-40AE-B4C6-C98DA3205C09}" type="datetimeFigureOut">
               <a:rPr lang="en-US" smtClean="0"/>
               <a:pPr/>
-              <a:t>2024-06-18</a:t>
+              <a:t>2024-06-19</a:t>
             </a:fld>
             <a:endParaRPr lang="en-US"/>
           </a:p>
@@ -5106,7 +5106,7 @@
             <a:fld id="{1D8BD707-D9CF-40AE-B4C6-C98DA3205C09}" type="datetimeFigureOut">
               <a:rPr lang="en-US" smtClean="0"/>
               <a:pPr/>
-              <a:t>2024-06-18</a:t>
+              <a:t>2024-06-19</a:t>
             </a:fld>
             <a:endParaRPr lang="en-US"/>
           </a:p>
@@ -5198,7 +5198,7 @@
             <a:fld id="{1D8BD707-D9CF-40AE-B4C6-C98DA3205C09}" type="datetimeFigureOut">
               <a:rPr lang="en-US" smtClean="0"/>
               <a:pPr/>
-              <a:t>2024-06-18</a:t>
+              <a:t>2024-06-19</a:t>
             </a:fld>
             <a:endParaRPr lang="en-US"/>
           </a:p>
@@ -5470,7 +5470,7 @@
             <a:fld id="{1D8BD707-D9CF-40AE-B4C6-C98DA3205C09}" type="datetimeFigureOut">
               <a:rPr lang="en-US" smtClean="0"/>
               <a:pPr/>
-              <a:t>2024-06-18</a:t>
+              <a:t>2024-06-19</a:t>
             </a:fld>
             <a:endParaRPr lang="en-US"/>
           </a:p>
@@ -5719,7 +5719,7 @@
             <a:fld id="{1D8BD707-D9CF-40AE-B4C6-C98DA3205C09}" type="datetimeFigureOut">
               <a:rPr lang="en-US" smtClean="0"/>
               <a:pPr/>
-              <a:t>2024-06-18</a:t>
+              <a:t>2024-06-19</a:t>
             </a:fld>
             <a:endParaRPr lang="en-US"/>
           </a:p>
@@ -5927,7 +5927,7 @@
             <a:fld id="{1D8BD707-D9CF-40AE-B4C6-C98DA3205C09}" type="datetimeFigureOut">
               <a:rPr lang="en-US" smtClean="0"/>
               <a:pPr/>
-              <a:t>2024-06-18</a:t>
+              <a:t>2024-06-19</a:t>
             </a:fld>
             <a:endParaRPr lang="en-US"/>
           </a:p>
@@ -16527,7 +16527,7 @@
         <p:spPr>
           <a:xfrm>
             <a:off x="1381659" y="2911985"/>
-            <a:ext cx="5400142" cy="2103140"/>
+            <a:ext cx="5095341" cy="2103140"/>
           </a:xfrm>
           <a:prstGeom prst="rect">
             <a:avLst/>

--- a/presentation/presentation.pptx
+++ b/presentation/presentation.pptx
@@ -2932,7 +2932,7 @@
           <a:p>
             <a:fld id="{9828C356-0324-4B04-925A-4E4B5C1E930C}" type="datetimeFigureOut">
               <a:rPr lang="hu-HU" smtClean="0"/>
-              <a:t>2024. 06. 19.</a:t>
+              <a:t>2024. 06. 20.</a:t>
             </a:fld>
             <a:endParaRPr lang="hu-HU"/>
           </a:p>
@@ -3547,7 +3547,7 @@
             <a:fld id="{1D8BD707-D9CF-40AE-B4C6-C98DA3205C09}" type="datetimeFigureOut">
               <a:rPr lang="en-US" smtClean="0"/>
               <a:pPr/>
-              <a:t>2024-06-19</a:t>
+              <a:t>2024-06-20</a:t>
             </a:fld>
             <a:endParaRPr lang="en-US"/>
           </a:p>
@@ -3712,7 +3712,7 @@
             <a:fld id="{1D8BD707-D9CF-40AE-B4C6-C98DA3205C09}" type="datetimeFigureOut">
               <a:rPr lang="en-US" smtClean="0"/>
               <a:pPr/>
-              <a:t>2024-06-19</a:t>
+              <a:t>2024-06-20</a:t>
             </a:fld>
             <a:endParaRPr lang="en-US"/>
           </a:p>
@@ -3887,7 +3887,7 @@
             <a:fld id="{1D8BD707-D9CF-40AE-B4C6-C98DA3205C09}" type="datetimeFigureOut">
               <a:rPr lang="en-US" smtClean="0"/>
               <a:pPr/>
-              <a:t>2024-06-19</a:t>
+              <a:t>2024-06-20</a:t>
             </a:fld>
             <a:endParaRPr lang="en-US"/>
           </a:p>
@@ -4052,7 +4052,7 @@
             <a:fld id="{1D8BD707-D9CF-40AE-B4C6-C98DA3205C09}" type="datetimeFigureOut">
               <a:rPr lang="en-US" smtClean="0"/>
               <a:pPr/>
-              <a:t>2024-06-19</a:t>
+              <a:t>2024-06-20</a:t>
             </a:fld>
             <a:endParaRPr lang="en-US"/>
           </a:p>
@@ -4294,7 +4294,7 @@
             <a:fld id="{1D8BD707-D9CF-40AE-B4C6-C98DA3205C09}" type="datetimeFigureOut">
               <a:rPr lang="en-US" smtClean="0"/>
               <a:pPr/>
-              <a:t>2024-06-19</a:t>
+              <a:t>2024-06-20</a:t>
             </a:fld>
             <a:endParaRPr lang="en-US"/>
           </a:p>
@@ -4576,7 +4576,7 @@
             <a:fld id="{1D8BD707-D9CF-40AE-B4C6-C98DA3205C09}" type="datetimeFigureOut">
               <a:rPr lang="en-US" smtClean="0"/>
               <a:pPr/>
-              <a:t>2024-06-19</a:t>
+              <a:t>2024-06-20</a:t>
             </a:fld>
             <a:endParaRPr lang="en-US"/>
           </a:p>
@@ -4992,7 +4992,7 @@
             <a:fld id="{1D8BD707-D9CF-40AE-B4C6-C98DA3205C09}" type="datetimeFigureOut">
               <a:rPr lang="en-US" smtClean="0"/>
               <a:pPr/>
-              <a:t>2024-06-19</a:t>
+              <a:t>2024-06-20</a:t>
             </a:fld>
             <a:endParaRPr lang="en-US"/>
           </a:p>
@@ -5106,7 +5106,7 @@
             <a:fld id="{1D8BD707-D9CF-40AE-B4C6-C98DA3205C09}" type="datetimeFigureOut">
               <a:rPr lang="en-US" smtClean="0"/>
               <a:pPr/>
-              <a:t>2024-06-19</a:t>
+              <a:t>2024-06-20</a:t>
             </a:fld>
             <a:endParaRPr lang="en-US"/>
           </a:p>
@@ -5198,7 +5198,7 @@
             <a:fld id="{1D8BD707-D9CF-40AE-B4C6-C98DA3205C09}" type="datetimeFigureOut">
               <a:rPr lang="en-US" smtClean="0"/>
               <a:pPr/>
-              <a:t>2024-06-19</a:t>
+              <a:t>2024-06-20</a:t>
             </a:fld>
             <a:endParaRPr lang="en-US"/>
           </a:p>
@@ -5470,7 +5470,7 @@
             <a:fld id="{1D8BD707-D9CF-40AE-B4C6-C98DA3205C09}" type="datetimeFigureOut">
               <a:rPr lang="en-US" smtClean="0"/>
               <a:pPr/>
-              <a:t>2024-06-19</a:t>
+              <a:t>2024-06-20</a:t>
             </a:fld>
             <a:endParaRPr lang="en-US"/>
           </a:p>
@@ -5719,7 +5719,7 @@
             <a:fld id="{1D8BD707-D9CF-40AE-B4C6-C98DA3205C09}" type="datetimeFigureOut">
               <a:rPr lang="en-US" smtClean="0"/>
               <a:pPr/>
-              <a:t>2024-06-19</a:t>
+              <a:t>2024-06-20</a:t>
             </a:fld>
             <a:endParaRPr lang="en-US"/>
           </a:p>
@@ -5927,7 +5927,7 @@
             <a:fld id="{1D8BD707-D9CF-40AE-B4C6-C98DA3205C09}" type="datetimeFigureOut">
               <a:rPr lang="en-US" smtClean="0"/>
               <a:pPr/>
-              <a:t>2024-06-19</a:t>
+              <a:t>2024-06-20</a:t>
             </a:fld>
             <a:endParaRPr lang="en-US"/>
           </a:p>
@@ -16593,42 +16593,6 @@
           </a:p>
         </p:txBody>
       </p:sp>
-      <p:pic>
-        <p:nvPicPr>
-          <p:cNvPr id="16" name="Kép 15">
-            <a:extLst>
-              <a:ext uri="{FF2B5EF4-FFF2-40B4-BE49-F238E27FC236}">
-                <a16:creationId xmlns:a16="http://schemas.microsoft.com/office/drawing/2014/main" id="{574D51B3-7E01-4373-8090-7CFCAA649F9E}"/>
-              </a:ext>
-            </a:extLst>
-          </p:cNvPr>
-          <p:cNvPicPr>
-            <a:picLocks noChangeAspect="1"/>
-          </p:cNvPicPr>
-          <p:nvPr/>
-        </p:nvPicPr>
-        <p:blipFill>
-          <a:blip r:embed="rId4">
-            <a:extLst>
-              <a:ext uri="{28A0092B-C50C-407E-A947-70E740481C1C}">
-                <a14:useLocalDpi xmlns:a14="http://schemas.microsoft.com/office/drawing/2010/main" val="0"/>
-              </a:ext>
-            </a:extLst>
-          </a:blip>
-          <a:stretch>
-            <a:fillRect/>
-          </a:stretch>
-        </p:blipFill>
-        <p:spPr>
-          <a:xfrm>
-            <a:off x="6736506" y="2561000"/>
-            <a:ext cx="10805301" cy="3915198"/>
-          </a:xfrm>
-          <a:prstGeom prst="rect">
-            <a:avLst/>
-          </a:prstGeom>
-        </p:spPr>
-      </p:pic>
       <p:sp>
         <p:nvSpPr>
           <p:cNvPr id="17" name="TextBox 14">
@@ -16935,6 +16899,220 @@
           <a:p>
             <a:pPr algn="ctr"/>
             <a:endParaRPr lang="hu-HU"/>
+          </a:p>
+        </p:txBody>
+      </p:sp>
+      <p:pic>
+        <p:nvPicPr>
+          <p:cNvPr id="2" name="Kép 1">
+            <a:extLst>
+              <a:ext uri="{FF2B5EF4-FFF2-40B4-BE49-F238E27FC236}">
+                <a16:creationId xmlns:a16="http://schemas.microsoft.com/office/drawing/2014/main" id="{87DDA924-142C-4C92-ADD2-A5B88A442300}"/>
+              </a:ext>
+            </a:extLst>
+          </p:cNvPr>
+          <p:cNvPicPr>
+            <a:picLocks noChangeAspect="1"/>
+          </p:cNvPicPr>
+          <p:nvPr/>
+        </p:nvPicPr>
+        <p:blipFill>
+          <a:blip r:embed="rId4"/>
+          <a:stretch>
+            <a:fillRect/>
+          </a:stretch>
+        </p:blipFill>
+        <p:spPr>
+          <a:xfrm>
+            <a:off x="6716120" y="2494967"/>
+            <a:ext cx="10825688" cy="3946555"/>
+          </a:xfrm>
+          <a:prstGeom prst="rect">
+            <a:avLst/>
+          </a:prstGeom>
+        </p:spPr>
+      </p:pic>
+      <p:sp>
+        <p:nvSpPr>
+          <p:cNvPr id="4" name="Bal oldali kapcsos zárójel 3">
+            <a:extLst>
+              <a:ext uri="{FF2B5EF4-FFF2-40B4-BE49-F238E27FC236}">
+                <a16:creationId xmlns:a16="http://schemas.microsoft.com/office/drawing/2014/main" id="{2122241C-00BA-4EC2-979F-AE59BB432AE9}"/>
+              </a:ext>
+            </a:extLst>
+          </p:cNvPr>
+          <p:cNvSpPr/>
+          <p:nvPr/>
+        </p:nvSpPr>
+        <p:spPr>
+          <a:xfrm rot="16200000">
+            <a:off x="10801695" y="4667592"/>
+            <a:ext cx="266013" cy="4343400"/>
+          </a:xfrm>
+          <a:prstGeom prst="leftBrace">
+            <a:avLst/>
+          </a:prstGeom>
+          <a:ln w="19050"/>
+        </p:spPr>
+        <p:style>
+          <a:lnRef idx="1">
+            <a:schemeClr val="accent1"/>
+          </a:lnRef>
+          <a:fillRef idx="0">
+            <a:schemeClr val="accent1"/>
+          </a:fillRef>
+          <a:effectRef idx="0">
+            <a:schemeClr val="accent1"/>
+          </a:effectRef>
+          <a:fontRef idx="minor">
+            <a:schemeClr val="tx1"/>
+          </a:fontRef>
+        </p:style>
+        <p:txBody>
+          <a:bodyPr rtlCol="0" anchor="ctr"/>
+          <a:lstStyle/>
+          <a:p>
+            <a:pPr algn="ctr"/>
+            <a:endParaRPr lang="hu-HU"/>
+          </a:p>
+        </p:txBody>
+      </p:sp>
+      <p:sp>
+        <p:nvSpPr>
+          <p:cNvPr id="21" name="Bal oldali kapcsos zárójel 20">
+            <a:extLst>
+              <a:ext uri="{FF2B5EF4-FFF2-40B4-BE49-F238E27FC236}">
+                <a16:creationId xmlns:a16="http://schemas.microsoft.com/office/drawing/2014/main" id="{A2C2D6F1-98CF-4A8D-8497-99D003DA5602}"/>
+              </a:ext>
+            </a:extLst>
+          </p:cNvPr>
+          <p:cNvSpPr/>
+          <p:nvPr/>
+        </p:nvSpPr>
+        <p:spPr>
+          <a:xfrm rot="16200000">
+            <a:off x="15235467" y="4818536"/>
+            <a:ext cx="266013" cy="4066954"/>
+          </a:xfrm>
+          <a:prstGeom prst="leftBrace">
+            <a:avLst/>
+          </a:prstGeom>
+          <a:ln w="19050"/>
+        </p:spPr>
+        <p:style>
+          <a:lnRef idx="1">
+            <a:schemeClr val="accent1"/>
+          </a:lnRef>
+          <a:fillRef idx="0">
+            <a:schemeClr val="accent1"/>
+          </a:fillRef>
+          <a:effectRef idx="0">
+            <a:schemeClr val="accent1"/>
+          </a:effectRef>
+          <a:fontRef idx="minor">
+            <a:schemeClr val="tx1"/>
+          </a:fontRef>
+        </p:style>
+        <p:txBody>
+          <a:bodyPr rtlCol="0" anchor="ctr"/>
+          <a:lstStyle/>
+          <a:p>
+            <a:pPr algn="ctr"/>
+            <a:endParaRPr lang="hu-HU"/>
+          </a:p>
+        </p:txBody>
+      </p:sp>
+      <p:sp>
+        <p:nvSpPr>
+          <p:cNvPr id="5" name="Szövegdoboz 4">
+            <a:extLst>
+              <a:ext uri="{FF2B5EF4-FFF2-40B4-BE49-F238E27FC236}">
+                <a16:creationId xmlns:a16="http://schemas.microsoft.com/office/drawing/2014/main" id="{4A0EA2C3-C28D-463A-9054-35188B935BCD}"/>
+              </a:ext>
+            </a:extLst>
+          </p:cNvPr>
+          <p:cNvSpPr txBox="1"/>
+          <p:nvPr/>
+        </p:nvSpPr>
+        <p:spPr>
+          <a:xfrm>
+            <a:off x="14897648" y="6956235"/>
+            <a:ext cx="907621" cy="523220"/>
+          </a:xfrm>
+          <a:prstGeom prst="rect">
+            <a:avLst/>
+          </a:prstGeom>
+          <a:noFill/>
+        </p:spPr>
+        <p:txBody>
+          <a:bodyPr wrap="none" rtlCol="0">
+            <a:spAutoFit/>
+          </a:bodyPr>
+          <a:lstStyle/>
+          <a:p>
+            <a:r>
+              <a:rPr lang="hu-HU" sz="2800" dirty="0">
+                <a:solidFill>
+                  <a:srgbClr val="000000"/>
+                </a:solidFill>
+                <a:latin typeface="Roboto Light" panose="02000000000000000000" pitchFamily="2" charset="0"/>
+                <a:ea typeface="Roboto Light" panose="02000000000000000000" pitchFamily="2" charset="0"/>
+              </a:rPr>
+              <a:t> </a:t>
+            </a:r>
+            <a:r>
+              <a:rPr lang="en-US" sz="2800" dirty="0">
+                <a:solidFill>
+                  <a:srgbClr val="000000"/>
+                </a:solidFill>
+                <a:latin typeface="Roboto Light" panose="02000000000000000000" pitchFamily="2" charset="0"/>
+                <a:ea typeface="Roboto Light" panose="02000000000000000000" pitchFamily="2" charset="0"/>
+              </a:rPr>
+              <a:t>C++</a:t>
+            </a:r>
+            <a:endParaRPr lang="hu-HU" sz="1200" dirty="0"/>
+          </a:p>
+        </p:txBody>
+      </p:sp>
+      <p:sp>
+        <p:nvSpPr>
+          <p:cNvPr id="24" name="Szövegdoboz 23">
+            <a:extLst>
+              <a:ext uri="{FF2B5EF4-FFF2-40B4-BE49-F238E27FC236}">
+                <a16:creationId xmlns:a16="http://schemas.microsoft.com/office/drawing/2014/main" id="{D3ADE9C7-54D6-4095-986A-5375DBB58805}"/>
+              </a:ext>
+            </a:extLst>
+          </p:cNvPr>
+          <p:cNvSpPr txBox="1"/>
+          <p:nvPr/>
+        </p:nvSpPr>
+        <p:spPr>
+          <a:xfrm>
+            <a:off x="10378291" y="6955157"/>
+            <a:ext cx="1176925" cy="523220"/>
+          </a:xfrm>
+          <a:prstGeom prst="rect">
+            <a:avLst/>
+          </a:prstGeom>
+          <a:noFill/>
+        </p:spPr>
+        <p:txBody>
+          <a:bodyPr wrap="none" rtlCol="0">
+            <a:spAutoFit/>
+          </a:bodyPr>
+          <a:lstStyle/>
+          <a:p>
+            <a:r>
+              <a:rPr lang="en-US" sz="2800" dirty="0">
+                <a:solidFill>
+                  <a:srgbClr val="000000"/>
+                </a:solidFill>
+                <a:latin typeface="Roboto Light" panose="02000000000000000000" pitchFamily="2" charset="0"/>
+                <a:ea typeface="Roboto Light" panose="02000000000000000000" pitchFamily="2" charset="0"/>
+              </a:rPr>
+              <a:t>Erlang</a:t>
+            </a:r>
+            <a:endParaRPr lang="hu-HU" sz="1200" dirty="0"/>
           </a:p>
         </p:txBody>
       </p:sp>

--- a/presentation/presentation.pptx
+++ b/presentation/presentation.pptx
@@ -5,7 +5,7 @@
     <p:sldMasterId id="2147483648" r:id="rId1"/>
   </p:sldMasterIdLst>
   <p:notesMasterIdLst>
-    <p:notesMasterId r:id="rId14"/>
+    <p:notesMasterId r:id="rId22"/>
   </p:notesMasterIdLst>
   <p:sldIdLst>
     <p:sldId id="256" r:id="rId2"/>
@@ -20,46 +20,54 @@
     <p:sldId id="274" r:id="rId11"/>
     <p:sldId id="263" r:id="rId12"/>
     <p:sldId id="278" r:id="rId13"/>
+    <p:sldId id="282" r:id="rId14"/>
+    <p:sldId id="283" r:id="rId15"/>
+    <p:sldId id="285" r:id="rId16"/>
+    <p:sldId id="286" r:id="rId17"/>
+    <p:sldId id="287" r:id="rId18"/>
+    <p:sldId id="288" r:id="rId19"/>
+    <p:sldId id="289" r:id="rId20"/>
+    <p:sldId id="284" r:id="rId21"/>
   </p:sldIdLst>
   <p:sldSz cx="18288000" cy="10287000"/>
   <p:notesSz cx="6858000" cy="9144000"/>
   <p:embeddedFontLst>
     <p:embeddedFont>
       <p:font typeface="Calibri" panose="020F0502020204030204" pitchFamily="34" charset="0"/>
-      <p:regular r:id="rId15"/>
-      <p:bold r:id="rId16"/>
-      <p:italic r:id="rId17"/>
-      <p:boldItalic r:id="rId18"/>
+      <p:regular r:id="rId23"/>
+      <p:bold r:id="rId24"/>
+      <p:italic r:id="rId25"/>
+      <p:boldItalic r:id="rId26"/>
     </p:embeddedFont>
     <p:embeddedFont>
       <p:font typeface="Nunito Sans Heavy" panose="020B0604020202020204" charset="0"/>
-      <p:regular r:id="rId19"/>
+      <p:regular r:id="rId27"/>
     </p:embeddedFont>
     <p:embeddedFont>
       <p:font typeface="Nunito Sans Semi-Bold" panose="020B0604020202020204" charset="0"/>
-      <p:regular r:id="rId20"/>
+      <p:regular r:id="rId28"/>
     </p:embeddedFont>
     <p:embeddedFont>
       <p:font typeface="Roboto" panose="02000000000000000000" pitchFamily="2" charset="0"/>
-      <p:regular r:id="rId21"/>
-      <p:bold r:id="rId22"/>
-      <p:italic r:id="rId23"/>
-      <p:boldItalic r:id="rId24"/>
+      <p:regular r:id="rId29"/>
+      <p:bold r:id="rId30"/>
+      <p:italic r:id="rId31"/>
+      <p:boldItalic r:id="rId32"/>
     </p:embeddedFont>
     <p:embeddedFont>
       <p:font typeface="Roboto Light" panose="02000000000000000000" pitchFamily="2" charset="0"/>
-      <p:regular r:id="rId25"/>
-      <p:italic r:id="rId26"/>
+      <p:regular r:id="rId33"/>
+      <p:italic r:id="rId34"/>
     </p:embeddedFont>
     <p:embeddedFont>
       <p:font typeface="Roboto Medium" panose="02000000000000000000" pitchFamily="2" charset="0"/>
-      <p:regular r:id="rId27"/>
-      <p:italic r:id="rId28"/>
+      <p:regular r:id="rId35"/>
+      <p:italic r:id="rId36"/>
     </p:embeddedFont>
     <p:embeddedFont>
       <p:font typeface="Roboto Thin" panose="02000000000000000000" pitchFamily="2" charset="0"/>
-      <p:regular r:id="rId29"/>
-      <p:italic r:id="rId30"/>
+      <p:regular r:id="rId37"/>
+      <p:italic r:id="rId38"/>
     </p:embeddedFont>
   </p:embeddedFontLst>
   <p:defaultTextStyle>
@@ -9676,6 +9684,4431 @@
 </p:sld>
 </file>
 
+<file path=ppt/slides/slide13.xml><?xml version="1.0" encoding="utf-8"?>
+<p:sld xmlns:a="http://schemas.openxmlformats.org/drawingml/2006/main" xmlns:r="http://schemas.openxmlformats.org/officeDocument/2006/relationships" xmlns:p="http://schemas.openxmlformats.org/presentationml/2006/main">
+  <p:cSld>
+    <p:spTree>
+      <p:nvGrpSpPr>
+        <p:cNvPr id="1" name=""/>
+        <p:cNvGrpSpPr/>
+        <p:nvPr/>
+      </p:nvGrpSpPr>
+      <p:grpSpPr>
+        <a:xfrm>
+          <a:off x="0" y="0"/>
+          <a:ext cx="0" cy="0"/>
+          <a:chOff x="0" y="0"/>
+          <a:chExt cx="0" cy="0"/>
+        </a:xfrm>
+      </p:grpSpPr>
+      <p:grpSp>
+        <p:nvGrpSpPr>
+          <p:cNvPr id="2" name="Group 2"/>
+          <p:cNvGrpSpPr/>
+          <p:nvPr/>
+        </p:nvGrpSpPr>
+        <p:grpSpPr>
+          <a:xfrm>
+            <a:off x="0" y="-987551"/>
+            <a:ext cx="18288000" cy="12262103"/>
+            <a:chOff x="0" y="0"/>
+            <a:chExt cx="24384000" cy="16349470"/>
+          </a:xfrm>
+        </p:grpSpPr>
+        <p:sp>
+          <p:nvSpPr>
+            <p:cNvPr id="3" name="Freeform 3"/>
+            <p:cNvSpPr/>
+            <p:nvPr/>
+          </p:nvSpPr>
+          <p:spPr>
+            <a:xfrm>
+              <a:off x="0" y="0"/>
+              <a:ext cx="8198458" cy="8198458"/>
+            </a:xfrm>
+            <a:custGeom>
+              <a:avLst/>
+              <a:gdLst/>
+              <a:ahLst/>
+              <a:cxnLst/>
+              <a:rect l="l" t="t" r="r" b="b"/>
+              <a:pathLst>
+                <a:path w="8198458" h="8198458">
+                  <a:moveTo>
+                    <a:pt x="0" y="0"/>
+                  </a:moveTo>
+                  <a:lnTo>
+                    <a:pt x="8198458" y="0"/>
+                  </a:lnTo>
+                  <a:lnTo>
+                    <a:pt x="8198458" y="8198458"/>
+                  </a:lnTo>
+                  <a:lnTo>
+                    <a:pt x="0" y="8198458"/>
+                  </a:lnTo>
+                  <a:lnTo>
+                    <a:pt x="0" y="0"/>
+                  </a:lnTo>
+                  <a:close/>
+                </a:path>
+              </a:pathLst>
+            </a:custGeom>
+            <a:blipFill>
+              <a:blip r:embed="rId2">
+                <a:alphaModFix amt="50000"/>
+                <a:extLst>
+                  <a:ext uri="{96DAC541-7B7A-43D3-8B79-37D633B846F1}">
+                    <asvg:svgBlip xmlns:asvg="http://schemas.microsoft.com/office/drawing/2016/SVG/main" r:embed="rId3"/>
+                  </a:ext>
+                </a:extLst>
+              </a:blip>
+              <a:stretch>
+                <a:fillRect/>
+              </a:stretch>
+            </a:blipFill>
+          </p:spPr>
+        </p:sp>
+        <p:sp>
+          <p:nvSpPr>
+            <p:cNvPr id="4" name="Freeform 4"/>
+            <p:cNvSpPr/>
+            <p:nvPr/>
+          </p:nvSpPr>
+          <p:spPr>
+            <a:xfrm>
+              <a:off x="0" y="8103568"/>
+              <a:ext cx="8198458" cy="8198458"/>
+            </a:xfrm>
+            <a:custGeom>
+              <a:avLst/>
+              <a:gdLst/>
+              <a:ahLst/>
+              <a:cxnLst/>
+              <a:rect l="l" t="t" r="r" b="b"/>
+              <a:pathLst>
+                <a:path w="8198458" h="8198458">
+                  <a:moveTo>
+                    <a:pt x="0" y="0"/>
+                  </a:moveTo>
+                  <a:lnTo>
+                    <a:pt x="8198458" y="0"/>
+                  </a:lnTo>
+                  <a:lnTo>
+                    <a:pt x="8198458" y="8198458"/>
+                  </a:lnTo>
+                  <a:lnTo>
+                    <a:pt x="0" y="8198458"/>
+                  </a:lnTo>
+                  <a:lnTo>
+                    <a:pt x="0" y="0"/>
+                  </a:lnTo>
+                  <a:close/>
+                </a:path>
+              </a:pathLst>
+            </a:custGeom>
+            <a:blipFill>
+              <a:blip r:embed="rId2">
+                <a:alphaModFix amt="50000"/>
+                <a:extLst>
+                  <a:ext uri="{96DAC541-7B7A-43D3-8B79-37D633B846F1}">
+                    <asvg:svgBlip xmlns:asvg="http://schemas.microsoft.com/office/drawing/2016/SVG/main" r:embed="rId3"/>
+                  </a:ext>
+                </a:extLst>
+              </a:blip>
+              <a:stretch>
+                <a:fillRect/>
+              </a:stretch>
+            </a:blipFill>
+          </p:spPr>
+        </p:sp>
+        <p:sp>
+          <p:nvSpPr>
+            <p:cNvPr id="5" name="Freeform 5"/>
+            <p:cNvSpPr/>
+            <p:nvPr/>
+          </p:nvSpPr>
+          <p:spPr>
+            <a:xfrm>
+              <a:off x="8107869" y="0"/>
+              <a:ext cx="8198458" cy="8198458"/>
+            </a:xfrm>
+            <a:custGeom>
+              <a:avLst/>
+              <a:gdLst/>
+              <a:ahLst/>
+              <a:cxnLst/>
+              <a:rect l="l" t="t" r="r" b="b"/>
+              <a:pathLst>
+                <a:path w="8198458" h="8198458">
+                  <a:moveTo>
+                    <a:pt x="0" y="0"/>
+                  </a:moveTo>
+                  <a:lnTo>
+                    <a:pt x="8198458" y="0"/>
+                  </a:lnTo>
+                  <a:lnTo>
+                    <a:pt x="8198458" y="8198458"/>
+                  </a:lnTo>
+                  <a:lnTo>
+                    <a:pt x="0" y="8198458"/>
+                  </a:lnTo>
+                  <a:lnTo>
+                    <a:pt x="0" y="0"/>
+                  </a:lnTo>
+                  <a:close/>
+                </a:path>
+              </a:pathLst>
+            </a:custGeom>
+            <a:blipFill>
+              <a:blip r:embed="rId2">
+                <a:alphaModFix amt="50000"/>
+                <a:extLst>
+                  <a:ext uri="{96DAC541-7B7A-43D3-8B79-37D633B846F1}">
+                    <asvg:svgBlip xmlns:asvg="http://schemas.microsoft.com/office/drawing/2016/SVG/main" r:embed="rId3"/>
+                  </a:ext>
+                </a:extLst>
+              </a:blip>
+              <a:stretch>
+                <a:fillRect/>
+              </a:stretch>
+            </a:blipFill>
+          </p:spPr>
+        </p:sp>
+        <p:sp>
+          <p:nvSpPr>
+            <p:cNvPr id="6" name="Freeform 6"/>
+            <p:cNvSpPr/>
+            <p:nvPr/>
+          </p:nvSpPr>
+          <p:spPr>
+            <a:xfrm>
+              <a:off x="8107869" y="8103568"/>
+              <a:ext cx="8198458" cy="8198458"/>
+            </a:xfrm>
+            <a:custGeom>
+              <a:avLst/>
+              <a:gdLst/>
+              <a:ahLst/>
+              <a:cxnLst/>
+              <a:rect l="l" t="t" r="r" b="b"/>
+              <a:pathLst>
+                <a:path w="8198458" h="8198458">
+                  <a:moveTo>
+                    <a:pt x="0" y="0"/>
+                  </a:moveTo>
+                  <a:lnTo>
+                    <a:pt x="8198458" y="0"/>
+                  </a:lnTo>
+                  <a:lnTo>
+                    <a:pt x="8198458" y="8198458"/>
+                  </a:lnTo>
+                  <a:lnTo>
+                    <a:pt x="0" y="8198458"/>
+                  </a:lnTo>
+                  <a:lnTo>
+                    <a:pt x="0" y="0"/>
+                  </a:lnTo>
+                  <a:close/>
+                </a:path>
+              </a:pathLst>
+            </a:custGeom>
+            <a:blipFill>
+              <a:blip r:embed="rId2">
+                <a:alphaModFix amt="50000"/>
+                <a:extLst>
+                  <a:ext uri="{96DAC541-7B7A-43D3-8B79-37D633B846F1}">
+                    <asvg:svgBlip xmlns:asvg="http://schemas.microsoft.com/office/drawing/2016/SVG/main" r:embed="rId3"/>
+                  </a:ext>
+                </a:extLst>
+              </a:blip>
+              <a:stretch>
+                <a:fillRect/>
+              </a:stretch>
+            </a:blipFill>
+          </p:spPr>
+        </p:sp>
+        <p:sp>
+          <p:nvSpPr>
+            <p:cNvPr id="7" name="Freeform 7"/>
+            <p:cNvSpPr/>
+            <p:nvPr/>
+          </p:nvSpPr>
+          <p:spPr>
+            <a:xfrm>
+              <a:off x="16185542" y="47445"/>
+              <a:ext cx="8198458" cy="8198458"/>
+            </a:xfrm>
+            <a:custGeom>
+              <a:avLst/>
+              <a:gdLst/>
+              <a:ahLst/>
+              <a:cxnLst/>
+              <a:rect l="l" t="t" r="r" b="b"/>
+              <a:pathLst>
+                <a:path w="8198458" h="8198458">
+                  <a:moveTo>
+                    <a:pt x="0" y="0"/>
+                  </a:moveTo>
+                  <a:lnTo>
+                    <a:pt x="8198458" y="0"/>
+                  </a:lnTo>
+                  <a:lnTo>
+                    <a:pt x="8198458" y="8198457"/>
+                  </a:lnTo>
+                  <a:lnTo>
+                    <a:pt x="0" y="8198457"/>
+                  </a:lnTo>
+                  <a:lnTo>
+                    <a:pt x="0" y="0"/>
+                  </a:lnTo>
+                  <a:close/>
+                </a:path>
+              </a:pathLst>
+            </a:custGeom>
+            <a:blipFill>
+              <a:blip r:embed="rId2">
+                <a:alphaModFix amt="50000"/>
+                <a:extLst>
+                  <a:ext uri="{96DAC541-7B7A-43D3-8B79-37D633B846F1}">
+                    <asvg:svgBlip xmlns:asvg="http://schemas.microsoft.com/office/drawing/2016/SVG/main" r:embed="rId3"/>
+                  </a:ext>
+                </a:extLst>
+              </a:blip>
+              <a:stretch>
+                <a:fillRect/>
+              </a:stretch>
+            </a:blipFill>
+          </p:spPr>
+        </p:sp>
+        <p:sp>
+          <p:nvSpPr>
+            <p:cNvPr id="8" name="Freeform 8"/>
+            <p:cNvSpPr/>
+            <p:nvPr/>
+          </p:nvSpPr>
+          <p:spPr>
+            <a:xfrm>
+              <a:off x="16185542" y="8151013"/>
+              <a:ext cx="8198458" cy="8198458"/>
+            </a:xfrm>
+            <a:custGeom>
+              <a:avLst/>
+              <a:gdLst/>
+              <a:ahLst/>
+              <a:cxnLst/>
+              <a:rect l="l" t="t" r="r" b="b"/>
+              <a:pathLst>
+                <a:path w="8198458" h="8198458">
+                  <a:moveTo>
+                    <a:pt x="0" y="0"/>
+                  </a:moveTo>
+                  <a:lnTo>
+                    <a:pt x="8198458" y="0"/>
+                  </a:lnTo>
+                  <a:lnTo>
+                    <a:pt x="8198458" y="8198457"/>
+                  </a:lnTo>
+                  <a:lnTo>
+                    <a:pt x="0" y="8198457"/>
+                  </a:lnTo>
+                  <a:lnTo>
+                    <a:pt x="0" y="0"/>
+                  </a:lnTo>
+                  <a:close/>
+                </a:path>
+              </a:pathLst>
+            </a:custGeom>
+            <a:blipFill>
+              <a:blip r:embed="rId2">
+                <a:alphaModFix amt="50000"/>
+                <a:extLst>
+                  <a:ext uri="{96DAC541-7B7A-43D3-8B79-37D633B846F1}">
+                    <asvg:svgBlip xmlns:asvg="http://schemas.microsoft.com/office/drawing/2016/SVG/main" r:embed="rId3"/>
+                  </a:ext>
+                </a:extLst>
+              </a:blip>
+              <a:stretch>
+                <a:fillRect/>
+              </a:stretch>
+            </a:blipFill>
+          </p:spPr>
+        </p:sp>
+      </p:grpSp>
+      <p:grpSp>
+        <p:nvGrpSpPr>
+          <p:cNvPr id="9" name="Group 9"/>
+          <p:cNvGrpSpPr/>
+          <p:nvPr/>
+        </p:nvGrpSpPr>
+        <p:grpSpPr>
+          <a:xfrm>
+            <a:off x="-2038330" y="-2073710"/>
+            <a:ext cx="5041299" cy="5041299"/>
+            <a:chOff x="0" y="0"/>
+            <a:chExt cx="812800" cy="812800"/>
+          </a:xfrm>
+        </p:grpSpPr>
+        <p:sp>
+          <p:nvSpPr>
+            <p:cNvPr id="10" name="Freeform 10"/>
+            <p:cNvSpPr/>
+            <p:nvPr/>
+          </p:nvSpPr>
+          <p:spPr>
+            <a:xfrm>
+              <a:off x="0" y="0"/>
+              <a:ext cx="812800" cy="812800"/>
+            </a:xfrm>
+            <a:custGeom>
+              <a:avLst/>
+              <a:gdLst/>
+              <a:ahLst/>
+              <a:cxnLst/>
+              <a:rect l="l" t="t" r="r" b="b"/>
+              <a:pathLst>
+                <a:path w="812800" h="812800">
+                  <a:moveTo>
+                    <a:pt x="406400" y="0"/>
+                  </a:moveTo>
+                  <a:cubicBezTo>
+                    <a:pt x="181951" y="0"/>
+                    <a:pt x="0" y="181951"/>
+                    <a:pt x="0" y="406400"/>
+                  </a:cubicBezTo>
+                  <a:cubicBezTo>
+                    <a:pt x="0" y="630849"/>
+                    <a:pt x="181951" y="812800"/>
+                    <a:pt x="406400" y="812800"/>
+                  </a:cubicBezTo>
+                  <a:cubicBezTo>
+                    <a:pt x="630849" y="812800"/>
+                    <a:pt x="812800" y="630849"/>
+                    <a:pt x="812800" y="406400"/>
+                  </a:cubicBezTo>
+                  <a:cubicBezTo>
+                    <a:pt x="812800" y="181951"/>
+                    <a:pt x="630849" y="0"/>
+                    <a:pt x="406400" y="0"/>
+                  </a:cubicBezTo>
+                  <a:close/>
+                </a:path>
+              </a:pathLst>
+            </a:custGeom>
+            <a:solidFill>
+              <a:srgbClr val="004AAD"/>
+            </a:solidFill>
+            <a:ln cap="sq">
+              <a:noFill/>
+              <a:prstDash val="solid"/>
+              <a:miter/>
+            </a:ln>
+          </p:spPr>
+        </p:sp>
+        <p:sp>
+          <p:nvSpPr>
+            <p:cNvPr id="11" name="TextBox 11"/>
+            <p:cNvSpPr txBox="1"/>
+            <p:nvPr/>
+          </p:nvSpPr>
+          <p:spPr>
+            <a:xfrm>
+              <a:off x="76200" y="38100"/>
+              <a:ext cx="660400" cy="698500"/>
+            </a:xfrm>
+            <a:prstGeom prst="rect">
+              <a:avLst/>
+            </a:prstGeom>
+          </p:spPr>
+          <p:txBody>
+            <a:bodyPr lIns="50800" tIns="50800" rIns="50800" bIns="50800" rtlCol="0" anchor="ctr"/>
+            <a:lstStyle/>
+            <a:p>
+              <a:pPr algn="ctr">
+                <a:lnSpc>
+                  <a:spcPts val="2800"/>
+                </a:lnSpc>
+              </a:pPr>
+              <a:endParaRPr/>
+            </a:p>
+          </p:txBody>
+        </p:sp>
+      </p:grpSp>
+      <p:sp>
+        <p:nvSpPr>
+          <p:cNvPr id="12" name="TextBox 12"/>
+          <p:cNvSpPr txBox="1"/>
+          <p:nvPr/>
+        </p:nvSpPr>
+        <p:spPr>
+          <a:xfrm>
+            <a:off x="411934" y="502681"/>
+            <a:ext cx="1939447" cy="1377949"/>
+          </a:xfrm>
+          <a:prstGeom prst="rect">
+            <a:avLst/>
+          </a:prstGeom>
+        </p:spPr>
+        <p:txBody>
+          <a:bodyPr lIns="0" tIns="0" rIns="0" bIns="0" rtlCol="0" anchor="t">
+            <a:spAutoFit/>
+          </a:bodyPr>
+          <a:lstStyle/>
+          <a:p>
+            <a:pPr algn="ctr">
+              <a:lnSpc>
+                <a:spcPts val="11200"/>
+              </a:lnSpc>
+            </a:pPr>
+            <a:r>
+              <a:rPr lang="en-US" sz="8000" dirty="0">
+                <a:solidFill>
+                  <a:srgbClr val="FFFFFF"/>
+                </a:solidFill>
+                <a:latin typeface="Nunito Sans Heavy"/>
+              </a:rPr>
+              <a:t>11</a:t>
+            </a:r>
+          </a:p>
+        </p:txBody>
+      </p:sp>
+      <p:sp>
+        <p:nvSpPr>
+          <p:cNvPr id="13" name="TextBox 13"/>
+          <p:cNvSpPr txBox="1"/>
+          <p:nvPr/>
+        </p:nvSpPr>
+        <p:spPr>
+          <a:xfrm>
+            <a:off x="2232683" y="502920"/>
+            <a:ext cx="13822634" cy="1333635"/>
+          </a:xfrm>
+          <a:prstGeom prst="rect">
+            <a:avLst/>
+          </a:prstGeom>
+        </p:spPr>
+        <p:txBody>
+          <a:bodyPr wrap="square" lIns="0" tIns="0" rIns="0" bIns="0" rtlCol="0" anchor="t">
+            <a:spAutoFit/>
+          </a:bodyPr>
+          <a:lstStyle/>
+          <a:p>
+            <a:pPr algn="ctr">
+              <a:lnSpc>
+                <a:spcPts val="11200"/>
+              </a:lnSpc>
+            </a:pPr>
+            <a:r>
+              <a:rPr lang="en-US" sz="8000" dirty="0" err="1">
+                <a:solidFill>
+                  <a:srgbClr val="004AAD"/>
+                </a:solidFill>
+                <a:latin typeface="Roboto Medium" panose="02000000000000000000" pitchFamily="2" charset="0"/>
+                <a:ea typeface="Roboto Medium" panose="02000000000000000000" pitchFamily="2" charset="0"/>
+              </a:rPr>
+              <a:t>Előzetes</a:t>
+            </a:r>
+            <a:r>
+              <a:rPr lang="en-US" sz="8000" dirty="0">
+                <a:solidFill>
+                  <a:srgbClr val="004AAD"/>
+                </a:solidFill>
+                <a:latin typeface="Roboto Medium" panose="02000000000000000000" pitchFamily="2" charset="0"/>
+                <a:ea typeface="Roboto Medium" panose="02000000000000000000" pitchFamily="2" charset="0"/>
+              </a:rPr>
+              <a:t> </a:t>
+            </a:r>
+            <a:r>
+              <a:rPr lang="en-US" sz="8000" dirty="0" err="1">
+                <a:solidFill>
+                  <a:srgbClr val="004AAD"/>
+                </a:solidFill>
+                <a:latin typeface="Roboto Medium" panose="02000000000000000000" pitchFamily="2" charset="0"/>
+                <a:ea typeface="Roboto Medium" panose="02000000000000000000" pitchFamily="2" charset="0"/>
+              </a:rPr>
+              <a:t>mérések</a:t>
+            </a:r>
+            <a:endParaRPr lang="en-US" sz="8000" dirty="0">
+              <a:solidFill>
+                <a:srgbClr val="004AAD"/>
+              </a:solidFill>
+              <a:latin typeface="Roboto Medium" panose="02000000000000000000" pitchFamily="2" charset="0"/>
+              <a:ea typeface="Roboto Medium" panose="02000000000000000000" pitchFamily="2" charset="0"/>
+            </a:endParaRPr>
+          </a:p>
+        </p:txBody>
+      </p:sp>
+      <p:sp>
+        <p:nvSpPr>
+          <p:cNvPr id="31" name="Szövegdoboz 30">
+            <a:extLst>
+              <a:ext uri="{FF2B5EF4-FFF2-40B4-BE49-F238E27FC236}">
+                <a16:creationId xmlns:a16="http://schemas.microsoft.com/office/drawing/2014/main" id="{34337609-1B6E-49C5-B523-218F3380ADF9}"/>
+              </a:ext>
+            </a:extLst>
+          </p:cNvPr>
+          <p:cNvSpPr txBox="1"/>
+          <p:nvPr/>
+        </p:nvSpPr>
+        <p:spPr>
+          <a:xfrm>
+            <a:off x="12696832" y="2356649"/>
+            <a:ext cx="1547218" cy="523220"/>
+          </a:xfrm>
+          <a:prstGeom prst="rect">
+            <a:avLst/>
+          </a:prstGeom>
+          <a:noFill/>
+        </p:spPr>
+        <p:txBody>
+          <a:bodyPr wrap="none" rtlCol="0">
+            <a:spAutoFit/>
+          </a:bodyPr>
+          <a:lstStyle/>
+          <a:p>
+            <a:r>
+              <a:rPr lang="en-US" sz="2800" dirty="0">
+                <a:solidFill>
+                  <a:srgbClr val="000000"/>
+                </a:solidFill>
+                <a:latin typeface="Roboto Light" panose="02000000000000000000" pitchFamily="2" charset="0"/>
+                <a:ea typeface="Roboto Light" panose="02000000000000000000" pitchFamily="2" charset="0"/>
+              </a:rPr>
+              <a:t>2. </a:t>
+            </a:r>
+            <a:r>
+              <a:rPr lang="en-US" sz="2800" dirty="0" err="1">
+                <a:solidFill>
+                  <a:srgbClr val="000000"/>
+                </a:solidFill>
+                <a:latin typeface="Roboto Light" panose="02000000000000000000" pitchFamily="2" charset="0"/>
+                <a:ea typeface="Roboto Light" panose="02000000000000000000" pitchFamily="2" charset="0"/>
+              </a:rPr>
+              <a:t>mérés</a:t>
+            </a:r>
+            <a:endParaRPr lang="hu-HU" sz="1200" dirty="0"/>
+          </a:p>
+        </p:txBody>
+      </p:sp>
+      <p:sp>
+        <p:nvSpPr>
+          <p:cNvPr id="32" name="Szövegdoboz 31">
+            <a:extLst>
+              <a:ext uri="{FF2B5EF4-FFF2-40B4-BE49-F238E27FC236}">
+                <a16:creationId xmlns:a16="http://schemas.microsoft.com/office/drawing/2014/main" id="{011B41AC-4FFA-4FC3-A1BF-8C875248F6C3}"/>
+              </a:ext>
+            </a:extLst>
+          </p:cNvPr>
+          <p:cNvSpPr txBox="1"/>
+          <p:nvPr/>
+        </p:nvSpPr>
+        <p:spPr>
+          <a:xfrm>
+            <a:off x="4512541" y="6097018"/>
+            <a:ext cx="1547218" cy="523220"/>
+          </a:xfrm>
+          <a:prstGeom prst="rect">
+            <a:avLst/>
+          </a:prstGeom>
+          <a:noFill/>
+        </p:spPr>
+        <p:txBody>
+          <a:bodyPr wrap="none" rtlCol="0">
+            <a:spAutoFit/>
+          </a:bodyPr>
+          <a:lstStyle/>
+          <a:p>
+            <a:r>
+              <a:rPr lang="en-US" sz="2800" dirty="0">
+                <a:solidFill>
+                  <a:srgbClr val="000000"/>
+                </a:solidFill>
+                <a:latin typeface="Roboto Light" panose="02000000000000000000" pitchFamily="2" charset="0"/>
+                <a:ea typeface="Roboto Light" panose="02000000000000000000" pitchFamily="2" charset="0"/>
+              </a:rPr>
+              <a:t>3. </a:t>
+            </a:r>
+            <a:r>
+              <a:rPr lang="en-US" sz="2800" dirty="0" err="1">
+                <a:solidFill>
+                  <a:srgbClr val="000000"/>
+                </a:solidFill>
+                <a:latin typeface="Roboto Light" panose="02000000000000000000" pitchFamily="2" charset="0"/>
+                <a:ea typeface="Roboto Light" panose="02000000000000000000" pitchFamily="2" charset="0"/>
+              </a:rPr>
+              <a:t>mérés</a:t>
+            </a:r>
+            <a:endParaRPr lang="hu-HU" sz="1200" dirty="0"/>
+          </a:p>
+        </p:txBody>
+      </p:sp>
+      <p:pic>
+        <p:nvPicPr>
+          <p:cNvPr id="18" name="Kép 17">
+            <a:extLst>
+              <a:ext uri="{FF2B5EF4-FFF2-40B4-BE49-F238E27FC236}">
+                <a16:creationId xmlns:a16="http://schemas.microsoft.com/office/drawing/2014/main" id="{720B4E42-D0E2-43EE-A3B2-3BB8562C8BD6}"/>
+              </a:ext>
+            </a:extLst>
+          </p:cNvPr>
+          <p:cNvPicPr>
+            <a:picLocks noChangeAspect="1"/>
+          </p:cNvPicPr>
+          <p:nvPr/>
+        </p:nvPicPr>
+        <p:blipFill>
+          <a:blip r:embed="rId4"/>
+          <a:stretch>
+            <a:fillRect/>
+          </a:stretch>
+        </p:blipFill>
+        <p:spPr>
+          <a:xfrm>
+            <a:off x="1943387" y="2904770"/>
+            <a:ext cx="6685525" cy="3005157"/>
+          </a:xfrm>
+          <a:prstGeom prst="rect">
+            <a:avLst/>
+          </a:prstGeom>
+        </p:spPr>
+      </p:pic>
+      <p:sp>
+        <p:nvSpPr>
+          <p:cNvPr id="34" name="Szövegdoboz 33">
+            <a:extLst>
+              <a:ext uri="{FF2B5EF4-FFF2-40B4-BE49-F238E27FC236}">
+                <a16:creationId xmlns:a16="http://schemas.microsoft.com/office/drawing/2014/main" id="{9D878258-C1FB-4EF1-A7B9-151A5821EF1A}"/>
+              </a:ext>
+            </a:extLst>
+          </p:cNvPr>
+          <p:cNvSpPr txBox="1"/>
+          <p:nvPr/>
+        </p:nvSpPr>
+        <p:spPr>
+          <a:xfrm>
+            <a:off x="4512541" y="2356649"/>
+            <a:ext cx="1547218" cy="523220"/>
+          </a:xfrm>
+          <a:prstGeom prst="rect">
+            <a:avLst/>
+          </a:prstGeom>
+          <a:noFill/>
+        </p:spPr>
+        <p:txBody>
+          <a:bodyPr wrap="none" rtlCol="0">
+            <a:spAutoFit/>
+          </a:bodyPr>
+          <a:lstStyle/>
+          <a:p>
+            <a:r>
+              <a:rPr lang="en-US" sz="2800" dirty="0">
+                <a:solidFill>
+                  <a:srgbClr val="000000"/>
+                </a:solidFill>
+                <a:latin typeface="Roboto Light" panose="02000000000000000000" pitchFamily="2" charset="0"/>
+                <a:ea typeface="Roboto Light" panose="02000000000000000000" pitchFamily="2" charset="0"/>
+              </a:rPr>
+              <a:t>1. </a:t>
+            </a:r>
+            <a:r>
+              <a:rPr lang="en-US" sz="2800" dirty="0" err="1">
+                <a:solidFill>
+                  <a:srgbClr val="000000"/>
+                </a:solidFill>
+                <a:latin typeface="Roboto Light" panose="02000000000000000000" pitchFamily="2" charset="0"/>
+                <a:ea typeface="Roboto Light" panose="02000000000000000000" pitchFamily="2" charset="0"/>
+              </a:rPr>
+              <a:t>mérés</a:t>
+            </a:r>
+            <a:endParaRPr lang="hu-HU" sz="1200" dirty="0"/>
+          </a:p>
+        </p:txBody>
+      </p:sp>
+      <p:sp>
+        <p:nvSpPr>
+          <p:cNvPr id="35" name="Szövegdoboz 34">
+            <a:extLst>
+              <a:ext uri="{FF2B5EF4-FFF2-40B4-BE49-F238E27FC236}">
+                <a16:creationId xmlns:a16="http://schemas.microsoft.com/office/drawing/2014/main" id="{06E0F019-8CBB-4CCE-A90C-F883760D4D81}"/>
+              </a:ext>
+            </a:extLst>
+          </p:cNvPr>
+          <p:cNvSpPr txBox="1"/>
+          <p:nvPr/>
+        </p:nvSpPr>
+        <p:spPr>
+          <a:xfrm>
+            <a:off x="12732063" y="6096509"/>
+            <a:ext cx="2491388" cy="523220"/>
+          </a:xfrm>
+          <a:prstGeom prst="rect">
+            <a:avLst/>
+          </a:prstGeom>
+          <a:noFill/>
+        </p:spPr>
+        <p:txBody>
+          <a:bodyPr wrap="none" rtlCol="0">
+            <a:spAutoFit/>
+          </a:bodyPr>
+          <a:lstStyle/>
+          <a:p>
+            <a:r>
+              <a:rPr lang="en-US" sz="2800" dirty="0" err="1">
+                <a:solidFill>
+                  <a:srgbClr val="000000"/>
+                </a:solidFill>
+                <a:latin typeface="Roboto Light" panose="02000000000000000000" pitchFamily="2" charset="0"/>
+                <a:ea typeface="Roboto Light" panose="02000000000000000000" pitchFamily="2" charset="0"/>
+              </a:rPr>
+              <a:t>Skálázhatóság</a:t>
+            </a:r>
+            <a:endParaRPr lang="hu-HU" sz="1200" dirty="0"/>
+          </a:p>
+        </p:txBody>
+      </p:sp>
+      <p:pic>
+        <p:nvPicPr>
+          <p:cNvPr id="20" name="Kép 19">
+            <a:extLst>
+              <a:ext uri="{FF2B5EF4-FFF2-40B4-BE49-F238E27FC236}">
+                <a16:creationId xmlns:a16="http://schemas.microsoft.com/office/drawing/2014/main" id="{A0779BCE-10E8-4A63-94F6-A304E50A57D5}"/>
+              </a:ext>
+            </a:extLst>
+          </p:cNvPr>
+          <p:cNvPicPr>
+            <a:picLocks noChangeAspect="1"/>
+          </p:cNvPicPr>
+          <p:nvPr/>
+        </p:nvPicPr>
+        <p:blipFill>
+          <a:blip r:embed="rId5"/>
+          <a:stretch>
+            <a:fillRect/>
+          </a:stretch>
+        </p:blipFill>
+        <p:spPr>
+          <a:xfrm>
+            <a:off x="9230956" y="2910013"/>
+            <a:ext cx="8478970" cy="2640593"/>
+          </a:xfrm>
+          <a:prstGeom prst="rect">
+            <a:avLst/>
+          </a:prstGeom>
+        </p:spPr>
+      </p:pic>
+      <p:pic>
+        <p:nvPicPr>
+          <p:cNvPr id="21" name="Kép 20">
+            <a:extLst>
+              <a:ext uri="{FF2B5EF4-FFF2-40B4-BE49-F238E27FC236}">
+                <a16:creationId xmlns:a16="http://schemas.microsoft.com/office/drawing/2014/main" id="{93D2D8FD-2AC5-4394-AF79-46357012113D}"/>
+              </a:ext>
+            </a:extLst>
+          </p:cNvPr>
+          <p:cNvPicPr>
+            <a:picLocks noChangeAspect="1"/>
+          </p:cNvPicPr>
+          <p:nvPr/>
+        </p:nvPicPr>
+        <p:blipFill>
+          <a:blip r:embed="rId6"/>
+          <a:stretch>
+            <a:fillRect/>
+          </a:stretch>
+        </p:blipFill>
+        <p:spPr>
+          <a:xfrm>
+            <a:off x="558198" y="6688773"/>
+            <a:ext cx="9455905" cy="2639234"/>
+          </a:xfrm>
+          <a:prstGeom prst="rect">
+            <a:avLst/>
+          </a:prstGeom>
+        </p:spPr>
+      </p:pic>
+      <p:pic>
+        <p:nvPicPr>
+          <p:cNvPr id="36" name="Kép 35">
+            <a:extLst>
+              <a:ext uri="{FF2B5EF4-FFF2-40B4-BE49-F238E27FC236}">
+                <a16:creationId xmlns:a16="http://schemas.microsoft.com/office/drawing/2014/main" id="{1E86910D-F2F7-4FE1-88C8-3A697B6A4061}"/>
+              </a:ext>
+            </a:extLst>
+          </p:cNvPr>
+          <p:cNvPicPr>
+            <a:picLocks noChangeAspect="1"/>
+          </p:cNvPicPr>
+          <p:nvPr/>
+        </p:nvPicPr>
+        <p:blipFill>
+          <a:blip r:embed="rId7"/>
+          <a:stretch>
+            <a:fillRect/>
+          </a:stretch>
+        </p:blipFill>
+        <p:spPr>
+          <a:xfrm>
+            <a:off x="10245589" y="6688504"/>
+            <a:ext cx="7464337" cy="2639234"/>
+          </a:xfrm>
+          <a:prstGeom prst="rect">
+            <a:avLst/>
+          </a:prstGeom>
+        </p:spPr>
+      </p:pic>
+    </p:spTree>
+    <p:extLst>
+      <p:ext uri="{BB962C8B-B14F-4D97-AF65-F5344CB8AC3E}">
+        <p14:creationId xmlns:p14="http://schemas.microsoft.com/office/powerpoint/2010/main" val="1745179889"/>
+      </p:ext>
+    </p:extLst>
+  </p:cSld>
+  <p:clrMapOvr>
+    <a:masterClrMapping/>
+  </p:clrMapOvr>
+</p:sld>
+</file>
+
+<file path=ppt/slides/slide14.xml><?xml version="1.0" encoding="utf-8"?>
+<p:sld xmlns:a="http://schemas.openxmlformats.org/drawingml/2006/main" xmlns:r="http://schemas.openxmlformats.org/officeDocument/2006/relationships" xmlns:p="http://schemas.openxmlformats.org/presentationml/2006/main">
+  <p:cSld>
+    <p:spTree>
+      <p:nvGrpSpPr>
+        <p:cNvPr id="1" name=""/>
+        <p:cNvGrpSpPr/>
+        <p:nvPr/>
+      </p:nvGrpSpPr>
+      <p:grpSpPr>
+        <a:xfrm>
+          <a:off x="0" y="0"/>
+          <a:ext cx="0" cy="0"/>
+          <a:chOff x="0" y="0"/>
+          <a:chExt cx="0" cy="0"/>
+        </a:xfrm>
+      </p:grpSpPr>
+      <p:grpSp>
+        <p:nvGrpSpPr>
+          <p:cNvPr id="2" name="Group 2"/>
+          <p:cNvGrpSpPr/>
+          <p:nvPr/>
+        </p:nvGrpSpPr>
+        <p:grpSpPr>
+          <a:xfrm>
+            <a:off x="0" y="-987551"/>
+            <a:ext cx="18288000" cy="12262103"/>
+            <a:chOff x="0" y="0"/>
+            <a:chExt cx="24384000" cy="16349470"/>
+          </a:xfrm>
+        </p:grpSpPr>
+        <p:sp>
+          <p:nvSpPr>
+            <p:cNvPr id="3" name="Freeform 3"/>
+            <p:cNvSpPr/>
+            <p:nvPr/>
+          </p:nvSpPr>
+          <p:spPr>
+            <a:xfrm>
+              <a:off x="0" y="0"/>
+              <a:ext cx="8198458" cy="8198458"/>
+            </a:xfrm>
+            <a:custGeom>
+              <a:avLst/>
+              <a:gdLst/>
+              <a:ahLst/>
+              <a:cxnLst/>
+              <a:rect l="l" t="t" r="r" b="b"/>
+              <a:pathLst>
+                <a:path w="8198458" h="8198458">
+                  <a:moveTo>
+                    <a:pt x="0" y="0"/>
+                  </a:moveTo>
+                  <a:lnTo>
+                    <a:pt x="8198458" y="0"/>
+                  </a:lnTo>
+                  <a:lnTo>
+                    <a:pt x="8198458" y="8198458"/>
+                  </a:lnTo>
+                  <a:lnTo>
+                    <a:pt x="0" y="8198458"/>
+                  </a:lnTo>
+                  <a:lnTo>
+                    <a:pt x="0" y="0"/>
+                  </a:lnTo>
+                  <a:close/>
+                </a:path>
+              </a:pathLst>
+            </a:custGeom>
+            <a:blipFill>
+              <a:blip r:embed="rId2">
+                <a:alphaModFix amt="50000"/>
+                <a:extLst>
+                  <a:ext uri="{96DAC541-7B7A-43D3-8B79-37D633B846F1}">
+                    <asvg:svgBlip xmlns:asvg="http://schemas.microsoft.com/office/drawing/2016/SVG/main" r:embed="rId3"/>
+                  </a:ext>
+                </a:extLst>
+              </a:blip>
+              <a:stretch>
+                <a:fillRect/>
+              </a:stretch>
+            </a:blipFill>
+          </p:spPr>
+        </p:sp>
+        <p:sp>
+          <p:nvSpPr>
+            <p:cNvPr id="4" name="Freeform 4"/>
+            <p:cNvSpPr/>
+            <p:nvPr/>
+          </p:nvSpPr>
+          <p:spPr>
+            <a:xfrm>
+              <a:off x="0" y="8103568"/>
+              <a:ext cx="8198458" cy="8198458"/>
+            </a:xfrm>
+            <a:custGeom>
+              <a:avLst/>
+              <a:gdLst/>
+              <a:ahLst/>
+              <a:cxnLst/>
+              <a:rect l="l" t="t" r="r" b="b"/>
+              <a:pathLst>
+                <a:path w="8198458" h="8198458">
+                  <a:moveTo>
+                    <a:pt x="0" y="0"/>
+                  </a:moveTo>
+                  <a:lnTo>
+                    <a:pt x="8198458" y="0"/>
+                  </a:lnTo>
+                  <a:lnTo>
+                    <a:pt x="8198458" y="8198458"/>
+                  </a:lnTo>
+                  <a:lnTo>
+                    <a:pt x="0" y="8198458"/>
+                  </a:lnTo>
+                  <a:lnTo>
+                    <a:pt x="0" y="0"/>
+                  </a:lnTo>
+                  <a:close/>
+                </a:path>
+              </a:pathLst>
+            </a:custGeom>
+            <a:blipFill>
+              <a:blip r:embed="rId2">
+                <a:alphaModFix amt="50000"/>
+                <a:extLst>
+                  <a:ext uri="{96DAC541-7B7A-43D3-8B79-37D633B846F1}">
+                    <asvg:svgBlip xmlns:asvg="http://schemas.microsoft.com/office/drawing/2016/SVG/main" r:embed="rId3"/>
+                  </a:ext>
+                </a:extLst>
+              </a:blip>
+              <a:stretch>
+                <a:fillRect/>
+              </a:stretch>
+            </a:blipFill>
+          </p:spPr>
+        </p:sp>
+        <p:sp>
+          <p:nvSpPr>
+            <p:cNvPr id="5" name="Freeform 5"/>
+            <p:cNvSpPr/>
+            <p:nvPr/>
+          </p:nvSpPr>
+          <p:spPr>
+            <a:xfrm>
+              <a:off x="8107869" y="0"/>
+              <a:ext cx="8198458" cy="8198458"/>
+            </a:xfrm>
+            <a:custGeom>
+              <a:avLst/>
+              <a:gdLst/>
+              <a:ahLst/>
+              <a:cxnLst/>
+              <a:rect l="l" t="t" r="r" b="b"/>
+              <a:pathLst>
+                <a:path w="8198458" h="8198458">
+                  <a:moveTo>
+                    <a:pt x="0" y="0"/>
+                  </a:moveTo>
+                  <a:lnTo>
+                    <a:pt x="8198458" y="0"/>
+                  </a:lnTo>
+                  <a:lnTo>
+                    <a:pt x="8198458" y="8198458"/>
+                  </a:lnTo>
+                  <a:lnTo>
+                    <a:pt x="0" y="8198458"/>
+                  </a:lnTo>
+                  <a:lnTo>
+                    <a:pt x="0" y="0"/>
+                  </a:lnTo>
+                  <a:close/>
+                </a:path>
+              </a:pathLst>
+            </a:custGeom>
+            <a:blipFill>
+              <a:blip r:embed="rId2">
+                <a:alphaModFix amt="50000"/>
+                <a:extLst>
+                  <a:ext uri="{96DAC541-7B7A-43D3-8B79-37D633B846F1}">
+                    <asvg:svgBlip xmlns:asvg="http://schemas.microsoft.com/office/drawing/2016/SVG/main" r:embed="rId3"/>
+                  </a:ext>
+                </a:extLst>
+              </a:blip>
+              <a:stretch>
+                <a:fillRect/>
+              </a:stretch>
+            </a:blipFill>
+          </p:spPr>
+        </p:sp>
+        <p:sp>
+          <p:nvSpPr>
+            <p:cNvPr id="6" name="Freeform 6"/>
+            <p:cNvSpPr/>
+            <p:nvPr/>
+          </p:nvSpPr>
+          <p:spPr>
+            <a:xfrm>
+              <a:off x="8107869" y="8103568"/>
+              <a:ext cx="8198458" cy="8198458"/>
+            </a:xfrm>
+            <a:custGeom>
+              <a:avLst/>
+              <a:gdLst/>
+              <a:ahLst/>
+              <a:cxnLst/>
+              <a:rect l="l" t="t" r="r" b="b"/>
+              <a:pathLst>
+                <a:path w="8198458" h="8198458">
+                  <a:moveTo>
+                    <a:pt x="0" y="0"/>
+                  </a:moveTo>
+                  <a:lnTo>
+                    <a:pt x="8198458" y="0"/>
+                  </a:lnTo>
+                  <a:lnTo>
+                    <a:pt x="8198458" y="8198458"/>
+                  </a:lnTo>
+                  <a:lnTo>
+                    <a:pt x="0" y="8198458"/>
+                  </a:lnTo>
+                  <a:lnTo>
+                    <a:pt x="0" y="0"/>
+                  </a:lnTo>
+                  <a:close/>
+                </a:path>
+              </a:pathLst>
+            </a:custGeom>
+            <a:blipFill>
+              <a:blip r:embed="rId2">
+                <a:alphaModFix amt="50000"/>
+                <a:extLst>
+                  <a:ext uri="{96DAC541-7B7A-43D3-8B79-37D633B846F1}">
+                    <asvg:svgBlip xmlns:asvg="http://schemas.microsoft.com/office/drawing/2016/SVG/main" r:embed="rId3"/>
+                  </a:ext>
+                </a:extLst>
+              </a:blip>
+              <a:stretch>
+                <a:fillRect/>
+              </a:stretch>
+            </a:blipFill>
+          </p:spPr>
+        </p:sp>
+        <p:sp>
+          <p:nvSpPr>
+            <p:cNvPr id="7" name="Freeform 7"/>
+            <p:cNvSpPr/>
+            <p:nvPr/>
+          </p:nvSpPr>
+          <p:spPr>
+            <a:xfrm>
+              <a:off x="16185542" y="47445"/>
+              <a:ext cx="8198458" cy="8198458"/>
+            </a:xfrm>
+            <a:custGeom>
+              <a:avLst/>
+              <a:gdLst/>
+              <a:ahLst/>
+              <a:cxnLst/>
+              <a:rect l="l" t="t" r="r" b="b"/>
+              <a:pathLst>
+                <a:path w="8198458" h="8198458">
+                  <a:moveTo>
+                    <a:pt x="0" y="0"/>
+                  </a:moveTo>
+                  <a:lnTo>
+                    <a:pt x="8198458" y="0"/>
+                  </a:lnTo>
+                  <a:lnTo>
+                    <a:pt x="8198458" y="8198457"/>
+                  </a:lnTo>
+                  <a:lnTo>
+                    <a:pt x="0" y="8198457"/>
+                  </a:lnTo>
+                  <a:lnTo>
+                    <a:pt x="0" y="0"/>
+                  </a:lnTo>
+                  <a:close/>
+                </a:path>
+              </a:pathLst>
+            </a:custGeom>
+            <a:blipFill>
+              <a:blip r:embed="rId2">
+                <a:alphaModFix amt="50000"/>
+                <a:extLst>
+                  <a:ext uri="{96DAC541-7B7A-43D3-8B79-37D633B846F1}">
+                    <asvg:svgBlip xmlns:asvg="http://schemas.microsoft.com/office/drawing/2016/SVG/main" r:embed="rId3"/>
+                  </a:ext>
+                </a:extLst>
+              </a:blip>
+              <a:stretch>
+                <a:fillRect/>
+              </a:stretch>
+            </a:blipFill>
+          </p:spPr>
+        </p:sp>
+        <p:sp>
+          <p:nvSpPr>
+            <p:cNvPr id="8" name="Freeform 8"/>
+            <p:cNvSpPr/>
+            <p:nvPr/>
+          </p:nvSpPr>
+          <p:spPr>
+            <a:xfrm>
+              <a:off x="16185542" y="8151013"/>
+              <a:ext cx="8198458" cy="8198458"/>
+            </a:xfrm>
+            <a:custGeom>
+              <a:avLst/>
+              <a:gdLst/>
+              <a:ahLst/>
+              <a:cxnLst/>
+              <a:rect l="l" t="t" r="r" b="b"/>
+              <a:pathLst>
+                <a:path w="8198458" h="8198458">
+                  <a:moveTo>
+                    <a:pt x="0" y="0"/>
+                  </a:moveTo>
+                  <a:lnTo>
+                    <a:pt x="8198458" y="0"/>
+                  </a:lnTo>
+                  <a:lnTo>
+                    <a:pt x="8198458" y="8198457"/>
+                  </a:lnTo>
+                  <a:lnTo>
+                    <a:pt x="0" y="8198457"/>
+                  </a:lnTo>
+                  <a:lnTo>
+                    <a:pt x="0" y="0"/>
+                  </a:lnTo>
+                  <a:close/>
+                </a:path>
+              </a:pathLst>
+            </a:custGeom>
+            <a:blipFill>
+              <a:blip r:embed="rId2">
+                <a:alphaModFix amt="50000"/>
+                <a:extLst>
+                  <a:ext uri="{96DAC541-7B7A-43D3-8B79-37D633B846F1}">
+                    <asvg:svgBlip xmlns:asvg="http://schemas.microsoft.com/office/drawing/2016/SVG/main" r:embed="rId3"/>
+                  </a:ext>
+                </a:extLst>
+              </a:blip>
+              <a:stretch>
+                <a:fillRect/>
+              </a:stretch>
+            </a:blipFill>
+          </p:spPr>
+        </p:sp>
+      </p:grpSp>
+      <p:grpSp>
+        <p:nvGrpSpPr>
+          <p:cNvPr id="9" name="Group 9"/>
+          <p:cNvGrpSpPr/>
+          <p:nvPr/>
+        </p:nvGrpSpPr>
+        <p:grpSpPr>
+          <a:xfrm>
+            <a:off x="-2038330" y="-2073710"/>
+            <a:ext cx="5041299" cy="5041299"/>
+            <a:chOff x="0" y="0"/>
+            <a:chExt cx="812800" cy="812800"/>
+          </a:xfrm>
+        </p:grpSpPr>
+        <p:sp>
+          <p:nvSpPr>
+            <p:cNvPr id="10" name="Freeform 10"/>
+            <p:cNvSpPr/>
+            <p:nvPr/>
+          </p:nvSpPr>
+          <p:spPr>
+            <a:xfrm>
+              <a:off x="0" y="0"/>
+              <a:ext cx="812800" cy="812800"/>
+            </a:xfrm>
+            <a:custGeom>
+              <a:avLst/>
+              <a:gdLst/>
+              <a:ahLst/>
+              <a:cxnLst/>
+              <a:rect l="l" t="t" r="r" b="b"/>
+              <a:pathLst>
+                <a:path w="812800" h="812800">
+                  <a:moveTo>
+                    <a:pt x="406400" y="0"/>
+                  </a:moveTo>
+                  <a:cubicBezTo>
+                    <a:pt x="181951" y="0"/>
+                    <a:pt x="0" y="181951"/>
+                    <a:pt x="0" y="406400"/>
+                  </a:cubicBezTo>
+                  <a:cubicBezTo>
+                    <a:pt x="0" y="630849"/>
+                    <a:pt x="181951" y="812800"/>
+                    <a:pt x="406400" y="812800"/>
+                  </a:cubicBezTo>
+                  <a:cubicBezTo>
+                    <a:pt x="630849" y="812800"/>
+                    <a:pt x="812800" y="630849"/>
+                    <a:pt x="812800" y="406400"/>
+                  </a:cubicBezTo>
+                  <a:cubicBezTo>
+                    <a:pt x="812800" y="181951"/>
+                    <a:pt x="630849" y="0"/>
+                    <a:pt x="406400" y="0"/>
+                  </a:cubicBezTo>
+                  <a:close/>
+                </a:path>
+              </a:pathLst>
+            </a:custGeom>
+            <a:solidFill>
+              <a:srgbClr val="004AAD"/>
+            </a:solidFill>
+            <a:ln cap="sq">
+              <a:noFill/>
+              <a:prstDash val="solid"/>
+              <a:miter/>
+            </a:ln>
+          </p:spPr>
+        </p:sp>
+        <p:sp>
+          <p:nvSpPr>
+            <p:cNvPr id="11" name="TextBox 11"/>
+            <p:cNvSpPr txBox="1"/>
+            <p:nvPr/>
+          </p:nvSpPr>
+          <p:spPr>
+            <a:xfrm>
+              <a:off x="76200" y="38100"/>
+              <a:ext cx="660400" cy="698500"/>
+            </a:xfrm>
+            <a:prstGeom prst="rect">
+              <a:avLst/>
+            </a:prstGeom>
+          </p:spPr>
+          <p:txBody>
+            <a:bodyPr lIns="50800" tIns="50800" rIns="50800" bIns="50800" rtlCol="0" anchor="ctr"/>
+            <a:lstStyle/>
+            <a:p>
+              <a:pPr algn="ctr">
+                <a:lnSpc>
+                  <a:spcPts val="2800"/>
+                </a:lnSpc>
+              </a:pPr>
+              <a:endParaRPr/>
+            </a:p>
+          </p:txBody>
+        </p:sp>
+      </p:grpSp>
+      <p:sp>
+        <p:nvSpPr>
+          <p:cNvPr id="12" name="TextBox 12"/>
+          <p:cNvSpPr txBox="1"/>
+          <p:nvPr/>
+        </p:nvSpPr>
+        <p:spPr>
+          <a:xfrm>
+            <a:off x="411934" y="502681"/>
+            <a:ext cx="1939447" cy="1377949"/>
+          </a:xfrm>
+          <a:prstGeom prst="rect">
+            <a:avLst/>
+          </a:prstGeom>
+        </p:spPr>
+        <p:txBody>
+          <a:bodyPr lIns="0" tIns="0" rIns="0" bIns="0" rtlCol="0" anchor="t">
+            <a:spAutoFit/>
+          </a:bodyPr>
+          <a:lstStyle/>
+          <a:p>
+            <a:pPr algn="ctr">
+              <a:lnSpc>
+                <a:spcPts val="11200"/>
+              </a:lnSpc>
+            </a:pPr>
+            <a:r>
+              <a:rPr lang="en-US" sz="8000" dirty="0">
+                <a:solidFill>
+                  <a:srgbClr val="FFFFFF"/>
+                </a:solidFill>
+                <a:latin typeface="Nunito Sans Heavy"/>
+              </a:rPr>
+              <a:t>12</a:t>
+            </a:r>
+          </a:p>
+        </p:txBody>
+      </p:sp>
+      <p:sp>
+        <p:nvSpPr>
+          <p:cNvPr id="13" name="TextBox 13"/>
+          <p:cNvSpPr txBox="1"/>
+          <p:nvPr/>
+        </p:nvSpPr>
+        <p:spPr>
+          <a:xfrm>
+            <a:off x="2232683" y="502920"/>
+            <a:ext cx="13822634" cy="1333635"/>
+          </a:xfrm>
+          <a:prstGeom prst="rect">
+            <a:avLst/>
+          </a:prstGeom>
+        </p:spPr>
+        <p:txBody>
+          <a:bodyPr wrap="square" lIns="0" tIns="0" rIns="0" bIns="0" rtlCol="0" anchor="t">
+            <a:spAutoFit/>
+          </a:bodyPr>
+          <a:lstStyle/>
+          <a:p>
+            <a:pPr algn="ctr">
+              <a:lnSpc>
+                <a:spcPts val="11200"/>
+              </a:lnSpc>
+            </a:pPr>
+            <a:r>
+              <a:rPr lang="en-US" sz="8000" dirty="0">
+                <a:solidFill>
+                  <a:srgbClr val="004AAD"/>
+                </a:solidFill>
+                <a:latin typeface="Roboto Medium" panose="02000000000000000000" pitchFamily="2" charset="0"/>
+                <a:ea typeface="Roboto Medium" panose="02000000000000000000" pitchFamily="2" charset="0"/>
+              </a:rPr>
+              <a:t>Path </a:t>
+            </a:r>
+            <a:r>
+              <a:rPr lang="en-US" sz="8000" dirty="0" err="1">
+                <a:solidFill>
+                  <a:srgbClr val="004AAD"/>
+                </a:solidFill>
+                <a:latin typeface="Roboto Medium" panose="02000000000000000000" pitchFamily="2" charset="0"/>
+                <a:ea typeface="Roboto Medium" panose="02000000000000000000" pitchFamily="2" charset="0"/>
+              </a:rPr>
+              <a:t>nyelv</a:t>
+            </a:r>
+            <a:endParaRPr lang="en-US" sz="8000" dirty="0">
+              <a:solidFill>
+                <a:srgbClr val="004AAD"/>
+              </a:solidFill>
+              <a:latin typeface="Roboto Medium" panose="02000000000000000000" pitchFamily="2" charset="0"/>
+              <a:ea typeface="Roboto Medium" panose="02000000000000000000" pitchFamily="2" charset="0"/>
+            </a:endParaRPr>
+          </a:p>
+        </p:txBody>
+      </p:sp>
+      <p:pic>
+        <p:nvPicPr>
+          <p:cNvPr id="14" name="Kép 13">
+            <a:extLst>
+              <a:ext uri="{FF2B5EF4-FFF2-40B4-BE49-F238E27FC236}">
+                <a16:creationId xmlns:a16="http://schemas.microsoft.com/office/drawing/2014/main" id="{DB3EFF3A-C264-4752-BA80-B7B087551E75}"/>
+              </a:ext>
+            </a:extLst>
+          </p:cNvPr>
+          <p:cNvPicPr>
+            <a:picLocks noChangeAspect="1"/>
+          </p:cNvPicPr>
+          <p:nvPr/>
+        </p:nvPicPr>
+        <p:blipFill>
+          <a:blip r:embed="rId4"/>
+          <a:stretch>
+            <a:fillRect/>
+          </a:stretch>
+        </p:blipFill>
+        <p:spPr>
+          <a:xfrm>
+            <a:off x="3573925" y="2967589"/>
+            <a:ext cx="11140149" cy="5777203"/>
+          </a:xfrm>
+          <a:prstGeom prst="rect">
+            <a:avLst/>
+          </a:prstGeom>
+        </p:spPr>
+      </p:pic>
+    </p:spTree>
+    <p:extLst>
+      <p:ext uri="{BB962C8B-B14F-4D97-AF65-F5344CB8AC3E}">
+        <p14:creationId xmlns:p14="http://schemas.microsoft.com/office/powerpoint/2010/main" val="3711485619"/>
+      </p:ext>
+    </p:extLst>
+  </p:cSld>
+  <p:clrMapOvr>
+    <a:masterClrMapping/>
+  </p:clrMapOvr>
+</p:sld>
+</file>
+
+<file path=ppt/slides/slide15.xml><?xml version="1.0" encoding="utf-8"?>
+<p:sld xmlns:a="http://schemas.openxmlformats.org/drawingml/2006/main" xmlns:r="http://schemas.openxmlformats.org/officeDocument/2006/relationships" xmlns:p="http://schemas.openxmlformats.org/presentationml/2006/main">
+  <p:cSld>
+    <p:spTree>
+      <p:nvGrpSpPr>
+        <p:cNvPr id="1" name=""/>
+        <p:cNvGrpSpPr/>
+        <p:nvPr/>
+      </p:nvGrpSpPr>
+      <p:grpSpPr>
+        <a:xfrm>
+          <a:off x="0" y="0"/>
+          <a:ext cx="0" cy="0"/>
+          <a:chOff x="0" y="0"/>
+          <a:chExt cx="0" cy="0"/>
+        </a:xfrm>
+      </p:grpSpPr>
+      <p:grpSp>
+        <p:nvGrpSpPr>
+          <p:cNvPr id="2" name="Group 2"/>
+          <p:cNvGrpSpPr/>
+          <p:nvPr/>
+        </p:nvGrpSpPr>
+        <p:grpSpPr>
+          <a:xfrm>
+            <a:off x="0" y="-987551"/>
+            <a:ext cx="18288000" cy="12262103"/>
+            <a:chOff x="0" y="0"/>
+            <a:chExt cx="24384000" cy="16349470"/>
+          </a:xfrm>
+        </p:grpSpPr>
+        <p:sp>
+          <p:nvSpPr>
+            <p:cNvPr id="3" name="Freeform 3"/>
+            <p:cNvSpPr/>
+            <p:nvPr/>
+          </p:nvSpPr>
+          <p:spPr>
+            <a:xfrm>
+              <a:off x="0" y="0"/>
+              <a:ext cx="8198458" cy="8198458"/>
+            </a:xfrm>
+            <a:custGeom>
+              <a:avLst/>
+              <a:gdLst/>
+              <a:ahLst/>
+              <a:cxnLst/>
+              <a:rect l="l" t="t" r="r" b="b"/>
+              <a:pathLst>
+                <a:path w="8198458" h="8198458">
+                  <a:moveTo>
+                    <a:pt x="0" y="0"/>
+                  </a:moveTo>
+                  <a:lnTo>
+                    <a:pt x="8198458" y="0"/>
+                  </a:lnTo>
+                  <a:lnTo>
+                    <a:pt x="8198458" y="8198458"/>
+                  </a:lnTo>
+                  <a:lnTo>
+                    <a:pt x="0" y="8198458"/>
+                  </a:lnTo>
+                  <a:lnTo>
+                    <a:pt x="0" y="0"/>
+                  </a:lnTo>
+                  <a:close/>
+                </a:path>
+              </a:pathLst>
+            </a:custGeom>
+            <a:blipFill>
+              <a:blip r:embed="rId2">
+                <a:alphaModFix amt="50000"/>
+                <a:extLst>
+                  <a:ext uri="{96DAC541-7B7A-43D3-8B79-37D633B846F1}">
+                    <asvg:svgBlip xmlns:asvg="http://schemas.microsoft.com/office/drawing/2016/SVG/main" r:embed="rId3"/>
+                  </a:ext>
+                </a:extLst>
+              </a:blip>
+              <a:stretch>
+                <a:fillRect/>
+              </a:stretch>
+            </a:blipFill>
+          </p:spPr>
+        </p:sp>
+        <p:sp>
+          <p:nvSpPr>
+            <p:cNvPr id="4" name="Freeform 4"/>
+            <p:cNvSpPr/>
+            <p:nvPr/>
+          </p:nvSpPr>
+          <p:spPr>
+            <a:xfrm>
+              <a:off x="0" y="8103568"/>
+              <a:ext cx="8198458" cy="8198458"/>
+            </a:xfrm>
+            <a:custGeom>
+              <a:avLst/>
+              <a:gdLst/>
+              <a:ahLst/>
+              <a:cxnLst/>
+              <a:rect l="l" t="t" r="r" b="b"/>
+              <a:pathLst>
+                <a:path w="8198458" h="8198458">
+                  <a:moveTo>
+                    <a:pt x="0" y="0"/>
+                  </a:moveTo>
+                  <a:lnTo>
+                    <a:pt x="8198458" y="0"/>
+                  </a:lnTo>
+                  <a:lnTo>
+                    <a:pt x="8198458" y="8198458"/>
+                  </a:lnTo>
+                  <a:lnTo>
+                    <a:pt x="0" y="8198458"/>
+                  </a:lnTo>
+                  <a:lnTo>
+                    <a:pt x="0" y="0"/>
+                  </a:lnTo>
+                  <a:close/>
+                </a:path>
+              </a:pathLst>
+            </a:custGeom>
+            <a:blipFill>
+              <a:blip r:embed="rId2">
+                <a:alphaModFix amt="50000"/>
+                <a:extLst>
+                  <a:ext uri="{96DAC541-7B7A-43D3-8B79-37D633B846F1}">
+                    <asvg:svgBlip xmlns:asvg="http://schemas.microsoft.com/office/drawing/2016/SVG/main" r:embed="rId3"/>
+                  </a:ext>
+                </a:extLst>
+              </a:blip>
+              <a:stretch>
+                <a:fillRect/>
+              </a:stretch>
+            </a:blipFill>
+          </p:spPr>
+        </p:sp>
+        <p:sp>
+          <p:nvSpPr>
+            <p:cNvPr id="5" name="Freeform 5"/>
+            <p:cNvSpPr/>
+            <p:nvPr/>
+          </p:nvSpPr>
+          <p:spPr>
+            <a:xfrm>
+              <a:off x="8107869" y="0"/>
+              <a:ext cx="8198458" cy="8198458"/>
+            </a:xfrm>
+            <a:custGeom>
+              <a:avLst/>
+              <a:gdLst/>
+              <a:ahLst/>
+              <a:cxnLst/>
+              <a:rect l="l" t="t" r="r" b="b"/>
+              <a:pathLst>
+                <a:path w="8198458" h="8198458">
+                  <a:moveTo>
+                    <a:pt x="0" y="0"/>
+                  </a:moveTo>
+                  <a:lnTo>
+                    <a:pt x="8198458" y="0"/>
+                  </a:lnTo>
+                  <a:lnTo>
+                    <a:pt x="8198458" y="8198458"/>
+                  </a:lnTo>
+                  <a:lnTo>
+                    <a:pt x="0" y="8198458"/>
+                  </a:lnTo>
+                  <a:lnTo>
+                    <a:pt x="0" y="0"/>
+                  </a:lnTo>
+                  <a:close/>
+                </a:path>
+              </a:pathLst>
+            </a:custGeom>
+            <a:blipFill>
+              <a:blip r:embed="rId2">
+                <a:alphaModFix amt="50000"/>
+                <a:extLst>
+                  <a:ext uri="{96DAC541-7B7A-43D3-8B79-37D633B846F1}">
+                    <asvg:svgBlip xmlns:asvg="http://schemas.microsoft.com/office/drawing/2016/SVG/main" r:embed="rId3"/>
+                  </a:ext>
+                </a:extLst>
+              </a:blip>
+              <a:stretch>
+                <a:fillRect/>
+              </a:stretch>
+            </a:blipFill>
+          </p:spPr>
+        </p:sp>
+        <p:sp>
+          <p:nvSpPr>
+            <p:cNvPr id="6" name="Freeform 6"/>
+            <p:cNvSpPr/>
+            <p:nvPr/>
+          </p:nvSpPr>
+          <p:spPr>
+            <a:xfrm>
+              <a:off x="8107869" y="8103568"/>
+              <a:ext cx="8198458" cy="8198458"/>
+            </a:xfrm>
+            <a:custGeom>
+              <a:avLst/>
+              <a:gdLst/>
+              <a:ahLst/>
+              <a:cxnLst/>
+              <a:rect l="l" t="t" r="r" b="b"/>
+              <a:pathLst>
+                <a:path w="8198458" h="8198458">
+                  <a:moveTo>
+                    <a:pt x="0" y="0"/>
+                  </a:moveTo>
+                  <a:lnTo>
+                    <a:pt x="8198458" y="0"/>
+                  </a:lnTo>
+                  <a:lnTo>
+                    <a:pt x="8198458" y="8198458"/>
+                  </a:lnTo>
+                  <a:lnTo>
+                    <a:pt x="0" y="8198458"/>
+                  </a:lnTo>
+                  <a:lnTo>
+                    <a:pt x="0" y="0"/>
+                  </a:lnTo>
+                  <a:close/>
+                </a:path>
+              </a:pathLst>
+            </a:custGeom>
+            <a:blipFill>
+              <a:blip r:embed="rId2">
+                <a:alphaModFix amt="50000"/>
+                <a:extLst>
+                  <a:ext uri="{96DAC541-7B7A-43D3-8B79-37D633B846F1}">
+                    <asvg:svgBlip xmlns:asvg="http://schemas.microsoft.com/office/drawing/2016/SVG/main" r:embed="rId3"/>
+                  </a:ext>
+                </a:extLst>
+              </a:blip>
+              <a:stretch>
+                <a:fillRect/>
+              </a:stretch>
+            </a:blipFill>
+          </p:spPr>
+        </p:sp>
+        <p:sp>
+          <p:nvSpPr>
+            <p:cNvPr id="7" name="Freeform 7"/>
+            <p:cNvSpPr/>
+            <p:nvPr/>
+          </p:nvSpPr>
+          <p:spPr>
+            <a:xfrm>
+              <a:off x="16185542" y="47445"/>
+              <a:ext cx="8198458" cy="8198458"/>
+            </a:xfrm>
+            <a:custGeom>
+              <a:avLst/>
+              <a:gdLst/>
+              <a:ahLst/>
+              <a:cxnLst/>
+              <a:rect l="l" t="t" r="r" b="b"/>
+              <a:pathLst>
+                <a:path w="8198458" h="8198458">
+                  <a:moveTo>
+                    <a:pt x="0" y="0"/>
+                  </a:moveTo>
+                  <a:lnTo>
+                    <a:pt x="8198458" y="0"/>
+                  </a:lnTo>
+                  <a:lnTo>
+                    <a:pt x="8198458" y="8198457"/>
+                  </a:lnTo>
+                  <a:lnTo>
+                    <a:pt x="0" y="8198457"/>
+                  </a:lnTo>
+                  <a:lnTo>
+                    <a:pt x="0" y="0"/>
+                  </a:lnTo>
+                  <a:close/>
+                </a:path>
+              </a:pathLst>
+            </a:custGeom>
+            <a:blipFill>
+              <a:blip r:embed="rId2">
+                <a:alphaModFix amt="50000"/>
+                <a:extLst>
+                  <a:ext uri="{96DAC541-7B7A-43D3-8B79-37D633B846F1}">
+                    <asvg:svgBlip xmlns:asvg="http://schemas.microsoft.com/office/drawing/2016/SVG/main" r:embed="rId3"/>
+                  </a:ext>
+                </a:extLst>
+              </a:blip>
+              <a:stretch>
+                <a:fillRect/>
+              </a:stretch>
+            </a:blipFill>
+          </p:spPr>
+        </p:sp>
+        <p:sp>
+          <p:nvSpPr>
+            <p:cNvPr id="8" name="Freeform 8"/>
+            <p:cNvSpPr/>
+            <p:nvPr/>
+          </p:nvSpPr>
+          <p:spPr>
+            <a:xfrm>
+              <a:off x="16185542" y="8151013"/>
+              <a:ext cx="8198458" cy="8198458"/>
+            </a:xfrm>
+            <a:custGeom>
+              <a:avLst/>
+              <a:gdLst/>
+              <a:ahLst/>
+              <a:cxnLst/>
+              <a:rect l="l" t="t" r="r" b="b"/>
+              <a:pathLst>
+                <a:path w="8198458" h="8198458">
+                  <a:moveTo>
+                    <a:pt x="0" y="0"/>
+                  </a:moveTo>
+                  <a:lnTo>
+                    <a:pt x="8198458" y="0"/>
+                  </a:lnTo>
+                  <a:lnTo>
+                    <a:pt x="8198458" y="8198457"/>
+                  </a:lnTo>
+                  <a:lnTo>
+                    <a:pt x="0" y="8198457"/>
+                  </a:lnTo>
+                  <a:lnTo>
+                    <a:pt x="0" y="0"/>
+                  </a:lnTo>
+                  <a:close/>
+                </a:path>
+              </a:pathLst>
+            </a:custGeom>
+            <a:blipFill>
+              <a:blip r:embed="rId2">
+                <a:alphaModFix amt="50000"/>
+                <a:extLst>
+                  <a:ext uri="{96DAC541-7B7A-43D3-8B79-37D633B846F1}">
+                    <asvg:svgBlip xmlns:asvg="http://schemas.microsoft.com/office/drawing/2016/SVG/main" r:embed="rId3"/>
+                  </a:ext>
+                </a:extLst>
+              </a:blip>
+              <a:stretch>
+                <a:fillRect/>
+              </a:stretch>
+            </a:blipFill>
+          </p:spPr>
+        </p:sp>
+      </p:grpSp>
+      <p:grpSp>
+        <p:nvGrpSpPr>
+          <p:cNvPr id="9" name="Group 9"/>
+          <p:cNvGrpSpPr/>
+          <p:nvPr/>
+        </p:nvGrpSpPr>
+        <p:grpSpPr>
+          <a:xfrm>
+            <a:off x="-2038330" y="-2073710"/>
+            <a:ext cx="5041299" cy="5041299"/>
+            <a:chOff x="0" y="0"/>
+            <a:chExt cx="812800" cy="812800"/>
+          </a:xfrm>
+        </p:grpSpPr>
+        <p:sp>
+          <p:nvSpPr>
+            <p:cNvPr id="10" name="Freeform 10"/>
+            <p:cNvSpPr/>
+            <p:nvPr/>
+          </p:nvSpPr>
+          <p:spPr>
+            <a:xfrm>
+              <a:off x="0" y="0"/>
+              <a:ext cx="812800" cy="812800"/>
+            </a:xfrm>
+            <a:custGeom>
+              <a:avLst/>
+              <a:gdLst/>
+              <a:ahLst/>
+              <a:cxnLst/>
+              <a:rect l="l" t="t" r="r" b="b"/>
+              <a:pathLst>
+                <a:path w="812800" h="812800">
+                  <a:moveTo>
+                    <a:pt x="406400" y="0"/>
+                  </a:moveTo>
+                  <a:cubicBezTo>
+                    <a:pt x="181951" y="0"/>
+                    <a:pt x="0" y="181951"/>
+                    <a:pt x="0" y="406400"/>
+                  </a:cubicBezTo>
+                  <a:cubicBezTo>
+                    <a:pt x="0" y="630849"/>
+                    <a:pt x="181951" y="812800"/>
+                    <a:pt x="406400" y="812800"/>
+                  </a:cubicBezTo>
+                  <a:cubicBezTo>
+                    <a:pt x="630849" y="812800"/>
+                    <a:pt x="812800" y="630849"/>
+                    <a:pt x="812800" y="406400"/>
+                  </a:cubicBezTo>
+                  <a:cubicBezTo>
+                    <a:pt x="812800" y="181951"/>
+                    <a:pt x="630849" y="0"/>
+                    <a:pt x="406400" y="0"/>
+                  </a:cubicBezTo>
+                  <a:close/>
+                </a:path>
+              </a:pathLst>
+            </a:custGeom>
+            <a:solidFill>
+              <a:srgbClr val="004AAD"/>
+            </a:solidFill>
+            <a:ln cap="sq">
+              <a:noFill/>
+              <a:prstDash val="solid"/>
+              <a:miter/>
+            </a:ln>
+          </p:spPr>
+        </p:sp>
+        <p:sp>
+          <p:nvSpPr>
+            <p:cNvPr id="11" name="TextBox 11"/>
+            <p:cNvSpPr txBox="1"/>
+            <p:nvPr/>
+          </p:nvSpPr>
+          <p:spPr>
+            <a:xfrm>
+              <a:off x="76200" y="38100"/>
+              <a:ext cx="660400" cy="698500"/>
+            </a:xfrm>
+            <a:prstGeom prst="rect">
+              <a:avLst/>
+            </a:prstGeom>
+          </p:spPr>
+          <p:txBody>
+            <a:bodyPr lIns="50800" tIns="50800" rIns="50800" bIns="50800" rtlCol="0" anchor="ctr"/>
+            <a:lstStyle/>
+            <a:p>
+              <a:pPr algn="ctr">
+                <a:lnSpc>
+                  <a:spcPts val="2800"/>
+                </a:lnSpc>
+              </a:pPr>
+              <a:endParaRPr/>
+            </a:p>
+          </p:txBody>
+        </p:sp>
+      </p:grpSp>
+      <p:sp>
+        <p:nvSpPr>
+          <p:cNvPr id="12" name="TextBox 12"/>
+          <p:cNvSpPr txBox="1"/>
+          <p:nvPr/>
+        </p:nvSpPr>
+        <p:spPr>
+          <a:xfrm>
+            <a:off x="411934" y="502681"/>
+            <a:ext cx="1939447" cy="1377949"/>
+          </a:xfrm>
+          <a:prstGeom prst="rect">
+            <a:avLst/>
+          </a:prstGeom>
+        </p:spPr>
+        <p:txBody>
+          <a:bodyPr lIns="0" tIns="0" rIns="0" bIns="0" rtlCol="0" anchor="t">
+            <a:spAutoFit/>
+          </a:bodyPr>
+          <a:lstStyle/>
+          <a:p>
+            <a:pPr algn="ctr">
+              <a:lnSpc>
+                <a:spcPts val="11200"/>
+              </a:lnSpc>
+            </a:pPr>
+            <a:r>
+              <a:rPr lang="en-US" sz="8000" dirty="0">
+                <a:solidFill>
+                  <a:srgbClr val="FFFFFF"/>
+                </a:solidFill>
+                <a:latin typeface="Nunito Sans Heavy"/>
+              </a:rPr>
+              <a:t>1</a:t>
+            </a:r>
+            <a:r>
+              <a:rPr lang="hu-HU" sz="8000" dirty="0">
+                <a:solidFill>
+                  <a:srgbClr val="FFFFFF"/>
+                </a:solidFill>
+                <a:latin typeface="Nunito Sans Heavy"/>
+              </a:rPr>
+              <a:t>3</a:t>
+            </a:r>
+            <a:endParaRPr lang="en-US" sz="8000" dirty="0">
+              <a:solidFill>
+                <a:srgbClr val="FFFFFF"/>
+              </a:solidFill>
+              <a:latin typeface="Nunito Sans Heavy"/>
+            </a:endParaRPr>
+          </a:p>
+        </p:txBody>
+      </p:sp>
+      <p:sp>
+        <p:nvSpPr>
+          <p:cNvPr id="13" name="TextBox 13"/>
+          <p:cNvSpPr txBox="1"/>
+          <p:nvPr/>
+        </p:nvSpPr>
+        <p:spPr>
+          <a:xfrm>
+            <a:off x="2232683" y="502920"/>
+            <a:ext cx="13822634" cy="1333635"/>
+          </a:xfrm>
+          <a:prstGeom prst="rect">
+            <a:avLst/>
+          </a:prstGeom>
+        </p:spPr>
+        <p:txBody>
+          <a:bodyPr wrap="square" lIns="0" tIns="0" rIns="0" bIns="0" rtlCol="0" anchor="t">
+            <a:spAutoFit/>
+          </a:bodyPr>
+          <a:lstStyle/>
+          <a:p>
+            <a:pPr algn="ctr">
+              <a:lnSpc>
+                <a:spcPts val="11200"/>
+              </a:lnSpc>
+            </a:pPr>
+            <a:r>
+              <a:rPr lang="hu-HU" sz="8000" dirty="0">
+                <a:solidFill>
+                  <a:srgbClr val="004AAD"/>
+                </a:solidFill>
+                <a:latin typeface="Roboto Medium" panose="02000000000000000000" pitchFamily="2" charset="0"/>
+                <a:ea typeface="Roboto Medium" panose="02000000000000000000" pitchFamily="2" charset="0"/>
+              </a:rPr>
+              <a:t>Lekérdezések</a:t>
+            </a:r>
+            <a:endParaRPr lang="en-US" sz="8000" dirty="0">
+              <a:solidFill>
+                <a:srgbClr val="004AAD"/>
+              </a:solidFill>
+              <a:latin typeface="Roboto Medium" panose="02000000000000000000" pitchFamily="2" charset="0"/>
+              <a:ea typeface="Roboto Medium" panose="02000000000000000000" pitchFamily="2" charset="0"/>
+            </a:endParaRPr>
+          </a:p>
+        </p:txBody>
+      </p:sp>
+      <p:pic>
+        <p:nvPicPr>
+          <p:cNvPr id="15" name="Kép 14">
+            <a:extLst>
+              <a:ext uri="{FF2B5EF4-FFF2-40B4-BE49-F238E27FC236}">
+                <a16:creationId xmlns:a16="http://schemas.microsoft.com/office/drawing/2014/main" id="{460DA08F-AE0B-4AD9-B769-0B18900653D8}"/>
+              </a:ext>
+            </a:extLst>
+          </p:cNvPr>
+          <p:cNvPicPr>
+            <a:picLocks noChangeAspect="1"/>
+          </p:cNvPicPr>
+          <p:nvPr/>
+        </p:nvPicPr>
+        <p:blipFill>
+          <a:blip r:embed="rId4"/>
+          <a:stretch>
+            <a:fillRect/>
+          </a:stretch>
+        </p:blipFill>
+        <p:spPr>
+          <a:xfrm>
+            <a:off x="3719196" y="2410454"/>
+            <a:ext cx="10849607" cy="6589709"/>
+          </a:xfrm>
+          <a:prstGeom prst="rect">
+            <a:avLst/>
+          </a:prstGeom>
+        </p:spPr>
+      </p:pic>
+    </p:spTree>
+    <p:extLst>
+      <p:ext uri="{BB962C8B-B14F-4D97-AF65-F5344CB8AC3E}">
+        <p14:creationId xmlns:p14="http://schemas.microsoft.com/office/powerpoint/2010/main" val="2042288823"/>
+      </p:ext>
+    </p:extLst>
+  </p:cSld>
+  <p:clrMapOvr>
+    <a:masterClrMapping/>
+  </p:clrMapOvr>
+</p:sld>
+</file>
+
+<file path=ppt/slides/slide16.xml><?xml version="1.0" encoding="utf-8"?>
+<p:sld xmlns:a="http://schemas.openxmlformats.org/drawingml/2006/main" xmlns:r="http://schemas.openxmlformats.org/officeDocument/2006/relationships" xmlns:p="http://schemas.openxmlformats.org/presentationml/2006/main">
+  <p:cSld>
+    <p:spTree>
+      <p:nvGrpSpPr>
+        <p:cNvPr id="1" name=""/>
+        <p:cNvGrpSpPr/>
+        <p:nvPr/>
+      </p:nvGrpSpPr>
+      <p:grpSpPr>
+        <a:xfrm>
+          <a:off x="0" y="0"/>
+          <a:ext cx="0" cy="0"/>
+          <a:chOff x="0" y="0"/>
+          <a:chExt cx="0" cy="0"/>
+        </a:xfrm>
+      </p:grpSpPr>
+      <p:grpSp>
+        <p:nvGrpSpPr>
+          <p:cNvPr id="2" name="Group 2"/>
+          <p:cNvGrpSpPr/>
+          <p:nvPr/>
+        </p:nvGrpSpPr>
+        <p:grpSpPr>
+          <a:xfrm>
+            <a:off x="0" y="-987551"/>
+            <a:ext cx="18288000" cy="12262103"/>
+            <a:chOff x="0" y="0"/>
+            <a:chExt cx="24384000" cy="16349470"/>
+          </a:xfrm>
+        </p:grpSpPr>
+        <p:sp>
+          <p:nvSpPr>
+            <p:cNvPr id="3" name="Freeform 3"/>
+            <p:cNvSpPr/>
+            <p:nvPr/>
+          </p:nvSpPr>
+          <p:spPr>
+            <a:xfrm>
+              <a:off x="0" y="0"/>
+              <a:ext cx="8198458" cy="8198458"/>
+            </a:xfrm>
+            <a:custGeom>
+              <a:avLst/>
+              <a:gdLst/>
+              <a:ahLst/>
+              <a:cxnLst/>
+              <a:rect l="l" t="t" r="r" b="b"/>
+              <a:pathLst>
+                <a:path w="8198458" h="8198458">
+                  <a:moveTo>
+                    <a:pt x="0" y="0"/>
+                  </a:moveTo>
+                  <a:lnTo>
+                    <a:pt x="8198458" y="0"/>
+                  </a:lnTo>
+                  <a:lnTo>
+                    <a:pt x="8198458" y="8198458"/>
+                  </a:lnTo>
+                  <a:lnTo>
+                    <a:pt x="0" y="8198458"/>
+                  </a:lnTo>
+                  <a:lnTo>
+                    <a:pt x="0" y="0"/>
+                  </a:lnTo>
+                  <a:close/>
+                </a:path>
+              </a:pathLst>
+            </a:custGeom>
+            <a:blipFill>
+              <a:blip r:embed="rId2">
+                <a:alphaModFix amt="50000"/>
+                <a:extLst>
+                  <a:ext uri="{96DAC541-7B7A-43D3-8B79-37D633B846F1}">
+                    <asvg:svgBlip xmlns:asvg="http://schemas.microsoft.com/office/drawing/2016/SVG/main" r:embed="rId3"/>
+                  </a:ext>
+                </a:extLst>
+              </a:blip>
+              <a:stretch>
+                <a:fillRect/>
+              </a:stretch>
+            </a:blipFill>
+          </p:spPr>
+        </p:sp>
+        <p:sp>
+          <p:nvSpPr>
+            <p:cNvPr id="4" name="Freeform 4"/>
+            <p:cNvSpPr/>
+            <p:nvPr/>
+          </p:nvSpPr>
+          <p:spPr>
+            <a:xfrm>
+              <a:off x="0" y="8103568"/>
+              <a:ext cx="8198458" cy="8198458"/>
+            </a:xfrm>
+            <a:custGeom>
+              <a:avLst/>
+              <a:gdLst/>
+              <a:ahLst/>
+              <a:cxnLst/>
+              <a:rect l="l" t="t" r="r" b="b"/>
+              <a:pathLst>
+                <a:path w="8198458" h="8198458">
+                  <a:moveTo>
+                    <a:pt x="0" y="0"/>
+                  </a:moveTo>
+                  <a:lnTo>
+                    <a:pt x="8198458" y="0"/>
+                  </a:lnTo>
+                  <a:lnTo>
+                    <a:pt x="8198458" y="8198458"/>
+                  </a:lnTo>
+                  <a:lnTo>
+                    <a:pt x="0" y="8198458"/>
+                  </a:lnTo>
+                  <a:lnTo>
+                    <a:pt x="0" y="0"/>
+                  </a:lnTo>
+                  <a:close/>
+                </a:path>
+              </a:pathLst>
+            </a:custGeom>
+            <a:blipFill>
+              <a:blip r:embed="rId2">
+                <a:alphaModFix amt="50000"/>
+                <a:extLst>
+                  <a:ext uri="{96DAC541-7B7A-43D3-8B79-37D633B846F1}">
+                    <asvg:svgBlip xmlns:asvg="http://schemas.microsoft.com/office/drawing/2016/SVG/main" r:embed="rId3"/>
+                  </a:ext>
+                </a:extLst>
+              </a:blip>
+              <a:stretch>
+                <a:fillRect/>
+              </a:stretch>
+            </a:blipFill>
+          </p:spPr>
+        </p:sp>
+        <p:sp>
+          <p:nvSpPr>
+            <p:cNvPr id="5" name="Freeform 5"/>
+            <p:cNvSpPr/>
+            <p:nvPr/>
+          </p:nvSpPr>
+          <p:spPr>
+            <a:xfrm>
+              <a:off x="8107869" y="0"/>
+              <a:ext cx="8198458" cy="8198458"/>
+            </a:xfrm>
+            <a:custGeom>
+              <a:avLst/>
+              <a:gdLst/>
+              <a:ahLst/>
+              <a:cxnLst/>
+              <a:rect l="l" t="t" r="r" b="b"/>
+              <a:pathLst>
+                <a:path w="8198458" h="8198458">
+                  <a:moveTo>
+                    <a:pt x="0" y="0"/>
+                  </a:moveTo>
+                  <a:lnTo>
+                    <a:pt x="8198458" y="0"/>
+                  </a:lnTo>
+                  <a:lnTo>
+                    <a:pt x="8198458" y="8198458"/>
+                  </a:lnTo>
+                  <a:lnTo>
+                    <a:pt x="0" y="8198458"/>
+                  </a:lnTo>
+                  <a:lnTo>
+                    <a:pt x="0" y="0"/>
+                  </a:lnTo>
+                  <a:close/>
+                </a:path>
+              </a:pathLst>
+            </a:custGeom>
+            <a:blipFill>
+              <a:blip r:embed="rId2">
+                <a:alphaModFix amt="50000"/>
+                <a:extLst>
+                  <a:ext uri="{96DAC541-7B7A-43D3-8B79-37D633B846F1}">
+                    <asvg:svgBlip xmlns:asvg="http://schemas.microsoft.com/office/drawing/2016/SVG/main" r:embed="rId3"/>
+                  </a:ext>
+                </a:extLst>
+              </a:blip>
+              <a:stretch>
+                <a:fillRect/>
+              </a:stretch>
+            </a:blipFill>
+          </p:spPr>
+        </p:sp>
+        <p:sp>
+          <p:nvSpPr>
+            <p:cNvPr id="6" name="Freeform 6"/>
+            <p:cNvSpPr/>
+            <p:nvPr/>
+          </p:nvSpPr>
+          <p:spPr>
+            <a:xfrm>
+              <a:off x="8107869" y="8103568"/>
+              <a:ext cx="8198458" cy="8198458"/>
+            </a:xfrm>
+            <a:custGeom>
+              <a:avLst/>
+              <a:gdLst/>
+              <a:ahLst/>
+              <a:cxnLst/>
+              <a:rect l="l" t="t" r="r" b="b"/>
+              <a:pathLst>
+                <a:path w="8198458" h="8198458">
+                  <a:moveTo>
+                    <a:pt x="0" y="0"/>
+                  </a:moveTo>
+                  <a:lnTo>
+                    <a:pt x="8198458" y="0"/>
+                  </a:lnTo>
+                  <a:lnTo>
+                    <a:pt x="8198458" y="8198458"/>
+                  </a:lnTo>
+                  <a:lnTo>
+                    <a:pt x="0" y="8198458"/>
+                  </a:lnTo>
+                  <a:lnTo>
+                    <a:pt x="0" y="0"/>
+                  </a:lnTo>
+                  <a:close/>
+                </a:path>
+              </a:pathLst>
+            </a:custGeom>
+            <a:blipFill>
+              <a:blip r:embed="rId2">
+                <a:alphaModFix amt="50000"/>
+                <a:extLst>
+                  <a:ext uri="{96DAC541-7B7A-43D3-8B79-37D633B846F1}">
+                    <asvg:svgBlip xmlns:asvg="http://schemas.microsoft.com/office/drawing/2016/SVG/main" r:embed="rId3"/>
+                  </a:ext>
+                </a:extLst>
+              </a:blip>
+              <a:stretch>
+                <a:fillRect/>
+              </a:stretch>
+            </a:blipFill>
+          </p:spPr>
+        </p:sp>
+        <p:sp>
+          <p:nvSpPr>
+            <p:cNvPr id="7" name="Freeform 7"/>
+            <p:cNvSpPr/>
+            <p:nvPr/>
+          </p:nvSpPr>
+          <p:spPr>
+            <a:xfrm>
+              <a:off x="16185542" y="47445"/>
+              <a:ext cx="8198458" cy="8198458"/>
+            </a:xfrm>
+            <a:custGeom>
+              <a:avLst/>
+              <a:gdLst/>
+              <a:ahLst/>
+              <a:cxnLst/>
+              <a:rect l="l" t="t" r="r" b="b"/>
+              <a:pathLst>
+                <a:path w="8198458" h="8198458">
+                  <a:moveTo>
+                    <a:pt x="0" y="0"/>
+                  </a:moveTo>
+                  <a:lnTo>
+                    <a:pt x="8198458" y="0"/>
+                  </a:lnTo>
+                  <a:lnTo>
+                    <a:pt x="8198458" y="8198457"/>
+                  </a:lnTo>
+                  <a:lnTo>
+                    <a:pt x="0" y="8198457"/>
+                  </a:lnTo>
+                  <a:lnTo>
+                    <a:pt x="0" y="0"/>
+                  </a:lnTo>
+                  <a:close/>
+                </a:path>
+              </a:pathLst>
+            </a:custGeom>
+            <a:blipFill>
+              <a:blip r:embed="rId2">
+                <a:alphaModFix amt="50000"/>
+                <a:extLst>
+                  <a:ext uri="{96DAC541-7B7A-43D3-8B79-37D633B846F1}">
+                    <asvg:svgBlip xmlns:asvg="http://schemas.microsoft.com/office/drawing/2016/SVG/main" r:embed="rId3"/>
+                  </a:ext>
+                </a:extLst>
+              </a:blip>
+              <a:stretch>
+                <a:fillRect/>
+              </a:stretch>
+            </a:blipFill>
+          </p:spPr>
+        </p:sp>
+        <p:sp>
+          <p:nvSpPr>
+            <p:cNvPr id="8" name="Freeform 8"/>
+            <p:cNvSpPr/>
+            <p:nvPr/>
+          </p:nvSpPr>
+          <p:spPr>
+            <a:xfrm>
+              <a:off x="16185542" y="8151013"/>
+              <a:ext cx="8198458" cy="8198458"/>
+            </a:xfrm>
+            <a:custGeom>
+              <a:avLst/>
+              <a:gdLst/>
+              <a:ahLst/>
+              <a:cxnLst/>
+              <a:rect l="l" t="t" r="r" b="b"/>
+              <a:pathLst>
+                <a:path w="8198458" h="8198458">
+                  <a:moveTo>
+                    <a:pt x="0" y="0"/>
+                  </a:moveTo>
+                  <a:lnTo>
+                    <a:pt x="8198458" y="0"/>
+                  </a:lnTo>
+                  <a:lnTo>
+                    <a:pt x="8198458" y="8198457"/>
+                  </a:lnTo>
+                  <a:lnTo>
+                    <a:pt x="0" y="8198457"/>
+                  </a:lnTo>
+                  <a:lnTo>
+                    <a:pt x="0" y="0"/>
+                  </a:lnTo>
+                  <a:close/>
+                </a:path>
+              </a:pathLst>
+            </a:custGeom>
+            <a:blipFill>
+              <a:blip r:embed="rId2">
+                <a:alphaModFix amt="50000"/>
+                <a:extLst>
+                  <a:ext uri="{96DAC541-7B7A-43D3-8B79-37D633B846F1}">
+                    <asvg:svgBlip xmlns:asvg="http://schemas.microsoft.com/office/drawing/2016/SVG/main" r:embed="rId3"/>
+                  </a:ext>
+                </a:extLst>
+              </a:blip>
+              <a:stretch>
+                <a:fillRect/>
+              </a:stretch>
+            </a:blipFill>
+          </p:spPr>
+        </p:sp>
+      </p:grpSp>
+      <p:grpSp>
+        <p:nvGrpSpPr>
+          <p:cNvPr id="9" name="Group 9"/>
+          <p:cNvGrpSpPr/>
+          <p:nvPr/>
+        </p:nvGrpSpPr>
+        <p:grpSpPr>
+          <a:xfrm>
+            <a:off x="-2038330" y="-2073710"/>
+            <a:ext cx="5041299" cy="5041299"/>
+            <a:chOff x="0" y="0"/>
+            <a:chExt cx="812800" cy="812800"/>
+          </a:xfrm>
+        </p:grpSpPr>
+        <p:sp>
+          <p:nvSpPr>
+            <p:cNvPr id="10" name="Freeform 10"/>
+            <p:cNvSpPr/>
+            <p:nvPr/>
+          </p:nvSpPr>
+          <p:spPr>
+            <a:xfrm>
+              <a:off x="0" y="0"/>
+              <a:ext cx="812800" cy="812800"/>
+            </a:xfrm>
+            <a:custGeom>
+              <a:avLst/>
+              <a:gdLst/>
+              <a:ahLst/>
+              <a:cxnLst/>
+              <a:rect l="l" t="t" r="r" b="b"/>
+              <a:pathLst>
+                <a:path w="812800" h="812800">
+                  <a:moveTo>
+                    <a:pt x="406400" y="0"/>
+                  </a:moveTo>
+                  <a:cubicBezTo>
+                    <a:pt x="181951" y="0"/>
+                    <a:pt x="0" y="181951"/>
+                    <a:pt x="0" y="406400"/>
+                  </a:cubicBezTo>
+                  <a:cubicBezTo>
+                    <a:pt x="0" y="630849"/>
+                    <a:pt x="181951" y="812800"/>
+                    <a:pt x="406400" y="812800"/>
+                  </a:cubicBezTo>
+                  <a:cubicBezTo>
+                    <a:pt x="630849" y="812800"/>
+                    <a:pt x="812800" y="630849"/>
+                    <a:pt x="812800" y="406400"/>
+                  </a:cubicBezTo>
+                  <a:cubicBezTo>
+                    <a:pt x="812800" y="181951"/>
+                    <a:pt x="630849" y="0"/>
+                    <a:pt x="406400" y="0"/>
+                  </a:cubicBezTo>
+                  <a:close/>
+                </a:path>
+              </a:pathLst>
+            </a:custGeom>
+            <a:solidFill>
+              <a:srgbClr val="004AAD"/>
+            </a:solidFill>
+            <a:ln cap="sq">
+              <a:noFill/>
+              <a:prstDash val="solid"/>
+              <a:miter/>
+            </a:ln>
+          </p:spPr>
+        </p:sp>
+        <p:sp>
+          <p:nvSpPr>
+            <p:cNvPr id="11" name="TextBox 11"/>
+            <p:cNvSpPr txBox="1"/>
+            <p:nvPr/>
+          </p:nvSpPr>
+          <p:spPr>
+            <a:xfrm>
+              <a:off x="76200" y="38100"/>
+              <a:ext cx="660400" cy="698500"/>
+            </a:xfrm>
+            <a:prstGeom prst="rect">
+              <a:avLst/>
+            </a:prstGeom>
+          </p:spPr>
+          <p:txBody>
+            <a:bodyPr lIns="50800" tIns="50800" rIns="50800" bIns="50800" rtlCol="0" anchor="ctr"/>
+            <a:lstStyle/>
+            <a:p>
+              <a:pPr algn="ctr">
+                <a:lnSpc>
+                  <a:spcPts val="2800"/>
+                </a:lnSpc>
+              </a:pPr>
+              <a:endParaRPr/>
+            </a:p>
+          </p:txBody>
+        </p:sp>
+      </p:grpSp>
+      <p:sp>
+        <p:nvSpPr>
+          <p:cNvPr id="12" name="TextBox 12"/>
+          <p:cNvSpPr txBox="1"/>
+          <p:nvPr/>
+        </p:nvSpPr>
+        <p:spPr>
+          <a:xfrm>
+            <a:off x="411934" y="502681"/>
+            <a:ext cx="1939447" cy="1377949"/>
+          </a:xfrm>
+          <a:prstGeom prst="rect">
+            <a:avLst/>
+          </a:prstGeom>
+        </p:spPr>
+        <p:txBody>
+          <a:bodyPr lIns="0" tIns="0" rIns="0" bIns="0" rtlCol="0" anchor="t">
+            <a:spAutoFit/>
+          </a:bodyPr>
+          <a:lstStyle/>
+          <a:p>
+            <a:pPr algn="ctr">
+              <a:lnSpc>
+                <a:spcPts val="11200"/>
+              </a:lnSpc>
+            </a:pPr>
+            <a:r>
+              <a:rPr lang="en-US" sz="8000" dirty="0">
+                <a:solidFill>
+                  <a:srgbClr val="FFFFFF"/>
+                </a:solidFill>
+                <a:latin typeface="Nunito Sans Heavy"/>
+              </a:rPr>
+              <a:t>1</a:t>
+            </a:r>
+            <a:r>
+              <a:rPr lang="hu-HU" sz="8000" dirty="0">
+                <a:solidFill>
+                  <a:srgbClr val="FFFFFF"/>
+                </a:solidFill>
+                <a:latin typeface="Nunito Sans Heavy"/>
+              </a:rPr>
+              <a:t>4</a:t>
+            </a:r>
+            <a:endParaRPr lang="en-US" sz="8000" dirty="0">
+              <a:solidFill>
+                <a:srgbClr val="FFFFFF"/>
+              </a:solidFill>
+              <a:latin typeface="Nunito Sans Heavy"/>
+            </a:endParaRPr>
+          </a:p>
+        </p:txBody>
+      </p:sp>
+      <p:sp>
+        <p:nvSpPr>
+          <p:cNvPr id="13" name="TextBox 13"/>
+          <p:cNvSpPr txBox="1"/>
+          <p:nvPr/>
+        </p:nvSpPr>
+        <p:spPr>
+          <a:xfrm>
+            <a:off x="2232683" y="502920"/>
+            <a:ext cx="13822634" cy="1333635"/>
+          </a:xfrm>
+          <a:prstGeom prst="rect">
+            <a:avLst/>
+          </a:prstGeom>
+        </p:spPr>
+        <p:txBody>
+          <a:bodyPr wrap="square" lIns="0" tIns="0" rIns="0" bIns="0" rtlCol="0" anchor="t">
+            <a:spAutoFit/>
+          </a:bodyPr>
+          <a:lstStyle/>
+          <a:p>
+            <a:pPr algn="ctr">
+              <a:lnSpc>
+                <a:spcPts val="11200"/>
+              </a:lnSpc>
+            </a:pPr>
+            <a:r>
+              <a:rPr lang="hu-HU" sz="8000" dirty="0">
+                <a:solidFill>
+                  <a:srgbClr val="004AAD"/>
+                </a:solidFill>
+                <a:latin typeface="Roboto Medium" panose="02000000000000000000" pitchFamily="2" charset="0"/>
+                <a:ea typeface="Roboto Medium" panose="02000000000000000000" pitchFamily="2" charset="0"/>
+              </a:rPr>
+              <a:t>Lekérdezések</a:t>
+            </a:r>
+            <a:endParaRPr lang="en-US" sz="8000" dirty="0">
+              <a:solidFill>
+                <a:srgbClr val="004AAD"/>
+              </a:solidFill>
+              <a:latin typeface="Roboto Medium" panose="02000000000000000000" pitchFamily="2" charset="0"/>
+              <a:ea typeface="Roboto Medium" panose="02000000000000000000" pitchFamily="2" charset="0"/>
+            </a:endParaRPr>
+          </a:p>
+        </p:txBody>
+      </p:sp>
+      <p:pic>
+        <p:nvPicPr>
+          <p:cNvPr id="14" name="Kép 13">
+            <a:extLst>
+              <a:ext uri="{FF2B5EF4-FFF2-40B4-BE49-F238E27FC236}">
+                <a16:creationId xmlns:a16="http://schemas.microsoft.com/office/drawing/2014/main" id="{5EA36B49-4065-4F18-8757-B232AED432F6}"/>
+              </a:ext>
+            </a:extLst>
+          </p:cNvPr>
+          <p:cNvPicPr>
+            <a:picLocks noChangeAspect="1"/>
+          </p:cNvPicPr>
+          <p:nvPr/>
+        </p:nvPicPr>
+        <p:blipFill>
+          <a:blip r:embed="rId4"/>
+          <a:stretch>
+            <a:fillRect/>
+          </a:stretch>
+        </p:blipFill>
+        <p:spPr>
+          <a:xfrm>
+            <a:off x="3003410" y="2494967"/>
+            <a:ext cx="12281180" cy="6611950"/>
+          </a:xfrm>
+          <a:prstGeom prst="rect">
+            <a:avLst/>
+          </a:prstGeom>
+        </p:spPr>
+      </p:pic>
+    </p:spTree>
+    <p:extLst>
+      <p:ext uri="{BB962C8B-B14F-4D97-AF65-F5344CB8AC3E}">
+        <p14:creationId xmlns:p14="http://schemas.microsoft.com/office/powerpoint/2010/main" val="3531767493"/>
+      </p:ext>
+    </p:extLst>
+  </p:cSld>
+  <p:clrMapOvr>
+    <a:masterClrMapping/>
+  </p:clrMapOvr>
+</p:sld>
+</file>
+
+<file path=ppt/slides/slide17.xml><?xml version="1.0" encoding="utf-8"?>
+<p:sld xmlns:a="http://schemas.openxmlformats.org/drawingml/2006/main" xmlns:r="http://schemas.openxmlformats.org/officeDocument/2006/relationships" xmlns:p="http://schemas.openxmlformats.org/presentationml/2006/main">
+  <p:cSld>
+    <p:spTree>
+      <p:nvGrpSpPr>
+        <p:cNvPr id="1" name=""/>
+        <p:cNvGrpSpPr/>
+        <p:nvPr/>
+      </p:nvGrpSpPr>
+      <p:grpSpPr>
+        <a:xfrm>
+          <a:off x="0" y="0"/>
+          <a:ext cx="0" cy="0"/>
+          <a:chOff x="0" y="0"/>
+          <a:chExt cx="0" cy="0"/>
+        </a:xfrm>
+      </p:grpSpPr>
+      <p:grpSp>
+        <p:nvGrpSpPr>
+          <p:cNvPr id="2" name="Group 2"/>
+          <p:cNvGrpSpPr/>
+          <p:nvPr/>
+        </p:nvGrpSpPr>
+        <p:grpSpPr>
+          <a:xfrm>
+            <a:off x="0" y="-987551"/>
+            <a:ext cx="18288000" cy="12262103"/>
+            <a:chOff x="0" y="0"/>
+            <a:chExt cx="24384000" cy="16349470"/>
+          </a:xfrm>
+        </p:grpSpPr>
+        <p:sp>
+          <p:nvSpPr>
+            <p:cNvPr id="3" name="Freeform 3"/>
+            <p:cNvSpPr/>
+            <p:nvPr/>
+          </p:nvSpPr>
+          <p:spPr>
+            <a:xfrm>
+              <a:off x="0" y="0"/>
+              <a:ext cx="8198458" cy="8198458"/>
+            </a:xfrm>
+            <a:custGeom>
+              <a:avLst/>
+              <a:gdLst/>
+              <a:ahLst/>
+              <a:cxnLst/>
+              <a:rect l="l" t="t" r="r" b="b"/>
+              <a:pathLst>
+                <a:path w="8198458" h="8198458">
+                  <a:moveTo>
+                    <a:pt x="0" y="0"/>
+                  </a:moveTo>
+                  <a:lnTo>
+                    <a:pt x="8198458" y="0"/>
+                  </a:lnTo>
+                  <a:lnTo>
+                    <a:pt x="8198458" y="8198458"/>
+                  </a:lnTo>
+                  <a:lnTo>
+                    <a:pt x="0" y="8198458"/>
+                  </a:lnTo>
+                  <a:lnTo>
+                    <a:pt x="0" y="0"/>
+                  </a:lnTo>
+                  <a:close/>
+                </a:path>
+              </a:pathLst>
+            </a:custGeom>
+            <a:blipFill>
+              <a:blip r:embed="rId2">
+                <a:alphaModFix amt="50000"/>
+                <a:extLst>
+                  <a:ext uri="{96DAC541-7B7A-43D3-8B79-37D633B846F1}">
+                    <asvg:svgBlip xmlns:asvg="http://schemas.microsoft.com/office/drawing/2016/SVG/main" r:embed="rId3"/>
+                  </a:ext>
+                </a:extLst>
+              </a:blip>
+              <a:stretch>
+                <a:fillRect/>
+              </a:stretch>
+            </a:blipFill>
+          </p:spPr>
+        </p:sp>
+        <p:sp>
+          <p:nvSpPr>
+            <p:cNvPr id="4" name="Freeform 4"/>
+            <p:cNvSpPr/>
+            <p:nvPr/>
+          </p:nvSpPr>
+          <p:spPr>
+            <a:xfrm>
+              <a:off x="0" y="8103568"/>
+              <a:ext cx="8198458" cy="8198458"/>
+            </a:xfrm>
+            <a:custGeom>
+              <a:avLst/>
+              <a:gdLst/>
+              <a:ahLst/>
+              <a:cxnLst/>
+              <a:rect l="l" t="t" r="r" b="b"/>
+              <a:pathLst>
+                <a:path w="8198458" h="8198458">
+                  <a:moveTo>
+                    <a:pt x="0" y="0"/>
+                  </a:moveTo>
+                  <a:lnTo>
+                    <a:pt x="8198458" y="0"/>
+                  </a:lnTo>
+                  <a:lnTo>
+                    <a:pt x="8198458" y="8198458"/>
+                  </a:lnTo>
+                  <a:lnTo>
+                    <a:pt x="0" y="8198458"/>
+                  </a:lnTo>
+                  <a:lnTo>
+                    <a:pt x="0" y="0"/>
+                  </a:lnTo>
+                  <a:close/>
+                </a:path>
+              </a:pathLst>
+            </a:custGeom>
+            <a:blipFill>
+              <a:blip r:embed="rId2">
+                <a:alphaModFix amt="50000"/>
+                <a:extLst>
+                  <a:ext uri="{96DAC541-7B7A-43D3-8B79-37D633B846F1}">
+                    <asvg:svgBlip xmlns:asvg="http://schemas.microsoft.com/office/drawing/2016/SVG/main" r:embed="rId3"/>
+                  </a:ext>
+                </a:extLst>
+              </a:blip>
+              <a:stretch>
+                <a:fillRect/>
+              </a:stretch>
+            </a:blipFill>
+          </p:spPr>
+        </p:sp>
+        <p:sp>
+          <p:nvSpPr>
+            <p:cNvPr id="5" name="Freeform 5"/>
+            <p:cNvSpPr/>
+            <p:nvPr/>
+          </p:nvSpPr>
+          <p:spPr>
+            <a:xfrm>
+              <a:off x="8107869" y="0"/>
+              <a:ext cx="8198458" cy="8198458"/>
+            </a:xfrm>
+            <a:custGeom>
+              <a:avLst/>
+              <a:gdLst/>
+              <a:ahLst/>
+              <a:cxnLst/>
+              <a:rect l="l" t="t" r="r" b="b"/>
+              <a:pathLst>
+                <a:path w="8198458" h="8198458">
+                  <a:moveTo>
+                    <a:pt x="0" y="0"/>
+                  </a:moveTo>
+                  <a:lnTo>
+                    <a:pt x="8198458" y="0"/>
+                  </a:lnTo>
+                  <a:lnTo>
+                    <a:pt x="8198458" y="8198458"/>
+                  </a:lnTo>
+                  <a:lnTo>
+                    <a:pt x="0" y="8198458"/>
+                  </a:lnTo>
+                  <a:lnTo>
+                    <a:pt x="0" y="0"/>
+                  </a:lnTo>
+                  <a:close/>
+                </a:path>
+              </a:pathLst>
+            </a:custGeom>
+            <a:blipFill>
+              <a:blip r:embed="rId2">
+                <a:alphaModFix amt="50000"/>
+                <a:extLst>
+                  <a:ext uri="{96DAC541-7B7A-43D3-8B79-37D633B846F1}">
+                    <asvg:svgBlip xmlns:asvg="http://schemas.microsoft.com/office/drawing/2016/SVG/main" r:embed="rId3"/>
+                  </a:ext>
+                </a:extLst>
+              </a:blip>
+              <a:stretch>
+                <a:fillRect/>
+              </a:stretch>
+            </a:blipFill>
+          </p:spPr>
+        </p:sp>
+        <p:sp>
+          <p:nvSpPr>
+            <p:cNvPr id="6" name="Freeform 6"/>
+            <p:cNvSpPr/>
+            <p:nvPr/>
+          </p:nvSpPr>
+          <p:spPr>
+            <a:xfrm>
+              <a:off x="8107869" y="8103568"/>
+              <a:ext cx="8198458" cy="8198458"/>
+            </a:xfrm>
+            <a:custGeom>
+              <a:avLst/>
+              <a:gdLst/>
+              <a:ahLst/>
+              <a:cxnLst/>
+              <a:rect l="l" t="t" r="r" b="b"/>
+              <a:pathLst>
+                <a:path w="8198458" h="8198458">
+                  <a:moveTo>
+                    <a:pt x="0" y="0"/>
+                  </a:moveTo>
+                  <a:lnTo>
+                    <a:pt x="8198458" y="0"/>
+                  </a:lnTo>
+                  <a:lnTo>
+                    <a:pt x="8198458" y="8198458"/>
+                  </a:lnTo>
+                  <a:lnTo>
+                    <a:pt x="0" y="8198458"/>
+                  </a:lnTo>
+                  <a:lnTo>
+                    <a:pt x="0" y="0"/>
+                  </a:lnTo>
+                  <a:close/>
+                </a:path>
+              </a:pathLst>
+            </a:custGeom>
+            <a:blipFill>
+              <a:blip r:embed="rId2">
+                <a:alphaModFix amt="50000"/>
+                <a:extLst>
+                  <a:ext uri="{96DAC541-7B7A-43D3-8B79-37D633B846F1}">
+                    <asvg:svgBlip xmlns:asvg="http://schemas.microsoft.com/office/drawing/2016/SVG/main" r:embed="rId3"/>
+                  </a:ext>
+                </a:extLst>
+              </a:blip>
+              <a:stretch>
+                <a:fillRect/>
+              </a:stretch>
+            </a:blipFill>
+          </p:spPr>
+        </p:sp>
+        <p:sp>
+          <p:nvSpPr>
+            <p:cNvPr id="7" name="Freeform 7"/>
+            <p:cNvSpPr/>
+            <p:nvPr/>
+          </p:nvSpPr>
+          <p:spPr>
+            <a:xfrm>
+              <a:off x="16185542" y="47445"/>
+              <a:ext cx="8198458" cy="8198458"/>
+            </a:xfrm>
+            <a:custGeom>
+              <a:avLst/>
+              <a:gdLst/>
+              <a:ahLst/>
+              <a:cxnLst/>
+              <a:rect l="l" t="t" r="r" b="b"/>
+              <a:pathLst>
+                <a:path w="8198458" h="8198458">
+                  <a:moveTo>
+                    <a:pt x="0" y="0"/>
+                  </a:moveTo>
+                  <a:lnTo>
+                    <a:pt x="8198458" y="0"/>
+                  </a:lnTo>
+                  <a:lnTo>
+                    <a:pt x="8198458" y="8198457"/>
+                  </a:lnTo>
+                  <a:lnTo>
+                    <a:pt x="0" y="8198457"/>
+                  </a:lnTo>
+                  <a:lnTo>
+                    <a:pt x="0" y="0"/>
+                  </a:lnTo>
+                  <a:close/>
+                </a:path>
+              </a:pathLst>
+            </a:custGeom>
+            <a:blipFill>
+              <a:blip r:embed="rId2">
+                <a:alphaModFix amt="50000"/>
+                <a:extLst>
+                  <a:ext uri="{96DAC541-7B7A-43D3-8B79-37D633B846F1}">
+                    <asvg:svgBlip xmlns:asvg="http://schemas.microsoft.com/office/drawing/2016/SVG/main" r:embed="rId3"/>
+                  </a:ext>
+                </a:extLst>
+              </a:blip>
+              <a:stretch>
+                <a:fillRect/>
+              </a:stretch>
+            </a:blipFill>
+          </p:spPr>
+        </p:sp>
+        <p:sp>
+          <p:nvSpPr>
+            <p:cNvPr id="8" name="Freeform 8"/>
+            <p:cNvSpPr/>
+            <p:nvPr/>
+          </p:nvSpPr>
+          <p:spPr>
+            <a:xfrm>
+              <a:off x="16185542" y="8151013"/>
+              <a:ext cx="8198458" cy="8198458"/>
+            </a:xfrm>
+            <a:custGeom>
+              <a:avLst/>
+              <a:gdLst/>
+              <a:ahLst/>
+              <a:cxnLst/>
+              <a:rect l="l" t="t" r="r" b="b"/>
+              <a:pathLst>
+                <a:path w="8198458" h="8198458">
+                  <a:moveTo>
+                    <a:pt x="0" y="0"/>
+                  </a:moveTo>
+                  <a:lnTo>
+                    <a:pt x="8198458" y="0"/>
+                  </a:lnTo>
+                  <a:lnTo>
+                    <a:pt x="8198458" y="8198457"/>
+                  </a:lnTo>
+                  <a:lnTo>
+                    <a:pt x="0" y="8198457"/>
+                  </a:lnTo>
+                  <a:lnTo>
+                    <a:pt x="0" y="0"/>
+                  </a:lnTo>
+                  <a:close/>
+                </a:path>
+              </a:pathLst>
+            </a:custGeom>
+            <a:blipFill>
+              <a:blip r:embed="rId2">
+                <a:alphaModFix amt="50000"/>
+                <a:extLst>
+                  <a:ext uri="{96DAC541-7B7A-43D3-8B79-37D633B846F1}">
+                    <asvg:svgBlip xmlns:asvg="http://schemas.microsoft.com/office/drawing/2016/SVG/main" r:embed="rId3"/>
+                  </a:ext>
+                </a:extLst>
+              </a:blip>
+              <a:stretch>
+                <a:fillRect/>
+              </a:stretch>
+            </a:blipFill>
+          </p:spPr>
+        </p:sp>
+      </p:grpSp>
+      <p:grpSp>
+        <p:nvGrpSpPr>
+          <p:cNvPr id="9" name="Group 9"/>
+          <p:cNvGrpSpPr/>
+          <p:nvPr/>
+        </p:nvGrpSpPr>
+        <p:grpSpPr>
+          <a:xfrm>
+            <a:off x="-2038330" y="-2073710"/>
+            <a:ext cx="5041299" cy="5041299"/>
+            <a:chOff x="0" y="0"/>
+            <a:chExt cx="812800" cy="812800"/>
+          </a:xfrm>
+        </p:grpSpPr>
+        <p:sp>
+          <p:nvSpPr>
+            <p:cNvPr id="10" name="Freeform 10"/>
+            <p:cNvSpPr/>
+            <p:nvPr/>
+          </p:nvSpPr>
+          <p:spPr>
+            <a:xfrm>
+              <a:off x="0" y="0"/>
+              <a:ext cx="812800" cy="812800"/>
+            </a:xfrm>
+            <a:custGeom>
+              <a:avLst/>
+              <a:gdLst/>
+              <a:ahLst/>
+              <a:cxnLst/>
+              <a:rect l="l" t="t" r="r" b="b"/>
+              <a:pathLst>
+                <a:path w="812800" h="812800">
+                  <a:moveTo>
+                    <a:pt x="406400" y="0"/>
+                  </a:moveTo>
+                  <a:cubicBezTo>
+                    <a:pt x="181951" y="0"/>
+                    <a:pt x="0" y="181951"/>
+                    <a:pt x="0" y="406400"/>
+                  </a:cubicBezTo>
+                  <a:cubicBezTo>
+                    <a:pt x="0" y="630849"/>
+                    <a:pt x="181951" y="812800"/>
+                    <a:pt x="406400" y="812800"/>
+                  </a:cubicBezTo>
+                  <a:cubicBezTo>
+                    <a:pt x="630849" y="812800"/>
+                    <a:pt x="812800" y="630849"/>
+                    <a:pt x="812800" y="406400"/>
+                  </a:cubicBezTo>
+                  <a:cubicBezTo>
+                    <a:pt x="812800" y="181951"/>
+                    <a:pt x="630849" y="0"/>
+                    <a:pt x="406400" y="0"/>
+                  </a:cubicBezTo>
+                  <a:close/>
+                </a:path>
+              </a:pathLst>
+            </a:custGeom>
+            <a:solidFill>
+              <a:srgbClr val="004AAD"/>
+            </a:solidFill>
+            <a:ln cap="sq">
+              <a:noFill/>
+              <a:prstDash val="solid"/>
+              <a:miter/>
+            </a:ln>
+          </p:spPr>
+        </p:sp>
+        <p:sp>
+          <p:nvSpPr>
+            <p:cNvPr id="11" name="TextBox 11"/>
+            <p:cNvSpPr txBox="1"/>
+            <p:nvPr/>
+          </p:nvSpPr>
+          <p:spPr>
+            <a:xfrm>
+              <a:off x="76200" y="38100"/>
+              <a:ext cx="660400" cy="698500"/>
+            </a:xfrm>
+            <a:prstGeom prst="rect">
+              <a:avLst/>
+            </a:prstGeom>
+          </p:spPr>
+          <p:txBody>
+            <a:bodyPr lIns="50800" tIns="50800" rIns="50800" bIns="50800" rtlCol="0" anchor="ctr"/>
+            <a:lstStyle/>
+            <a:p>
+              <a:pPr algn="ctr">
+                <a:lnSpc>
+                  <a:spcPts val="2800"/>
+                </a:lnSpc>
+              </a:pPr>
+              <a:endParaRPr/>
+            </a:p>
+          </p:txBody>
+        </p:sp>
+      </p:grpSp>
+      <p:sp>
+        <p:nvSpPr>
+          <p:cNvPr id="12" name="TextBox 12"/>
+          <p:cNvSpPr txBox="1"/>
+          <p:nvPr/>
+        </p:nvSpPr>
+        <p:spPr>
+          <a:xfrm>
+            <a:off x="411934" y="502681"/>
+            <a:ext cx="1939447" cy="1377949"/>
+          </a:xfrm>
+          <a:prstGeom prst="rect">
+            <a:avLst/>
+          </a:prstGeom>
+        </p:spPr>
+        <p:txBody>
+          <a:bodyPr lIns="0" tIns="0" rIns="0" bIns="0" rtlCol="0" anchor="t">
+            <a:spAutoFit/>
+          </a:bodyPr>
+          <a:lstStyle/>
+          <a:p>
+            <a:pPr algn="ctr">
+              <a:lnSpc>
+                <a:spcPts val="11200"/>
+              </a:lnSpc>
+            </a:pPr>
+            <a:r>
+              <a:rPr lang="en-US" sz="8000" dirty="0">
+                <a:solidFill>
+                  <a:srgbClr val="FFFFFF"/>
+                </a:solidFill>
+                <a:latin typeface="Nunito Sans Heavy"/>
+              </a:rPr>
+              <a:t>1</a:t>
+            </a:r>
+            <a:r>
+              <a:rPr lang="hu-HU" sz="8000" dirty="0">
+                <a:solidFill>
+                  <a:srgbClr val="FFFFFF"/>
+                </a:solidFill>
+                <a:latin typeface="Nunito Sans Heavy"/>
+              </a:rPr>
+              <a:t>5</a:t>
+            </a:r>
+            <a:endParaRPr lang="en-US" sz="8000" dirty="0">
+              <a:solidFill>
+                <a:srgbClr val="FFFFFF"/>
+              </a:solidFill>
+              <a:latin typeface="Nunito Sans Heavy"/>
+            </a:endParaRPr>
+          </a:p>
+        </p:txBody>
+      </p:sp>
+      <p:sp>
+        <p:nvSpPr>
+          <p:cNvPr id="13" name="TextBox 13"/>
+          <p:cNvSpPr txBox="1"/>
+          <p:nvPr/>
+        </p:nvSpPr>
+        <p:spPr>
+          <a:xfrm>
+            <a:off x="2232683" y="502920"/>
+            <a:ext cx="13822634" cy="1333635"/>
+          </a:xfrm>
+          <a:prstGeom prst="rect">
+            <a:avLst/>
+          </a:prstGeom>
+        </p:spPr>
+        <p:txBody>
+          <a:bodyPr wrap="square" lIns="0" tIns="0" rIns="0" bIns="0" rtlCol="0" anchor="t">
+            <a:spAutoFit/>
+          </a:bodyPr>
+          <a:lstStyle/>
+          <a:p>
+            <a:pPr algn="ctr">
+              <a:lnSpc>
+                <a:spcPts val="11200"/>
+              </a:lnSpc>
+            </a:pPr>
+            <a:r>
+              <a:rPr lang="hu-HU" sz="8000" dirty="0">
+                <a:solidFill>
+                  <a:srgbClr val="004AAD"/>
+                </a:solidFill>
+                <a:latin typeface="Roboto Medium" panose="02000000000000000000" pitchFamily="2" charset="0"/>
+                <a:ea typeface="Roboto Medium" panose="02000000000000000000" pitchFamily="2" charset="0"/>
+              </a:rPr>
+              <a:t>Lekérdezések</a:t>
+            </a:r>
+            <a:endParaRPr lang="en-US" sz="8000" dirty="0">
+              <a:solidFill>
+                <a:srgbClr val="004AAD"/>
+              </a:solidFill>
+              <a:latin typeface="Roboto Medium" panose="02000000000000000000" pitchFamily="2" charset="0"/>
+              <a:ea typeface="Roboto Medium" panose="02000000000000000000" pitchFamily="2" charset="0"/>
+            </a:endParaRPr>
+          </a:p>
+        </p:txBody>
+      </p:sp>
+      <p:pic>
+        <p:nvPicPr>
+          <p:cNvPr id="15" name="Kép 14">
+            <a:extLst>
+              <a:ext uri="{FF2B5EF4-FFF2-40B4-BE49-F238E27FC236}">
+                <a16:creationId xmlns:a16="http://schemas.microsoft.com/office/drawing/2014/main" id="{68BD25BC-8423-4919-B96F-94DEBAC612BE}"/>
+              </a:ext>
+            </a:extLst>
+          </p:cNvPr>
+          <p:cNvPicPr>
+            <a:picLocks noChangeAspect="1"/>
+          </p:cNvPicPr>
+          <p:nvPr/>
+        </p:nvPicPr>
+        <p:blipFill>
+          <a:blip r:embed="rId4"/>
+          <a:stretch>
+            <a:fillRect/>
+          </a:stretch>
+        </p:blipFill>
+        <p:spPr>
+          <a:xfrm>
+            <a:off x="3221861" y="2949367"/>
+            <a:ext cx="11866926" cy="5901040"/>
+          </a:xfrm>
+          <a:prstGeom prst="rect">
+            <a:avLst/>
+          </a:prstGeom>
+        </p:spPr>
+      </p:pic>
+    </p:spTree>
+    <p:extLst>
+      <p:ext uri="{BB962C8B-B14F-4D97-AF65-F5344CB8AC3E}">
+        <p14:creationId xmlns:p14="http://schemas.microsoft.com/office/powerpoint/2010/main" val="1117915408"/>
+      </p:ext>
+    </p:extLst>
+  </p:cSld>
+  <p:clrMapOvr>
+    <a:masterClrMapping/>
+  </p:clrMapOvr>
+</p:sld>
+</file>
+
+<file path=ppt/slides/slide18.xml><?xml version="1.0" encoding="utf-8"?>
+<p:sld xmlns:a="http://schemas.openxmlformats.org/drawingml/2006/main" xmlns:r="http://schemas.openxmlformats.org/officeDocument/2006/relationships" xmlns:p="http://schemas.openxmlformats.org/presentationml/2006/main">
+  <p:cSld>
+    <p:spTree>
+      <p:nvGrpSpPr>
+        <p:cNvPr id="1" name=""/>
+        <p:cNvGrpSpPr/>
+        <p:nvPr/>
+      </p:nvGrpSpPr>
+      <p:grpSpPr>
+        <a:xfrm>
+          <a:off x="0" y="0"/>
+          <a:ext cx="0" cy="0"/>
+          <a:chOff x="0" y="0"/>
+          <a:chExt cx="0" cy="0"/>
+        </a:xfrm>
+      </p:grpSpPr>
+      <p:grpSp>
+        <p:nvGrpSpPr>
+          <p:cNvPr id="2" name="Group 2"/>
+          <p:cNvGrpSpPr/>
+          <p:nvPr/>
+        </p:nvGrpSpPr>
+        <p:grpSpPr>
+          <a:xfrm>
+            <a:off x="0" y="-987551"/>
+            <a:ext cx="18288000" cy="12262103"/>
+            <a:chOff x="0" y="0"/>
+            <a:chExt cx="24384000" cy="16349470"/>
+          </a:xfrm>
+        </p:grpSpPr>
+        <p:sp>
+          <p:nvSpPr>
+            <p:cNvPr id="3" name="Freeform 3"/>
+            <p:cNvSpPr/>
+            <p:nvPr/>
+          </p:nvSpPr>
+          <p:spPr>
+            <a:xfrm>
+              <a:off x="0" y="0"/>
+              <a:ext cx="8198458" cy="8198458"/>
+            </a:xfrm>
+            <a:custGeom>
+              <a:avLst/>
+              <a:gdLst/>
+              <a:ahLst/>
+              <a:cxnLst/>
+              <a:rect l="l" t="t" r="r" b="b"/>
+              <a:pathLst>
+                <a:path w="8198458" h="8198458">
+                  <a:moveTo>
+                    <a:pt x="0" y="0"/>
+                  </a:moveTo>
+                  <a:lnTo>
+                    <a:pt x="8198458" y="0"/>
+                  </a:lnTo>
+                  <a:lnTo>
+                    <a:pt x="8198458" y="8198458"/>
+                  </a:lnTo>
+                  <a:lnTo>
+                    <a:pt x="0" y="8198458"/>
+                  </a:lnTo>
+                  <a:lnTo>
+                    <a:pt x="0" y="0"/>
+                  </a:lnTo>
+                  <a:close/>
+                </a:path>
+              </a:pathLst>
+            </a:custGeom>
+            <a:blipFill>
+              <a:blip r:embed="rId2">
+                <a:alphaModFix amt="50000"/>
+                <a:extLst>
+                  <a:ext uri="{96DAC541-7B7A-43D3-8B79-37D633B846F1}">
+                    <asvg:svgBlip xmlns:asvg="http://schemas.microsoft.com/office/drawing/2016/SVG/main" r:embed="rId3"/>
+                  </a:ext>
+                </a:extLst>
+              </a:blip>
+              <a:stretch>
+                <a:fillRect/>
+              </a:stretch>
+            </a:blipFill>
+          </p:spPr>
+        </p:sp>
+        <p:sp>
+          <p:nvSpPr>
+            <p:cNvPr id="4" name="Freeform 4"/>
+            <p:cNvSpPr/>
+            <p:nvPr/>
+          </p:nvSpPr>
+          <p:spPr>
+            <a:xfrm>
+              <a:off x="0" y="8103568"/>
+              <a:ext cx="8198458" cy="8198458"/>
+            </a:xfrm>
+            <a:custGeom>
+              <a:avLst/>
+              <a:gdLst/>
+              <a:ahLst/>
+              <a:cxnLst/>
+              <a:rect l="l" t="t" r="r" b="b"/>
+              <a:pathLst>
+                <a:path w="8198458" h="8198458">
+                  <a:moveTo>
+                    <a:pt x="0" y="0"/>
+                  </a:moveTo>
+                  <a:lnTo>
+                    <a:pt x="8198458" y="0"/>
+                  </a:lnTo>
+                  <a:lnTo>
+                    <a:pt x="8198458" y="8198458"/>
+                  </a:lnTo>
+                  <a:lnTo>
+                    <a:pt x="0" y="8198458"/>
+                  </a:lnTo>
+                  <a:lnTo>
+                    <a:pt x="0" y="0"/>
+                  </a:lnTo>
+                  <a:close/>
+                </a:path>
+              </a:pathLst>
+            </a:custGeom>
+            <a:blipFill>
+              <a:blip r:embed="rId2">
+                <a:alphaModFix amt="50000"/>
+                <a:extLst>
+                  <a:ext uri="{96DAC541-7B7A-43D3-8B79-37D633B846F1}">
+                    <asvg:svgBlip xmlns:asvg="http://schemas.microsoft.com/office/drawing/2016/SVG/main" r:embed="rId3"/>
+                  </a:ext>
+                </a:extLst>
+              </a:blip>
+              <a:stretch>
+                <a:fillRect/>
+              </a:stretch>
+            </a:blipFill>
+          </p:spPr>
+        </p:sp>
+        <p:sp>
+          <p:nvSpPr>
+            <p:cNvPr id="5" name="Freeform 5"/>
+            <p:cNvSpPr/>
+            <p:nvPr/>
+          </p:nvSpPr>
+          <p:spPr>
+            <a:xfrm>
+              <a:off x="8107869" y="0"/>
+              <a:ext cx="8198458" cy="8198458"/>
+            </a:xfrm>
+            <a:custGeom>
+              <a:avLst/>
+              <a:gdLst/>
+              <a:ahLst/>
+              <a:cxnLst/>
+              <a:rect l="l" t="t" r="r" b="b"/>
+              <a:pathLst>
+                <a:path w="8198458" h="8198458">
+                  <a:moveTo>
+                    <a:pt x="0" y="0"/>
+                  </a:moveTo>
+                  <a:lnTo>
+                    <a:pt x="8198458" y="0"/>
+                  </a:lnTo>
+                  <a:lnTo>
+                    <a:pt x="8198458" y="8198458"/>
+                  </a:lnTo>
+                  <a:lnTo>
+                    <a:pt x="0" y="8198458"/>
+                  </a:lnTo>
+                  <a:lnTo>
+                    <a:pt x="0" y="0"/>
+                  </a:lnTo>
+                  <a:close/>
+                </a:path>
+              </a:pathLst>
+            </a:custGeom>
+            <a:blipFill>
+              <a:blip r:embed="rId2">
+                <a:alphaModFix amt="50000"/>
+                <a:extLst>
+                  <a:ext uri="{96DAC541-7B7A-43D3-8B79-37D633B846F1}">
+                    <asvg:svgBlip xmlns:asvg="http://schemas.microsoft.com/office/drawing/2016/SVG/main" r:embed="rId3"/>
+                  </a:ext>
+                </a:extLst>
+              </a:blip>
+              <a:stretch>
+                <a:fillRect/>
+              </a:stretch>
+            </a:blipFill>
+          </p:spPr>
+        </p:sp>
+        <p:sp>
+          <p:nvSpPr>
+            <p:cNvPr id="6" name="Freeform 6"/>
+            <p:cNvSpPr/>
+            <p:nvPr/>
+          </p:nvSpPr>
+          <p:spPr>
+            <a:xfrm>
+              <a:off x="8107869" y="8103568"/>
+              <a:ext cx="8198458" cy="8198458"/>
+            </a:xfrm>
+            <a:custGeom>
+              <a:avLst/>
+              <a:gdLst/>
+              <a:ahLst/>
+              <a:cxnLst/>
+              <a:rect l="l" t="t" r="r" b="b"/>
+              <a:pathLst>
+                <a:path w="8198458" h="8198458">
+                  <a:moveTo>
+                    <a:pt x="0" y="0"/>
+                  </a:moveTo>
+                  <a:lnTo>
+                    <a:pt x="8198458" y="0"/>
+                  </a:lnTo>
+                  <a:lnTo>
+                    <a:pt x="8198458" y="8198458"/>
+                  </a:lnTo>
+                  <a:lnTo>
+                    <a:pt x="0" y="8198458"/>
+                  </a:lnTo>
+                  <a:lnTo>
+                    <a:pt x="0" y="0"/>
+                  </a:lnTo>
+                  <a:close/>
+                </a:path>
+              </a:pathLst>
+            </a:custGeom>
+            <a:blipFill>
+              <a:blip r:embed="rId2">
+                <a:alphaModFix amt="50000"/>
+                <a:extLst>
+                  <a:ext uri="{96DAC541-7B7A-43D3-8B79-37D633B846F1}">
+                    <asvg:svgBlip xmlns:asvg="http://schemas.microsoft.com/office/drawing/2016/SVG/main" r:embed="rId3"/>
+                  </a:ext>
+                </a:extLst>
+              </a:blip>
+              <a:stretch>
+                <a:fillRect/>
+              </a:stretch>
+            </a:blipFill>
+          </p:spPr>
+        </p:sp>
+        <p:sp>
+          <p:nvSpPr>
+            <p:cNvPr id="7" name="Freeform 7"/>
+            <p:cNvSpPr/>
+            <p:nvPr/>
+          </p:nvSpPr>
+          <p:spPr>
+            <a:xfrm>
+              <a:off x="16185542" y="47445"/>
+              <a:ext cx="8198458" cy="8198458"/>
+            </a:xfrm>
+            <a:custGeom>
+              <a:avLst/>
+              <a:gdLst/>
+              <a:ahLst/>
+              <a:cxnLst/>
+              <a:rect l="l" t="t" r="r" b="b"/>
+              <a:pathLst>
+                <a:path w="8198458" h="8198458">
+                  <a:moveTo>
+                    <a:pt x="0" y="0"/>
+                  </a:moveTo>
+                  <a:lnTo>
+                    <a:pt x="8198458" y="0"/>
+                  </a:lnTo>
+                  <a:lnTo>
+                    <a:pt x="8198458" y="8198457"/>
+                  </a:lnTo>
+                  <a:lnTo>
+                    <a:pt x="0" y="8198457"/>
+                  </a:lnTo>
+                  <a:lnTo>
+                    <a:pt x="0" y="0"/>
+                  </a:lnTo>
+                  <a:close/>
+                </a:path>
+              </a:pathLst>
+            </a:custGeom>
+            <a:blipFill>
+              <a:blip r:embed="rId2">
+                <a:alphaModFix amt="50000"/>
+                <a:extLst>
+                  <a:ext uri="{96DAC541-7B7A-43D3-8B79-37D633B846F1}">
+                    <asvg:svgBlip xmlns:asvg="http://schemas.microsoft.com/office/drawing/2016/SVG/main" r:embed="rId3"/>
+                  </a:ext>
+                </a:extLst>
+              </a:blip>
+              <a:stretch>
+                <a:fillRect/>
+              </a:stretch>
+            </a:blipFill>
+          </p:spPr>
+        </p:sp>
+        <p:sp>
+          <p:nvSpPr>
+            <p:cNvPr id="8" name="Freeform 8"/>
+            <p:cNvSpPr/>
+            <p:nvPr/>
+          </p:nvSpPr>
+          <p:spPr>
+            <a:xfrm>
+              <a:off x="16185542" y="8151013"/>
+              <a:ext cx="8198458" cy="8198458"/>
+            </a:xfrm>
+            <a:custGeom>
+              <a:avLst/>
+              <a:gdLst/>
+              <a:ahLst/>
+              <a:cxnLst/>
+              <a:rect l="l" t="t" r="r" b="b"/>
+              <a:pathLst>
+                <a:path w="8198458" h="8198458">
+                  <a:moveTo>
+                    <a:pt x="0" y="0"/>
+                  </a:moveTo>
+                  <a:lnTo>
+                    <a:pt x="8198458" y="0"/>
+                  </a:lnTo>
+                  <a:lnTo>
+                    <a:pt x="8198458" y="8198457"/>
+                  </a:lnTo>
+                  <a:lnTo>
+                    <a:pt x="0" y="8198457"/>
+                  </a:lnTo>
+                  <a:lnTo>
+                    <a:pt x="0" y="0"/>
+                  </a:lnTo>
+                  <a:close/>
+                </a:path>
+              </a:pathLst>
+            </a:custGeom>
+            <a:blipFill>
+              <a:blip r:embed="rId2">
+                <a:alphaModFix amt="50000"/>
+                <a:extLst>
+                  <a:ext uri="{96DAC541-7B7A-43D3-8B79-37D633B846F1}">
+                    <asvg:svgBlip xmlns:asvg="http://schemas.microsoft.com/office/drawing/2016/SVG/main" r:embed="rId3"/>
+                  </a:ext>
+                </a:extLst>
+              </a:blip>
+              <a:stretch>
+                <a:fillRect/>
+              </a:stretch>
+            </a:blipFill>
+          </p:spPr>
+        </p:sp>
+      </p:grpSp>
+      <p:grpSp>
+        <p:nvGrpSpPr>
+          <p:cNvPr id="9" name="Group 9"/>
+          <p:cNvGrpSpPr/>
+          <p:nvPr/>
+        </p:nvGrpSpPr>
+        <p:grpSpPr>
+          <a:xfrm>
+            <a:off x="-2038330" y="-2073710"/>
+            <a:ext cx="5041299" cy="5041299"/>
+            <a:chOff x="0" y="0"/>
+            <a:chExt cx="812800" cy="812800"/>
+          </a:xfrm>
+        </p:grpSpPr>
+        <p:sp>
+          <p:nvSpPr>
+            <p:cNvPr id="10" name="Freeform 10"/>
+            <p:cNvSpPr/>
+            <p:nvPr/>
+          </p:nvSpPr>
+          <p:spPr>
+            <a:xfrm>
+              <a:off x="0" y="0"/>
+              <a:ext cx="812800" cy="812800"/>
+            </a:xfrm>
+            <a:custGeom>
+              <a:avLst/>
+              <a:gdLst/>
+              <a:ahLst/>
+              <a:cxnLst/>
+              <a:rect l="l" t="t" r="r" b="b"/>
+              <a:pathLst>
+                <a:path w="812800" h="812800">
+                  <a:moveTo>
+                    <a:pt x="406400" y="0"/>
+                  </a:moveTo>
+                  <a:cubicBezTo>
+                    <a:pt x="181951" y="0"/>
+                    <a:pt x="0" y="181951"/>
+                    <a:pt x="0" y="406400"/>
+                  </a:cubicBezTo>
+                  <a:cubicBezTo>
+                    <a:pt x="0" y="630849"/>
+                    <a:pt x="181951" y="812800"/>
+                    <a:pt x="406400" y="812800"/>
+                  </a:cubicBezTo>
+                  <a:cubicBezTo>
+                    <a:pt x="630849" y="812800"/>
+                    <a:pt x="812800" y="630849"/>
+                    <a:pt x="812800" y="406400"/>
+                  </a:cubicBezTo>
+                  <a:cubicBezTo>
+                    <a:pt x="812800" y="181951"/>
+                    <a:pt x="630849" y="0"/>
+                    <a:pt x="406400" y="0"/>
+                  </a:cubicBezTo>
+                  <a:close/>
+                </a:path>
+              </a:pathLst>
+            </a:custGeom>
+            <a:solidFill>
+              <a:srgbClr val="004AAD"/>
+            </a:solidFill>
+            <a:ln cap="sq">
+              <a:noFill/>
+              <a:prstDash val="solid"/>
+              <a:miter/>
+            </a:ln>
+          </p:spPr>
+        </p:sp>
+        <p:sp>
+          <p:nvSpPr>
+            <p:cNvPr id="11" name="TextBox 11"/>
+            <p:cNvSpPr txBox="1"/>
+            <p:nvPr/>
+          </p:nvSpPr>
+          <p:spPr>
+            <a:xfrm>
+              <a:off x="76200" y="38100"/>
+              <a:ext cx="660400" cy="698500"/>
+            </a:xfrm>
+            <a:prstGeom prst="rect">
+              <a:avLst/>
+            </a:prstGeom>
+          </p:spPr>
+          <p:txBody>
+            <a:bodyPr lIns="50800" tIns="50800" rIns="50800" bIns="50800" rtlCol="0" anchor="ctr"/>
+            <a:lstStyle/>
+            <a:p>
+              <a:pPr algn="ctr">
+                <a:lnSpc>
+                  <a:spcPts val="2800"/>
+                </a:lnSpc>
+              </a:pPr>
+              <a:endParaRPr/>
+            </a:p>
+          </p:txBody>
+        </p:sp>
+      </p:grpSp>
+      <p:sp>
+        <p:nvSpPr>
+          <p:cNvPr id="12" name="TextBox 12"/>
+          <p:cNvSpPr txBox="1"/>
+          <p:nvPr/>
+        </p:nvSpPr>
+        <p:spPr>
+          <a:xfrm>
+            <a:off x="411934" y="502681"/>
+            <a:ext cx="1939447" cy="1377949"/>
+          </a:xfrm>
+          <a:prstGeom prst="rect">
+            <a:avLst/>
+          </a:prstGeom>
+        </p:spPr>
+        <p:txBody>
+          <a:bodyPr lIns="0" tIns="0" rIns="0" bIns="0" rtlCol="0" anchor="t">
+            <a:spAutoFit/>
+          </a:bodyPr>
+          <a:lstStyle/>
+          <a:p>
+            <a:pPr algn="ctr">
+              <a:lnSpc>
+                <a:spcPts val="11200"/>
+              </a:lnSpc>
+            </a:pPr>
+            <a:r>
+              <a:rPr lang="en-US" sz="8000" dirty="0">
+                <a:solidFill>
+                  <a:srgbClr val="FFFFFF"/>
+                </a:solidFill>
+                <a:latin typeface="Nunito Sans Heavy"/>
+              </a:rPr>
+              <a:t>1</a:t>
+            </a:r>
+            <a:r>
+              <a:rPr lang="hu-HU" sz="8000" dirty="0">
+                <a:solidFill>
+                  <a:srgbClr val="FFFFFF"/>
+                </a:solidFill>
+                <a:latin typeface="Nunito Sans Heavy"/>
+              </a:rPr>
+              <a:t>6</a:t>
+            </a:r>
+            <a:endParaRPr lang="en-US" sz="8000" dirty="0">
+              <a:solidFill>
+                <a:srgbClr val="FFFFFF"/>
+              </a:solidFill>
+              <a:latin typeface="Nunito Sans Heavy"/>
+            </a:endParaRPr>
+          </a:p>
+        </p:txBody>
+      </p:sp>
+      <p:sp>
+        <p:nvSpPr>
+          <p:cNvPr id="13" name="TextBox 13"/>
+          <p:cNvSpPr txBox="1"/>
+          <p:nvPr/>
+        </p:nvSpPr>
+        <p:spPr>
+          <a:xfrm>
+            <a:off x="2232683" y="502920"/>
+            <a:ext cx="13822634" cy="1333635"/>
+          </a:xfrm>
+          <a:prstGeom prst="rect">
+            <a:avLst/>
+          </a:prstGeom>
+        </p:spPr>
+        <p:txBody>
+          <a:bodyPr wrap="square" lIns="0" tIns="0" rIns="0" bIns="0" rtlCol="0" anchor="t">
+            <a:spAutoFit/>
+          </a:bodyPr>
+          <a:lstStyle/>
+          <a:p>
+            <a:pPr algn="ctr">
+              <a:lnSpc>
+                <a:spcPts val="11200"/>
+              </a:lnSpc>
+            </a:pPr>
+            <a:r>
+              <a:rPr lang="hu-HU" sz="8000" dirty="0">
+                <a:solidFill>
+                  <a:srgbClr val="004AAD"/>
+                </a:solidFill>
+                <a:latin typeface="Roboto Medium" panose="02000000000000000000" pitchFamily="2" charset="0"/>
+                <a:ea typeface="Roboto Medium" panose="02000000000000000000" pitchFamily="2" charset="0"/>
+              </a:rPr>
+              <a:t>Lekérdezések</a:t>
+            </a:r>
+            <a:endParaRPr lang="en-US" sz="8000" dirty="0">
+              <a:solidFill>
+                <a:srgbClr val="004AAD"/>
+              </a:solidFill>
+              <a:latin typeface="Roboto Medium" panose="02000000000000000000" pitchFamily="2" charset="0"/>
+              <a:ea typeface="Roboto Medium" panose="02000000000000000000" pitchFamily="2" charset="0"/>
+            </a:endParaRPr>
+          </a:p>
+        </p:txBody>
+      </p:sp>
+      <p:pic>
+        <p:nvPicPr>
+          <p:cNvPr id="16" name="Kép 15">
+            <a:extLst>
+              <a:ext uri="{FF2B5EF4-FFF2-40B4-BE49-F238E27FC236}">
+                <a16:creationId xmlns:a16="http://schemas.microsoft.com/office/drawing/2014/main" id="{D1200CE9-01F4-4410-9E01-5904D6863E67}"/>
+              </a:ext>
+            </a:extLst>
+          </p:cNvPr>
+          <p:cNvPicPr>
+            <a:picLocks noChangeAspect="1"/>
+          </p:cNvPicPr>
+          <p:nvPr/>
+        </p:nvPicPr>
+        <p:blipFill>
+          <a:blip r:embed="rId4"/>
+          <a:stretch>
+            <a:fillRect/>
+          </a:stretch>
+        </p:blipFill>
+        <p:spPr>
+          <a:xfrm>
+            <a:off x="3053390" y="2952680"/>
+            <a:ext cx="12203867" cy="5926104"/>
+          </a:xfrm>
+          <a:prstGeom prst="rect">
+            <a:avLst/>
+          </a:prstGeom>
+        </p:spPr>
+      </p:pic>
+    </p:spTree>
+    <p:extLst>
+      <p:ext uri="{BB962C8B-B14F-4D97-AF65-F5344CB8AC3E}">
+        <p14:creationId xmlns:p14="http://schemas.microsoft.com/office/powerpoint/2010/main" val="941517837"/>
+      </p:ext>
+    </p:extLst>
+  </p:cSld>
+  <p:clrMapOvr>
+    <a:masterClrMapping/>
+  </p:clrMapOvr>
+</p:sld>
+</file>
+
+<file path=ppt/slides/slide19.xml><?xml version="1.0" encoding="utf-8"?>
+<p:sld xmlns:a="http://schemas.openxmlformats.org/drawingml/2006/main" xmlns:r="http://schemas.openxmlformats.org/officeDocument/2006/relationships" xmlns:p="http://schemas.openxmlformats.org/presentationml/2006/main">
+  <p:cSld>
+    <p:spTree>
+      <p:nvGrpSpPr>
+        <p:cNvPr id="1" name=""/>
+        <p:cNvGrpSpPr/>
+        <p:nvPr/>
+      </p:nvGrpSpPr>
+      <p:grpSpPr>
+        <a:xfrm>
+          <a:off x="0" y="0"/>
+          <a:ext cx="0" cy="0"/>
+          <a:chOff x="0" y="0"/>
+          <a:chExt cx="0" cy="0"/>
+        </a:xfrm>
+      </p:grpSpPr>
+      <p:grpSp>
+        <p:nvGrpSpPr>
+          <p:cNvPr id="2" name="Group 2"/>
+          <p:cNvGrpSpPr/>
+          <p:nvPr/>
+        </p:nvGrpSpPr>
+        <p:grpSpPr>
+          <a:xfrm>
+            <a:off x="0" y="-987551"/>
+            <a:ext cx="18288000" cy="12262103"/>
+            <a:chOff x="0" y="0"/>
+            <a:chExt cx="24384000" cy="16349470"/>
+          </a:xfrm>
+        </p:grpSpPr>
+        <p:sp>
+          <p:nvSpPr>
+            <p:cNvPr id="3" name="Freeform 3"/>
+            <p:cNvSpPr/>
+            <p:nvPr/>
+          </p:nvSpPr>
+          <p:spPr>
+            <a:xfrm>
+              <a:off x="0" y="0"/>
+              <a:ext cx="8198458" cy="8198458"/>
+            </a:xfrm>
+            <a:custGeom>
+              <a:avLst/>
+              <a:gdLst/>
+              <a:ahLst/>
+              <a:cxnLst/>
+              <a:rect l="l" t="t" r="r" b="b"/>
+              <a:pathLst>
+                <a:path w="8198458" h="8198458">
+                  <a:moveTo>
+                    <a:pt x="0" y="0"/>
+                  </a:moveTo>
+                  <a:lnTo>
+                    <a:pt x="8198458" y="0"/>
+                  </a:lnTo>
+                  <a:lnTo>
+                    <a:pt x="8198458" y="8198458"/>
+                  </a:lnTo>
+                  <a:lnTo>
+                    <a:pt x="0" y="8198458"/>
+                  </a:lnTo>
+                  <a:lnTo>
+                    <a:pt x="0" y="0"/>
+                  </a:lnTo>
+                  <a:close/>
+                </a:path>
+              </a:pathLst>
+            </a:custGeom>
+            <a:blipFill>
+              <a:blip r:embed="rId2">
+                <a:alphaModFix amt="50000"/>
+                <a:extLst>
+                  <a:ext uri="{96DAC541-7B7A-43D3-8B79-37D633B846F1}">
+                    <asvg:svgBlip xmlns:asvg="http://schemas.microsoft.com/office/drawing/2016/SVG/main" r:embed="rId3"/>
+                  </a:ext>
+                </a:extLst>
+              </a:blip>
+              <a:stretch>
+                <a:fillRect/>
+              </a:stretch>
+            </a:blipFill>
+          </p:spPr>
+        </p:sp>
+        <p:sp>
+          <p:nvSpPr>
+            <p:cNvPr id="4" name="Freeform 4"/>
+            <p:cNvSpPr/>
+            <p:nvPr/>
+          </p:nvSpPr>
+          <p:spPr>
+            <a:xfrm>
+              <a:off x="0" y="8103568"/>
+              <a:ext cx="8198458" cy="8198458"/>
+            </a:xfrm>
+            <a:custGeom>
+              <a:avLst/>
+              <a:gdLst/>
+              <a:ahLst/>
+              <a:cxnLst/>
+              <a:rect l="l" t="t" r="r" b="b"/>
+              <a:pathLst>
+                <a:path w="8198458" h="8198458">
+                  <a:moveTo>
+                    <a:pt x="0" y="0"/>
+                  </a:moveTo>
+                  <a:lnTo>
+                    <a:pt x="8198458" y="0"/>
+                  </a:lnTo>
+                  <a:lnTo>
+                    <a:pt x="8198458" y="8198458"/>
+                  </a:lnTo>
+                  <a:lnTo>
+                    <a:pt x="0" y="8198458"/>
+                  </a:lnTo>
+                  <a:lnTo>
+                    <a:pt x="0" y="0"/>
+                  </a:lnTo>
+                  <a:close/>
+                </a:path>
+              </a:pathLst>
+            </a:custGeom>
+            <a:blipFill>
+              <a:blip r:embed="rId2">
+                <a:alphaModFix amt="50000"/>
+                <a:extLst>
+                  <a:ext uri="{96DAC541-7B7A-43D3-8B79-37D633B846F1}">
+                    <asvg:svgBlip xmlns:asvg="http://schemas.microsoft.com/office/drawing/2016/SVG/main" r:embed="rId3"/>
+                  </a:ext>
+                </a:extLst>
+              </a:blip>
+              <a:stretch>
+                <a:fillRect/>
+              </a:stretch>
+            </a:blipFill>
+          </p:spPr>
+        </p:sp>
+        <p:sp>
+          <p:nvSpPr>
+            <p:cNvPr id="5" name="Freeform 5"/>
+            <p:cNvSpPr/>
+            <p:nvPr/>
+          </p:nvSpPr>
+          <p:spPr>
+            <a:xfrm>
+              <a:off x="8107869" y="0"/>
+              <a:ext cx="8198458" cy="8198458"/>
+            </a:xfrm>
+            <a:custGeom>
+              <a:avLst/>
+              <a:gdLst/>
+              <a:ahLst/>
+              <a:cxnLst/>
+              <a:rect l="l" t="t" r="r" b="b"/>
+              <a:pathLst>
+                <a:path w="8198458" h="8198458">
+                  <a:moveTo>
+                    <a:pt x="0" y="0"/>
+                  </a:moveTo>
+                  <a:lnTo>
+                    <a:pt x="8198458" y="0"/>
+                  </a:lnTo>
+                  <a:lnTo>
+                    <a:pt x="8198458" y="8198458"/>
+                  </a:lnTo>
+                  <a:lnTo>
+                    <a:pt x="0" y="8198458"/>
+                  </a:lnTo>
+                  <a:lnTo>
+                    <a:pt x="0" y="0"/>
+                  </a:lnTo>
+                  <a:close/>
+                </a:path>
+              </a:pathLst>
+            </a:custGeom>
+            <a:blipFill>
+              <a:blip r:embed="rId2">
+                <a:alphaModFix amt="50000"/>
+                <a:extLst>
+                  <a:ext uri="{96DAC541-7B7A-43D3-8B79-37D633B846F1}">
+                    <asvg:svgBlip xmlns:asvg="http://schemas.microsoft.com/office/drawing/2016/SVG/main" r:embed="rId3"/>
+                  </a:ext>
+                </a:extLst>
+              </a:blip>
+              <a:stretch>
+                <a:fillRect/>
+              </a:stretch>
+            </a:blipFill>
+          </p:spPr>
+        </p:sp>
+        <p:sp>
+          <p:nvSpPr>
+            <p:cNvPr id="6" name="Freeform 6"/>
+            <p:cNvSpPr/>
+            <p:nvPr/>
+          </p:nvSpPr>
+          <p:spPr>
+            <a:xfrm>
+              <a:off x="8107869" y="8103568"/>
+              <a:ext cx="8198458" cy="8198458"/>
+            </a:xfrm>
+            <a:custGeom>
+              <a:avLst/>
+              <a:gdLst/>
+              <a:ahLst/>
+              <a:cxnLst/>
+              <a:rect l="l" t="t" r="r" b="b"/>
+              <a:pathLst>
+                <a:path w="8198458" h="8198458">
+                  <a:moveTo>
+                    <a:pt x="0" y="0"/>
+                  </a:moveTo>
+                  <a:lnTo>
+                    <a:pt x="8198458" y="0"/>
+                  </a:lnTo>
+                  <a:lnTo>
+                    <a:pt x="8198458" y="8198458"/>
+                  </a:lnTo>
+                  <a:lnTo>
+                    <a:pt x="0" y="8198458"/>
+                  </a:lnTo>
+                  <a:lnTo>
+                    <a:pt x="0" y="0"/>
+                  </a:lnTo>
+                  <a:close/>
+                </a:path>
+              </a:pathLst>
+            </a:custGeom>
+            <a:blipFill>
+              <a:blip r:embed="rId2">
+                <a:alphaModFix amt="50000"/>
+                <a:extLst>
+                  <a:ext uri="{96DAC541-7B7A-43D3-8B79-37D633B846F1}">
+                    <asvg:svgBlip xmlns:asvg="http://schemas.microsoft.com/office/drawing/2016/SVG/main" r:embed="rId3"/>
+                  </a:ext>
+                </a:extLst>
+              </a:blip>
+              <a:stretch>
+                <a:fillRect/>
+              </a:stretch>
+            </a:blipFill>
+          </p:spPr>
+        </p:sp>
+        <p:sp>
+          <p:nvSpPr>
+            <p:cNvPr id="7" name="Freeform 7"/>
+            <p:cNvSpPr/>
+            <p:nvPr/>
+          </p:nvSpPr>
+          <p:spPr>
+            <a:xfrm>
+              <a:off x="16185542" y="47445"/>
+              <a:ext cx="8198458" cy="8198458"/>
+            </a:xfrm>
+            <a:custGeom>
+              <a:avLst/>
+              <a:gdLst/>
+              <a:ahLst/>
+              <a:cxnLst/>
+              <a:rect l="l" t="t" r="r" b="b"/>
+              <a:pathLst>
+                <a:path w="8198458" h="8198458">
+                  <a:moveTo>
+                    <a:pt x="0" y="0"/>
+                  </a:moveTo>
+                  <a:lnTo>
+                    <a:pt x="8198458" y="0"/>
+                  </a:lnTo>
+                  <a:lnTo>
+                    <a:pt x="8198458" y="8198457"/>
+                  </a:lnTo>
+                  <a:lnTo>
+                    <a:pt x="0" y="8198457"/>
+                  </a:lnTo>
+                  <a:lnTo>
+                    <a:pt x="0" y="0"/>
+                  </a:lnTo>
+                  <a:close/>
+                </a:path>
+              </a:pathLst>
+            </a:custGeom>
+            <a:blipFill>
+              <a:blip r:embed="rId2">
+                <a:alphaModFix amt="50000"/>
+                <a:extLst>
+                  <a:ext uri="{96DAC541-7B7A-43D3-8B79-37D633B846F1}">
+                    <asvg:svgBlip xmlns:asvg="http://schemas.microsoft.com/office/drawing/2016/SVG/main" r:embed="rId3"/>
+                  </a:ext>
+                </a:extLst>
+              </a:blip>
+              <a:stretch>
+                <a:fillRect/>
+              </a:stretch>
+            </a:blipFill>
+          </p:spPr>
+        </p:sp>
+        <p:sp>
+          <p:nvSpPr>
+            <p:cNvPr id="8" name="Freeform 8"/>
+            <p:cNvSpPr/>
+            <p:nvPr/>
+          </p:nvSpPr>
+          <p:spPr>
+            <a:xfrm>
+              <a:off x="16185542" y="8151013"/>
+              <a:ext cx="8198458" cy="8198458"/>
+            </a:xfrm>
+            <a:custGeom>
+              <a:avLst/>
+              <a:gdLst/>
+              <a:ahLst/>
+              <a:cxnLst/>
+              <a:rect l="l" t="t" r="r" b="b"/>
+              <a:pathLst>
+                <a:path w="8198458" h="8198458">
+                  <a:moveTo>
+                    <a:pt x="0" y="0"/>
+                  </a:moveTo>
+                  <a:lnTo>
+                    <a:pt x="8198458" y="0"/>
+                  </a:lnTo>
+                  <a:lnTo>
+                    <a:pt x="8198458" y="8198457"/>
+                  </a:lnTo>
+                  <a:lnTo>
+                    <a:pt x="0" y="8198457"/>
+                  </a:lnTo>
+                  <a:lnTo>
+                    <a:pt x="0" y="0"/>
+                  </a:lnTo>
+                  <a:close/>
+                </a:path>
+              </a:pathLst>
+            </a:custGeom>
+            <a:blipFill>
+              <a:blip r:embed="rId2">
+                <a:alphaModFix amt="50000"/>
+                <a:extLst>
+                  <a:ext uri="{96DAC541-7B7A-43D3-8B79-37D633B846F1}">
+                    <asvg:svgBlip xmlns:asvg="http://schemas.microsoft.com/office/drawing/2016/SVG/main" r:embed="rId3"/>
+                  </a:ext>
+                </a:extLst>
+              </a:blip>
+              <a:stretch>
+                <a:fillRect/>
+              </a:stretch>
+            </a:blipFill>
+          </p:spPr>
+        </p:sp>
+      </p:grpSp>
+      <p:grpSp>
+        <p:nvGrpSpPr>
+          <p:cNvPr id="9" name="Group 9"/>
+          <p:cNvGrpSpPr/>
+          <p:nvPr/>
+        </p:nvGrpSpPr>
+        <p:grpSpPr>
+          <a:xfrm>
+            <a:off x="-2038330" y="-2073710"/>
+            <a:ext cx="5041299" cy="5041299"/>
+            <a:chOff x="0" y="0"/>
+            <a:chExt cx="812800" cy="812800"/>
+          </a:xfrm>
+        </p:grpSpPr>
+        <p:sp>
+          <p:nvSpPr>
+            <p:cNvPr id="10" name="Freeform 10"/>
+            <p:cNvSpPr/>
+            <p:nvPr/>
+          </p:nvSpPr>
+          <p:spPr>
+            <a:xfrm>
+              <a:off x="0" y="0"/>
+              <a:ext cx="812800" cy="812800"/>
+            </a:xfrm>
+            <a:custGeom>
+              <a:avLst/>
+              <a:gdLst/>
+              <a:ahLst/>
+              <a:cxnLst/>
+              <a:rect l="l" t="t" r="r" b="b"/>
+              <a:pathLst>
+                <a:path w="812800" h="812800">
+                  <a:moveTo>
+                    <a:pt x="406400" y="0"/>
+                  </a:moveTo>
+                  <a:cubicBezTo>
+                    <a:pt x="181951" y="0"/>
+                    <a:pt x="0" y="181951"/>
+                    <a:pt x="0" y="406400"/>
+                  </a:cubicBezTo>
+                  <a:cubicBezTo>
+                    <a:pt x="0" y="630849"/>
+                    <a:pt x="181951" y="812800"/>
+                    <a:pt x="406400" y="812800"/>
+                  </a:cubicBezTo>
+                  <a:cubicBezTo>
+                    <a:pt x="630849" y="812800"/>
+                    <a:pt x="812800" y="630849"/>
+                    <a:pt x="812800" y="406400"/>
+                  </a:cubicBezTo>
+                  <a:cubicBezTo>
+                    <a:pt x="812800" y="181951"/>
+                    <a:pt x="630849" y="0"/>
+                    <a:pt x="406400" y="0"/>
+                  </a:cubicBezTo>
+                  <a:close/>
+                </a:path>
+              </a:pathLst>
+            </a:custGeom>
+            <a:solidFill>
+              <a:srgbClr val="004AAD"/>
+            </a:solidFill>
+            <a:ln cap="sq">
+              <a:noFill/>
+              <a:prstDash val="solid"/>
+              <a:miter/>
+            </a:ln>
+          </p:spPr>
+        </p:sp>
+        <p:sp>
+          <p:nvSpPr>
+            <p:cNvPr id="11" name="TextBox 11"/>
+            <p:cNvSpPr txBox="1"/>
+            <p:nvPr/>
+          </p:nvSpPr>
+          <p:spPr>
+            <a:xfrm>
+              <a:off x="76200" y="38100"/>
+              <a:ext cx="660400" cy="698500"/>
+            </a:xfrm>
+            <a:prstGeom prst="rect">
+              <a:avLst/>
+            </a:prstGeom>
+          </p:spPr>
+          <p:txBody>
+            <a:bodyPr lIns="50800" tIns="50800" rIns="50800" bIns="50800" rtlCol="0" anchor="ctr"/>
+            <a:lstStyle/>
+            <a:p>
+              <a:pPr algn="ctr">
+                <a:lnSpc>
+                  <a:spcPts val="2800"/>
+                </a:lnSpc>
+              </a:pPr>
+              <a:endParaRPr/>
+            </a:p>
+          </p:txBody>
+        </p:sp>
+      </p:grpSp>
+      <p:sp>
+        <p:nvSpPr>
+          <p:cNvPr id="12" name="TextBox 12"/>
+          <p:cNvSpPr txBox="1"/>
+          <p:nvPr/>
+        </p:nvSpPr>
+        <p:spPr>
+          <a:xfrm>
+            <a:off x="411934" y="502681"/>
+            <a:ext cx="1939447" cy="1377949"/>
+          </a:xfrm>
+          <a:prstGeom prst="rect">
+            <a:avLst/>
+          </a:prstGeom>
+        </p:spPr>
+        <p:txBody>
+          <a:bodyPr lIns="0" tIns="0" rIns="0" bIns="0" rtlCol="0" anchor="t">
+            <a:spAutoFit/>
+          </a:bodyPr>
+          <a:lstStyle/>
+          <a:p>
+            <a:pPr algn="ctr">
+              <a:lnSpc>
+                <a:spcPts val="11200"/>
+              </a:lnSpc>
+            </a:pPr>
+            <a:r>
+              <a:rPr lang="en-US" sz="8000" dirty="0">
+                <a:solidFill>
+                  <a:srgbClr val="FFFFFF"/>
+                </a:solidFill>
+                <a:latin typeface="Nunito Sans Heavy"/>
+              </a:rPr>
+              <a:t>1</a:t>
+            </a:r>
+            <a:r>
+              <a:rPr lang="hu-HU" sz="8000" dirty="0">
+                <a:solidFill>
+                  <a:srgbClr val="FFFFFF"/>
+                </a:solidFill>
+                <a:latin typeface="Nunito Sans Heavy"/>
+              </a:rPr>
+              <a:t>7</a:t>
+            </a:r>
+            <a:endParaRPr lang="en-US" sz="8000" dirty="0">
+              <a:solidFill>
+                <a:srgbClr val="FFFFFF"/>
+              </a:solidFill>
+              <a:latin typeface="Nunito Sans Heavy"/>
+            </a:endParaRPr>
+          </a:p>
+        </p:txBody>
+      </p:sp>
+      <p:sp>
+        <p:nvSpPr>
+          <p:cNvPr id="13" name="TextBox 13"/>
+          <p:cNvSpPr txBox="1"/>
+          <p:nvPr/>
+        </p:nvSpPr>
+        <p:spPr>
+          <a:xfrm>
+            <a:off x="2232683" y="502920"/>
+            <a:ext cx="13822634" cy="1333635"/>
+          </a:xfrm>
+          <a:prstGeom prst="rect">
+            <a:avLst/>
+          </a:prstGeom>
+        </p:spPr>
+        <p:txBody>
+          <a:bodyPr wrap="square" lIns="0" tIns="0" rIns="0" bIns="0" rtlCol="0" anchor="t">
+            <a:spAutoFit/>
+          </a:bodyPr>
+          <a:lstStyle/>
+          <a:p>
+            <a:pPr algn="ctr">
+              <a:lnSpc>
+                <a:spcPts val="11200"/>
+              </a:lnSpc>
+            </a:pPr>
+            <a:r>
+              <a:rPr lang="hu-HU" sz="8000" dirty="0">
+                <a:solidFill>
+                  <a:srgbClr val="004AAD"/>
+                </a:solidFill>
+                <a:latin typeface="Roboto Medium" panose="02000000000000000000" pitchFamily="2" charset="0"/>
+                <a:ea typeface="Roboto Medium" panose="02000000000000000000" pitchFamily="2" charset="0"/>
+              </a:rPr>
+              <a:t>Lekérdezések</a:t>
+            </a:r>
+            <a:endParaRPr lang="en-US" sz="8000" dirty="0">
+              <a:solidFill>
+                <a:srgbClr val="004AAD"/>
+              </a:solidFill>
+              <a:latin typeface="Roboto Medium" panose="02000000000000000000" pitchFamily="2" charset="0"/>
+              <a:ea typeface="Roboto Medium" panose="02000000000000000000" pitchFamily="2" charset="0"/>
+            </a:endParaRPr>
+          </a:p>
+        </p:txBody>
+      </p:sp>
+      <p:pic>
+        <p:nvPicPr>
+          <p:cNvPr id="14" name="Kép 13">
+            <a:extLst>
+              <a:ext uri="{FF2B5EF4-FFF2-40B4-BE49-F238E27FC236}">
+                <a16:creationId xmlns:a16="http://schemas.microsoft.com/office/drawing/2014/main" id="{3082E60A-7560-406A-8791-9269B883087C}"/>
+              </a:ext>
+            </a:extLst>
+          </p:cNvPr>
+          <p:cNvPicPr>
+            <a:picLocks noChangeAspect="1"/>
+          </p:cNvPicPr>
+          <p:nvPr/>
+        </p:nvPicPr>
+        <p:blipFill>
+          <a:blip r:embed="rId4"/>
+          <a:stretch>
+            <a:fillRect/>
+          </a:stretch>
+        </p:blipFill>
+        <p:spPr>
+          <a:xfrm>
+            <a:off x="4057885" y="1789332"/>
+            <a:ext cx="10194877" cy="7874957"/>
+          </a:xfrm>
+          <a:prstGeom prst="rect">
+            <a:avLst/>
+          </a:prstGeom>
+        </p:spPr>
+      </p:pic>
+    </p:spTree>
+    <p:extLst>
+      <p:ext uri="{BB962C8B-B14F-4D97-AF65-F5344CB8AC3E}">
+        <p14:creationId xmlns:p14="http://schemas.microsoft.com/office/powerpoint/2010/main" val="1577704402"/>
+      </p:ext>
+    </p:extLst>
+  </p:cSld>
+  <p:clrMapOvr>
+    <a:masterClrMapping/>
+  </p:clrMapOvr>
+</p:sld>
+</file>
+
 <file path=ppt/slides/slide2.xml><?xml version="1.0" encoding="utf-8"?>
 <p:sld xmlns:a="http://schemas.openxmlformats.org/drawingml/2006/main" xmlns:r="http://schemas.openxmlformats.org/officeDocument/2006/relationships" xmlns:p="http://schemas.openxmlformats.org/presentationml/2006/main">
   <p:cSld>
@@ -10586,6 +15019,944 @@
     <p:extLst>
       <p:ext uri="{BB962C8B-B14F-4D97-AF65-F5344CB8AC3E}">
         <p14:creationId xmlns:p14="http://schemas.microsoft.com/office/powerpoint/2010/main" val="1392957814"/>
+      </p:ext>
+    </p:extLst>
+  </p:cSld>
+  <p:clrMapOvr>
+    <a:masterClrMapping/>
+  </p:clrMapOvr>
+</p:sld>
+</file>
+
+<file path=ppt/slides/slide20.xml><?xml version="1.0" encoding="utf-8"?>
+<p:sld xmlns:a="http://schemas.openxmlformats.org/drawingml/2006/main" xmlns:r="http://schemas.openxmlformats.org/officeDocument/2006/relationships" xmlns:p="http://schemas.openxmlformats.org/presentationml/2006/main">
+  <p:cSld>
+    <p:spTree>
+      <p:nvGrpSpPr>
+        <p:cNvPr id="1" name=""/>
+        <p:cNvGrpSpPr/>
+        <p:nvPr/>
+      </p:nvGrpSpPr>
+      <p:grpSpPr>
+        <a:xfrm>
+          <a:off x="0" y="0"/>
+          <a:ext cx="0" cy="0"/>
+          <a:chOff x="0" y="0"/>
+          <a:chExt cx="0" cy="0"/>
+        </a:xfrm>
+      </p:grpSpPr>
+      <p:grpSp>
+        <p:nvGrpSpPr>
+          <p:cNvPr id="2" name="Group 2"/>
+          <p:cNvGrpSpPr/>
+          <p:nvPr/>
+        </p:nvGrpSpPr>
+        <p:grpSpPr>
+          <a:xfrm>
+            <a:off x="0" y="-987551"/>
+            <a:ext cx="18288000" cy="12262103"/>
+            <a:chOff x="0" y="0"/>
+            <a:chExt cx="24384000" cy="16349470"/>
+          </a:xfrm>
+        </p:grpSpPr>
+        <p:sp>
+          <p:nvSpPr>
+            <p:cNvPr id="3" name="Freeform 3"/>
+            <p:cNvSpPr/>
+            <p:nvPr/>
+          </p:nvSpPr>
+          <p:spPr>
+            <a:xfrm>
+              <a:off x="0" y="0"/>
+              <a:ext cx="8198458" cy="8198458"/>
+            </a:xfrm>
+            <a:custGeom>
+              <a:avLst/>
+              <a:gdLst/>
+              <a:ahLst/>
+              <a:cxnLst/>
+              <a:rect l="l" t="t" r="r" b="b"/>
+              <a:pathLst>
+                <a:path w="8198458" h="8198458">
+                  <a:moveTo>
+                    <a:pt x="0" y="0"/>
+                  </a:moveTo>
+                  <a:lnTo>
+                    <a:pt x="8198458" y="0"/>
+                  </a:lnTo>
+                  <a:lnTo>
+                    <a:pt x="8198458" y="8198458"/>
+                  </a:lnTo>
+                  <a:lnTo>
+                    <a:pt x="0" y="8198458"/>
+                  </a:lnTo>
+                  <a:lnTo>
+                    <a:pt x="0" y="0"/>
+                  </a:lnTo>
+                  <a:close/>
+                </a:path>
+              </a:pathLst>
+            </a:custGeom>
+            <a:blipFill>
+              <a:blip r:embed="rId2">
+                <a:alphaModFix amt="50000"/>
+                <a:extLst>
+                  <a:ext uri="{96DAC541-7B7A-43D3-8B79-37D633B846F1}">
+                    <asvg:svgBlip xmlns:asvg="http://schemas.microsoft.com/office/drawing/2016/SVG/main" r:embed="rId3"/>
+                  </a:ext>
+                </a:extLst>
+              </a:blip>
+              <a:stretch>
+                <a:fillRect/>
+              </a:stretch>
+            </a:blipFill>
+          </p:spPr>
+        </p:sp>
+        <p:sp>
+          <p:nvSpPr>
+            <p:cNvPr id="4" name="Freeform 4"/>
+            <p:cNvSpPr/>
+            <p:nvPr/>
+          </p:nvSpPr>
+          <p:spPr>
+            <a:xfrm>
+              <a:off x="0" y="8103568"/>
+              <a:ext cx="8198458" cy="8198458"/>
+            </a:xfrm>
+            <a:custGeom>
+              <a:avLst/>
+              <a:gdLst/>
+              <a:ahLst/>
+              <a:cxnLst/>
+              <a:rect l="l" t="t" r="r" b="b"/>
+              <a:pathLst>
+                <a:path w="8198458" h="8198458">
+                  <a:moveTo>
+                    <a:pt x="0" y="0"/>
+                  </a:moveTo>
+                  <a:lnTo>
+                    <a:pt x="8198458" y="0"/>
+                  </a:lnTo>
+                  <a:lnTo>
+                    <a:pt x="8198458" y="8198458"/>
+                  </a:lnTo>
+                  <a:lnTo>
+                    <a:pt x="0" y="8198458"/>
+                  </a:lnTo>
+                  <a:lnTo>
+                    <a:pt x="0" y="0"/>
+                  </a:lnTo>
+                  <a:close/>
+                </a:path>
+              </a:pathLst>
+            </a:custGeom>
+            <a:blipFill>
+              <a:blip r:embed="rId2">
+                <a:alphaModFix amt="50000"/>
+                <a:extLst>
+                  <a:ext uri="{96DAC541-7B7A-43D3-8B79-37D633B846F1}">
+                    <asvg:svgBlip xmlns:asvg="http://schemas.microsoft.com/office/drawing/2016/SVG/main" r:embed="rId3"/>
+                  </a:ext>
+                </a:extLst>
+              </a:blip>
+              <a:stretch>
+                <a:fillRect/>
+              </a:stretch>
+            </a:blipFill>
+          </p:spPr>
+        </p:sp>
+        <p:sp>
+          <p:nvSpPr>
+            <p:cNvPr id="5" name="Freeform 5"/>
+            <p:cNvSpPr/>
+            <p:nvPr/>
+          </p:nvSpPr>
+          <p:spPr>
+            <a:xfrm>
+              <a:off x="8107869" y="0"/>
+              <a:ext cx="8198458" cy="8198458"/>
+            </a:xfrm>
+            <a:custGeom>
+              <a:avLst/>
+              <a:gdLst/>
+              <a:ahLst/>
+              <a:cxnLst/>
+              <a:rect l="l" t="t" r="r" b="b"/>
+              <a:pathLst>
+                <a:path w="8198458" h="8198458">
+                  <a:moveTo>
+                    <a:pt x="0" y="0"/>
+                  </a:moveTo>
+                  <a:lnTo>
+                    <a:pt x="8198458" y="0"/>
+                  </a:lnTo>
+                  <a:lnTo>
+                    <a:pt x="8198458" y="8198458"/>
+                  </a:lnTo>
+                  <a:lnTo>
+                    <a:pt x="0" y="8198458"/>
+                  </a:lnTo>
+                  <a:lnTo>
+                    <a:pt x="0" y="0"/>
+                  </a:lnTo>
+                  <a:close/>
+                </a:path>
+              </a:pathLst>
+            </a:custGeom>
+            <a:blipFill>
+              <a:blip r:embed="rId2">
+                <a:alphaModFix amt="50000"/>
+                <a:extLst>
+                  <a:ext uri="{96DAC541-7B7A-43D3-8B79-37D633B846F1}">
+                    <asvg:svgBlip xmlns:asvg="http://schemas.microsoft.com/office/drawing/2016/SVG/main" r:embed="rId3"/>
+                  </a:ext>
+                </a:extLst>
+              </a:blip>
+              <a:stretch>
+                <a:fillRect/>
+              </a:stretch>
+            </a:blipFill>
+          </p:spPr>
+        </p:sp>
+        <p:sp>
+          <p:nvSpPr>
+            <p:cNvPr id="6" name="Freeform 6"/>
+            <p:cNvSpPr/>
+            <p:nvPr/>
+          </p:nvSpPr>
+          <p:spPr>
+            <a:xfrm>
+              <a:off x="8107869" y="8103568"/>
+              <a:ext cx="8198458" cy="8198458"/>
+            </a:xfrm>
+            <a:custGeom>
+              <a:avLst/>
+              <a:gdLst/>
+              <a:ahLst/>
+              <a:cxnLst/>
+              <a:rect l="l" t="t" r="r" b="b"/>
+              <a:pathLst>
+                <a:path w="8198458" h="8198458">
+                  <a:moveTo>
+                    <a:pt x="0" y="0"/>
+                  </a:moveTo>
+                  <a:lnTo>
+                    <a:pt x="8198458" y="0"/>
+                  </a:lnTo>
+                  <a:lnTo>
+                    <a:pt x="8198458" y="8198458"/>
+                  </a:lnTo>
+                  <a:lnTo>
+                    <a:pt x="0" y="8198458"/>
+                  </a:lnTo>
+                  <a:lnTo>
+                    <a:pt x="0" y="0"/>
+                  </a:lnTo>
+                  <a:close/>
+                </a:path>
+              </a:pathLst>
+            </a:custGeom>
+            <a:blipFill>
+              <a:blip r:embed="rId2">
+                <a:alphaModFix amt="50000"/>
+                <a:extLst>
+                  <a:ext uri="{96DAC541-7B7A-43D3-8B79-37D633B846F1}">
+                    <asvg:svgBlip xmlns:asvg="http://schemas.microsoft.com/office/drawing/2016/SVG/main" r:embed="rId3"/>
+                  </a:ext>
+                </a:extLst>
+              </a:blip>
+              <a:stretch>
+                <a:fillRect/>
+              </a:stretch>
+            </a:blipFill>
+          </p:spPr>
+        </p:sp>
+        <p:sp>
+          <p:nvSpPr>
+            <p:cNvPr id="7" name="Freeform 7"/>
+            <p:cNvSpPr/>
+            <p:nvPr/>
+          </p:nvSpPr>
+          <p:spPr>
+            <a:xfrm>
+              <a:off x="16185542" y="47445"/>
+              <a:ext cx="8198458" cy="8198458"/>
+            </a:xfrm>
+            <a:custGeom>
+              <a:avLst/>
+              <a:gdLst/>
+              <a:ahLst/>
+              <a:cxnLst/>
+              <a:rect l="l" t="t" r="r" b="b"/>
+              <a:pathLst>
+                <a:path w="8198458" h="8198458">
+                  <a:moveTo>
+                    <a:pt x="0" y="0"/>
+                  </a:moveTo>
+                  <a:lnTo>
+                    <a:pt x="8198458" y="0"/>
+                  </a:lnTo>
+                  <a:lnTo>
+                    <a:pt x="8198458" y="8198457"/>
+                  </a:lnTo>
+                  <a:lnTo>
+                    <a:pt x="0" y="8198457"/>
+                  </a:lnTo>
+                  <a:lnTo>
+                    <a:pt x="0" y="0"/>
+                  </a:lnTo>
+                  <a:close/>
+                </a:path>
+              </a:pathLst>
+            </a:custGeom>
+            <a:blipFill>
+              <a:blip r:embed="rId2">
+                <a:alphaModFix amt="50000"/>
+                <a:extLst>
+                  <a:ext uri="{96DAC541-7B7A-43D3-8B79-37D633B846F1}">
+                    <asvg:svgBlip xmlns:asvg="http://schemas.microsoft.com/office/drawing/2016/SVG/main" r:embed="rId3"/>
+                  </a:ext>
+                </a:extLst>
+              </a:blip>
+              <a:stretch>
+                <a:fillRect/>
+              </a:stretch>
+            </a:blipFill>
+          </p:spPr>
+        </p:sp>
+        <p:sp>
+          <p:nvSpPr>
+            <p:cNvPr id="8" name="Freeform 8"/>
+            <p:cNvSpPr/>
+            <p:nvPr/>
+          </p:nvSpPr>
+          <p:spPr>
+            <a:xfrm>
+              <a:off x="16185542" y="8151013"/>
+              <a:ext cx="8198458" cy="8198458"/>
+            </a:xfrm>
+            <a:custGeom>
+              <a:avLst/>
+              <a:gdLst/>
+              <a:ahLst/>
+              <a:cxnLst/>
+              <a:rect l="l" t="t" r="r" b="b"/>
+              <a:pathLst>
+                <a:path w="8198458" h="8198458">
+                  <a:moveTo>
+                    <a:pt x="0" y="0"/>
+                  </a:moveTo>
+                  <a:lnTo>
+                    <a:pt x="8198458" y="0"/>
+                  </a:lnTo>
+                  <a:lnTo>
+                    <a:pt x="8198458" y="8198457"/>
+                  </a:lnTo>
+                  <a:lnTo>
+                    <a:pt x="0" y="8198457"/>
+                  </a:lnTo>
+                  <a:lnTo>
+                    <a:pt x="0" y="0"/>
+                  </a:lnTo>
+                  <a:close/>
+                </a:path>
+              </a:pathLst>
+            </a:custGeom>
+            <a:blipFill>
+              <a:blip r:embed="rId2">
+                <a:alphaModFix amt="50000"/>
+                <a:extLst>
+                  <a:ext uri="{96DAC541-7B7A-43D3-8B79-37D633B846F1}">
+                    <asvg:svgBlip xmlns:asvg="http://schemas.microsoft.com/office/drawing/2016/SVG/main" r:embed="rId3"/>
+                  </a:ext>
+                </a:extLst>
+              </a:blip>
+              <a:stretch>
+                <a:fillRect/>
+              </a:stretch>
+            </a:blipFill>
+          </p:spPr>
+        </p:sp>
+      </p:grpSp>
+      <p:grpSp>
+        <p:nvGrpSpPr>
+          <p:cNvPr id="9" name="Group 9"/>
+          <p:cNvGrpSpPr/>
+          <p:nvPr/>
+        </p:nvGrpSpPr>
+        <p:grpSpPr>
+          <a:xfrm>
+            <a:off x="-2038330" y="-2073710"/>
+            <a:ext cx="5041299" cy="5041299"/>
+            <a:chOff x="0" y="0"/>
+            <a:chExt cx="812800" cy="812800"/>
+          </a:xfrm>
+        </p:grpSpPr>
+        <p:sp>
+          <p:nvSpPr>
+            <p:cNvPr id="10" name="Freeform 10"/>
+            <p:cNvSpPr/>
+            <p:nvPr/>
+          </p:nvSpPr>
+          <p:spPr>
+            <a:xfrm>
+              <a:off x="0" y="0"/>
+              <a:ext cx="812800" cy="812800"/>
+            </a:xfrm>
+            <a:custGeom>
+              <a:avLst/>
+              <a:gdLst/>
+              <a:ahLst/>
+              <a:cxnLst/>
+              <a:rect l="l" t="t" r="r" b="b"/>
+              <a:pathLst>
+                <a:path w="812800" h="812800">
+                  <a:moveTo>
+                    <a:pt x="406400" y="0"/>
+                  </a:moveTo>
+                  <a:cubicBezTo>
+                    <a:pt x="181951" y="0"/>
+                    <a:pt x="0" y="181951"/>
+                    <a:pt x="0" y="406400"/>
+                  </a:cubicBezTo>
+                  <a:cubicBezTo>
+                    <a:pt x="0" y="630849"/>
+                    <a:pt x="181951" y="812800"/>
+                    <a:pt x="406400" y="812800"/>
+                  </a:cubicBezTo>
+                  <a:cubicBezTo>
+                    <a:pt x="630849" y="812800"/>
+                    <a:pt x="812800" y="630849"/>
+                    <a:pt x="812800" y="406400"/>
+                  </a:cubicBezTo>
+                  <a:cubicBezTo>
+                    <a:pt x="812800" y="181951"/>
+                    <a:pt x="630849" y="0"/>
+                    <a:pt x="406400" y="0"/>
+                  </a:cubicBezTo>
+                  <a:close/>
+                </a:path>
+              </a:pathLst>
+            </a:custGeom>
+            <a:solidFill>
+              <a:srgbClr val="004AAD"/>
+            </a:solidFill>
+            <a:ln cap="sq">
+              <a:noFill/>
+              <a:prstDash val="solid"/>
+              <a:miter/>
+            </a:ln>
+          </p:spPr>
+        </p:sp>
+        <p:sp>
+          <p:nvSpPr>
+            <p:cNvPr id="11" name="TextBox 11"/>
+            <p:cNvSpPr txBox="1"/>
+            <p:nvPr/>
+          </p:nvSpPr>
+          <p:spPr>
+            <a:xfrm>
+              <a:off x="76200" y="38100"/>
+              <a:ext cx="660400" cy="698500"/>
+            </a:xfrm>
+            <a:prstGeom prst="rect">
+              <a:avLst/>
+            </a:prstGeom>
+          </p:spPr>
+          <p:txBody>
+            <a:bodyPr lIns="50800" tIns="50800" rIns="50800" bIns="50800" rtlCol="0" anchor="ctr"/>
+            <a:lstStyle/>
+            <a:p>
+              <a:pPr algn="ctr">
+                <a:lnSpc>
+                  <a:spcPts val="2800"/>
+                </a:lnSpc>
+              </a:pPr>
+              <a:endParaRPr/>
+            </a:p>
+          </p:txBody>
+        </p:sp>
+      </p:grpSp>
+      <p:sp>
+        <p:nvSpPr>
+          <p:cNvPr id="12" name="TextBox 12"/>
+          <p:cNvSpPr txBox="1"/>
+          <p:nvPr/>
+        </p:nvSpPr>
+        <p:spPr>
+          <a:xfrm>
+            <a:off x="411934" y="502681"/>
+            <a:ext cx="1939447" cy="1377949"/>
+          </a:xfrm>
+          <a:prstGeom prst="rect">
+            <a:avLst/>
+          </a:prstGeom>
+        </p:spPr>
+        <p:txBody>
+          <a:bodyPr lIns="0" tIns="0" rIns="0" bIns="0" rtlCol="0" anchor="t">
+            <a:spAutoFit/>
+          </a:bodyPr>
+          <a:lstStyle/>
+          <a:p>
+            <a:pPr algn="ctr">
+              <a:lnSpc>
+                <a:spcPts val="11200"/>
+              </a:lnSpc>
+            </a:pPr>
+            <a:r>
+              <a:rPr lang="en-US" sz="8000" dirty="0">
+                <a:solidFill>
+                  <a:srgbClr val="FFFFFF"/>
+                </a:solidFill>
+                <a:latin typeface="Nunito Sans Heavy"/>
+              </a:rPr>
+              <a:t>1</a:t>
+            </a:r>
+            <a:r>
+              <a:rPr lang="hu-HU" sz="8000" dirty="0">
+                <a:solidFill>
+                  <a:srgbClr val="FFFFFF"/>
+                </a:solidFill>
+                <a:latin typeface="Nunito Sans Heavy"/>
+              </a:rPr>
+              <a:t>8</a:t>
+            </a:r>
+            <a:endParaRPr lang="en-US" sz="8000" dirty="0">
+              <a:solidFill>
+                <a:srgbClr val="FFFFFF"/>
+              </a:solidFill>
+              <a:latin typeface="Nunito Sans Heavy"/>
+            </a:endParaRPr>
+          </a:p>
+        </p:txBody>
+      </p:sp>
+      <p:sp>
+        <p:nvSpPr>
+          <p:cNvPr id="13" name="TextBox 13"/>
+          <p:cNvSpPr txBox="1"/>
+          <p:nvPr/>
+        </p:nvSpPr>
+        <p:spPr>
+          <a:xfrm>
+            <a:off x="2232683" y="502920"/>
+            <a:ext cx="13822634" cy="1333635"/>
+          </a:xfrm>
+          <a:prstGeom prst="rect">
+            <a:avLst/>
+          </a:prstGeom>
+        </p:spPr>
+        <p:txBody>
+          <a:bodyPr wrap="square" lIns="0" tIns="0" rIns="0" bIns="0" rtlCol="0" anchor="t">
+            <a:spAutoFit/>
+          </a:bodyPr>
+          <a:lstStyle/>
+          <a:p>
+            <a:pPr algn="ctr">
+              <a:lnSpc>
+                <a:spcPts val="11200"/>
+              </a:lnSpc>
+            </a:pPr>
+            <a:r>
+              <a:rPr lang="en-US" sz="8000" dirty="0">
+                <a:solidFill>
+                  <a:srgbClr val="004AAD"/>
+                </a:solidFill>
+                <a:latin typeface="Roboto Medium" panose="02000000000000000000" pitchFamily="2" charset="0"/>
+                <a:ea typeface="Roboto Medium" panose="02000000000000000000" pitchFamily="2" charset="0"/>
+              </a:rPr>
+              <a:t>Haskell </a:t>
+            </a:r>
+            <a:r>
+              <a:rPr lang="en-US" sz="8000" dirty="0" err="1">
+                <a:solidFill>
+                  <a:srgbClr val="004AAD"/>
+                </a:solidFill>
+                <a:latin typeface="Roboto Medium" panose="02000000000000000000" pitchFamily="2" charset="0"/>
+                <a:ea typeface="Roboto Medium" panose="02000000000000000000" pitchFamily="2" charset="0"/>
+              </a:rPr>
+              <a:t>reprezentáció</a:t>
+            </a:r>
+            <a:endParaRPr lang="en-US" sz="8000" dirty="0">
+              <a:solidFill>
+                <a:srgbClr val="004AAD"/>
+              </a:solidFill>
+              <a:latin typeface="Roboto Medium" panose="02000000000000000000" pitchFamily="2" charset="0"/>
+              <a:ea typeface="Roboto Medium" panose="02000000000000000000" pitchFamily="2" charset="0"/>
+            </a:endParaRPr>
+          </a:p>
+        </p:txBody>
+      </p:sp>
+      <p:grpSp>
+        <p:nvGrpSpPr>
+          <p:cNvPr id="35" name="Csoportba foglalás 34">
+            <a:extLst>
+              <a:ext uri="{FF2B5EF4-FFF2-40B4-BE49-F238E27FC236}">
+                <a16:creationId xmlns:a16="http://schemas.microsoft.com/office/drawing/2014/main" id="{F2C824AC-3505-4E37-B767-DD9EB187A385}"/>
+              </a:ext>
+            </a:extLst>
+          </p:cNvPr>
+          <p:cNvGrpSpPr>
+            <a:grpSpLocks noChangeAspect="1"/>
+          </p:cNvGrpSpPr>
+          <p:nvPr/>
+        </p:nvGrpSpPr>
+        <p:grpSpPr>
+          <a:xfrm>
+            <a:off x="4568677" y="2743200"/>
+            <a:ext cx="9659553" cy="7040880"/>
+            <a:chOff x="4876800" y="2760483"/>
+            <a:chExt cx="9104563" cy="6636347"/>
+          </a:xfrm>
+        </p:grpSpPr>
+        <p:pic>
+          <p:nvPicPr>
+            <p:cNvPr id="15" name="Kép 14">
+              <a:extLst>
+                <a:ext uri="{FF2B5EF4-FFF2-40B4-BE49-F238E27FC236}">
+                  <a16:creationId xmlns:a16="http://schemas.microsoft.com/office/drawing/2014/main" id="{74C44C50-920B-43BD-A9D5-8C944288D289}"/>
+                </a:ext>
+              </a:extLst>
+            </p:cNvPr>
+            <p:cNvPicPr>
+              <a:picLocks noChangeAspect="1"/>
+            </p:cNvPicPr>
+            <p:nvPr/>
+          </p:nvPicPr>
+          <p:blipFill>
+            <a:blip r:embed="rId4"/>
+            <a:stretch>
+              <a:fillRect/>
+            </a:stretch>
+          </p:blipFill>
+          <p:spPr>
+            <a:xfrm>
+              <a:off x="4876800" y="2760483"/>
+              <a:ext cx="3026802" cy="1493747"/>
+            </a:xfrm>
+            <a:prstGeom prst="rect">
+              <a:avLst/>
+            </a:prstGeom>
+          </p:spPr>
+        </p:pic>
+        <p:pic>
+          <p:nvPicPr>
+            <p:cNvPr id="18" name="Kép 17">
+              <a:extLst>
+                <a:ext uri="{FF2B5EF4-FFF2-40B4-BE49-F238E27FC236}">
+                  <a16:creationId xmlns:a16="http://schemas.microsoft.com/office/drawing/2014/main" id="{1096CA42-679D-484D-AAAC-C9524E2CCF68}"/>
+                </a:ext>
+              </a:extLst>
+            </p:cNvPr>
+            <p:cNvPicPr>
+              <a:picLocks noChangeAspect="1"/>
+            </p:cNvPicPr>
+            <p:nvPr/>
+          </p:nvPicPr>
+          <p:blipFill>
+            <a:blip r:embed="rId5"/>
+            <a:stretch>
+              <a:fillRect/>
+            </a:stretch>
+          </p:blipFill>
+          <p:spPr>
+            <a:xfrm>
+              <a:off x="4887926" y="4390690"/>
+              <a:ext cx="2908874" cy="1768909"/>
+            </a:xfrm>
+            <a:prstGeom prst="rect">
+              <a:avLst/>
+            </a:prstGeom>
+          </p:spPr>
+        </p:pic>
+        <p:pic>
+          <p:nvPicPr>
+            <p:cNvPr id="22" name="Kép 21">
+              <a:extLst>
+                <a:ext uri="{FF2B5EF4-FFF2-40B4-BE49-F238E27FC236}">
+                  <a16:creationId xmlns:a16="http://schemas.microsoft.com/office/drawing/2014/main" id="{FA928877-2419-4EAC-A057-8EE89B75DCD8}"/>
+                </a:ext>
+              </a:extLst>
+            </p:cNvPr>
+            <p:cNvPicPr>
+              <a:picLocks noChangeAspect="1"/>
+            </p:cNvPicPr>
+            <p:nvPr/>
+          </p:nvPicPr>
+          <p:blipFill>
+            <a:blip r:embed="rId6"/>
+            <a:stretch>
+              <a:fillRect/>
+            </a:stretch>
+          </p:blipFill>
+          <p:spPr>
+            <a:xfrm>
+              <a:off x="8844972" y="4464143"/>
+              <a:ext cx="4127457" cy="2961286"/>
+            </a:xfrm>
+            <a:prstGeom prst="rect">
+              <a:avLst/>
+            </a:prstGeom>
+          </p:spPr>
+        </p:pic>
+        <p:pic>
+          <p:nvPicPr>
+            <p:cNvPr id="24" name="Kép 23">
+              <a:extLst>
+                <a:ext uri="{FF2B5EF4-FFF2-40B4-BE49-F238E27FC236}">
+                  <a16:creationId xmlns:a16="http://schemas.microsoft.com/office/drawing/2014/main" id="{3B30EF8E-F266-4B8C-BD90-4C012D4E9529}"/>
+                </a:ext>
+              </a:extLst>
+            </p:cNvPr>
+            <p:cNvPicPr>
+              <a:picLocks noChangeAspect="1"/>
+            </p:cNvPicPr>
+            <p:nvPr/>
+          </p:nvPicPr>
+          <p:blipFill>
+            <a:blip r:embed="rId7"/>
+            <a:stretch>
+              <a:fillRect/>
+            </a:stretch>
+          </p:blipFill>
+          <p:spPr>
+            <a:xfrm>
+              <a:off x="4887926" y="6296752"/>
+              <a:ext cx="2515783" cy="1755807"/>
+            </a:xfrm>
+            <a:prstGeom prst="rect">
+              <a:avLst/>
+            </a:prstGeom>
+          </p:spPr>
+        </p:pic>
+        <p:pic>
+          <p:nvPicPr>
+            <p:cNvPr id="25" name="Kép 24">
+              <a:extLst>
+                <a:ext uri="{FF2B5EF4-FFF2-40B4-BE49-F238E27FC236}">
+                  <a16:creationId xmlns:a16="http://schemas.microsoft.com/office/drawing/2014/main" id="{C63A2F62-CBC5-4798-8497-636A6065B540}"/>
+                </a:ext>
+              </a:extLst>
+            </p:cNvPr>
+            <p:cNvPicPr>
+              <a:picLocks noChangeAspect="1"/>
+            </p:cNvPicPr>
+            <p:nvPr/>
+          </p:nvPicPr>
+          <p:blipFill>
+            <a:blip r:embed="rId8"/>
+            <a:stretch>
+              <a:fillRect/>
+            </a:stretch>
+          </p:blipFill>
+          <p:spPr>
+            <a:xfrm>
+              <a:off x="4887926" y="8189712"/>
+              <a:ext cx="2293032" cy="759976"/>
+            </a:xfrm>
+            <a:prstGeom prst="rect">
+              <a:avLst/>
+            </a:prstGeom>
+          </p:spPr>
+        </p:pic>
+        <p:pic>
+          <p:nvPicPr>
+            <p:cNvPr id="26" name="Kép 25">
+              <a:extLst>
+                <a:ext uri="{FF2B5EF4-FFF2-40B4-BE49-F238E27FC236}">
+                  <a16:creationId xmlns:a16="http://schemas.microsoft.com/office/drawing/2014/main" id="{C0FBE7D2-7C21-42DC-855F-4144AD37B757}"/>
+                </a:ext>
+              </a:extLst>
+            </p:cNvPr>
+            <p:cNvPicPr>
+              <a:picLocks noChangeAspect="1"/>
+            </p:cNvPicPr>
+            <p:nvPr/>
+          </p:nvPicPr>
+          <p:blipFill>
+            <a:blip r:embed="rId9"/>
+            <a:stretch>
+              <a:fillRect/>
+            </a:stretch>
+          </p:blipFill>
+          <p:spPr>
+            <a:xfrm>
+              <a:off x="8863642" y="2760483"/>
+              <a:ext cx="4324003" cy="1008933"/>
+            </a:xfrm>
+            <a:prstGeom prst="rect">
+              <a:avLst/>
+            </a:prstGeom>
+          </p:spPr>
+        </p:pic>
+        <p:pic>
+          <p:nvPicPr>
+            <p:cNvPr id="27" name="Kép 26">
+              <a:extLst>
+                <a:ext uri="{FF2B5EF4-FFF2-40B4-BE49-F238E27FC236}">
+                  <a16:creationId xmlns:a16="http://schemas.microsoft.com/office/drawing/2014/main" id="{811D572D-B70D-4265-A3FA-F0C4AFAD200E}"/>
+                </a:ext>
+              </a:extLst>
+            </p:cNvPr>
+            <p:cNvPicPr>
+              <a:picLocks noChangeAspect="1"/>
+            </p:cNvPicPr>
+            <p:nvPr/>
+          </p:nvPicPr>
+          <p:blipFill>
+            <a:blip r:embed="rId10"/>
+            <a:stretch>
+              <a:fillRect/>
+            </a:stretch>
+          </p:blipFill>
+          <p:spPr>
+            <a:xfrm>
+              <a:off x="8863642" y="3858431"/>
+              <a:ext cx="2384753" cy="275164"/>
+            </a:xfrm>
+            <a:prstGeom prst="rect">
+              <a:avLst/>
+            </a:prstGeom>
+          </p:spPr>
+        </p:pic>
+        <p:pic>
+          <p:nvPicPr>
+            <p:cNvPr id="28" name="Kép 27">
+              <a:extLst>
+                <a:ext uri="{FF2B5EF4-FFF2-40B4-BE49-F238E27FC236}">
+                  <a16:creationId xmlns:a16="http://schemas.microsoft.com/office/drawing/2014/main" id="{203416D9-3747-4082-B9B0-974A4A0B0F90}"/>
+                </a:ext>
+              </a:extLst>
+            </p:cNvPr>
+            <p:cNvPicPr>
+              <a:picLocks noChangeAspect="1"/>
+            </p:cNvPicPr>
+            <p:nvPr/>
+          </p:nvPicPr>
+          <p:blipFill>
+            <a:blip r:embed="rId11"/>
+            <a:stretch>
+              <a:fillRect/>
+            </a:stretch>
+          </p:blipFill>
+          <p:spPr>
+            <a:xfrm>
+              <a:off x="8844972" y="7824465"/>
+              <a:ext cx="5136391" cy="1572365"/>
+            </a:xfrm>
+            <a:prstGeom prst="rect">
+              <a:avLst/>
+            </a:prstGeom>
+          </p:spPr>
+        </p:pic>
+      </p:grpSp>
+      <p:sp>
+        <p:nvSpPr>
+          <p:cNvPr id="31" name="Szövegdoboz 30">
+            <a:extLst>
+              <a:ext uri="{FF2B5EF4-FFF2-40B4-BE49-F238E27FC236}">
+                <a16:creationId xmlns:a16="http://schemas.microsoft.com/office/drawing/2014/main" id="{089D3005-881E-4173-A524-CB7358D93A6E}"/>
+              </a:ext>
+            </a:extLst>
+          </p:cNvPr>
+          <p:cNvSpPr txBox="1"/>
+          <p:nvPr/>
+        </p:nvSpPr>
+        <p:spPr>
+          <a:xfrm>
+            <a:off x="4580481" y="2122455"/>
+            <a:ext cx="1241045" cy="523220"/>
+          </a:xfrm>
+          <a:prstGeom prst="rect">
+            <a:avLst/>
+          </a:prstGeom>
+          <a:noFill/>
+        </p:spPr>
+        <p:txBody>
+          <a:bodyPr wrap="none" rtlCol="0">
+            <a:spAutoFit/>
+          </a:bodyPr>
+          <a:lstStyle/>
+          <a:p>
+            <a:r>
+              <a:rPr lang="hu-HU" sz="2800" dirty="0">
+                <a:solidFill>
+                  <a:srgbClr val="000000"/>
+                </a:solidFill>
+                <a:latin typeface="Roboto Light" panose="02000000000000000000" pitchFamily="2" charset="0"/>
+                <a:ea typeface="Roboto Light" panose="02000000000000000000" pitchFamily="2" charset="0"/>
+              </a:rPr>
+              <a:t>M</a:t>
+            </a:r>
+            <a:r>
+              <a:rPr lang="en-US" sz="2800" dirty="0" err="1">
+                <a:solidFill>
+                  <a:srgbClr val="000000"/>
+                </a:solidFill>
+                <a:latin typeface="Roboto Light" panose="02000000000000000000" pitchFamily="2" charset="0"/>
+                <a:ea typeface="Roboto Light" panose="02000000000000000000" pitchFamily="2" charset="0"/>
+              </a:rPr>
+              <a:t>odell</a:t>
+            </a:r>
+            <a:endParaRPr lang="hu-HU" sz="1200" dirty="0"/>
+          </a:p>
+        </p:txBody>
+      </p:sp>
+      <p:sp>
+        <p:nvSpPr>
+          <p:cNvPr id="33" name="Szövegdoboz 32">
+            <a:extLst>
+              <a:ext uri="{FF2B5EF4-FFF2-40B4-BE49-F238E27FC236}">
+                <a16:creationId xmlns:a16="http://schemas.microsoft.com/office/drawing/2014/main" id="{62007B9C-2FC4-4F13-801B-9844F669DFF7}"/>
+              </a:ext>
+            </a:extLst>
+          </p:cNvPr>
+          <p:cNvSpPr txBox="1"/>
+          <p:nvPr/>
+        </p:nvSpPr>
+        <p:spPr>
+          <a:xfrm>
+            <a:off x="8778738" y="2122455"/>
+            <a:ext cx="1742785" cy="523220"/>
+          </a:xfrm>
+          <a:prstGeom prst="rect">
+            <a:avLst/>
+          </a:prstGeom>
+          <a:noFill/>
+        </p:spPr>
+        <p:txBody>
+          <a:bodyPr wrap="none" rtlCol="0">
+            <a:spAutoFit/>
+          </a:bodyPr>
+          <a:lstStyle/>
+          <a:p>
+            <a:r>
+              <a:rPr lang="en-US" sz="2800" dirty="0" err="1">
+                <a:solidFill>
+                  <a:srgbClr val="000000"/>
+                </a:solidFill>
+                <a:latin typeface="Roboto Light" panose="02000000000000000000" pitchFamily="2" charset="0"/>
+                <a:ea typeface="Roboto Light" panose="02000000000000000000" pitchFamily="2" charset="0"/>
+              </a:rPr>
+              <a:t>Adatb</a:t>
+            </a:r>
+            <a:r>
+              <a:rPr lang="hu-HU" sz="2800" dirty="0" err="1">
+                <a:solidFill>
+                  <a:srgbClr val="000000"/>
+                </a:solidFill>
+                <a:latin typeface="Roboto Light" panose="02000000000000000000" pitchFamily="2" charset="0"/>
+                <a:ea typeface="Roboto Light" panose="02000000000000000000" pitchFamily="2" charset="0"/>
+              </a:rPr>
+              <a:t>ázis</a:t>
+            </a:r>
+            <a:endParaRPr lang="hu-HU" sz="1200" dirty="0"/>
+          </a:p>
+        </p:txBody>
+      </p:sp>
+    </p:spTree>
+    <p:extLst>
+      <p:ext uri="{BB962C8B-B14F-4D97-AF65-F5344CB8AC3E}">
+        <p14:creationId xmlns:p14="http://schemas.microsoft.com/office/powerpoint/2010/main" val="2554008671"/>
       </p:ext>
     </p:extLst>
   </p:cSld>
